--- a/ES6.pptx
+++ b/ES6.pptx
@@ -17,6 +17,9 @@
     <p:sldId id="265" r:id="rId11"/>
     <p:sldId id="267" r:id="rId12"/>
     <p:sldId id="268" r:id="rId13"/>
+    <p:sldId id="269" r:id="rId14"/>
+    <p:sldId id="270" r:id="rId15"/>
+    <p:sldId id="271" r:id="rId16"/>
   </p:sldIdLst>
   <p:sldSz cx="12192000" cy="6858000"/>
   <p:notesSz cx="6858000" cy="9144000"/>
@@ -1335,7 +1338,7 @@
             <a:fld id="{9334D819-9F07-4261-B09B-9E467E5D9002}" type="datetimeFigureOut">
               <a:rPr lang="en-US" dirty="0"/>
               <a:pPr/>
-              <a:t>11/6/2018</a:t>
+              <a:t>11/7/2018</a:t>
             </a:fld>
             <a:endParaRPr lang="en-US" dirty="0"/>
           </a:p>
@@ -1569,7 +1572,7 @@
           <a:p>
             <a:fld id="{9334D819-9F07-4261-B09B-9E467E5D9002}" type="datetimeFigureOut">
               <a:rPr lang="en-US" dirty="0"/>
-              <a:t>11/6/2018</a:t>
+              <a:t>11/7/2018</a:t>
             </a:fld>
             <a:endParaRPr lang="en-US" dirty="0"/>
           </a:p>
@@ -1744,7 +1747,7 @@
           <a:p>
             <a:fld id="{9334D819-9F07-4261-B09B-9E467E5D9002}" type="datetimeFigureOut">
               <a:rPr lang="en-US" dirty="0"/>
-              <a:t>11/6/2018</a:t>
+              <a:t>11/7/2018</a:t>
             </a:fld>
             <a:endParaRPr lang="en-US" dirty="0"/>
           </a:p>
@@ -1909,7 +1912,7 @@
           <a:p>
             <a:fld id="{9334D819-9F07-4261-B09B-9E467E5D9002}" type="datetimeFigureOut">
               <a:rPr lang="en-US" dirty="0"/>
-              <a:t>11/6/2018</a:t>
+              <a:t>11/7/2018</a:t>
             </a:fld>
             <a:endParaRPr lang="en-US" dirty="0"/>
           </a:p>
@@ -2181,7 +2184,7 @@
             <a:fld id="{9334D819-9F07-4261-B09B-9E467E5D9002}" type="datetimeFigureOut">
               <a:rPr lang="en-US" dirty="0"/>
               <a:pPr/>
-              <a:t>11/6/2018</a:t>
+              <a:t>11/7/2018</a:t>
             </a:fld>
             <a:endParaRPr lang="en-US" dirty="0"/>
           </a:p>
@@ -3378,7 +3381,7 @@
           <a:p>
             <a:fld id="{9334D819-9F07-4261-B09B-9E467E5D9002}" type="datetimeFigureOut">
               <a:rPr lang="en-US" dirty="0"/>
-              <a:t>11/6/2018</a:t>
+              <a:t>11/7/2018</a:t>
             </a:fld>
             <a:endParaRPr lang="en-US" dirty="0"/>
           </a:p>
@@ -3763,7 +3766,7 @@
           <a:p>
             <a:fld id="{9334D819-9F07-4261-B09B-9E467E5D9002}" type="datetimeFigureOut">
               <a:rPr lang="en-US" dirty="0"/>
-              <a:t>11/6/2018</a:t>
+              <a:t>11/7/2018</a:t>
             </a:fld>
             <a:endParaRPr lang="en-US" dirty="0"/>
           </a:p>
@@ -3881,7 +3884,7 @@
           <a:p>
             <a:fld id="{9334D819-9F07-4261-B09B-9E467E5D9002}" type="datetimeFigureOut">
               <a:rPr lang="en-US" dirty="0"/>
-              <a:t>11/6/2018</a:t>
+              <a:t>11/7/2018</a:t>
             </a:fld>
             <a:endParaRPr lang="en-US" dirty="0"/>
           </a:p>
@@ -3971,7 +3974,7 @@
           <a:p>
             <a:fld id="{9334D819-9F07-4261-B09B-9E467E5D9002}" type="datetimeFigureOut">
               <a:rPr lang="en-US" dirty="0"/>
-              <a:t>11/6/2018</a:t>
+              <a:t>11/7/2018</a:t>
             </a:fld>
             <a:endParaRPr lang="en-US" dirty="0"/>
           </a:p>
@@ -4729,7 +4732,7 @@
           <a:p>
             <a:fld id="{9334D819-9F07-4261-B09B-9E467E5D9002}" type="datetimeFigureOut">
               <a:rPr lang="en-US" dirty="0"/>
-              <a:t>11/6/2018</a:t>
+              <a:t>11/7/2018</a:t>
             </a:fld>
             <a:endParaRPr lang="en-US" dirty="0"/>
           </a:p>
@@ -5564,7 +5567,7 @@
           <a:p>
             <a:fld id="{9334D819-9F07-4261-B09B-9E467E5D9002}" type="datetimeFigureOut">
               <a:rPr lang="en-US" dirty="0"/>
-              <a:t>11/6/2018</a:t>
+              <a:t>11/7/2018</a:t>
             </a:fld>
             <a:endParaRPr lang="en-US" dirty="0"/>
           </a:p>
@@ -5787,7 +5790,7 @@
             <a:fld id="{9334D819-9F07-4261-B09B-9E467E5D9002}" type="datetimeFigureOut">
               <a:rPr lang="en-US" dirty="0"/>
               <a:pPr/>
-              <a:t>11/6/2018</a:t>
+              <a:t>11/7/2018</a:t>
             </a:fld>
             <a:endParaRPr lang="en-US" dirty="0"/>
           </a:p>
@@ -8815,7 +8818,6 @@
               <a:rPr lang="en-US" altLang="ko-KR" dirty="0"/>
               <a:t>console.log(`${c}, ${d}`); // "1, 3"</a:t>
             </a:r>
-            <a:endParaRPr lang="en-US" altLang="ko-KR" dirty="0"/>
           </a:p>
         </p:txBody>
       </p:sp>
@@ -9580,13 +9582,12 @@
               <a:t>전개연산자</a:t>
             </a:r>
             <a:r>
-              <a:rPr lang="en-US" altLang="ko-KR" dirty="0"/>
+              <a:rPr lang="en-US" altLang="ko-KR" dirty="0" smtClean="0"/>
               <a:t>”]</a:t>
             </a:r>
-            <a:endParaRPr lang="ko-KR" altLang="en-US" dirty="0"/>
-          </a:p>
-          <a:p>
-            <a:endParaRPr lang="en-US" altLang="ko-KR" dirty="0" smtClean="0"/>
+          </a:p>
+          <a:p>
+            <a:endParaRPr lang="en-US" altLang="ko-KR" dirty="0"/>
           </a:p>
           <a:p>
             <a:endParaRPr lang="en-US" altLang="ko-KR" dirty="0"/>
@@ -9764,6 +9765,159 @@
           </a:p>
         </p:txBody>
       </p:sp>
+      <p:grpSp>
+        <p:nvGrpSpPr>
+          <p:cNvPr id="4" name="그룹 3"/>
+          <p:cNvGrpSpPr/>
+          <p:nvPr/>
+        </p:nvGrpSpPr>
+        <p:grpSpPr>
+          <a:xfrm>
+            <a:off x="6428509" y="2001693"/>
+            <a:ext cx="4887191" cy="3371273"/>
+            <a:chOff x="6428509" y="2001693"/>
+            <a:chExt cx="4887191" cy="3371273"/>
+          </a:xfrm>
+        </p:grpSpPr>
+        <p:sp>
+          <p:nvSpPr>
+            <p:cNvPr id="13" name="직사각형 12"/>
+            <p:cNvSpPr/>
+            <p:nvPr/>
+          </p:nvSpPr>
+          <p:spPr>
+            <a:xfrm>
+              <a:off x="6428509" y="2001693"/>
+              <a:ext cx="4887191" cy="3371273"/>
+            </a:xfrm>
+            <a:prstGeom prst="rect">
+              <a:avLst/>
+            </a:prstGeom>
+            <a:solidFill>
+              <a:schemeClr val="bg1"/>
+            </a:solidFill>
+            <a:ln>
+              <a:noFill/>
+            </a:ln>
+          </p:spPr>
+          <p:style>
+            <a:lnRef idx="2">
+              <a:schemeClr val="accent1">
+                <a:shade val="50000"/>
+              </a:schemeClr>
+            </a:lnRef>
+            <a:fillRef idx="1">
+              <a:schemeClr val="accent1"/>
+            </a:fillRef>
+            <a:effectRef idx="0">
+              <a:schemeClr val="accent1"/>
+            </a:effectRef>
+            <a:fontRef idx="minor">
+              <a:schemeClr val="lt1"/>
+            </a:fontRef>
+          </p:style>
+          <p:txBody>
+            <a:bodyPr rtlCol="0" anchor="ctr"/>
+            <a:lstStyle/>
+            <a:p>
+              <a:pPr algn="ctr"/>
+              <a:endParaRPr lang="ko-KR" altLang="en-US"/>
+            </a:p>
+          </p:txBody>
+        </p:sp>
+        <p:sp>
+          <p:nvSpPr>
+            <p:cNvPr id="14" name="TextBox 13"/>
+            <p:cNvSpPr txBox="1"/>
+            <p:nvPr/>
+          </p:nvSpPr>
+          <p:spPr>
+            <a:xfrm>
+              <a:off x="6644830" y="2153535"/>
+              <a:ext cx="4454548" cy="2308324"/>
+            </a:xfrm>
+            <a:prstGeom prst="rect">
+              <a:avLst/>
+            </a:prstGeom>
+            <a:noFill/>
+          </p:spPr>
+          <p:txBody>
+            <a:bodyPr wrap="square" rtlCol="0">
+              <a:spAutoFit/>
+            </a:bodyPr>
+            <a:lstStyle/>
+            <a:p>
+              <a:r>
+                <a:rPr lang="en-US" altLang="ko-KR" dirty="0" err="1"/>
+                <a:t>const</a:t>
+              </a:r>
+              <a:r>
+                <a:rPr lang="en-US" altLang="ko-KR" dirty="0"/>
+                <a:t> a = [1,2,3];</a:t>
+              </a:r>
+            </a:p>
+            <a:p>
+              <a:r>
+                <a:rPr lang="en-US" altLang="ko-KR" dirty="0" err="1"/>
+                <a:t>const</a:t>
+              </a:r>
+              <a:r>
+                <a:rPr lang="en-US" altLang="ko-KR" dirty="0"/>
+                <a:t> b = </a:t>
+              </a:r>
+              <a:r>
+                <a:rPr lang="en-US" altLang="ko-KR" dirty="0">
+                  <a:solidFill>
+                    <a:srgbClr val="FF0000"/>
+                  </a:solidFill>
+                </a:rPr>
+                <a:t>[...a]</a:t>
+              </a:r>
+              <a:r>
+                <a:rPr lang="en-US" altLang="ko-KR" dirty="0"/>
+                <a:t>.reverse();</a:t>
+              </a:r>
+            </a:p>
+            <a:p>
+              <a:endParaRPr lang="en-US" altLang="ko-KR" dirty="0"/>
+            </a:p>
+            <a:p>
+              <a:r>
+                <a:rPr lang="en-US" altLang="ko-KR" dirty="0"/>
+                <a:t>console.log(a</a:t>
+              </a:r>
+              <a:r>
+                <a:rPr lang="en-US" altLang="ko-KR" dirty="0" smtClean="0"/>
+                <a:t>, b);</a:t>
+              </a:r>
+            </a:p>
+            <a:p>
+              <a:endParaRPr lang="en-US" altLang="ko-KR" dirty="0"/>
+            </a:p>
+            <a:p>
+              <a:r>
+                <a:rPr lang="en-US" altLang="ko-KR" dirty="0" smtClean="0"/>
+                <a:t>// a</a:t>
+              </a:r>
+              <a:r>
+                <a:rPr lang="ko-KR" altLang="en-US" dirty="0" smtClean="0"/>
+                <a:t>는 </a:t>
+              </a:r>
+              <a:r>
+                <a:rPr lang="ko-KR" altLang="en-US" dirty="0" err="1" smtClean="0"/>
+                <a:t>변화없음</a:t>
+              </a:r>
+              <a:endParaRPr lang="en-US" altLang="ko-KR" dirty="0"/>
+            </a:p>
+            <a:p>
+              <a:endParaRPr lang="en-US" altLang="ko-KR" dirty="0"/>
+            </a:p>
+            <a:p>
+              <a:endParaRPr lang="en-US" altLang="ko-KR" dirty="0"/>
+            </a:p>
+          </p:txBody>
+        </p:sp>
+      </p:grpSp>
     </p:spTree>
     <p:extLst>
       <p:ext uri="{BB962C8B-B14F-4D97-AF65-F5344CB8AC3E}">
@@ -9785,7 +9939,3955 @@
   <p:timing>
     <p:tnLst>
       <p:par>
-        <p:cTn id="1" dur="indefinite" restart="never" nodeType="tmRoot"/>
+        <p:cTn id="1" dur="indefinite" restart="never" nodeType="tmRoot">
+          <p:childTnLst>
+            <p:seq concurrent="1" nextAc="seek">
+              <p:cTn id="2" dur="indefinite" nodeType="mainSeq">
+                <p:childTnLst>
+                  <p:par>
+                    <p:cTn id="3" fill="hold">
+                      <p:stCondLst>
+                        <p:cond delay="indefinite"/>
+                      </p:stCondLst>
+                      <p:childTnLst>
+                        <p:par>
+                          <p:cTn id="4" fill="hold">
+                            <p:stCondLst>
+                              <p:cond delay="0"/>
+                            </p:stCondLst>
+                            <p:childTnLst>
+                              <p:par>
+                                <p:cTn id="5" presetID="16" presetClass="entr" presetSubtype="21" fill="hold" nodeType="clickEffect">
+                                  <p:stCondLst>
+                                    <p:cond delay="0"/>
+                                  </p:stCondLst>
+                                  <p:childTnLst>
+                                    <p:set>
+                                      <p:cBhvr>
+                                        <p:cTn id="6" dur="1" fill="hold">
+                                          <p:stCondLst>
+                                            <p:cond delay="0"/>
+                                          </p:stCondLst>
+                                        </p:cTn>
+                                        <p:tgtEl>
+                                          <p:spTgt spid="4"/>
+                                        </p:tgtEl>
+                                        <p:attrNameLst>
+                                          <p:attrName>style.visibility</p:attrName>
+                                        </p:attrNameLst>
+                                      </p:cBhvr>
+                                      <p:to>
+                                        <p:strVal val="visible"/>
+                                      </p:to>
+                                    </p:set>
+                                    <p:animEffect transition="in" filter="barn(inVertical)">
+                                      <p:cBhvr>
+                                        <p:cTn id="7" dur="500"/>
+                                        <p:tgtEl>
+                                          <p:spTgt spid="4"/>
+                                        </p:tgtEl>
+                                      </p:cBhvr>
+                                    </p:animEffect>
+                                  </p:childTnLst>
+                                </p:cTn>
+                              </p:par>
+                            </p:childTnLst>
+                          </p:cTn>
+                        </p:par>
+                      </p:childTnLst>
+                    </p:cTn>
+                  </p:par>
+                </p:childTnLst>
+              </p:cTn>
+              <p:prevCondLst>
+                <p:cond evt="onPrev" delay="0">
+                  <p:tgtEl>
+                    <p:sldTgt/>
+                  </p:tgtEl>
+                </p:cond>
+              </p:prevCondLst>
+              <p:nextCondLst>
+                <p:cond evt="onNext" delay="0">
+                  <p:tgtEl>
+                    <p:sldTgt/>
+                  </p:tgtEl>
+                </p:cond>
+              </p:nextCondLst>
+            </p:seq>
+          </p:childTnLst>
+        </p:cTn>
+      </p:par>
+    </p:tnLst>
+  </p:timing>
+</p:sld>
+</file>
+
+<file path=ppt/slides/slide13.xml><?xml version="1.0" encoding="utf-8"?>
+<p:sld xmlns:a="http://schemas.openxmlformats.org/drawingml/2006/main" xmlns:r="http://schemas.openxmlformats.org/officeDocument/2006/relationships" xmlns:p="http://schemas.openxmlformats.org/presentationml/2006/main">
+  <p:cSld>
+    <p:spTree>
+      <p:nvGrpSpPr>
+        <p:cNvPr id="1" name=""/>
+        <p:cNvGrpSpPr/>
+        <p:nvPr/>
+      </p:nvGrpSpPr>
+      <p:grpSpPr>
+        <a:xfrm>
+          <a:off x="0" y="0"/>
+          <a:ext cx="0" cy="0"/>
+          <a:chOff x="0" y="0"/>
+          <a:chExt cx="0" cy="0"/>
+        </a:xfrm>
+      </p:grpSpPr>
+      <p:sp>
+        <p:nvSpPr>
+          <p:cNvPr id="24" name="직사각형 23"/>
+          <p:cNvSpPr/>
+          <p:nvPr/>
+        </p:nvSpPr>
+        <p:spPr>
+          <a:xfrm>
+            <a:off x="6428509" y="2001693"/>
+            <a:ext cx="4887191" cy="3371273"/>
+          </a:xfrm>
+          <a:prstGeom prst="rect">
+            <a:avLst/>
+          </a:prstGeom>
+          <a:solidFill>
+            <a:schemeClr val="bg1"/>
+          </a:solidFill>
+          <a:ln>
+            <a:noFill/>
+          </a:ln>
+        </p:spPr>
+        <p:style>
+          <a:lnRef idx="2">
+            <a:schemeClr val="accent1">
+              <a:shade val="50000"/>
+            </a:schemeClr>
+          </a:lnRef>
+          <a:fillRef idx="1">
+            <a:schemeClr val="accent1"/>
+          </a:fillRef>
+          <a:effectRef idx="0">
+            <a:schemeClr val="accent1"/>
+          </a:effectRef>
+          <a:fontRef idx="minor">
+            <a:schemeClr val="lt1"/>
+          </a:fontRef>
+        </p:style>
+        <p:txBody>
+          <a:bodyPr rtlCol="0" anchor="ctr"/>
+          <a:lstStyle/>
+          <a:p>
+            <a:pPr algn="ctr"/>
+            <a:endParaRPr lang="ko-KR" altLang="en-US"/>
+          </a:p>
+        </p:txBody>
+      </p:sp>
+      <p:sp>
+        <p:nvSpPr>
+          <p:cNvPr id="25" name="직사각형 24"/>
+          <p:cNvSpPr/>
+          <p:nvPr/>
+        </p:nvSpPr>
+        <p:spPr>
+          <a:xfrm>
+            <a:off x="1251678" y="2001692"/>
+            <a:ext cx="4887191" cy="3371273"/>
+          </a:xfrm>
+          <a:prstGeom prst="rect">
+            <a:avLst/>
+          </a:prstGeom>
+          <a:solidFill>
+            <a:schemeClr val="bg1"/>
+          </a:solidFill>
+          <a:ln>
+            <a:noFill/>
+          </a:ln>
+        </p:spPr>
+        <p:style>
+          <a:lnRef idx="2">
+            <a:schemeClr val="accent1">
+              <a:shade val="50000"/>
+            </a:schemeClr>
+          </a:lnRef>
+          <a:fillRef idx="1">
+            <a:schemeClr val="accent1"/>
+          </a:fillRef>
+          <a:effectRef idx="0">
+            <a:schemeClr val="accent1"/>
+          </a:effectRef>
+          <a:fontRef idx="minor">
+            <a:schemeClr val="lt1"/>
+          </a:fontRef>
+        </p:style>
+        <p:txBody>
+          <a:bodyPr rtlCol="0" anchor="ctr"/>
+          <a:lstStyle/>
+          <a:p>
+            <a:pPr algn="ctr"/>
+            <a:endParaRPr lang="ko-KR" altLang="en-US"/>
+          </a:p>
+        </p:txBody>
+      </p:sp>
+      <p:sp>
+        <p:nvSpPr>
+          <p:cNvPr id="2" name="제목 1"/>
+          <p:cNvSpPr>
+            <a:spLocks noGrp="1"/>
+          </p:cNvSpPr>
+          <p:nvPr>
+            <p:ph type="title"/>
+          </p:nvPr>
+        </p:nvSpPr>
+        <p:spPr/>
+        <p:txBody>
+          <a:bodyPr/>
+          <a:lstStyle/>
+          <a:p>
+            <a:r>
+              <a:rPr lang="en-US" altLang="ko-KR" dirty="0">
+                <a:latin typeface="Bahnschrift Condensed" panose="020B0502040204020203" pitchFamily="34" charset="0"/>
+              </a:rPr>
+              <a:t>enhanced object literals</a:t>
+            </a:r>
+            <a:r>
+              <a:rPr lang="en-US" altLang="ko-KR" sz="2000" dirty="0" smtClean="0">
+                <a:latin typeface="Bahnschrift Condensed" panose="020B0502040204020203" pitchFamily="34" charset="0"/>
+              </a:rPr>
+              <a:t>(</a:t>
+            </a:r>
+            <a:r>
+              <a:rPr lang="ko-KR" altLang="en-US" sz="2000" dirty="0" smtClean="0">
+                <a:latin typeface="Bahnschrift Condensed" panose="020B0502040204020203" pitchFamily="34" charset="0"/>
+              </a:rPr>
+              <a:t>향상된 객체 </a:t>
+            </a:r>
+            <a:r>
+              <a:rPr lang="ko-KR" altLang="en-US" sz="2000" dirty="0" err="1" smtClean="0">
+                <a:latin typeface="Bahnschrift Condensed" panose="020B0502040204020203" pitchFamily="34" charset="0"/>
+              </a:rPr>
+              <a:t>리터럴</a:t>
+            </a:r>
+            <a:r>
+              <a:rPr lang="en-US" altLang="ko-KR" sz="2000" dirty="0" smtClean="0">
+                <a:latin typeface="Bahnschrift Condensed" panose="020B0502040204020203" pitchFamily="34" charset="0"/>
+              </a:rPr>
+              <a:t>)</a:t>
+            </a:r>
+            <a:endParaRPr lang="ko-KR" altLang="en-US" sz="2000" dirty="0">
+              <a:latin typeface="Bahnschrift Condensed" panose="020B0502040204020203" pitchFamily="34" charset="0"/>
+            </a:endParaRPr>
+          </a:p>
+        </p:txBody>
+      </p:sp>
+      <p:sp>
+        <p:nvSpPr>
+          <p:cNvPr id="3" name="내용 개체 틀 2"/>
+          <p:cNvSpPr>
+            <a:spLocks noGrp="1"/>
+          </p:cNvSpPr>
+          <p:nvPr>
+            <p:ph idx="1"/>
+          </p:nvPr>
+        </p:nvSpPr>
+        <p:spPr>
+          <a:xfrm>
+            <a:off x="1251678" y="5500139"/>
+            <a:ext cx="4887191" cy="1357861"/>
+          </a:xfrm>
+        </p:spPr>
+        <p:txBody>
+          <a:bodyPr>
+            <a:normAutofit fontScale="77500" lnSpcReduction="20000"/>
+          </a:bodyPr>
+          <a:lstStyle/>
+          <a:p>
+            <a:pPr>
+              <a:lnSpc>
+                <a:spcPct val="160000"/>
+              </a:lnSpc>
+            </a:pPr>
+            <a:r>
+              <a:rPr lang="ko-KR" altLang="en-US" sz="2500" dirty="0">
+                <a:latin typeface="+mj-ea"/>
+                <a:ea typeface="+mj-ea"/>
+              </a:rPr>
+              <a:t>기존 </a:t>
+            </a:r>
+            <a:r>
+              <a:rPr lang="en-US" altLang="ko-KR" sz="2500" dirty="0">
+                <a:latin typeface="+mj-ea"/>
+                <a:ea typeface="+mj-ea"/>
+              </a:rPr>
+              <a:t>ES5 </a:t>
+            </a:r>
+            <a:r>
+              <a:rPr lang="ko-KR" altLang="en-US" sz="2500" dirty="0">
+                <a:latin typeface="+mj-ea"/>
+                <a:ea typeface="+mj-ea"/>
+              </a:rPr>
+              <a:t>에서 객체를 생성할 때</a:t>
+            </a:r>
+            <a:r>
+              <a:rPr lang="en-US" altLang="ko-KR" sz="2500" dirty="0">
+                <a:latin typeface="+mj-ea"/>
+                <a:ea typeface="+mj-ea"/>
+              </a:rPr>
+              <a:t>, </a:t>
+            </a:r>
+            <a:r>
+              <a:rPr lang="ko-KR" altLang="en-US" sz="2500" dirty="0" err="1">
+                <a:latin typeface="+mj-ea"/>
+                <a:ea typeface="+mj-ea"/>
+              </a:rPr>
+              <a:t>필드명과</a:t>
+            </a:r>
+            <a:r>
+              <a:rPr lang="ko-KR" altLang="en-US" sz="2500" dirty="0">
+                <a:latin typeface="+mj-ea"/>
+                <a:ea typeface="+mj-ea"/>
+              </a:rPr>
+              <a:t> 대입할 </a:t>
+            </a:r>
+            <a:r>
+              <a:rPr lang="ko-KR" altLang="en-US" sz="2500" dirty="0" err="1">
+                <a:latin typeface="+mj-ea"/>
+                <a:ea typeface="+mj-ea"/>
+              </a:rPr>
+              <a:t>변수명이</a:t>
+            </a:r>
+            <a:r>
+              <a:rPr lang="ko-KR" altLang="en-US" sz="2500" dirty="0">
+                <a:latin typeface="+mj-ea"/>
+                <a:ea typeface="+mj-ea"/>
+              </a:rPr>
+              <a:t> 같은 상황에서 다음과 같이 코드를 작성하였다</a:t>
+            </a:r>
+            <a:r>
+              <a:rPr lang="en-US" altLang="ko-KR" sz="2500" dirty="0">
+                <a:latin typeface="+mj-ea"/>
+                <a:ea typeface="+mj-ea"/>
+              </a:rPr>
+              <a:t>.</a:t>
+            </a:r>
+            <a:endParaRPr lang="en-US" altLang="ko-KR" dirty="0" smtClean="0">
+              <a:latin typeface="+mj-ea"/>
+              <a:ea typeface="+mj-ea"/>
+            </a:endParaRPr>
+          </a:p>
+        </p:txBody>
+      </p:sp>
+      <p:cxnSp>
+        <p:nvCxnSpPr>
+          <p:cNvPr id="5" name="직선 연결선 4"/>
+          <p:cNvCxnSpPr/>
+          <p:nvPr/>
+        </p:nvCxnSpPr>
+        <p:spPr>
+          <a:xfrm>
+            <a:off x="1251678" y="1257300"/>
+            <a:ext cx="10064022" cy="0"/>
+          </a:xfrm>
+          <a:prstGeom prst="line">
+            <a:avLst/>
+          </a:prstGeom>
+        </p:spPr>
+        <p:style>
+          <a:lnRef idx="1">
+            <a:schemeClr val="dk1"/>
+          </a:lnRef>
+          <a:fillRef idx="0">
+            <a:schemeClr val="dk1"/>
+          </a:fillRef>
+          <a:effectRef idx="0">
+            <a:schemeClr val="dk1"/>
+          </a:effectRef>
+          <a:fontRef idx="minor">
+            <a:schemeClr val="tx1"/>
+          </a:fontRef>
+        </p:style>
+      </p:cxnSp>
+      <p:sp>
+        <p:nvSpPr>
+          <p:cNvPr id="21" name="TextBox 20"/>
+          <p:cNvSpPr txBox="1"/>
+          <p:nvPr/>
+        </p:nvSpPr>
+        <p:spPr>
+          <a:xfrm>
+            <a:off x="1435359" y="2153535"/>
+            <a:ext cx="4454548" cy="2862322"/>
+          </a:xfrm>
+          <a:prstGeom prst="rect">
+            <a:avLst/>
+          </a:prstGeom>
+          <a:noFill/>
+        </p:spPr>
+        <p:txBody>
+          <a:bodyPr wrap="square" rtlCol="0">
+            <a:spAutoFit/>
+          </a:bodyPr>
+          <a:lstStyle/>
+          <a:p>
+            <a:r>
+              <a:rPr lang="en-US" altLang="ko-KR" dirty="0" err="1"/>
+              <a:t>var</a:t>
+            </a:r>
+            <a:r>
+              <a:rPr lang="en-US" altLang="ko-KR" dirty="0"/>
+              <a:t> name = </a:t>
+            </a:r>
+            <a:r>
+              <a:rPr lang="en-US" altLang="ko-KR" dirty="0" smtClean="0"/>
+              <a:t>＂</a:t>
+            </a:r>
+            <a:r>
+              <a:rPr lang="ko-KR" altLang="en-US" dirty="0" smtClean="0"/>
+              <a:t>장명호</a:t>
+            </a:r>
+            <a:r>
+              <a:rPr lang="en-US" altLang="ko-KR" dirty="0" smtClean="0"/>
+              <a:t>";</a:t>
+            </a:r>
+            <a:endParaRPr lang="en-US" altLang="ko-KR" dirty="0"/>
+          </a:p>
+          <a:p>
+            <a:r>
+              <a:rPr lang="en-US" altLang="ko-KR" dirty="0" err="1"/>
+              <a:t>var</a:t>
+            </a:r>
+            <a:r>
+              <a:rPr lang="en-US" altLang="ko-KR" dirty="0"/>
+              <a:t> job = </a:t>
+            </a:r>
+            <a:r>
+              <a:rPr lang="en-US" altLang="ko-KR" dirty="0" smtClean="0"/>
+              <a:t>＂</a:t>
+            </a:r>
+            <a:r>
+              <a:rPr lang="ko-KR" altLang="en-US" dirty="0" smtClean="0"/>
+              <a:t>더브리즈</a:t>
+            </a:r>
+            <a:r>
+              <a:rPr lang="en-US" altLang="ko-KR" dirty="0" smtClean="0"/>
+              <a:t>";</a:t>
+            </a:r>
+            <a:endParaRPr lang="en-US" altLang="ko-KR" dirty="0"/>
+          </a:p>
+          <a:p>
+            <a:endParaRPr lang="en-US" altLang="ko-KR" dirty="0"/>
+          </a:p>
+          <a:p>
+            <a:r>
+              <a:rPr lang="en-US" altLang="ko-KR" dirty="0" err="1"/>
+              <a:t>var</a:t>
+            </a:r>
+            <a:r>
+              <a:rPr lang="en-US" altLang="ko-KR" dirty="0"/>
+              <a:t> </a:t>
+            </a:r>
+            <a:r>
+              <a:rPr lang="en-US" altLang="ko-KR" dirty="0" err="1" smtClean="0"/>
+              <a:t>inf</a:t>
+            </a:r>
+            <a:r>
+              <a:rPr lang="en-US" altLang="ko-KR" dirty="0" smtClean="0"/>
+              <a:t> </a:t>
+            </a:r>
+            <a:r>
+              <a:rPr lang="en-US" altLang="ko-KR" dirty="0"/>
+              <a:t>= {</a:t>
+            </a:r>
+          </a:p>
+          <a:p>
+            <a:r>
+              <a:rPr lang="en-US" altLang="ko-KR" dirty="0"/>
+              <a:t>  name: name,</a:t>
+            </a:r>
+          </a:p>
+          <a:p>
+            <a:r>
+              <a:rPr lang="en-US" altLang="ko-KR" dirty="0"/>
+              <a:t>  job: job</a:t>
+            </a:r>
+          </a:p>
+          <a:p>
+            <a:r>
+              <a:rPr lang="en-US" altLang="ko-KR" dirty="0"/>
+              <a:t>}</a:t>
+            </a:r>
+          </a:p>
+          <a:p>
+            <a:endParaRPr lang="en-US" altLang="ko-KR" dirty="0"/>
+          </a:p>
+          <a:p>
+            <a:r>
+              <a:rPr lang="en-US" altLang="ko-KR" dirty="0" smtClean="0"/>
+              <a:t>console.log(</a:t>
+            </a:r>
+            <a:r>
+              <a:rPr lang="en-US" altLang="ko-KR" dirty="0" err="1" smtClean="0"/>
+              <a:t>inf</a:t>
+            </a:r>
+            <a:r>
+              <a:rPr lang="en-US" altLang="ko-KR" dirty="0" smtClean="0"/>
+              <a:t>);</a:t>
+            </a:r>
+            <a:endParaRPr lang="en-US" altLang="ko-KR" dirty="0"/>
+          </a:p>
+          <a:p>
+            <a:r>
+              <a:rPr lang="en-US" altLang="ko-KR" dirty="0"/>
+              <a:t>//{name: </a:t>
+            </a:r>
+            <a:r>
+              <a:rPr lang="en-US" altLang="ko-KR" dirty="0" smtClean="0"/>
+              <a:t>＂</a:t>
+            </a:r>
+            <a:r>
+              <a:rPr lang="ko-KR" altLang="en-US" dirty="0" smtClean="0"/>
+              <a:t>장명호</a:t>
+            </a:r>
+            <a:r>
+              <a:rPr lang="en-US" altLang="ko-KR" dirty="0" smtClean="0"/>
+              <a:t>＂, </a:t>
+            </a:r>
+            <a:r>
+              <a:rPr lang="en-US" altLang="ko-KR" dirty="0"/>
+              <a:t>job: </a:t>
+            </a:r>
+            <a:r>
+              <a:rPr lang="en-US" altLang="ko-KR" dirty="0" smtClean="0"/>
+              <a:t>＂</a:t>
+            </a:r>
+            <a:r>
+              <a:rPr lang="ko-KR" altLang="en-US" dirty="0" smtClean="0"/>
+              <a:t>더브리즈</a:t>
+            </a:r>
+            <a:r>
+              <a:rPr lang="en-US" altLang="ko-KR" dirty="0" smtClean="0"/>
+              <a:t>"}</a:t>
+            </a:r>
+            <a:endParaRPr lang="ko-KR" altLang="en-US" dirty="0"/>
+          </a:p>
+        </p:txBody>
+      </p:sp>
+      <p:sp>
+        <p:nvSpPr>
+          <p:cNvPr id="26" name="TextBox 25"/>
+          <p:cNvSpPr txBox="1"/>
+          <p:nvPr/>
+        </p:nvSpPr>
+        <p:spPr>
+          <a:xfrm>
+            <a:off x="6644830" y="2153535"/>
+            <a:ext cx="4454548" cy="3139321"/>
+          </a:xfrm>
+          <a:prstGeom prst="rect">
+            <a:avLst/>
+          </a:prstGeom>
+          <a:noFill/>
+        </p:spPr>
+        <p:txBody>
+          <a:bodyPr wrap="square" rtlCol="0">
+            <a:spAutoFit/>
+          </a:bodyPr>
+          <a:lstStyle/>
+          <a:p>
+            <a:r>
+              <a:rPr lang="en-US" altLang="ko-KR" dirty="0" err="1"/>
+              <a:t>const</a:t>
+            </a:r>
+            <a:r>
+              <a:rPr lang="en-US" altLang="ko-KR" dirty="0"/>
+              <a:t> a = [1</a:t>
+            </a:r>
+            <a:r>
+              <a:rPr lang="en-US" altLang="ko-KR" dirty="0" smtClean="0"/>
+              <a:t>, 2, 3</a:t>
+            </a:r>
+            <a:r>
+              <a:rPr lang="en-US" altLang="ko-KR" dirty="0"/>
+              <a:t>];</a:t>
+            </a:r>
+          </a:p>
+          <a:p>
+            <a:r>
+              <a:rPr lang="en-US" altLang="ko-KR" dirty="0" err="1"/>
+              <a:t>const</a:t>
+            </a:r>
+            <a:r>
+              <a:rPr lang="en-US" altLang="ko-KR" dirty="0"/>
+              <a:t> b = "</a:t>
+            </a:r>
+            <a:r>
+              <a:rPr lang="ko-KR" altLang="en-US" dirty="0" err="1"/>
+              <a:t>전개연산자</a:t>
+            </a:r>
+            <a:r>
+              <a:rPr lang="en-US" altLang="ko-KR" dirty="0"/>
+              <a:t>";</a:t>
+            </a:r>
+          </a:p>
+          <a:p>
+            <a:endParaRPr lang="en-US" altLang="ko-KR" dirty="0"/>
+          </a:p>
+          <a:p>
+            <a:r>
+              <a:rPr lang="en-US" altLang="ko-KR" dirty="0" err="1"/>
+              <a:t>const</a:t>
+            </a:r>
+            <a:r>
+              <a:rPr lang="en-US" altLang="ko-KR" dirty="0"/>
+              <a:t> c = </a:t>
+            </a:r>
+            <a:r>
+              <a:rPr lang="en-US" altLang="ko-KR" dirty="0">
+                <a:solidFill>
+                  <a:srgbClr val="FF0000"/>
+                </a:solidFill>
+              </a:rPr>
+              <a:t>[...a, b]</a:t>
+            </a:r>
+            <a:r>
+              <a:rPr lang="en-US" altLang="ko-KR" dirty="0"/>
+              <a:t>;</a:t>
+            </a:r>
+          </a:p>
+          <a:p>
+            <a:endParaRPr lang="en-US" altLang="ko-KR" dirty="0"/>
+          </a:p>
+          <a:p>
+            <a:r>
+              <a:rPr lang="en-US" altLang="ko-KR" dirty="0"/>
+              <a:t>console.log(c);</a:t>
+            </a:r>
+          </a:p>
+          <a:p>
+            <a:endParaRPr lang="en-US" altLang="ko-KR" dirty="0"/>
+          </a:p>
+          <a:p>
+            <a:r>
+              <a:rPr lang="en-US" altLang="ko-KR" dirty="0"/>
+              <a:t>// [1,2,3,”</a:t>
+            </a:r>
+            <a:r>
+              <a:rPr lang="ko-KR" altLang="en-US" dirty="0" err="1"/>
+              <a:t>전개연산자</a:t>
+            </a:r>
+            <a:r>
+              <a:rPr lang="en-US" altLang="ko-KR" dirty="0" smtClean="0"/>
+              <a:t>”]</a:t>
+            </a:r>
+          </a:p>
+          <a:p>
+            <a:endParaRPr lang="en-US" altLang="ko-KR" dirty="0"/>
+          </a:p>
+          <a:p>
+            <a:endParaRPr lang="en-US" altLang="ko-KR" dirty="0"/>
+          </a:p>
+          <a:p>
+            <a:endParaRPr lang="en-US" altLang="ko-KR" dirty="0"/>
+          </a:p>
+        </p:txBody>
+      </p:sp>
+      <p:sp>
+        <p:nvSpPr>
+          <p:cNvPr id="28" name="직사각형 27"/>
+          <p:cNvSpPr/>
+          <p:nvPr/>
+        </p:nvSpPr>
+        <p:spPr>
+          <a:xfrm>
+            <a:off x="1251678" y="1611982"/>
+            <a:ext cx="581891" cy="383579"/>
+          </a:xfrm>
+          <a:prstGeom prst="rect">
+            <a:avLst/>
+          </a:prstGeom>
+          <a:solidFill>
+            <a:schemeClr val="tx1"/>
+          </a:solidFill>
+          <a:ln>
+            <a:noFill/>
+          </a:ln>
+        </p:spPr>
+        <p:style>
+          <a:lnRef idx="2">
+            <a:schemeClr val="accent1">
+              <a:shade val="50000"/>
+            </a:schemeClr>
+          </a:lnRef>
+          <a:fillRef idx="1">
+            <a:schemeClr val="accent1"/>
+          </a:fillRef>
+          <a:effectRef idx="0">
+            <a:schemeClr val="accent1"/>
+          </a:effectRef>
+          <a:fontRef idx="minor">
+            <a:schemeClr val="lt1"/>
+          </a:fontRef>
+        </p:style>
+        <p:txBody>
+          <a:bodyPr rtlCol="0" anchor="ctr"/>
+          <a:lstStyle/>
+          <a:p>
+            <a:pPr algn="ctr"/>
+            <a:endParaRPr lang="ko-KR" altLang="en-US"/>
+          </a:p>
+        </p:txBody>
+      </p:sp>
+      <p:sp>
+        <p:nvSpPr>
+          <p:cNvPr id="27" name="TextBox 26"/>
+          <p:cNvSpPr txBox="1"/>
+          <p:nvPr/>
+        </p:nvSpPr>
+        <p:spPr>
+          <a:xfrm>
+            <a:off x="1281974" y="1622091"/>
+            <a:ext cx="521297" cy="369332"/>
+          </a:xfrm>
+          <a:prstGeom prst="rect">
+            <a:avLst/>
+          </a:prstGeom>
+          <a:noFill/>
+        </p:spPr>
+        <p:txBody>
+          <a:bodyPr wrap="none" rtlCol="0">
+            <a:spAutoFit/>
+          </a:bodyPr>
+          <a:lstStyle/>
+          <a:p>
+            <a:r>
+              <a:rPr lang="en-US" altLang="ko-KR" dirty="0" smtClean="0">
+                <a:solidFill>
+                  <a:schemeClr val="bg1"/>
+                </a:solidFill>
+              </a:rPr>
+              <a:t>ES5</a:t>
+            </a:r>
+            <a:endParaRPr lang="ko-KR" altLang="en-US" dirty="0">
+              <a:solidFill>
+                <a:schemeClr val="bg1"/>
+              </a:solidFill>
+            </a:endParaRPr>
+          </a:p>
+        </p:txBody>
+      </p:sp>
+      <p:sp>
+        <p:nvSpPr>
+          <p:cNvPr id="29" name="직사각형 28"/>
+          <p:cNvSpPr/>
+          <p:nvPr/>
+        </p:nvSpPr>
+        <p:spPr>
+          <a:xfrm>
+            <a:off x="6423613" y="1616120"/>
+            <a:ext cx="581891" cy="383579"/>
+          </a:xfrm>
+          <a:prstGeom prst="rect">
+            <a:avLst/>
+          </a:prstGeom>
+          <a:solidFill>
+            <a:schemeClr val="tx1"/>
+          </a:solidFill>
+          <a:ln>
+            <a:noFill/>
+          </a:ln>
+        </p:spPr>
+        <p:style>
+          <a:lnRef idx="2">
+            <a:schemeClr val="accent1">
+              <a:shade val="50000"/>
+            </a:schemeClr>
+          </a:lnRef>
+          <a:fillRef idx="1">
+            <a:schemeClr val="accent1"/>
+          </a:fillRef>
+          <a:effectRef idx="0">
+            <a:schemeClr val="accent1"/>
+          </a:effectRef>
+          <a:fontRef idx="minor">
+            <a:schemeClr val="lt1"/>
+          </a:fontRef>
+        </p:style>
+        <p:txBody>
+          <a:bodyPr rtlCol="0" anchor="ctr"/>
+          <a:lstStyle/>
+          <a:p>
+            <a:pPr algn="ctr"/>
+            <a:endParaRPr lang="ko-KR" altLang="en-US"/>
+          </a:p>
+        </p:txBody>
+      </p:sp>
+      <p:sp>
+        <p:nvSpPr>
+          <p:cNvPr id="30" name="TextBox 29"/>
+          <p:cNvSpPr txBox="1"/>
+          <p:nvPr/>
+        </p:nvSpPr>
+        <p:spPr>
+          <a:xfrm>
+            <a:off x="6453909" y="1626229"/>
+            <a:ext cx="521297" cy="369332"/>
+          </a:xfrm>
+          <a:prstGeom prst="rect">
+            <a:avLst/>
+          </a:prstGeom>
+          <a:noFill/>
+        </p:spPr>
+        <p:txBody>
+          <a:bodyPr wrap="none" rtlCol="0">
+            <a:spAutoFit/>
+          </a:bodyPr>
+          <a:lstStyle/>
+          <a:p>
+            <a:r>
+              <a:rPr lang="en-US" altLang="ko-KR" dirty="0" smtClean="0">
+                <a:solidFill>
+                  <a:schemeClr val="bg1"/>
+                </a:solidFill>
+              </a:rPr>
+              <a:t>ES6</a:t>
+            </a:r>
+            <a:endParaRPr lang="ko-KR" altLang="en-US" dirty="0">
+              <a:solidFill>
+                <a:schemeClr val="bg1"/>
+              </a:solidFill>
+            </a:endParaRPr>
+          </a:p>
+        </p:txBody>
+      </p:sp>
+      <p:grpSp>
+        <p:nvGrpSpPr>
+          <p:cNvPr id="4" name="그룹 3"/>
+          <p:cNvGrpSpPr/>
+          <p:nvPr/>
+        </p:nvGrpSpPr>
+        <p:grpSpPr>
+          <a:xfrm>
+            <a:off x="6428509" y="2001693"/>
+            <a:ext cx="4887191" cy="3371273"/>
+            <a:chOff x="6428509" y="2001693"/>
+            <a:chExt cx="4887191" cy="3371273"/>
+          </a:xfrm>
+        </p:grpSpPr>
+        <p:sp>
+          <p:nvSpPr>
+            <p:cNvPr id="13" name="직사각형 12"/>
+            <p:cNvSpPr/>
+            <p:nvPr/>
+          </p:nvSpPr>
+          <p:spPr>
+            <a:xfrm>
+              <a:off x="6428509" y="2001693"/>
+              <a:ext cx="4887191" cy="3371273"/>
+            </a:xfrm>
+            <a:prstGeom prst="rect">
+              <a:avLst/>
+            </a:prstGeom>
+            <a:solidFill>
+              <a:schemeClr val="bg1"/>
+            </a:solidFill>
+            <a:ln>
+              <a:noFill/>
+            </a:ln>
+          </p:spPr>
+          <p:style>
+            <a:lnRef idx="2">
+              <a:schemeClr val="accent1">
+                <a:shade val="50000"/>
+              </a:schemeClr>
+            </a:lnRef>
+            <a:fillRef idx="1">
+              <a:schemeClr val="accent1"/>
+            </a:fillRef>
+            <a:effectRef idx="0">
+              <a:schemeClr val="accent1"/>
+            </a:effectRef>
+            <a:fontRef idx="minor">
+              <a:schemeClr val="lt1"/>
+            </a:fontRef>
+          </p:style>
+          <p:txBody>
+            <a:bodyPr rtlCol="0" anchor="ctr"/>
+            <a:lstStyle/>
+            <a:p>
+              <a:pPr algn="ctr"/>
+              <a:endParaRPr lang="ko-KR" altLang="en-US"/>
+            </a:p>
+          </p:txBody>
+        </p:sp>
+        <p:sp>
+          <p:nvSpPr>
+            <p:cNvPr id="14" name="TextBox 13"/>
+            <p:cNvSpPr txBox="1"/>
+            <p:nvPr/>
+          </p:nvSpPr>
+          <p:spPr>
+            <a:xfrm>
+              <a:off x="6644830" y="2153535"/>
+              <a:ext cx="4454548" cy="2862322"/>
+            </a:xfrm>
+            <a:prstGeom prst="rect">
+              <a:avLst/>
+            </a:prstGeom>
+            <a:noFill/>
+          </p:spPr>
+          <p:txBody>
+            <a:bodyPr wrap="square" rtlCol="0">
+              <a:spAutoFit/>
+            </a:bodyPr>
+            <a:lstStyle/>
+            <a:p>
+              <a:r>
+                <a:rPr lang="en-US" altLang="ko-KR" dirty="0" err="1"/>
+                <a:t>const</a:t>
+              </a:r>
+              <a:r>
+                <a:rPr lang="en-US" altLang="ko-KR" dirty="0"/>
+                <a:t> name = </a:t>
+              </a:r>
+              <a:r>
+                <a:rPr lang="en-US" altLang="ko-KR" dirty="0" smtClean="0"/>
+                <a:t>“</a:t>
+              </a:r>
+              <a:r>
+                <a:rPr lang="ko-KR" altLang="en-US" dirty="0" smtClean="0"/>
+                <a:t>장명호</a:t>
+              </a:r>
+              <a:r>
+                <a:rPr lang="en-US" altLang="ko-KR" dirty="0" smtClean="0"/>
+                <a:t>";</a:t>
+              </a:r>
+              <a:endParaRPr lang="en-US" altLang="ko-KR" dirty="0"/>
+            </a:p>
+            <a:p>
+              <a:r>
+                <a:rPr lang="en-US" altLang="ko-KR" dirty="0" err="1"/>
+                <a:t>const</a:t>
+              </a:r>
+              <a:r>
+                <a:rPr lang="en-US" altLang="ko-KR" dirty="0"/>
+                <a:t> job = </a:t>
+              </a:r>
+              <a:r>
+                <a:rPr lang="en-US" altLang="ko-KR" dirty="0" smtClean="0"/>
+                <a:t>＂</a:t>
+              </a:r>
+              <a:r>
+                <a:rPr lang="ko-KR" altLang="en-US" dirty="0" smtClean="0"/>
+                <a:t>더브리즈</a:t>
+              </a:r>
+              <a:r>
+                <a:rPr lang="en-US" altLang="ko-KR" dirty="0" smtClean="0"/>
+                <a:t>";</a:t>
+              </a:r>
+              <a:endParaRPr lang="en-US" altLang="ko-KR" dirty="0"/>
+            </a:p>
+            <a:p>
+              <a:endParaRPr lang="en-US" altLang="ko-KR" dirty="0"/>
+            </a:p>
+            <a:p>
+              <a:r>
+                <a:rPr lang="en-US" altLang="ko-KR" dirty="0" err="1"/>
+                <a:t>const</a:t>
+              </a:r>
+              <a:r>
+                <a:rPr lang="en-US" altLang="ko-KR" dirty="0"/>
+                <a:t> </a:t>
+              </a:r>
+              <a:r>
+                <a:rPr lang="en-US" altLang="ko-KR" dirty="0" err="1" smtClean="0"/>
+                <a:t>inf</a:t>
+              </a:r>
+              <a:r>
+                <a:rPr lang="en-US" altLang="ko-KR" dirty="0" smtClean="0"/>
+                <a:t> </a:t>
+              </a:r>
+              <a:r>
+                <a:rPr lang="en-US" altLang="ko-KR" dirty="0"/>
+                <a:t>= {</a:t>
+              </a:r>
+            </a:p>
+            <a:p>
+              <a:r>
+                <a:rPr lang="en-US" altLang="ko-KR" dirty="0"/>
+                <a:t>  </a:t>
+              </a:r>
+              <a:r>
+                <a:rPr lang="en-US" altLang="ko-KR" dirty="0">
+                  <a:solidFill>
+                    <a:srgbClr val="FF0000"/>
+                  </a:solidFill>
+                </a:rPr>
+                <a:t>name,</a:t>
+              </a:r>
+            </a:p>
+            <a:p>
+              <a:r>
+                <a:rPr lang="en-US" altLang="ko-KR" dirty="0">
+                  <a:solidFill>
+                    <a:srgbClr val="FF0000"/>
+                  </a:solidFill>
+                </a:rPr>
+                <a:t>  job</a:t>
+              </a:r>
+            </a:p>
+            <a:p>
+              <a:r>
+                <a:rPr lang="en-US" altLang="ko-KR" dirty="0"/>
+                <a:t>}</a:t>
+              </a:r>
+            </a:p>
+            <a:p>
+              <a:endParaRPr lang="en-US" altLang="ko-KR" dirty="0"/>
+            </a:p>
+            <a:p>
+              <a:r>
+                <a:rPr lang="en-US" altLang="ko-KR" dirty="0"/>
+                <a:t>console.log(</a:t>
+              </a:r>
+              <a:r>
+                <a:rPr lang="en-US" altLang="ko-KR" dirty="0" err="1"/>
+                <a:t>inf</a:t>
+              </a:r>
+              <a:r>
+                <a:rPr lang="en-US" altLang="ko-KR" dirty="0"/>
+                <a:t>);</a:t>
+              </a:r>
+            </a:p>
+            <a:p>
+              <a:r>
+                <a:rPr lang="en-US" altLang="ko-KR" dirty="0"/>
+                <a:t>//{name: ＂</a:t>
+              </a:r>
+              <a:r>
+                <a:rPr lang="ko-KR" altLang="en-US" dirty="0"/>
+                <a:t>장명호</a:t>
+              </a:r>
+              <a:r>
+                <a:rPr lang="en-US" altLang="ko-KR" dirty="0"/>
+                <a:t>＂, job: ＂</a:t>
+              </a:r>
+              <a:r>
+                <a:rPr lang="ko-KR" altLang="en-US" dirty="0"/>
+                <a:t>더브리즈</a:t>
+              </a:r>
+              <a:r>
+                <a:rPr lang="en-US" altLang="ko-KR" dirty="0"/>
+                <a:t>"}</a:t>
+              </a:r>
+              <a:endParaRPr lang="ko-KR" altLang="en-US" dirty="0"/>
+            </a:p>
+          </p:txBody>
+        </p:sp>
+      </p:grpSp>
+      <p:sp>
+        <p:nvSpPr>
+          <p:cNvPr id="17" name="내용 개체 틀 2"/>
+          <p:cNvSpPr txBox="1">
+            <a:spLocks/>
+          </p:cNvSpPr>
+          <p:nvPr/>
+        </p:nvSpPr>
+        <p:spPr>
+          <a:xfrm>
+            <a:off x="6428509" y="5500139"/>
+            <a:ext cx="4887191" cy="1357861"/>
+          </a:xfrm>
+          <a:prstGeom prst="rect">
+            <a:avLst/>
+          </a:prstGeom>
+        </p:spPr>
+        <p:txBody>
+          <a:bodyPr vert="horz" lIns="91440" tIns="45720" rIns="91440" bIns="45720" rtlCol="0">
+            <a:normAutofit fontScale="77500" lnSpcReduction="20000"/>
+          </a:bodyPr>
+          <a:lstStyle>
+            <a:lvl1pPr marL="228600" indent="-228600" algn="l" defTabSz="914400" rtl="0" eaLnBrk="1" latinLnBrk="1" hangingPunct="1">
+              <a:lnSpc>
+                <a:spcPct val="110000"/>
+              </a:lnSpc>
+              <a:spcBef>
+                <a:spcPts val="700"/>
+              </a:spcBef>
+              <a:buClr>
+                <a:schemeClr val="tx2"/>
+              </a:buClr>
+              <a:buFont typeface="Arial" panose="020B0604020202020204" pitchFamily="34" charset="0"/>
+              <a:buChar char="•"/>
+              <a:defRPr sz="2000" kern="1200">
+                <a:solidFill>
+                  <a:schemeClr val="tx1">
+                    <a:lumMod val="65000"/>
+                    <a:lumOff val="35000"/>
+                  </a:schemeClr>
+                </a:solidFill>
+                <a:latin typeface="+mn-lt"/>
+                <a:ea typeface="+mn-ea"/>
+                <a:cs typeface="+mn-cs"/>
+              </a:defRPr>
+            </a:lvl1pPr>
+            <a:lvl2pPr marL="685800" indent="-228600" algn="l" defTabSz="914400" rtl="0" eaLnBrk="1" latinLnBrk="1" hangingPunct="1">
+              <a:lnSpc>
+                <a:spcPct val="110000"/>
+              </a:lnSpc>
+              <a:spcBef>
+                <a:spcPts val="700"/>
+              </a:spcBef>
+              <a:buClr>
+                <a:schemeClr val="tx2"/>
+              </a:buClr>
+              <a:buFont typeface="Gill Sans MT" panose="020B0502020104020203" pitchFamily="34" charset="0"/>
+              <a:buChar char="–"/>
+              <a:defRPr sz="1800" kern="1200">
+                <a:solidFill>
+                  <a:schemeClr val="tx1">
+                    <a:lumMod val="65000"/>
+                    <a:lumOff val="35000"/>
+                  </a:schemeClr>
+                </a:solidFill>
+                <a:latin typeface="+mn-lt"/>
+                <a:ea typeface="+mn-ea"/>
+                <a:cs typeface="+mn-cs"/>
+              </a:defRPr>
+            </a:lvl2pPr>
+            <a:lvl3pPr marL="1143000" indent="-228600" algn="l" defTabSz="914400" rtl="0" eaLnBrk="1" latinLnBrk="1" hangingPunct="1">
+              <a:lnSpc>
+                <a:spcPct val="110000"/>
+              </a:lnSpc>
+              <a:spcBef>
+                <a:spcPts val="700"/>
+              </a:spcBef>
+              <a:buClr>
+                <a:schemeClr val="tx2"/>
+              </a:buClr>
+              <a:buFont typeface="Arial" panose="020B0604020202020204" pitchFamily="34" charset="0"/>
+              <a:buChar char="•"/>
+              <a:defRPr sz="1600" kern="1200">
+                <a:solidFill>
+                  <a:schemeClr val="tx1">
+                    <a:lumMod val="65000"/>
+                    <a:lumOff val="35000"/>
+                  </a:schemeClr>
+                </a:solidFill>
+                <a:latin typeface="+mn-lt"/>
+                <a:ea typeface="+mn-ea"/>
+                <a:cs typeface="+mn-cs"/>
+              </a:defRPr>
+            </a:lvl3pPr>
+            <a:lvl4pPr marL="1600200" indent="-228600" algn="l" defTabSz="914400" rtl="0" eaLnBrk="1" latinLnBrk="1" hangingPunct="1">
+              <a:lnSpc>
+                <a:spcPct val="110000"/>
+              </a:lnSpc>
+              <a:spcBef>
+                <a:spcPts val="700"/>
+              </a:spcBef>
+              <a:buClr>
+                <a:schemeClr val="tx2"/>
+              </a:buClr>
+              <a:buFont typeface="Gill Sans MT" panose="020B0502020104020203" pitchFamily="34" charset="0"/>
+              <a:buChar char="–"/>
+              <a:defRPr sz="1400" kern="1200">
+                <a:solidFill>
+                  <a:schemeClr val="tx1">
+                    <a:lumMod val="65000"/>
+                    <a:lumOff val="35000"/>
+                  </a:schemeClr>
+                </a:solidFill>
+                <a:latin typeface="+mn-lt"/>
+                <a:ea typeface="+mn-ea"/>
+                <a:cs typeface="+mn-cs"/>
+              </a:defRPr>
+            </a:lvl4pPr>
+            <a:lvl5pPr marL="2057400" indent="-228600" algn="l" defTabSz="914400" rtl="0" eaLnBrk="1" latinLnBrk="1" hangingPunct="1">
+              <a:lnSpc>
+                <a:spcPct val="110000"/>
+              </a:lnSpc>
+              <a:spcBef>
+                <a:spcPts val="700"/>
+              </a:spcBef>
+              <a:buClr>
+                <a:schemeClr val="tx2"/>
+              </a:buClr>
+              <a:buFont typeface="Arial" panose="020B0604020202020204" pitchFamily="34" charset="0"/>
+              <a:buChar char="•"/>
+              <a:defRPr sz="1400" kern="1200">
+                <a:solidFill>
+                  <a:schemeClr val="tx1">
+                    <a:lumMod val="65000"/>
+                    <a:lumOff val="35000"/>
+                  </a:schemeClr>
+                </a:solidFill>
+                <a:latin typeface="+mn-lt"/>
+                <a:ea typeface="+mn-ea"/>
+                <a:cs typeface="+mn-cs"/>
+              </a:defRPr>
+            </a:lvl5pPr>
+            <a:lvl6pPr marL="2514600" indent="-228600" algn="l" defTabSz="914400" rtl="0" eaLnBrk="1" latinLnBrk="1" hangingPunct="1">
+              <a:lnSpc>
+                <a:spcPct val="110000"/>
+              </a:lnSpc>
+              <a:spcBef>
+                <a:spcPts val="700"/>
+              </a:spcBef>
+              <a:buClr>
+                <a:schemeClr val="tx2"/>
+              </a:buClr>
+              <a:buFont typeface="Gill Sans MT" panose="020B0502020104020203" pitchFamily="34" charset="0"/>
+              <a:buChar char="–"/>
+              <a:defRPr sz="1400" kern="1200">
+                <a:solidFill>
+                  <a:schemeClr val="tx1">
+                    <a:lumMod val="65000"/>
+                    <a:lumOff val="35000"/>
+                  </a:schemeClr>
+                </a:solidFill>
+                <a:latin typeface="+mn-lt"/>
+                <a:ea typeface="+mn-ea"/>
+                <a:cs typeface="+mn-cs"/>
+              </a:defRPr>
+            </a:lvl6pPr>
+            <a:lvl7pPr marL="2971800" indent="-228600" algn="l" defTabSz="914400" rtl="0" eaLnBrk="1" latinLnBrk="1" hangingPunct="1">
+              <a:lnSpc>
+                <a:spcPct val="110000"/>
+              </a:lnSpc>
+              <a:spcBef>
+                <a:spcPts val="700"/>
+              </a:spcBef>
+              <a:buClr>
+                <a:schemeClr val="tx2"/>
+              </a:buClr>
+              <a:buFont typeface="Arial" panose="020B0604020202020204" pitchFamily="34" charset="0"/>
+              <a:buChar char="•"/>
+              <a:defRPr sz="1400" kern="1200">
+                <a:solidFill>
+                  <a:schemeClr val="tx1">
+                    <a:lumMod val="65000"/>
+                    <a:lumOff val="35000"/>
+                  </a:schemeClr>
+                </a:solidFill>
+                <a:latin typeface="+mn-lt"/>
+                <a:ea typeface="+mn-ea"/>
+                <a:cs typeface="+mn-cs"/>
+              </a:defRPr>
+            </a:lvl7pPr>
+            <a:lvl8pPr marL="3429000" indent="-228600" algn="l" defTabSz="914400" rtl="0" eaLnBrk="1" latinLnBrk="1" hangingPunct="1">
+              <a:lnSpc>
+                <a:spcPct val="110000"/>
+              </a:lnSpc>
+              <a:spcBef>
+                <a:spcPts val="700"/>
+              </a:spcBef>
+              <a:buClr>
+                <a:schemeClr val="tx2"/>
+              </a:buClr>
+              <a:buFont typeface="Gill Sans MT" panose="020B0502020104020203" pitchFamily="34" charset="0"/>
+              <a:buChar char="–"/>
+              <a:defRPr sz="1400" kern="1200" baseline="0">
+                <a:solidFill>
+                  <a:schemeClr val="tx1">
+                    <a:lumMod val="65000"/>
+                    <a:lumOff val="35000"/>
+                  </a:schemeClr>
+                </a:solidFill>
+                <a:latin typeface="+mn-lt"/>
+                <a:ea typeface="+mn-ea"/>
+                <a:cs typeface="+mn-cs"/>
+              </a:defRPr>
+            </a:lvl8pPr>
+            <a:lvl9pPr marL="3886200" indent="-228600" algn="l" defTabSz="914400" rtl="0" eaLnBrk="1" latinLnBrk="1" hangingPunct="1">
+              <a:lnSpc>
+                <a:spcPct val="110000"/>
+              </a:lnSpc>
+              <a:spcBef>
+                <a:spcPts val="700"/>
+              </a:spcBef>
+              <a:buClr>
+                <a:schemeClr val="tx2"/>
+              </a:buClr>
+              <a:buFont typeface="Arial" panose="020B0604020202020204" pitchFamily="34" charset="0"/>
+              <a:buChar char="•"/>
+              <a:defRPr sz="1400" kern="1200" baseline="0">
+                <a:solidFill>
+                  <a:schemeClr val="tx1">
+                    <a:lumMod val="65000"/>
+                    <a:lumOff val="35000"/>
+                  </a:schemeClr>
+                </a:solidFill>
+                <a:latin typeface="+mn-lt"/>
+                <a:ea typeface="+mn-ea"/>
+                <a:cs typeface="+mn-cs"/>
+              </a:defRPr>
+            </a:lvl9pPr>
+          </a:lstStyle>
+          <a:p>
+            <a:pPr>
+              <a:lnSpc>
+                <a:spcPct val="160000"/>
+              </a:lnSpc>
+            </a:pPr>
+            <a:r>
+              <a:rPr lang="en-US" altLang="ko-KR" sz="2500" dirty="0" smtClean="0">
+                <a:latin typeface="+mj-ea"/>
+                <a:ea typeface="+mj-ea"/>
+              </a:rPr>
+              <a:t>ES6</a:t>
+            </a:r>
+            <a:r>
+              <a:rPr lang="ko-KR" altLang="en-US" sz="2500" dirty="0" smtClean="0">
+                <a:latin typeface="+mj-ea"/>
+                <a:ea typeface="+mj-ea"/>
+              </a:rPr>
+              <a:t>에서는 </a:t>
+            </a:r>
+            <a:r>
+              <a:rPr lang="ko-KR" altLang="en-US" sz="2500" dirty="0">
+                <a:latin typeface="+mj-ea"/>
+                <a:ea typeface="+mj-ea"/>
+              </a:rPr>
+              <a:t>단</a:t>
+            </a:r>
+            <a:r>
+              <a:rPr lang="ko-KR" altLang="en-US" sz="2500" dirty="0" smtClean="0">
+                <a:latin typeface="+mj-ea"/>
+                <a:ea typeface="+mj-ea"/>
+              </a:rPr>
+              <a:t>순히 </a:t>
+            </a:r>
+            <a:r>
+              <a:rPr lang="ko-KR" altLang="en-US" sz="2500" dirty="0" err="1">
+                <a:latin typeface="+mj-ea"/>
+                <a:ea typeface="+mj-ea"/>
+              </a:rPr>
+              <a:t>변수명만</a:t>
+            </a:r>
+            <a:r>
+              <a:rPr lang="ko-KR" altLang="en-US" sz="2500" dirty="0">
+                <a:latin typeface="+mj-ea"/>
+                <a:ea typeface="+mj-ea"/>
+              </a:rPr>
+              <a:t> 작성해주면 </a:t>
+            </a:r>
+            <a:r>
+              <a:rPr lang="ko-KR" altLang="en-US" sz="2500" dirty="0" err="1">
+                <a:latin typeface="+mj-ea"/>
+                <a:ea typeface="+mj-ea"/>
+              </a:rPr>
+              <a:t>변수명과</a:t>
+            </a:r>
+            <a:r>
+              <a:rPr lang="ko-KR" altLang="en-US" sz="2500" dirty="0">
+                <a:latin typeface="+mj-ea"/>
+                <a:ea typeface="+mj-ea"/>
+              </a:rPr>
+              <a:t> 동일한 필드가 생성되며</a:t>
+            </a:r>
+            <a:r>
+              <a:rPr lang="en-US" altLang="ko-KR" sz="2500" dirty="0">
+                <a:latin typeface="+mj-ea"/>
+                <a:ea typeface="+mj-ea"/>
+              </a:rPr>
+              <a:t>, </a:t>
+            </a:r>
+            <a:r>
+              <a:rPr lang="ko-KR" altLang="en-US" sz="2500" dirty="0">
+                <a:latin typeface="+mj-ea"/>
+                <a:ea typeface="+mj-ea"/>
+              </a:rPr>
+              <a:t>그 </a:t>
+            </a:r>
+            <a:r>
+              <a:rPr lang="ko-KR" altLang="en-US" sz="2500" dirty="0" err="1">
+                <a:latin typeface="+mj-ea"/>
+                <a:ea typeface="+mj-ea"/>
+              </a:rPr>
+              <a:t>변수값이</a:t>
+            </a:r>
+            <a:r>
+              <a:rPr lang="ko-KR" altLang="en-US" sz="2500" dirty="0">
+                <a:latin typeface="+mj-ea"/>
+                <a:ea typeface="+mj-ea"/>
+              </a:rPr>
+              <a:t> 대입된다</a:t>
+            </a:r>
+            <a:r>
+              <a:rPr lang="en-US" altLang="ko-KR" sz="2500" dirty="0">
+                <a:latin typeface="+mj-ea"/>
+                <a:ea typeface="+mj-ea"/>
+              </a:rPr>
+              <a:t>.</a:t>
+            </a:r>
+            <a:endParaRPr lang="en-US" altLang="ko-KR" dirty="0" smtClean="0">
+              <a:latin typeface="+mj-ea"/>
+              <a:ea typeface="+mj-ea"/>
+            </a:endParaRPr>
+          </a:p>
+        </p:txBody>
+      </p:sp>
+    </p:spTree>
+    <p:extLst>
+      <p:ext uri="{BB962C8B-B14F-4D97-AF65-F5344CB8AC3E}">
+        <p14:creationId xmlns:p14="http://schemas.microsoft.com/office/powerpoint/2010/main" val="446018259"/>
+      </p:ext>
+    </p:extLst>
+  </p:cSld>
+  <p:clrMapOvr>
+    <a:masterClrMapping/>
+  </p:clrMapOvr>
+  <mc:AlternateContent xmlns:mc="http://schemas.openxmlformats.org/markup-compatibility/2006" xmlns:p14="http://schemas.microsoft.com/office/powerpoint/2010/main">
+    <mc:Choice Requires="p14">
+      <p:transition p14:dur="0"/>
+    </mc:Choice>
+    <mc:Fallback xmlns="">
+      <p:transition/>
+    </mc:Fallback>
+  </mc:AlternateContent>
+  <p:timing>
+    <p:tnLst>
+      <p:par>
+        <p:cTn id="1" dur="indefinite" restart="never" nodeType="tmRoot">
+          <p:childTnLst>
+            <p:seq concurrent="1" nextAc="seek">
+              <p:cTn id="2" dur="indefinite" nodeType="mainSeq">
+                <p:childTnLst>
+                  <p:par>
+                    <p:cTn id="3" fill="hold">
+                      <p:stCondLst>
+                        <p:cond delay="indefinite"/>
+                      </p:stCondLst>
+                      <p:childTnLst>
+                        <p:par>
+                          <p:cTn id="4" fill="hold">
+                            <p:stCondLst>
+                              <p:cond delay="0"/>
+                            </p:stCondLst>
+                            <p:childTnLst>
+                              <p:par>
+                                <p:cTn id="5" presetID="16" presetClass="entr" presetSubtype="21" fill="hold" nodeType="clickEffect">
+                                  <p:stCondLst>
+                                    <p:cond delay="0"/>
+                                  </p:stCondLst>
+                                  <p:childTnLst>
+                                    <p:set>
+                                      <p:cBhvr>
+                                        <p:cTn id="6" dur="1" fill="hold">
+                                          <p:stCondLst>
+                                            <p:cond delay="0"/>
+                                          </p:stCondLst>
+                                        </p:cTn>
+                                        <p:tgtEl>
+                                          <p:spTgt spid="4"/>
+                                        </p:tgtEl>
+                                        <p:attrNameLst>
+                                          <p:attrName>style.visibility</p:attrName>
+                                        </p:attrNameLst>
+                                      </p:cBhvr>
+                                      <p:to>
+                                        <p:strVal val="visible"/>
+                                      </p:to>
+                                    </p:set>
+                                    <p:animEffect transition="in" filter="barn(inVertical)">
+                                      <p:cBhvr>
+                                        <p:cTn id="7" dur="500"/>
+                                        <p:tgtEl>
+                                          <p:spTgt spid="4"/>
+                                        </p:tgtEl>
+                                      </p:cBhvr>
+                                    </p:animEffect>
+                                  </p:childTnLst>
+                                </p:cTn>
+                              </p:par>
+                            </p:childTnLst>
+                          </p:cTn>
+                        </p:par>
+                      </p:childTnLst>
+                    </p:cTn>
+                  </p:par>
+                </p:childTnLst>
+              </p:cTn>
+              <p:prevCondLst>
+                <p:cond evt="onPrev" delay="0">
+                  <p:tgtEl>
+                    <p:sldTgt/>
+                  </p:tgtEl>
+                </p:cond>
+              </p:prevCondLst>
+              <p:nextCondLst>
+                <p:cond evt="onNext" delay="0">
+                  <p:tgtEl>
+                    <p:sldTgt/>
+                  </p:tgtEl>
+                </p:cond>
+              </p:nextCondLst>
+            </p:seq>
+          </p:childTnLst>
+        </p:cTn>
+      </p:par>
+    </p:tnLst>
+  </p:timing>
+</p:sld>
+</file>
+
+<file path=ppt/slides/slide14.xml><?xml version="1.0" encoding="utf-8"?>
+<p:sld xmlns:a="http://schemas.openxmlformats.org/drawingml/2006/main" xmlns:r="http://schemas.openxmlformats.org/officeDocument/2006/relationships" xmlns:p="http://schemas.openxmlformats.org/presentationml/2006/main">
+  <p:cSld>
+    <p:spTree>
+      <p:nvGrpSpPr>
+        <p:cNvPr id="1" name=""/>
+        <p:cNvGrpSpPr/>
+        <p:nvPr/>
+      </p:nvGrpSpPr>
+      <p:grpSpPr>
+        <a:xfrm>
+          <a:off x="0" y="0"/>
+          <a:ext cx="0" cy="0"/>
+          <a:chOff x="0" y="0"/>
+          <a:chExt cx="0" cy="0"/>
+        </a:xfrm>
+      </p:grpSpPr>
+      <p:sp>
+        <p:nvSpPr>
+          <p:cNvPr id="24" name="직사각형 23"/>
+          <p:cNvSpPr/>
+          <p:nvPr/>
+        </p:nvSpPr>
+        <p:spPr>
+          <a:xfrm>
+            <a:off x="6428509" y="2001693"/>
+            <a:ext cx="4887191" cy="3371273"/>
+          </a:xfrm>
+          <a:prstGeom prst="rect">
+            <a:avLst/>
+          </a:prstGeom>
+          <a:solidFill>
+            <a:schemeClr val="bg1"/>
+          </a:solidFill>
+          <a:ln>
+            <a:noFill/>
+          </a:ln>
+        </p:spPr>
+        <p:style>
+          <a:lnRef idx="2">
+            <a:schemeClr val="accent1">
+              <a:shade val="50000"/>
+            </a:schemeClr>
+          </a:lnRef>
+          <a:fillRef idx="1">
+            <a:schemeClr val="accent1"/>
+          </a:fillRef>
+          <a:effectRef idx="0">
+            <a:schemeClr val="accent1"/>
+          </a:effectRef>
+          <a:fontRef idx="minor">
+            <a:schemeClr val="lt1"/>
+          </a:fontRef>
+        </p:style>
+        <p:txBody>
+          <a:bodyPr rtlCol="0" anchor="ctr"/>
+          <a:lstStyle/>
+          <a:p>
+            <a:pPr algn="ctr"/>
+            <a:endParaRPr lang="ko-KR" altLang="en-US"/>
+          </a:p>
+        </p:txBody>
+      </p:sp>
+      <p:sp>
+        <p:nvSpPr>
+          <p:cNvPr id="25" name="직사각형 24"/>
+          <p:cNvSpPr/>
+          <p:nvPr/>
+        </p:nvSpPr>
+        <p:spPr>
+          <a:xfrm>
+            <a:off x="1251678" y="2001692"/>
+            <a:ext cx="4887191" cy="3371273"/>
+          </a:xfrm>
+          <a:prstGeom prst="rect">
+            <a:avLst/>
+          </a:prstGeom>
+          <a:solidFill>
+            <a:schemeClr val="bg1"/>
+          </a:solidFill>
+          <a:ln>
+            <a:noFill/>
+          </a:ln>
+        </p:spPr>
+        <p:style>
+          <a:lnRef idx="2">
+            <a:schemeClr val="accent1">
+              <a:shade val="50000"/>
+            </a:schemeClr>
+          </a:lnRef>
+          <a:fillRef idx="1">
+            <a:schemeClr val="accent1"/>
+          </a:fillRef>
+          <a:effectRef idx="0">
+            <a:schemeClr val="accent1"/>
+          </a:effectRef>
+          <a:fontRef idx="minor">
+            <a:schemeClr val="lt1"/>
+          </a:fontRef>
+        </p:style>
+        <p:txBody>
+          <a:bodyPr rtlCol="0" anchor="ctr"/>
+          <a:lstStyle/>
+          <a:p>
+            <a:pPr algn="ctr"/>
+            <a:endParaRPr lang="ko-KR" altLang="en-US"/>
+          </a:p>
+        </p:txBody>
+      </p:sp>
+      <p:sp>
+        <p:nvSpPr>
+          <p:cNvPr id="2" name="제목 1"/>
+          <p:cNvSpPr>
+            <a:spLocks noGrp="1"/>
+          </p:cNvSpPr>
+          <p:nvPr>
+            <p:ph type="title"/>
+          </p:nvPr>
+        </p:nvSpPr>
+        <p:spPr/>
+        <p:txBody>
+          <a:bodyPr/>
+          <a:lstStyle/>
+          <a:p>
+            <a:r>
+              <a:rPr lang="ko-KR" altLang="en-US" b="1" dirty="0"/>
+              <a:t>간결한 </a:t>
+            </a:r>
+            <a:r>
+              <a:rPr lang="ko-KR" altLang="en-US" b="1" dirty="0" smtClean="0"/>
+              <a:t>메서드</a:t>
+            </a:r>
+            <a:endParaRPr lang="ko-KR" altLang="en-US" sz="2000" dirty="0">
+              <a:latin typeface="Bahnschrift Condensed" panose="020B0502040204020203" pitchFamily="34" charset="0"/>
+            </a:endParaRPr>
+          </a:p>
+        </p:txBody>
+      </p:sp>
+      <p:sp>
+        <p:nvSpPr>
+          <p:cNvPr id="3" name="내용 개체 틀 2"/>
+          <p:cNvSpPr>
+            <a:spLocks noGrp="1"/>
+          </p:cNvSpPr>
+          <p:nvPr>
+            <p:ph idx="1"/>
+          </p:nvPr>
+        </p:nvSpPr>
+        <p:spPr>
+          <a:xfrm>
+            <a:off x="1251678" y="5500139"/>
+            <a:ext cx="4887191" cy="1357861"/>
+          </a:xfrm>
+        </p:spPr>
+        <p:txBody>
+          <a:bodyPr>
+            <a:normAutofit/>
+          </a:bodyPr>
+          <a:lstStyle/>
+          <a:p>
+            <a:pPr>
+              <a:lnSpc>
+                <a:spcPct val="160000"/>
+              </a:lnSpc>
+            </a:pPr>
+            <a:r>
+              <a:rPr lang="ko-KR" altLang="en-US" dirty="0" smtClean="0">
+                <a:latin typeface="+mj-ea"/>
+                <a:ea typeface="+mj-ea"/>
+              </a:rPr>
+              <a:t>기존 </a:t>
+            </a:r>
+            <a:r>
+              <a:rPr lang="en-US" altLang="ko-KR" dirty="0" smtClean="0">
+                <a:latin typeface="+mj-ea"/>
+                <a:ea typeface="+mj-ea"/>
+              </a:rPr>
+              <a:t>ES5</a:t>
+            </a:r>
+            <a:r>
+              <a:rPr lang="ko-KR" altLang="en-US" dirty="0" smtClean="0">
+                <a:latin typeface="+mj-ea"/>
+                <a:ea typeface="+mj-ea"/>
+              </a:rPr>
+              <a:t>에서는 객체 메서드를 정의하기 위해 </a:t>
+            </a:r>
+            <a:r>
+              <a:rPr lang="en-US" altLang="ko-KR" dirty="0" smtClean="0">
+                <a:latin typeface="+mj-ea"/>
+                <a:ea typeface="+mj-ea"/>
+              </a:rPr>
+              <a:t>function </a:t>
+            </a:r>
+            <a:r>
+              <a:rPr lang="ko-KR" altLang="en-US" dirty="0" smtClean="0">
+                <a:latin typeface="+mj-ea"/>
+                <a:ea typeface="+mj-ea"/>
+              </a:rPr>
+              <a:t>키워드를 사용하였다</a:t>
+            </a:r>
+            <a:r>
+              <a:rPr lang="en-US" altLang="ko-KR" dirty="0" smtClean="0">
+                <a:latin typeface="+mj-ea"/>
+                <a:ea typeface="+mj-ea"/>
+              </a:rPr>
+              <a:t>.</a:t>
+            </a:r>
+            <a:endParaRPr lang="en-US" altLang="ko-KR" dirty="0" smtClean="0">
+              <a:latin typeface="+mj-ea"/>
+              <a:ea typeface="+mj-ea"/>
+            </a:endParaRPr>
+          </a:p>
+        </p:txBody>
+      </p:sp>
+      <p:cxnSp>
+        <p:nvCxnSpPr>
+          <p:cNvPr id="5" name="직선 연결선 4"/>
+          <p:cNvCxnSpPr/>
+          <p:nvPr/>
+        </p:nvCxnSpPr>
+        <p:spPr>
+          <a:xfrm>
+            <a:off x="1251678" y="1257300"/>
+            <a:ext cx="10064022" cy="0"/>
+          </a:xfrm>
+          <a:prstGeom prst="line">
+            <a:avLst/>
+          </a:prstGeom>
+        </p:spPr>
+        <p:style>
+          <a:lnRef idx="1">
+            <a:schemeClr val="dk1"/>
+          </a:lnRef>
+          <a:fillRef idx="0">
+            <a:schemeClr val="dk1"/>
+          </a:fillRef>
+          <a:effectRef idx="0">
+            <a:schemeClr val="dk1"/>
+          </a:effectRef>
+          <a:fontRef idx="minor">
+            <a:schemeClr val="tx1"/>
+          </a:fontRef>
+        </p:style>
+      </p:cxnSp>
+      <p:sp>
+        <p:nvSpPr>
+          <p:cNvPr id="21" name="TextBox 20"/>
+          <p:cNvSpPr txBox="1"/>
+          <p:nvPr/>
+        </p:nvSpPr>
+        <p:spPr>
+          <a:xfrm>
+            <a:off x="1435359" y="2153535"/>
+            <a:ext cx="4454548" cy="2585323"/>
+          </a:xfrm>
+          <a:prstGeom prst="rect">
+            <a:avLst/>
+          </a:prstGeom>
+          <a:noFill/>
+        </p:spPr>
+        <p:txBody>
+          <a:bodyPr wrap="square" rtlCol="0">
+            <a:spAutoFit/>
+          </a:bodyPr>
+          <a:lstStyle/>
+          <a:p>
+            <a:r>
+              <a:rPr lang="en-US" altLang="ko-KR" dirty="0" err="1"/>
+              <a:t>var</a:t>
+            </a:r>
+            <a:r>
+              <a:rPr lang="en-US" altLang="ko-KR" dirty="0"/>
+              <a:t> person = {</a:t>
+            </a:r>
+          </a:p>
+          <a:p>
+            <a:r>
+              <a:rPr lang="en-US" altLang="ko-KR" dirty="0"/>
+              <a:t>  name: "</a:t>
+            </a:r>
+            <a:r>
+              <a:rPr lang="ko-KR" altLang="en-US" dirty="0"/>
+              <a:t>장명호</a:t>
+            </a:r>
+            <a:r>
+              <a:rPr lang="en-US" altLang="ko-KR" dirty="0"/>
+              <a:t>",</a:t>
+            </a:r>
+          </a:p>
+          <a:p>
+            <a:r>
+              <a:rPr lang="en-US" altLang="ko-KR" dirty="0"/>
+              <a:t>  </a:t>
+            </a:r>
+            <a:r>
+              <a:rPr lang="en-US" altLang="ko-KR" dirty="0" err="1"/>
+              <a:t>getName</a:t>
+            </a:r>
+            <a:r>
+              <a:rPr lang="en-US" altLang="ko-KR" dirty="0"/>
+              <a:t>: function() {</a:t>
+            </a:r>
+          </a:p>
+          <a:p>
+            <a:r>
+              <a:rPr lang="en-US" altLang="ko-KR" dirty="0"/>
+              <a:t>    return this.name;</a:t>
+            </a:r>
+          </a:p>
+          <a:p>
+            <a:r>
+              <a:rPr lang="en-US" altLang="ko-KR" dirty="0"/>
+              <a:t>  }</a:t>
+            </a:r>
+          </a:p>
+          <a:p>
+            <a:r>
+              <a:rPr lang="en-US" altLang="ko-KR" dirty="0"/>
+              <a:t>}</a:t>
+            </a:r>
+          </a:p>
+          <a:p>
+            <a:endParaRPr lang="en-US" altLang="ko-KR" dirty="0"/>
+          </a:p>
+          <a:p>
+            <a:r>
+              <a:rPr lang="en-US" altLang="ko-KR" dirty="0"/>
+              <a:t>console.log(</a:t>
+            </a:r>
+            <a:r>
+              <a:rPr lang="en-US" altLang="ko-KR" dirty="0" err="1"/>
+              <a:t>person.getName</a:t>
+            </a:r>
+            <a:r>
+              <a:rPr lang="en-US" altLang="ko-KR" dirty="0"/>
+              <a:t>());</a:t>
+            </a:r>
+          </a:p>
+          <a:p>
+            <a:r>
+              <a:rPr lang="en-US" altLang="ko-KR" dirty="0"/>
+              <a:t>//</a:t>
+            </a:r>
+            <a:r>
+              <a:rPr lang="ko-KR" altLang="en-US" dirty="0"/>
+              <a:t>장명호</a:t>
+            </a:r>
+            <a:endParaRPr lang="ko-KR" altLang="en-US" dirty="0"/>
+          </a:p>
+        </p:txBody>
+      </p:sp>
+      <p:sp>
+        <p:nvSpPr>
+          <p:cNvPr id="26" name="TextBox 25"/>
+          <p:cNvSpPr txBox="1"/>
+          <p:nvPr/>
+        </p:nvSpPr>
+        <p:spPr>
+          <a:xfrm>
+            <a:off x="6644830" y="2153535"/>
+            <a:ext cx="4454548" cy="3139321"/>
+          </a:xfrm>
+          <a:prstGeom prst="rect">
+            <a:avLst/>
+          </a:prstGeom>
+          <a:noFill/>
+        </p:spPr>
+        <p:txBody>
+          <a:bodyPr wrap="square" rtlCol="0">
+            <a:spAutoFit/>
+          </a:bodyPr>
+          <a:lstStyle/>
+          <a:p>
+            <a:r>
+              <a:rPr lang="en-US" altLang="ko-KR" dirty="0" err="1"/>
+              <a:t>const</a:t>
+            </a:r>
+            <a:r>
+              <a:rPr lang="en-US" altLang="ko-KR" dirty="0"/>
+              <a:t> a = [1</a:t>
+            </a:r>
+            <a:r>
+              <a:rPr lang="en-US" altLang="ko-KR" dirty="0" smtClean="0"/>
+              <a:t>, 2, 3</a:t>
+            </a:r>
+            <a:r>
+              <a:rPr lang="en-US" altLang="ko-KR" dirty="0"/>
+              <a:t>];</a:t>
+            </a:r>
+          </a:p>
+          <a:p>
+            <a:r>
+              <a:rPr lang="en-US" altLang="ko-KR" dirty="0" err="1"/>
+              <a:t>const</a:t>
+            </a:r>
+            <a:r>
+              <a:rPr lang="en-US" altLang="ko-KR" dirty="0"/>
+              <a:t> b = "</a:t>
+            </a:r>
+            <a:r>
+              <a:rPr lang="ko-KR" altLang="en-US" dirty="0" err="1"/>
+              <a:t>전개연산자</a:t>
+            </a:r>
+            <a:r>
+              <a:rPr lang="en-US" altLang="ko-KR" dirty="0"/>
+              <a:t>";</a:t>
+            </a:r>
+          </a:p>
+          <a:p>
+            <a:endParaRPr lang="en-US" altLang="ko-KR" dirty="0"/>
+          </a:p>
+          <a:p>
+            <a:r>
+              <a:rPr lang="en-US" altLang="ko-KR" dirty="0" err="1"/>
+              <a:t>const</a:t>
+            </a:r>
+            <a:r>
+              <a:rPr lang="en-US" altLang="ko-KR" dirty="0"/>
+              <a:t> c = </a:t>
+            </a:r>
+            <a:r>
+              <a:rPr lang="en-US" altLang="ko-KR" dirty="0">
+                <a:solidFill>
+                  <a:srgbClr val="FF0000"/>
+                </a:solidFill>
+              </a:rPr>
+              <a:t>[...a, b]</a:t>
+            </a:r>
+            <a:r>
+              <a:rPr lang="en-US" altLang="ko-KR" dirty="0"/>
+              <a:t>;</a:t>
+            </a:r>
+          </a:p>
+          <a:p>
+            <a:endParaRPr lang="en-US" altLang="ko-KR" dirty="0"/>
+          </a:p>
+          <a:p>
+            <a:r>
+              <a:rPr lang="en-US" altLang="ko-KR" dirty="0"/>
+              <a:t>console.log(c);</a:t>
+            </a:r>
+          </a:p>
+          <a:p>
+            <a:endParaRPr lang="en-US" altLang="ko-KR" dirty="0"/>
+          </a:p>
+          <a:p>
+            <a:r>
+              <a:rPr lang="en-US" altLang="ko-KR" dirty="0"/>
+              <a:t>// [1,2,3,”</a:t>
+            </a:r>
+            <a:r>
+              <a:rPr lang="ko-KR" altLang="en-US" dirty="0" err="1"/>
+              <a:t>전개연산자</a:t>
+            </a:r>
+            <a:r>
+              <a:rPr lang="en-US" altLang="ko-KR" dirty="0" smtClean="0"/>
+              <a:t>”]</a:t>
+            </a:r>
+          </a:p>
+          <a:p>
+            <a:endParaRPr lang="en-US" altLang="ko-KR" dirty="0"/>
+          </a:p>
+          <a:p>
+            <a:endParaRPr lang="en-US" altLang="ko-KR" dirty="0"/>
+          </a:p>
+          <a:p>
+            <a:endParaRPr lang="en-US" altLang="ko-KR" dirty="0"/>
+          </a:p>
+        </p:txBody>
+      </p:sp>
+      <p:sp>
+        <p:nvSpPr>
+          <p:cNvPr id="28" name="직사각형 27"/>
+          <p:cNvSpPr/>
+          <p:nvPr/>
+        </p:nvSpPr>
+        <p:spPr>
+          <a:xfrm>
+            <a:off x="1251678" y="1611982"/>
+            <a:ext cx="581891" cy="383579"/>
+          </a:xfrm>
+          <a:prstGeom prst="rect">
+            <a:avLst/>
+          </a:prstGeom>
+          <a:solidFill>
+            <a:schemeClr val="tx1"/>
+          </a:solidFill>
+          <a:ln>
+            <a:noFill/>
+          </a:ln>
+        </p:spPr>
+        <p:style>
+          <a:lnRef idx="2">
+            <a:schemeClr val="accent1">
+              <a:shade val="50000"/>
+            </a:schemeClr>
+          </a:lnRef>
+          <a:fillRef idx="1">
+            <a:schemeClr val="accent1"/>
+          </a:fillRef>
+          <a:effectRef idx="0">
+            <a:schemeClr val="accent1"/>
+          </a:effectRef>
+          <a:fontRef idx="minor">
+            <a:schemeClr val="lt1"/>
+          </a:fontRef>
+        </p:style>
+        <p:txBody>
+          <a:bodyPr rtlCol="0" anchor="ctr"/>
+          <a:lstStyle/>
+          <a:p>
+            <a:pPr algn="ctr"/>
+            <a:endParaRPr lang="ko-KR" altLang="en-US"/>
+          </a:p>
+        </p:txBody>
+      </p:sp>
+      <p:sp>
+        <p:nvSpPr>
+          <p:cNvPr id="27" name="TextBox 26"/>
+          <p:cNvSpPr txBox="1"/>
+          <p:nvPr/>
+        </p:nvSpPr>
+        <p:spPr>
+          <a:xfrm>
+            <a:off x="1281974" y="1622091"/>
+            <a:ext cx="521297" cy="369332"/>
+          </a:xfrm>
+          <a:prstGeom prst="rect">
+            <a:avLst/>
+          </a:prstGeom>
+          <a:noFill/>
+        </p:spPr>
+        <p:txBody>
+          <a:bodyPr wrap="none" rtlCol="0">
+            <a:spAutoFit/>
+          </a:bodyPr>
+          <a:lstStyle/>
+          <a:p>
+            <a:r>
+              <a:rPr lang="en-US" altLang="ko-KR" dirty="0" smtClean="0">
+                <a:solidFill>
+                  <a:schemeClr val="bg1"/>
+                </a:solidFill>
+              </a:rPr>
+              <a:t>ES5</a:t>
+            </a:r>
+            <a:endParaRPr lang="ko-KR" altLang="en-US" dirty="0">
+              <a:solidFill>
+                <a:schemeClr val="bg1"/>
+              </a:solidFill>
+            </a:endParaRPr>
+          </a:p>
+        </p:txBody>
+      </p:sp>
+      <p:sp>
+        <p:nvSpPr>
+          <p:cNvPr id="29" name="직사각형 28"/>
+          <p:cNvSpPr/>
+          <p:nvPr/>
+        </p:nvSpPr>
+        <p:spPr>
+          <a:xfrm>
+            <a:off x="6423613" y="1616120"/>
+            <a:ext cx="581891" cy="383579"/>
+          </a:xfrm>
+          <a:prstGeom prst="rect">
+            <a:avLst/>
+          </a:prstGeom>
+          <a:solidFill>
+            <a:schemeClr val="tx1"/>
+          </a:solidFill>
+          <a:ln>
+            <a:noFill/>
+          </a:ln>
+        </p:spPr>
+        <p:style>
+          <a:lnRef idx="2">
+            <a:schemeClr val="accent1">
+              <a:shade val="50000"/>
+            </a:schemeClr>
+          </a:lnRef>
+          <a:fillRef idx="1">
+            <a:schemeClr val="accent1"/>
+          </a:fillRef>
+          <a:effectRef idx="0">
+            <a:schemeClr val="accent1"/>
+          </a:effectRef>
+          <a:fontRef idx="minor">
+            <a:schemeClr val="lt1"/>
+          </a:fontRef>
+        </p:style>
+        <p:txBody>
+          <a:bodyPr rtlCol="0" anchor="ctr"/>
+          <a:lstStyle/>
+          <a:p>
+            <a:pPr algn="ctr"/>
+            <a:endParaRPr lang="ko-KR" altLang="en-US"/>
+          </a:p>
+        </p:txBody>
+      </p:sp>
+      <p:sp>
+        <p:nvSpPr>
+          <p:cNvPr id="30" name="TextBox 29"/>
+          <p:cNvSpPr txBox="1"/>
+          <p:nvPr/>
+        </p:nvSpPr>
+        <p:spPr>
+          <a:xfrm>
+            <a:off x="6453909" y="1626229"/>
+            <a:ext cx="521297" cy="369332"/>
+          </a:xfrm>
+          <a:prstGeom prst="rect">
+            <a:avLst/>
+          </a:prstGeom>
+          <a:noFill/>
+        </p:spPr>
+        <p:txBody>
+          <a:bodyPr wrap="none" rtlCol="0">
+            <a:spAutoFit/>
+          </a:bodyPr>
+          <a:lstStyle/>
+          <a:p>
+            <a:r>
+              <a:rPr lang="en-US" altLang="ko-KR" dirty="0" smtClean="0">
+                <a:solidFill>
+                  <a:schemeClr val="bg1"/>
+                </a:solidFill>
+              </a:rPr>
+              <a:t>ES6</a:t>
+            </a:r>
+            <a:endParaRPr lang="ko-KR" altLang="en-US" dirty="0">
+              <a:solidFill>
+                <a:schemeClr val="bg1"/>
+              </a:solidFill>
+            </a:endParaRPr>
+          </a:p>
+        </p:txBody>
+      </p:sp>
+      <p:grpSp>
+        <p:nvGrpSpPr>
+          <p:cNvPr id="4" name="그룹 3"/>
+          <p:cNvGrpSpPr/>
+          <p:nvPr/>
+        </p:nvGrpSpPr>
+        <p:grpSpPr>
+          <a:xfrm>
+            <a:off x="6428509" y="2001693"/>
+            <a:ext cx="4887191" cy="3371273"/>
+            <a:chOff x="6428509" y="2001693"/>
+            <a:chExt cx="4887191" cy="3371273"/>
+          </a:xfrm>
+        </p:grpSpPr>
+        <p:sp>
+          <p:nvSpPr>
+            <p:cNvPr id="13" name="직사각형 12"/>
+            <p:cNvSpPr/>
+            <p:nvPr/>
+          </p:nvSpPr>
+          <p:spPr>
+            <a:xfrm>
+              <a:off x="6428509" y="2001693"/>
+              <a:ext cx="4887191" cy="3371273"/>
+            </a:xfrm>
+            <a:prstGeom prst="rect">
+              <a:avLst/>
+            </a:prstGeom>
+            <a:solidFill>
+              <a:schemeClr val="bg1"/>
+            </a:solidFill>
+            <a:ln>
+              <a:noFill/>
+            </a:ln>
+          </p:spPr>
+          <p:style>
+            <a:lnRef idx="2">
+              <a:schemeClr val="accent1">
+                <a:shade val="50000"/>
+              </a:schemeClr>
+            </a:lnRef>
+            <a:fillRef idx="1">
+              <a:schemeClr val="accent1"/>
+            </a:fillRef>
+            <a:effectRef idx="0">
+              <a:schemeClr val="accent1"/>
+            </a:effectRef>
+            <a:fontRef idx="minor">
+              <a:schemeClr val="lt1"/>
+            </a:fontRef>
+          </p:style>
+          <p:txBody>
+            <a:bodyPr rtlCol="0" anchor="ctr"/>
+            <a:lstStyle/>
+            <a:p>
+              <a:pPr algn="ctr"/>
+              <a:endParaRPr lang="ko-KR" altLang="en-US"/>
+            </a:p>
+          </p:txBody>
+        </p:sp>
+        <p:sp>
+          <p:nvSpPr>
+            <p:cNvPr id="14" name="TextBox 13"/>
+            <p:cNvSpPr txBox="1"/>
+            <p:nvPr/>
+          </p:nvSpPr>
+          <p:spPr>
+            <a:xfrm>
+              <a:off x="6644830" y="2153535"/>
+              <a:ext cx="4454548" cy="2585323"/>
+            </a:xfrm>
+            <a:prstGeom prst="rect">
+              <a:avLst/>
+            </a:prstGeom>
+            <a:noFill/>
+          </p:spPr>
+          <p:txBody>
+            <a:bodyPr wrap="square" rtlCol="0">
+              <a:spAutoFit/>
+            </a:bodyPr>
+            <a:lstStyle/>
+            <a:p>
+              <a:r>
+                <a:rPr lang="en-US" altLang="ko-KR" dirty="0" err="1"/>
+                <a:t>var</a:t>
+              </a:r>
+              <a:r>
+                <a:rPr lang="en-US" altLang="ko-KR" dirty="0"/>
+                <a:t> person = {</a:t>
+              </a:r>
+            </a:p>
+            <a:p>
+              <a:r>
+                <a:rPr lang="en-US" altLang="ko-KR" dirty="0"/>
+                <a:t>  name: "</a:t>
+              </a:r>
+              <a:r>
+                <a:rPr lang="ko-KR" altLang="en-US" dirty="0"/>
+                <a:t>장명호</a:t>
+              </a:r>
+              <a:r>
+                <a:rPr lang="en-US" altLang="ko-KR" dirty="0"/>
+                <a:t>",</a:t>
+              </a:r>
+            </a:p>
+            <a:p>
+              <a:r>
+                <a:rPr lang="en-US" altLang="ko-KR" dirty="0"/>
+                <a:t>  </a:t>
+              </a:r>
+              <a:r>
+                <a:rPr lang="en-US" altLang="ko-KR" dirty="0" err="1" smtClean="0">
+                  <a:solidFill>
+                    <a:srgbClr val="FF0000"/>
+                  </a:solidFill>
+                </a:rPr>
+                <a:t>getName</a:t>
+              </a:r>
+              <a:r>
+                <a:rPr lang="en-US" altLang="ko-KR" dirty="0" smtClean="0">
+                  <a:solidFill>
+                    <a:srgbClr val="FF0000"/>
+                  </a:solidFill>
+                </a:rPr>
+                <a:t>()</a:t>
+              </a:r>
+              <a:r>
+                <a:rPr lang="en-US" altLang="ko-KR" dirty="0" smtClean="0"/>
+                <a:t> </a:t>
+              </a:r>
+              <a:r>
+                <a:rPr lang="en-US" altLang="ko-KR" dirty="0"/>
+                <a:t>{</a:t>
+              </a:r>
+            </a:p>
+            <a:p>
+              <a:r>
+                <a:rPr lang="en-US" altLang="ko-KR" dirty="0"/>
+                <a:t>    return this.name;</a:t>
+              </a:r>
+            </a:p>
+            <a:p>
+              <a:r>
+                <a:rPr lang="en-US" altLang="ko-KR" dirty="0"/>
+                <a:t>  }</a:t>
+              </a:r>
+            </a:p>
+            <a:p>
+              <a:r>
+                <a:rPr lang="en-US" altLang="ko-KR" dirty="0"/>
+                <a:t>}</a:t>
+              </a:r>
+            </a:p>
+            <a:p>
+              <a:endParaRPr lang="en-US" altLang="ko-KR" dirty="0"/>
+            </a:p>
+            <a:p>
+              <a:r>
+                <a:rPr lang="en-US" altLang="ko-KR" dirty="0"/>
+                <a:t>console.log(</a:t>
+              </a:r>
+              <a:r>
+                <a:rPr lang="en-US" altLang="ko-KR" dirty="0" err="1"/>
+                <a:t>person.getName</a:t>
+              </a:r>
+              <a:r>
+                <a:rPr lang="en-US" altLang="ko-KR" dirty="0"/>
+                <a:t>());</a:t>
+              </a:r>
+            </a:p>
+            <a:p>
+              <a:r>
+                <a:rPr lang="en-US" altLang="ko-KR" dirty="0"/>
+                <a:t>//</a:t>
+              </a:r>
+              <a:r>
+                <a:rPr lang="ko-KR" altLang="en-US" dirty="0"/>
+                <a:t>장명호</a:t>
+              </a:r>
+              <a:endParaRPr lang="ko-KR" altLang="en-US" dirty="0"/>
+            </a:p>
+          </p:txBody>
+        </p:sp>
+      </p:grpSp>
+      <p:sp>
+        <p:nvSpPr>
+          <p:cNvPr id="17" name="내용 개체 틀 2"/>
+          <p:cNvSpPr txBox="1">
+            <a:spLocks/>
+          </p:cNvSpPr>
+          <p:nvPr/>
+        </p:nvSpPr>
+        <p:spPr>
+          <a:xfrm>
+            <a:off x="6428509" y="5500139"/>
+            <a:ext cx="4887191" cy="1357861"/>
+          </a:xfrm>
+          <a:prstGeom prst="rect">
+            <a:avLst/>
+          </a:prstGeom>
+        </p:spPr>
+        <p:txBody>
+          <a:bodyPr vert="horz" lIns="91440" tIns="45720" rIns="91440" bIns="45720" rtlCol="0">
+            <a:normAutofit fontScale="77500" lnSpcReduction="20000"/>
+          </a:bodyPr>
+          <a:lstStyle>
+            <a:lvl1pPr marL="228600" indent="-228600" algn="l" defTabSz="914400" rtl="0" eaLnBrk="1" latinLnBrk="1" hangingPunct="1">
+              <a:lnSpc>
+                <a:spcPct val="110000"/>
+              </a:lnSpc>
+              <a:spcBef>
+                <a:spcPts val="700"/>
+              </a:spcBef>
+              <a:buClr>
+                <a:schemeClr val="tx2"/>
+              </a:buClr>
+              <a:buFont typeface="Arial" panose="020B0604020202020204" pitchFamily="34" charset="0"/>
+              <a:buChar char="•"/>
+              <a:defRPr sz="2000" kern="1200">
+                <a:solidFill>
+                  <a:schemeClr val="tx1">
+                    <a:lumMod val="65000"/>
+                    <a:lumOff val="35000"/>
+                  </a:schemeClr>
+                </a:solidFill>
+                <a:latin typeface="+mn-lt"/>
+                <a:ea typeface="+mn-ea"/>
+                <a:cs typeface="+mn-cs"/>
+              </a:defRPr>
+            </a:lvl1pPr>
+            <a:lvl2pPr marL="685800" indent="-228600" algn="l" defTabSz="914400" rtl="0" eaLnBrk="1" latinLnBrk="1" hangingPunct="1">
+              <a:lnSpc>
+                <a:spcPct val="110000"/>
+              </a:lnSpc>
+              <a:spcBef>
+                <a:spcPts val="700"/>
+              </a:spcBef>
+              <a:buClr>
+                <a:schemeClr val="tx2"/>
+              </a:buClr>
+              <a:buFont typeface="Gill Sans MT" panose="020B0502020104020203" pitchFamily="34" charset="0"/>
+              <a:buChar char="–"/>
+              <a:defRPr sz="1800" kern="1200">
+                <a:solidFill>
+                  <a:schemeClr val="tx1">
+                    <a:lumMod val="65000"/>
+                    <a:lumOff val="35000"/>
+                  </a:schemeClr>
+                </a:solidFill>
+                <a:latin typeface="+mn-lt"/>
+                <a:ea typeface="+mn-ea"/>
+                <a:cs typeface="+mn-cs"/>
+              </a:defRPr>
+            </a:lvl2pPr>
+            <a:lvl3pPr marL="1143000" indent="-228600" algn="l" defTabSz="914400" rtl="0" eaLnBrk="1" latinLnBrk="1" hangingPunct="1">
+              <a:lnSpc>
+                <a:spcPct val="110000"/>
+              </a:lnSpc>
+              <a:spcBef>
+                <a:spcPts val="700"/>
+              </a:spcBef>
+              <a:buClr>
+                <a:schemeClr val="tx2"/>
+              </a:buClr>
+              <a:buFont typeface="Arial" panose="020B0604020202020204" pitchFamily="34" charset="0"/>
+              <a:buChar char="•"/>
+              <a:defRPr sz="1600" kern="1200">
+                <a:solidFill>
+                  <a:schemeClr val="tx1">
+                    <a:lumMod val="65000"/>
+                    <a:lumOff val="35000"/>
+                  </a:schemeClr>
+                </a:solidFill>
+                <a:latin typeface="+mn-lt"/>
+                <a:ea typeface="+mn-ea"/>
+                <a:cs typeface="+mn-cs"/>
+              </a:defRPr>
+            </a:lvl3pPr>
+            <a:lvl4pPr marL="1600200" indent="-228600" algn="l" defTabSz="914400" rtl="0" eaLnBrk="1" latinLnBrk="1" hangingPunct="1">
+              <a:lnSpc>
+                <a:spcPct val="110000"/>
+              </a:lnSpc>
+              <a:spcBef>
+                <a:spcPts val="700"/>
+              </a:spcBef>
+              <a:buClr>
+                <a:schemeClr val="tx2"/>
+              </a:buClr>
+              <a:buFont typeface="Gill Sans MT" panose="020B0502020104020203" pitchFamily="34" charset="0"/>
+              <a:buChar char="–"/>
+              <a:defRPr sz="1400" kern="1200">
+                <a:solidFill>
+                  <a:schemeClr val="tx1">
+                    <a:lumMod val="65000"/>
+                    <a:lumOff val="35000"/>
+                  </a:schemeClr>
+                </a:solidFill>
+                <a:latin typeface="+mn-lt"/>
+                <a:ea typeface="+mn-ea"/>
+                <a:cs typeface="+mn-cs"/>
+              </a:defRPr>
+            </a:lvl4pPr>
+            <a:lvl5pPr marL="2057400" indent="-228600" algn="l" defTabSz="914400" rtl="0" eaLnBrk="1" latinLnBrk="1" hangingPunct="1">
+              <a:lnSpc>
+                <a:spcPct val="110000"/>
+              </a:lnSpc>
+              <a:spcBef>
+                <a:spcPts val="700"/>
+              </a:spcBef>
+              <a:buClr>
+                <a:schemeClr val="tx2"/>
+              </a:buClr>
+              <a:buFont typeface="Arial" panose="020B0604020202020204" pitchFamily="34" charset="0"/>
+              <a:buChar char="•"/>
+              <a:defRPr sz="1400" kern="1200">
+                <a:solidFill>
+                  <a:schemeClr val="tx1">
+                    <a:lumMod val="65000"/>
+                    <a:lumOff val="35000"/>
+                  </a:schemeClr>
+                </a:solidFill>
+                <a:latin typeface="+mn-lt"/>
+                <a:ea typeface="+mn-ea"/>
+                <a:cs typeface="+mn-cs"/>
+              </a:defRPr>
+            </a:lvl5pPr>
+            <a:lvl6pPr marL="2514600" indent="-228600" algn="l" defTabSz="914400" rtl="0" eaLnBrk="1" latinLnBrk="1" hangingPunct="1">
+              <a:lnSpc>
+                <a:spcPct val="110000"/>
+              </a:lnSpc>
+              <a:spcBef>
+                <a:spcPts val="700"/>
+              </a:spcBef>
+              <a:buClr>
+                <a:schemeClr val="tx2"/>
+              </a:buClr>
+              <a:buFont typeface="Gill Sans MT" panose="020B0502020104020203" pitchFamily="34" charset="0"/>
+              <a:buChar char="–"/>
+              <a:defRPr sz="1400" kern="1200">
+                <a:solidFill>
+                  <a:schemeClr val="tx1">
+                    <a:lumMod val="65000"/>
+                    <a:lumOff val="35000"/>
+                  </a:schemeClr>
+                </a:solidFill>
+                <a:latin typeface="+mn-lt"/>
+                <a:ea typeface="+mn-ea"/>
+                <a:cs typeface="+mn-cs"/>
+              </a:defRPr>
+            </a:lvl6pPr>
+            <a:lvl7pPr marL="2971800" indent="-228600" algn="l" defTabSz="914400" rtl="0" eaLnBrk="1" latinLnBrk="1" hangingPunct="1">
+              <a:lnSpc>
+                <a:spcPct val="110000"/>
+              </a:lnSpc>
+              <a:spcBef>
+                <a:spcPts val="700"/>
+              </a:spcBef>
+              <a:buClr>
+                <a:schemeClr val="tx2"/>
+              </a:buClr>
+              <a:buFont typeface="Arial" panose="020B0604020202020204" pitchFamily="34" charset="0"/>
+              <a:buChar char="•"/>
+              <a:defRPr sz="1400" kern="1200">
+                <a:solidFill>
+                  <a:schemeClr val="tx1">
+                    <a:lumMod val="65000"/>
+                    <a:lumOff val="35000"/>
+                  </a:schemeClr>
+                </a:solidFill>
+                <a:latin typeface="+mn-lt"/>
+                <a:ea typeface="+mn-ea"/>
+                <a:cs typeface="+mn-cs"/>
+              </a:defRPr>
+            </a:lvl7pPr>
+            <a:lvl8pPr marL="3429000" indent="-228600" algn="l" defTabSz="914400" rtl="0" eaLnBrk="1" latinLnBrk="1" hangingPunct="1">
+              <a:lnSpc>
+                <a:spcPct val="110000"/>
+              </a:lnSpc>
+              <a:spcBef>
+                <a:spcPts val="700"/>
+              </a:spcBef>
+              <a:buClr>
+                <a:schemeClr val="tx2"/>
+              </a:buClr>
+              <a:buFont typeface="Gill Sans MT" panose="020B0502020104020203" pitchFamily="34" charset="0"/>
+              <a:buChar char="–"/>
+              <a:defRPr sz="1400" kern="1200" baseline="0">
+                <a:solidFill>
+                  <a:schemeClr val="tx1">
+                    <a:lumMod val="65000"/>
+                    <a:lumOff val="35000"/>
+                  </a:schemeClr>
+                </a:solidFill>
+                <a:latin typeface="+mn-lt"/>
+                <a:ea typeface="+mn-ea"/>
+                <a:cs typeface="+mn-cs"/>
+              </a:defRPr>
+            </a:lvl8pPr>
+            <a:lvl9pPr marL="3886200" indent="-228600" algn="l" defTabSz="914400" rtl="0" eaLnBrk="1" latinLnBrk="1" hangingPunct="1">
+              <a:lnSpc>
+                <a:spcPct val="110000"/>
+              </a:lnSpc>
+              <a:spcBef>
+                <a:spcPts val="700"/>
+              </a:spcBef>
+              <a:buClr>
+                <a:schemeClr val="tx2"/>
+              </a:buClr>
+              <a:buFont typeface="Arial" panose="020B0604020202020204" pitchFamily="34" charset="0"/>
+              <a:buChar char="•"/>
+              <a:defRPr sz="1400" kern="1200" baseline="0">
+                <a:solidFill>
+                  <a:schemeClr val="tx1">
+                    <a:lumMod val="65000"/>
+                    <a:lumOff val="35000"/>
+                  </a:schemeClr>
+                </a:solidFill>
+                <a:latin typeface="+mn-lt"/>
+                <a:ea typeface="+mn-ea"/>
+                <a:cs typeface="+mn-cs"/>
+              </a:defRPr>
+            </a:lvl9pPr>
+          </a:lstStyle>
+          <a:p>
+            <a:pPr>
+              <a:lnSpc>
+                <a:spcPct val="160000"/>
+              </a:lnSpc>
+            </a:pPr>
+            <a:r>
+              <a:rPr lang="en-US" altLang="ko-KR" sz="2500" dirty="0" smtClean="0">
+                <a:latin typeface="+mj-ea"/>
+                <a:ea typeface="+mj-ea"/>
+              </a:rPr>
+              <a:t>ES6</a:t>
+            </a:r>
+            <a:r>
+              <a:rPr lang="ko-KR" altLang="en-US" sz="2500" dirty="0" smtClean="0">
+                <a:latin typeface="+mj-ea"/>
+                <a:ea typeface="+mj-ea"/>
+              </a:rPr>
+              <a:t>에서는 </a:t>
+            </a:r>
+            <a:r>
+              <a:rPr lang="en-US" altLang="ko-KR" sz="2500" dirty="0" smtClean="0">
+                <a:latin typeface="+mj-ea"/>
+                <a:ea typeface="+mj-ea"/>
+              </a:rPr>
+              <a:t>function </a:t>
+            </a:r>
+            <a:r>
+              <a:rPr lang="ko-KR" altLang="en-US" sz="2500" dirty="0" smtClean="0">
+                <a:latin typeface="+mj-ea"/>
+                <a:ea typeface="+mj-ea"/>
+              </a:rPr>
+              <a:t>키워드가 없어지고</a:t>
+            </a:r>
+            <a:r>
+              <a:rPr lang="en-US" altLang="ko-KR" sz="2500" dirty="0" smtClean="0">
+                <a:latin typeface="+mj-ea"/>
+                <a:ea typeface="+mj-ea"/>
+              </a:rPr>
+              <a:t>, </a:t>
+            </a:r>
+            <a:r>
+              <a:rPr lang="ko-KR" altLang="en-US" sz="2500" dirty="0" smtClean="0">
+                <a:latin typeface="+mj-ea"/>
+                <a:ea typeface="+mj-ea"/>
+              </a:rPr>
+              <a:t>더욱 간결해진 객체 </a:t>
+            </a:r>
+            <a:r>
+              <a:rPr lang="ko-KR" altLang="en-US" sz="2500" dirty="0" err="1" smtClean="0">
+                <a:latin typeface="+mj-ea"/>
+                <a:ea typeface="+mj-ea"/>
+              </a:rPr>
+              <a:t>리터럴을</a:t>
+            </a:r>
+            <a:r>
+              <a:rPr lang="ko-KR" altLang="en-US" sz="2500" dirty="0" smtClean="0">
+                <a:latin typeface="+mj-ea"/>
+                <a:ea typeface="+mj-ea"/>
+              </a:rPr>
+              <a:t> 사용 할 </a:t>
+            </a:r>
+            <a:r>
+              <a:rPr lang="ko-KR" altLang="en-US" sz="2500" dirty="0" err="1" smtClean="0">
+                <a:latin typeface="+mj-ea"/>
+                <a:ea typeface="+mj-ea"/>
+              </a:rPr>
+              <a:t>수있다</a:t>
+            </a:r>
+            <a:r>
+              <a:rPr lang="en-US" altLang="ko-KR" sz="2500" dirty="0" smtClean="0">
+                <a:latin typeface="+mj-ea"/>
+                <a:ea typeface="+mj-ea"/>
+              </a:rPr>
+              <a:t>.</a:t>
+            </a:r>
+            <a:endParaRPr lang="en-US" altLang="ko-KR" dirty="0" smtClean="0">
+              <a:latin typeface="+mj-ea"/>
+              <a:ea typeface="+mj-ea"/>
+            </a:endParaRPr>
+          </a:p>
+        </p:txBody>
+      </p:sp>
+    </p:spTree>
+    <p:extLst>
+      <p:ext uri="{BB962C8B-B14F-4D97-AF65-F5344CB8AC3E}">
+        <p14:creationId xmlns:p14="http://schemas.microsoft.com/office/powerpoint/2010/main" val="2927324247"/>
+      </p:ext>
+    </p:extLst>
+  </p:cSld>
+  <p:clrMapOvr>
+    <a:masterClrMapping/>
+  </p:clrMapOvr>
+  <mc:AlternateContent xmlns:mc="http://schemas.openxmlformats.org/markup-compatibility/2006" xmlns:p14="http://schemas.microsoft.com/office/powerpoint/2010/main">
+    <mc:Choice Requires="p14">
+      <p:transition p14:dur="0"/>
+    </mc:Choice>
+    <mc:Fallback xmlns="">
+      <p:transition/>
+    </mc:Fallback>
+  </mc:AlternateContent>
+  <p:timing>
+    <p:tnLst>
+      <p:par>
+        <p:cTn id="1" dur="indefinite" restart="never" nodeType="tmRoot">
+          <p:childTnLst>
+            <p:seq concurrent="1" nextAc="seek">
+              <p:cTn id="2" dur="indefinite" nodeType="mainSeq">
+                <p:childTnLst>
+                  <p:par>
+                    <p:cTn id="3" fill="hold">
+                      <p:stCondLst>
+                        <p:cond delay="indefinite"/>
+                      </p:stCondLst>
+                      <p:childTnLst>
+                        <p:par>
+                          <p:cTn id="4" fill="hold">
+                            <p:stCondLst>
+                              <p:cond delay="0"/>
+                            </p:stCondLst>
+                            <p:childTnLst>
+                              <p:par>
+                                <p:cTn id="5" presetID="16" presetClass="entr" presetSubtype="21" fill="hold" nodeType="clickEffect">
+                                  <p:stCondLst>
+                                    <p:cond delay="0"/>
+                                  </p:stCondLst>
+                                  <p:childTnLst>
+                                    <p:set>
+                                      <p:cBhvr>
+                                        <p:cTn id="6" dur="1" fill="hold">
+                                          <p:stCondLst>
+                                            <p:cond delay="0"/>
+                                          </p:stCondLst>
+                                        </p:cTn>
+                                        <p:tgtEl>
+                                          <p:spTgt spid="4"/>
+                                        </p:tgtEl>
+                                        <p:attrNameLst>
+                                          <p:attrName>style.visibility</p:attrName>
+                                        </p:attrNameLst>
+                                      </p:cBhvr>
+                                      <p:to>
+                                        <p:strVal val="visible"/>
+                                      </p:to>
+                                    </p:set>
+                                    <p:animEffect transition="in" filter="barn(inVertical)">
+                                      <p:cBhvr>
+                                        <p:cTn id="7" dur="500"/>
+                                        <p:tgtEl>
+                                          <p:spTgt spid="4"/>
+                                        </p:tgtEl>
+                                      </p:cBhvr>
+                                    </p:animEffect>
+                                  </p:childTnLst>
+                                </p:cTn>
+                              </p:par>
+                            </p:childTnLst>
+                          </p:cTn>
+                        </p:par>
+                      </p:childTnLst>
+                    </p:cTn>
+                  </p:par>
+                </p:childTnLst>
+              </p:cTn>
+              <p:prevCondLst>
+                <p:cond evt="onPrev" delay="0">
+                  <p:tgtEl>
+                    <p:sldTgt/>
+                  </p:tgtEl>
+                </p:cond>
+              </p:prevCondLst>
+              <p:nextCondLst>
+                <p:cond evt="onNext" delay="0">
+                  <p:tgtEl>
+                    <p:sldTgt/>
+                  </p:tgtEl>
+                </p:cond>
+              </p:nextCondLst>
+            </p:seq>
+          </p:childTnLst>
+        </p:cTn>
+      </p:par>
+    </p:tnLst>
+  </p:timing>
+</p:sld>
+</file>
+
+<file path=ppt/slides/slide15.xml><?xml version="1.0" encoding="utf-8"?>
+<p:sld xmlns:a="http://schemas.openxmlformats.org/drawingml/2006/main" xmlns:r="http://schemas.openxmlformats.org/officeDocument/2006/relationships" xmlns:p="http://schemas.openxmlformats.org/presentationml/2006/main">
+  <p:cSld>
+    <p:spTree>
+      <p:nvGrpSpPr>
+        <p:cNvPr id="1" name=""/>
+        <p:cNvGrpSpPr/>
+        <p:nvPr/>
+      </p:nvGrpSpPr>
+      <p:grpSpPr>
+        <a:xfrm>
+          <a:off x="0" y="0"/>
+          <a:ext cx="0" cy="0"/>
+          <a:chOff x="0" y="0"/>
+          <a:chExt cx="0" cy="0"/>
+        </a:xfrm>
+      </p:grpSpPr>
+      <p:sp>
+        <p:nvSpPr>
+          <p:cNvPr id="24" name="직사각형 23"/>
+          <p:cNvSpPr/>
+          <p:nvPr/>
+        </p:nvSpPr>
+        <p:spPr>
+          <a:xfrm>
+            <a:off x="6428509" y="2001693"/>
+            <a:ext cx="4887191" cy="3371273"/>
+          </a:xfrm>
+          <a:prstGeom prst="rect">
+            <a:avLst/>
+          </a:prstGeom>
+          <a:solidFill>
+            <a:schemeClr val="bg1"/>
+          </a:solidFill>
+          <a:ln>
+            <a:noFill/>
+          </a:ln>
+        </p:spPr>
+        <p:style>
+          <a:lnRef idx="2">
+            <a:schemeClr val="accent1">
+              <a:shade val="50000"/>
+            </a:schemeClr>
+          </a:lnRef>
+          <a:fillRef idx="1">
+            <a:schemeClr val="accent1"/>
+          </a:fillRef>
+          <a:effectRef idx="0">
+            <a:schemeClr val="accent1"/>
+          </a:effectRef>
+          <a:fontRef idx="minor">
+            <a:schemeClr val="lt1"/>
+          </a:fontRef>
+        </p:style>
+        <p:txBody>
+          <a:bodyPr rtlCol="0" anchor="ctr"/>
+          <a:lstStyle/>
+          <a:p>
+            <a:pPr algn="ctr"/>
+            <a:endParaRPr lang="ko-KR" altLang="en-US"/>
+          </a:p>
+        </p:txBody>
+      </p:sp>
+      <p:sp>
+        <p:nvSpPr>
+          <p:cNvPr id="25" name="직사각형 24"/>
+          <p:cNvSpPr/>
+          <p:nvPr/>
+        </p:nvSpPr>
+        <p:spPr>
+          <a:xfrm>
+            <a:off x="1251678" y="2001692"/>
+            <a:ext cx="4887191" cy="3371273"/>
+          </a:xfrm>
+          <a:prstGeom prst="rect">
+            <a:avLst/>
+          </a:prstGeom>
+          <a:solidFill>
+            <a:schemeClr val="bg1"/>
+          </a:solidFill>
+          <a:ln>
+            <a:noFill/>
+          </a:ln>
+        </p:spPr>
+        <p:style>
+          <a:lnRef idx="2">
+            <a:schemeClr val="accent1">
+              <a:shade val="50000"/>
+            </a:schemeClr>
+          </a:lnRef>
+          <a:fillRef idx="1">
+            <a:schemeClr val="accent1"/>
+          </a:fillRef>
+          <a:effectRef idx="0">
+            <a:schemeClr val="accent1"/>
+          </a:effectRef>
+          <a:fontRef idx="minor">
+            <a:schemeClr val="lt1"/>
+          </a:fontRef>
+        </p:style>
+        <p:txBody>
+          <a:bodyPr rtlCol="0" anchor="ctr"/>
+          <a:lstStyle/>
+          <a:p>
+            <a:pPr algn="ctr"/>
+            <a:endParaRPr lang="ko-KR" altLang="en-US"/>
+          </a:p>
+        </p:txBody>
+      </p:sp>
+      <p:sp>
+        <p:nvSpPr>
+          <p:cNvPr id="2" name="제목 1"/>
+          <p:cNvSpPr>
+            <a:spLocks noGrp="1"/>
+          </p:cNvSpPr>
+          <p:nvPr>
+            <p:ph type="title"/>
+          </p:nvPr>
+        </p:nvSpPr>
+        <p:spPr>
+          <a:xfrm>
+            <a:off x="1251678" y="382385"/>
+            <a:ext cx="10064022" cy="940153"/>
+          </a:xfrm>
+        </p:spPr>
+        <p:txBody>
+          <a:bodyPr/>
+          <a:lstStyle/>
+          <a:p>
+            <a:r>
+              <a:rPr lang="en-US" altLang="ko-KR" b="1" dirty="0" smtClean="0"/>
+              <a:t>Class</a:t>
+            </a:r>
+            <a:endParaRPr lang="ko-KR" altLang="en-US" sz="2000" dirty="0">
+              <a:latin typeface="Bahnschrift Condensed" panose="020B0502040204020203" pitchFamily="34" charset="0"/>
+            </a:endParaRPr>
+          </a:p>
+        </p:txBody>
+      </p:sp>
+      <p:sp>
+        <p:nvSpPr>
+          <p:cNvPr id="3" name="내용 개체 틀 2"/>
+          <p:cNvSpPr>
+            <a:spLocks noGrp="1"/>
+          </p:cNvSpPr>
+          <p:nvPr>
+            <p:ph idx="1"/>
+          </p:nvPr>
+        </p:nvSpPr>
+        <p:spPr>
+          <a:xfrm>
+            <a:off x="1251678" y="5500139"/>
+            <a:ext cx="4887191" cy="1357861"/>
+          </a:xfrm>
+        </p:spPr>
+        <p:txBody>
+          <a:bodyPr>
+            <a:normAutofit/>
+          </a:bodyPr>
+          <a:lstStyle/>
+          <a:p>
+            <a:pPr>
+              <a:lnSpc>
+                <a:spcPct val="160000"/>
+              </a:lnSpc>
+            </a:pPr>
+            <a:r>
+              <a:rPr lang="ko-KR" altLang="en-US" dirty="0" err="1" smtClean="0">
+                <a:latin typeface="+mj-ea"/>
+                <a:ea typeface="+mj-ea"/>
+              </a:rPr>
+              <a:t>블라블라블라</a:t>
+            </a:r>
+            <a:endParaRPr lang="en-US" altLang="ko-KR" dirty="0" smtClean="0">
+              <a:latin typeface="+mj-ea"/>
+              <a:ea typeface="+mj-ea"/>
+            </a:endParaRPr>
+          </a:p>
+        </p:txBody>
+      </p:sp>
+      <p:cxnSp>
+        <p:nvCxnSpPr>
+          <p:cNvPr id="5" name="직선 연결선 4"/>
+          <p:cNvCxnSpPr/>
+          <p:nvPr/>
+        </p:nvCxnSpPr>
+        <p:spPr>
+          <a:xfrm>
+            <a:off x="1251678" y="1257300"/>
+            <a:ext cx="10064022" cy="0"/>
+          </a:xfrm>
+          <a:prstGeom prst="line">
+            <a:avLst/>
+          </a:prstGeom>
+        </p:spPr>
+        <p:style>
+          <a:lnRef idx="1">
+            <a:schemeClr val="dk1"/>
+          </a:lnRef>
+          <a:fillRef idx="0">
+            <a:schemeClr val="dk1"/>
+          </a:fillRef>
+          <a:effectRef idx="0">
+            <a:schemeClr val="dk1"/>
+          </a:effectRef>
+          <a:fontRef idx="minor">
+            <a:schemeClr val="tx1"/>
+          </a:fontRef>
+        </p:style>
+      </p:cxnSp>
+      <p:sp>
+        <p:nvSpPr>
+          <p:cNvPr id="21" name="TextBox 20"/>
+          <p:cNvSpPr txBox="1"/>
+          <p:nvPr/>
+        </p:nvSpPr>
+        <p:spPr>
+          <a:xfrm>
+            <a:off x="1435358" y="2153535"/>
+            <a:ext cx="4532305" cy="3416320"/>
+          </a:xfrm>
+          <a:prstGeom prst="rect">
+            <a:avLst/>
+          </a:prstGeom>
+          <a:noFill/>
+        </p:spPr>
+        <p:txBody>
+          <a:bodyPr wrap="square" rtlCol="0">
+            <a:spAutoFit/>
+          </a:bodyPr>
+          <a:lstStyle/>
+          <a:p>
+            <a:r>
+              <a:rPr lang="en-US" altLang="ko-KR" dirty="0"/>
+              <a:t>function Person(name, job) {</a:t>
+            </a:r>
+          </a:p>
+          <a:p>
+            <a:r>
+              <a:rPr lang="en-US" altLang="ko-KR" dirty="0"/>
+              <a:t>  this.name = name;</a:t>
+            </a:r>
+          </a:p>
+          <a:p>
+            <a:r>
+              <a:rPr lang="en-US" altLang="ko-KR" dirty="0"/>
+              <a:t>  </a:t>
+            </a:r>
+            <a:r>
+              <a:rPr lang="en-US" altLang="ko-KR" dirty="0" err="1"/>
+              <a:t>this.job</a:t>
+            </a:r>
+            <a:r>
+              <a:rPr lang="en-US" altLang="ko-KR" dirty="0"/>
+              <a:t> = job;</a:t>
+            </a:r>
+          </a:p>
+          <a:p>
+            <a:r>
+              <a:rPr lang="en-US" altLang="ko-KR" dirty="0" smtClean="0"/>
+              <a:t>}</a:t>
+            </a:r>
+            <a:endParaRPr lang="en-US" altLang="ko-KR" dirty="0"/>
+          </a:p>
+          <a:p>
+            <a:r>
+              <a:rPr lang="en-US" altLang="ko-KR" dirty="0" err="1"/>
+              <a:t>Person.prototype.print</a:t>
+            </a:r>
+            <a:r>
+              <a:rPr lang="en-US" altLang="ko-KR" dirty="0"/>
+              <a:t> = function() {</a:t>
+            </a:r>
+          </a:p>
+          <a:p>
+            <a:r>
+              <a:rPr lang="en-US" altLang="ko-KR" dirty="0"/>
+              <a:t>  console.log(</a:t>
+            </a:r>
+            <a:r>
+              <a:rPr lang="en-US" altLang="ko-KR" dirty="0" err="1"/>
+              <a:t>this.job</a:t>
+            </a:r>
+            <a:r>
+              <a:rPr lang="en-US" altLang="ko-KR" dirty="0"/>
+              <a:t> + " </a:t>
+            </a:r>
+            <a:r>
+              <a:rPr lang="ko-KR" altLang="en-US" dirty="0"/>
+              <a:t>직업을 가지고 있는 </a:t>
+            </a:r>
+            <a:r>
+              <a:rPr lang="en-US" altLang="ko-KR" dirty="0"/>
+              <a:t>" + this.name + "</a:t>
+            </a:r>
+            <a:r>
+              <a:rPr lang="ko-KR" altLang="en-US" dirty="0"/>
+              <a:t>씨</a:t>
+            </a:r>
+            <a:r>
+              <a:rPr lang="en-US" altLang="ko-KR" dirty="0"/>
+              <a:t>");</a:t>
+            </a:r>
+          </a:p>
+          <a:p>
+            <a:r>
+              <a:rPr lang="en-US" altLang="ko-KR" dirty="0" smtClean="0"/>
+              <a:t>}</a:t>
+            </a:r>
+            <a:endParaRPr lang="en-US" altLang="ko-KR" dirty="0"/>
+          </a:p>
+          <a:p>
+            <a:r>
+              <a:rPr lang="en-US" altLang="ko-KR" dirty="0" err="1"/>
+              <a:t>var</a:t>
+            </a:r>
+            <a:r>
+              <a:rPr lang="en-US" altLang="ko-KR" dirty="0"/>
+              <a:t> </a:t>
+            </a:r>
+            <a:r>
+              <a:rPr lang="en-US" altLang="ko-KR" dirty="0" err="1"/>
+              <a:t>donghyun</a:t>
+            </a:r>
+            <a:r>
+              <a:rPr lang="en-US" altLang="ko-KR" dirty="0"/>
+              <a:t> = new Person("</a:t>
+            </a:r>
+            <a:r>
+              <a:rPr lang="ko-KR" altLang="en-US" dirty="0"/>
+              <a:t>조동현</a:t>
+            </a:r>
+            <a:r>
+              <a:rPr lang="en-US" altLang="ko-KR" dirty="0"/>
+              <a:t>", "</a:t>
+            </a:r>
+            <a:r>
+              <a:rPr lang="ko-KR" altLang="en-US" dirty="0" err="1"/>
+              <a:t>프론트엔드</a:t>
+            </a:r>
+            <a:r>
+              <a:rPr lang="ko-KR" altLang="en-US" dirty="0"/>
+              <a:t> 개발자</a:t>
+            </a:r>
+            <a:r>
+              <a:rPr lang="en-US" altLang="ko-KR" dirty="0" smtClean="0"/>
+              <a:t>");</a:t>
+            </a:r>
+            <a:endParaRPr lang="en-US" altLang="ko-KR" dirty="0"/>
+          </a:p>
+          <a:p>
+            <a:r>
+              <a:rPr lang="en-US" altLang="ko-KR" dirty="0" err="1"/>
+              <a:t>donghyun.print</a:t>
+            </a:r>
+            <a:r>
+              <a:rPr lang="en-US" altLang="ko-KR" dirty="0"/>
+              <a:t>();</a:t>
+            </a:r>
+          </a:p>
+          <a:p>
+            <a:r>
+              <a:rPr lang="en-US" altLang="ko-KR" dirty="0"/>
+              <a:t>//</a:t>
+            </a:r>
+            <a:r>
+              <a:rPr lang="ko-KR" altLang="en-US" dirty="0" err="1"/>
+              <a:t>프론트엔드</a:t>
+            </a:r>
+            <a:r>
+              <a:rPr lang="ko-KR" altLang="en-US" dirty="0"/>
+              <a:t> 개발자 직업을 가지고 있는 </a:t>
+            </a:r>
+            <a:r>
+              <a:rPr lang="ko-KR" altLang="en-US" dirty="0" err="1"/>
+              <a:t>조동현씨</a:t>
+            </a:r>
+            <a:endParaRPr lang="ko-KR" altLang="en-US" dirty="0"/>
+          </a:p>
+        </p:txBody>
+      </p:sp>
+      <p:sp>
+        <p:nvSpPr>
+          <p:cNvPr id="26" name="TextBox 25"/>
+          <p:cNvSpPr txBox="1"/>
+          <p:nvPr/>
+        </p:nvSpPr>
+        <p:spPr>
+          <a:xfrm>
+            <a:off x="6644830" y="2153535"/>
+            <a:ext cx="4454548" cy="3139321"/>
+          </a:xfrm>
+          <a:prstGeom prst="rect">
+            <a:avLst/>
+          </a:prstGeom>
+          <a:noFill/>
+        </p:spPr>
+        <p:txBody>
+          <a:bodyPr wrap="square" rtlCol="0">
+            <a:spAutoFit/>
+          </a:bodyPr>
+          <a:lstStyle/>
+          <a:p>
+            <a:r>
+              <a:rPr lang="en-US" altLang="ko-KR" dirty="0" err="1"/>
+              <a:t>const</a:t>
+            </a:r>
+            <a:r>
+              <a:rPr lang="en-US" altLang="ko-KR" dirty="0"/>
+              <a:t> a = [1</a:t>
+            </a:r>
+            <a:r>
+              <a:rPr lang="en-US" altLang="ko-KR" dirty="0" smtClean="0"/>
+              <a:t>, 2, 3</a:t>
+            </a:r>
+            <a:r>
+              <a:rPr lang="en-US" altLang="ko-KR" dirty="0"/>
+              <a:t>];</a:t>
+            </a:r>
+          </a:p>
+          <a:p>
+            <a:r>
+              <a:rPr lang="en-US" altLang="ko-KR" dirty="0" err="1"/>
+              <a:t>const</a:t>
+            </a:r>
+            <a:r>
+              <a:rPr lang="en-US" altLang="ko-KR" dirty="0"/>
+              <a:t> b = "</a:t>
+            </a:r>
+            <a:r>
+              <a:rPr lang="ko-KR" altLang="en-US" dirty="0" err="1"/>
+              <a:t>전개연산자</a:t>
+            </a:r>
+            <a:r>
+              <a:rPr lang="en-US" altLang="ko-KR" dirty="0"/>
+              <a:t>";</a:t>
+            </a:r>
+          </a:p>
+          <a:p>
+            <a:endParaRPr lang="en-US" altLang="ko-KR" dirty="0"/>
+          </a:p>
+          <a:p>
+            <a:r>
+              <a:rPr lang="en-US" altLang="ko-KR" dirty="0" err="1"/>
+              <a:t>const</a:t>
+            </a:r>
+            <a:r>
+              <a:rPr lang="en-US" altLang="ko-KR" dirty="0"/>
+              <a:t> c = </a:t>
+            </a:r>
+            <a:r>
+              <a:rPr lang="en-US" altLang="ko-KR" dirty="0">
+                <a:solidFill>
+                  <a:srgbClr val="FF0000"/>
+                </a:solidFill>
+              </a:rPr>
+              <a:t>[...a, b]</a:t>
+            </a:r>
+            <a:r>
+              <a:rPr lang="en-US" altLang="ko-KR" dirty="0"/>
+              <a:t>;</a:t>
+            </a:r>
+          </a:p>
+          <a:p>
+            <a:endParaRPr lang="en-US" altLang="ko-KR" dirty="0"/>
+          </a:p>
+          <a:p>
+            <a:r>
+              <a:rPr lang="en-US" altLang="ko-KR" dirty="0"/>
+              <a:t>console.log(c);</a:t>
+            </a:r>
+          </a:p>
+          <a:p>
+            <a:endParaRPr lang="en-US" altLang="ko-KR" dirty="0"/>
+          </a:p>
+          <a:p>
+            <a:r>
+              <a:rPr lang="en-US" altLang="ko-KR" dirty="0"/>
+              <a:t>// [1,2,3,”</a:t>
+            </a:r>
+            <a:r>
+              <a:rPr lang="ko-KR" altLang="en-US" dirty="0" err="1"/>
+              <a:t>전개연산자</a:t>
+            </a:r>
+            <a:r>
+              <a:rPr lang="en-US" altLang="ko-KR" dirty="0" smtClean="0"/>
+              <a:t>”]</a:t>
+            </a:r>
+          </a:p>
+          <a:p>
+            <a:endParaRPr lang="en-US" altLang="ko-KR" dirty="0"/>
+          </a:p>
+          <a:p>
+            <a:endParaRPr lang="en-US" altLang="ko-KR" dirty="0"/>
+          </a:p>
+          <a:p>
+            <a:endParaRPr lang="en-US" altLang="ko-KR" dirty="0"/>
+          </a:p>
+        </p:txBody>
+      </p:sp>
+      <p:sp>
+        <p:nvSpPr>
+          <p:cNvPr id="28" name="직사각형 27"/>
+          <p:cNvSpPr/>
+          <p:nvPr/>
+        </p:nvSpPr>
+        <p:spPr>
+          <a:xfrm>
+            <a:off x="1251678" y="1611982"/>
+            <a:ext cx="581891" cy="383579"/>
+          </a:xfrm>
+          <a:prstGeom prst="rect">
+            <a:avLst/>
+          </a:prstGeom>
+          <a:solidFill>
+            <a:schemeClr val="tx1"/>
+          </a:solidFill>
+          <a:ln>
+            <a:noFill/>
+          </a:ln>
+        </p:spPr>
+        <p:style>
+          <a:lnRef idx="2">
+            <a:schemeClr val="accent1">
+              <a:shade val="50000"/>
+            </a:schemeClr>
+          </a:lnRef>
+          <a:fillRef idx="1">
+            <a:schemeClr val="accent1"/>
+          </a:fillRef>
+          <a:effectRef idx="0">
+            <a:schemeClr val="accent1"/>
+          </a:effectRef>
+          <a:fontRef idx="minor">
+            <a:schemeClr val="lt1"/>
+          </a:fontRef>
+        </p:style>
+        <p:txBody>
+          <a:bodyPr rtlCol="0" anchor="ctr"/>
+          <a:lstStyle/>
+          <a:p>
+            <a:pPr algn="ctr"/>
+            <a:endParaRPr lang="ko-KR" altLang="en-US"/>
+          </a:p>
+        </p:txBody>
+      </p:sp>
+      <p:sp>
+        <p:nvSpPr>
+          <p:cNvPr id="27" name="TextBox 26"/>
+          <p:cNvSpPr txBox="1"/>
+          <p:nvPr/>
+        </p:nvSpPr>
+        <p:spPr>
+          <a:xfrm>
+            <a:off x="1281974" y="1622091"/>
+            <a:ext cx="521297" cy="369332"/>
+          </a:xfrm>
+          <a:prstGeom prst="rect">
+            <a:avLst/>
+          </a:prstGeom>
+          <a:noFill/>
+        </p:spPr>
+        <p:txBody>
+          <a:bodyPr wrap="none" rtlCol="0">
+            <a:spAutoFit/>
+          </a:bodyPr>
+          <a:lstStyle/>
+          <a:p>
+            <a:r>
+              <a:rPr lang="en-US" altLang="ko-KR" dirty="0" smtClean="0">
+                <a:solidFill>
+                  <a:schemeClr val="bg1"/>
+                </a:solidFill>
+              </a:rPr>
+              <a:t>ES5</a:t>
+            </a:r>
+            <a:endParaRPr lang="ko-KR" altLang="en-US" dirty="0">
+              <a:solidFill>
+                <a:schemeClr val="bg1"/>
+              </a:solidFill>
+            </a:endParaRPr>
+          </a:p>
+        </p:txBody>
+      </p:sp>
+      <p:sp>
+        <p:nvSpPr>
+          <p:cNvPr id="29" name="직사각형 28"/>
+          <p:cNvSpPr/>
+          <p:nvPr/>
+        </p:nvSpPr>
+        <p:spPr>
+          <a:xfrm>
+            <a:off x="6423613" y="1616120"/>
+            <a:ext cx="581891" cy="383579"/>
+          </a:xfrm>
+          <a:prstGeom prst="rect">
+            <a:avLst/>
+          </a:prstGeom>
+          <a:solidFill>
+            <a:schemeClr val="tx1"/>
+          </a:solidFill>
+          <a:ln>
+            <a:noFill/>
+          </a:ln>
+        </p:spPr>
+        <p:style>
+          <a:lnRef idx="2">
+            <a:schemeClr val="accent1">
+              <a:shade val="50000"/>
+            </a:schemeClr>
+          </a:lnRef>
+          <a:fillRef idx="1">
+            <a:schemeClr val="accent1"/>
+          </a:fillRef>
+          <a:effectRef idx="0">
+            <a:schemeClr val="accent1"/>
+          </a:effectRef>
+          <a:fontRef idx="minor">
+            <a:schemeClr val="lt1"/>
+          </a:fontRef>
+        </p:style>
+        <p:txBody>
+          <a:bodyPr rtlCol="0" anchor="ctr"/>
+          <a:lstStyle/>
+          <a:p>
+            <a:pPr algn="ctr"/>
+            <a:endParaRPr lang="ko-KR" altLang="en-US"/>
+          </a:p>
+        </p:txBody>
+      </p:sp>
+      <p:sp>
+        <p:nvSpPr>
+          <p:cNvPr id="30" name="TextBox 29"/>
+          <p:cNvSpPr txBox="1"/>
+          <p:nvPr/>
+        </p:nvSpPr>
+        <p:spPr>
+          <a:xfrm>
+            <a:off x="6453909" y="1626229"/>
+            <a:ext cx="521297" cy="369332"/>
+          </a:xfrm>
+          <a:prstGeom prst="rect">
+            <a:avLst/>
+          </a:prstGeom>
+          <a:noFill/>
+        </p:spPr>
+        <p:txBody>
+          <a:bodyPr wrap="none" rtlCol="0">
+            <a:spAutoFit/>
+          </a:bodyPr>
+          <a:lstStyle/>
+          <a:p>
+            <a:r>
+              <a:rPr lang="en-US" altLang="ko-KR" dirty="0" smtClean="0">
+                <a:solidFill>
+                  <a:schemeClr val="bg1"/>
+                </a:solidFill>
+              </a:rPr>
+              <a:t>ES6</a:t>
+            </a:r>
+            <a:endParaRPr lang="ko-KR" altLang="en-US" dirty="0">
+              <a:solidFill>
+                <a:schemeClr val="bg1"/>
+              </a:solidFill>
+            </a:endParaRPr>
+          </a:p>
+        </p:txBody>
+      </p:sp>
+      <p:grpSp>
+        <p:nvGrpSpPr>
+          <p:cNvPr id="4" name="그룹 3"/>
+          <p:cNvGrpSpPr/>
+          <p:nvPr/>
+        </p:nvGrpSpPr>
+        <p:grpSpPr>
+          <a:xfrm>
+            <a:off x="6428509" y="2001693"/>
+            <a:ext cx="4887191" cy="3371273"/>
+            <a:chOff x="6428509" y="2001693"/>
+            <a:chExt cx="4887191" cy="3371273"/>
+          </a:xfrm>
+        </p:grpSpPr>
+        <p:sp>
+          <p:nvSpPr>
+            <p:cNvPr id="13" name="직사각형 12"/>
+            <p:cNvSpPr/>
+            <p:nvPr/>
+          </p:nvSpPr>
+          <p:spPr>
+            <a:xfrm>
+              <a:off x="6428509" y="2001693"/>
+              <a:ext cx="4887191" cy="3371273"/>
+            </a:xfrm>
+            <a:prstGeom prst="rect">
+              <a:avLst/>
+            </a:prstGeom>
+            <a:solidFill>
+              <a:schemeClr val="bg1"/>
+            </a:solidFill>
+            <a:ln>
+              <a:noFill/>
+            </a:ln>
+          </p:spPr>
+          <p:style>
+            <a:lnRef idx="2">
+              <a:schemeClr val="accent1">
+                <a:shade val="50000"/>
+              </a:schemeClr>
+            </a:lnRef>
+            <a:fillRef idx="1">
+              <a:schemeClr val="accent1"/>
+            </a:fillRef>
+            <a:effectRef idx="0">
+              <a:schemeClr val="accent1"/>
+            </a:effectRef>
+            <a:fontRef idx="minor">
+              <a:schemeClr val="lt1"/>
+            </a:fontRef>
+          </p:style>
+          <p:txBody>
+            <a:bodyPr rtlCol="0" anchor="ctr"/>
+            <a:lstStyle/>
+            <a:p>
+              <a:pPr algn="ctr"/>
+              <a:endParaRPr lang="ko-KR" altLang="en-US"/>
+            </a:p>
+          </p:txBody>
+        </p:sp>
+        <p:sp>
+          <p:nvSpPr>
+            <p:cNvPr id="14" name="TextBox 13"/>
+            <p:cNvSpPr txBox="1"/>
+            <p:nvPr/>
+          </p:nvSpPr>
+          <p:spPr>
+            <a:xfrm>
+              <a:off x="6644830" y="2153535"/>
+              <a:ext cx="4454548" cy="2308324"/>
+            </a:xfrm>
+            <a:prstGeom prst="rect">
+              <a:avLst/>
+            </a:prstGeom>
+            <a:noFill/>
+          </p:spPr>
+          <p:txBody>
+            <a:bodyPr wrap="square" rtlCol="0">
+              <a:spAutoFit/>
+            </a:bodyPr>
+            <a:lstStyle/>
+            <a:p>
+              <a:r>
+                <a:rPr lang="en-US" altLang="ko-KR" dirty="0" err="1"/>
+                <a:t>var</a:t>
+              </a:r>
+              <a:r>
+                <a:rPr lang="en-US" altLang="ko-KR" dirty="0"/>
+                <a:t> person = {</a:t>
+              </a:r>
+            </a:p>
+            <a:p>
+              <a:r>
+                <a:rPr lang="en-US" altLang="ko-KR" dirty="0"/>
+                <a:t>  name: "</a:t>
+              </a:r>
+              <a:r>
+                <a:rPr lang="ko-KR" altLang="en-US" dirty="0"/>
+                <a:t>장명호</a:t>
+              </a:r>
+              <a:r>
+                <a:rPr lang="en-US" altLang="ko-KR" dirty="0"/>
+                <a:t>",</a:t>
+              </a:r>
+            </a:p>
+            <a:p>
+              <a:r>
+                <a:rPr lang="en-US" altLang="ko-KR" dirty="0"/>
+                <a:t>  </a:t>
+              </a:r>
+              <a:r>
+                <a:rPr lang="en-US" altLang="ko-KR" dirty="0" err="1" smtClean="0">
+                  <a:solidFill>
+                    <a:srgbClr val="FF0000"/>
+                  </a:solidFill>
+                </a:rPr>
+                <a:t>getName</a:t>
+              </a:r>
+              <a:r>
+                <a:rPr lang="en-US" altLang="ko-KR" dirty="0" smtClean="0">
+                  <a:solidFill>
+                    <a:srgbClr val="FF0000"/>
+                  </a:solidFill>
+                </a:rPr>
+                <a:t>()</a:t>
+              </a:r>
+              <a:r>
+                <a:rPr lang="en-US" altLang="ko-KR" dirty="0" smtClean="0"/>
+                <a:t> </a:t>
+              </a:r>
+              <a:r>
+                <a:rPr lang="en-US" altLang="ko-KR" dirty="0"/>
+                <a:t>{</a:t>
+              </a:r>
+            </a:p>
+            <a:p>
+              <a:r>
+                <a:rPr lang="en-US" altLang="ko-KR" dirty="0"/>
+                <a:t>    return this.name;</a:t>
+              </a:r>
+            </a:p>
+            <a:p>
+              <a:r>
+                <a:rPr lang="en-US" altLang="ko-KR" dirty="0"/>
+                <a:t>  }</a:t>
+              </a:r>
+            </a:p>
+            <a:p>
+              <a:r>
+                <a:rPr lang="en-US" altLang="ko-KR" dirty="0" smtClean="0"/>
+                <a:t>}</a:t>
+              </a:r>
+              <a:endParaRPr lang="en-US" altLang="ko-KR" dirty="0"/>
+            </a:p>
+            <a:p>
+              <a:r>
+                <a:rPr lang="en-US" altLang="ko-KR" dirty="0"/>
+                <a:t>console.log(</a:t>
+              </a:r>
+              <a:r>
+                <a:rPr lang="en-US" altLang="ko-KR" dirty="0" err="1"/>
+                <a:t>person.getName</a:t>
+              </a:r>
+              <a:r>
+                <a:rPr lang="en-US" altLang="ko-KR" dirty="0"/>
+                <a:t>());</a:t>
+              </a:r>
+            </a:p>
+            <a:p>
+              <a:r>
+                <a:rPr lang="en-US" altLang="ko-KR" dirty="0"/>
+                <a:t>//</a:t>
+              </a:r>
+              <a:r>
+                <a:rPr lang="ko-KR" altLang="en-US" dirty="0"/>
+                <a:t>장명호</a:t>
+              </a:r>
+              <a:endParaRPr lang="ko-KR" altLang="en-US" dirty="0"/>
+            </a:p>
+          </p:txBody>
+        </p:sp>
+      </p:grpSp>
+      <p:sp>
+        <p:nvSpPr>
+          <p:cNvPr id="17" name="내용 개체 틀 2"/>
+          <p:cNvSpPr txBox="1">
+            <a:spLocks/>
+          </p:cNvSpPr>
+          <p:nvPr/>
+        </p:nvSpPr>
+        <p:spPr>
+          <a:xfrm>
+            <a:off x="6428509" y="5500139"/>
+            <a:ext cx="4887191" cy="1357861"/>
+          </a:xfrm>
+          <a:prstGeom prst="rect">
+            <a:avLst/>
+          </a:prstGeom>
+        </p:spPr>
+        <p:txBody>
+          <a:bodyPr vert="horz" lIns="91440" tIns="45720" rIns="91440" bIns="45720" rtlCol="0">
+            <a:normAutofit/>
+          </a:bodyPr>
+          <a:lstStyle>
+            <a:lvl1pPr marL="228600" indent="-228600" algn="l" defTabSz="914400" rtl="0" eaLnBrk="1" latinLnBrk="1" hangingPunct="1">
+              <a:lnSpc>
+                <a:spcPct val="110000"/>
+              </a:lnSpc>
+              <a:spcBef>
+                <a:spcPts val="700"/>
+              </a:spcBef>
+              <a:buClr>
+                <a:schemeClr val="tx2"/>
+              </a:buClr>
+              <a:buFont typeface="Arial" panose="020B0604020202020204" pitchFamily="34" charset="0"/>
+              <a:buChar char="•"/>
+              <a:defRPr sz="2000" kern="1200">
+                <a:solidFill>
+                  <a:schemeClr val="tx1">
+                    <a:lumMod val="65000"/>
+                    <a:lumOff val="35000"/>
+                  </a:schemeClr>
+                </a:solidFill>
+                <a:latin typeface="+mn-lt"/>
+                <a:ea typeface="+mn-ea"/>
+                <a:cs typeface="+mn-cs"/>
+              </a:defRPr>
+            </a:lvl1pPr>
+            <a:lvl2pPr marL="685800" indent="-228600" algn="l" defTabSz="914400" rtl="0" eaLnBrk="1" latinLnBrk="1" hangingPunct="1">
+              <a:lnSpc>
+                <a:spcPct val="110000"/>
+              </a:lnSpc>
+              <a:spcBef>
+                <a:spcPts val="700"/>
+              </a:spcBef>
+              <a:buClr>
+                <a:schemeClr val="tx2"/>
+              </a:buClr>
+              <a:buFont typeface="Gill Sans MT" panose="020B0502020104020203" pitchFamily="34" charset="0"/>
+              <a:buChar char="–"/>
+              <a:defRPr sz="1800" kern="1200">
+                <a:solidFill>
+                  <a:schemeClr val="tx1">
+                    <a:lumMod val="65000"/>
+                    <a:lumOff val="35000"/>
+                  </a:schemeClr>
+                </a:solidFill>
+                <a:latin typeface="+mn-lt"/>
+                <a:ea typeface="+mn-ea"/>
+                <a:cs typeface="+mn-cs"/>
+              </a:defRPr>
+            </a:lvl2pPr>
+            <a:lvl3pPr marL="1143000" indent="-228600" algn="l" defTabSz="914400" rtl="0" eaLnBrk="1" latinLnBrk="1" hangingPunct="1">
+              <a:lnSpc>
+                <a:spcPct val="110000"/>
+              </a:lnSpc>
+              <a:spcBef>
+                <a:spcPts val="700"/>
+              </a:spcBef>
+              <a:buClr>
+                <a:schemeClr val="tx2"/>
+              </a:buClr>
+              <a:buFont typeface="Arial" panose="020B0604020202020204" pitchFamily="34" charset="0"/>
+              <a:buChar char="•"/>
+              <a:defRPr sz="1600" kern="1200">
+                <a:solidFill>
+                  <a:schemeClr val="tx1">
+                    <a:lumMod val="65000"/>
+                    <a:lumOff val="35000"/>
+                  </a:schemeClr>
+                </a:solidFill>
+                <a:latin typeface="+mn-lt"/>
+                <a:ea typeface="+mn-ea"/>
+                <a:cs typeface="+mn-cs"/>
+              </a:defRPr>
+            </a:lvl3pPr>
+            <a:lvl4pPr marL="1600200" indent="-228600" algn="l" defTabSz="914400" rtl="0" eaLnBrk="1" latinLnBrk="1" hangingPunct="1">
+              <a:lnSpc>
+                <a:spcPct val="110000"/>
+              </a:lnSpc>
+              <a:spcBef>
+                <a:spcPts val="700"/>
+              </a:spcBef>
+              <a:buClr>
+                <a:schemeClr val="tx2"/>
+              </a:buClr>
+              <a:buFont typeface="Gill Sans MT" panose="020B0502020104020203" pitchFamily="34" charset="0"/>
+              <a:buChar char="–"/>
+              <a:defRPr sz="1400" kern="1200">
+                <a:solidFill>
+                  <a:schemeClr val="tx1">
+                    <a:lumMod val="65000"/>
+                    <a:lumOff val="35000"/>
+                  </a:schemeClr>
+                </a:solidFill>
+                <a:latin typeface="+mn-lt"/>
+                <a:ea typeface="+mn-ea"/>
+                <a:cs typeface="+mn-cs"/>
+              </a:defRPr>
+            </a:lvl4pPr>
+            <a:lvl5pPr marL="2057400" indent="-228600" algn="l" defTabSz="914400" rtl="0" eaLnBrk="1" latinLnBrk="1" hangingPunct="1">
+              <a:lnSpc>
+                <a:spcPct val="110000"/>
+              </a:lnSpc>
+              <a:spcBef>
+                <a:spcPts val="700"/>
+              </a:spcBef>
+              <a:buClr>
+                <a:schemeClr val="tx2"/>
+              </a:buClr>
+              <a:buFont typeface="Arial" panose="020B0604020202020204" pitchFamily="34" charset="0"/>
+              <a:buChar char="•"/>
+              <a:defRPr sz="1400" kern="1200">
+                <a:solidFill>
+                  <a:schemeClr val="tx1">
+                    <a:lumMod val="65000"/>
+                    <a:lumOff val="35000"/>
+                  </a:schemeClr>
+                </a:solidFill>
+                <a:latin typeface="+mn-lt"/>
+                <a:ea typeface="+mn-ea"/>
+                <a:cs typeface="+mn-cs"/>
+              </a:defRPr>
+            </a:lvl5pPr>
+            <a:lvl6pPr marL="2514600" indent="-228600" algn="l" defTabSz="914400" rtl="0" eaLnBrk="1" latinLnBrk="1" hangingPunct="1">
+              <a:lnSpc>
+                <a:spcPct val="110000"/>
+              </a:lnSpc>
+              <a:spcBef>
+                <a:spcPts val="700"/>
+              </a:spcBef>
+              <a:buClr>
+                <a:schemeClr val="tx2"/>
+              </a:buClr>
+              <a:buFont typeface="Gill Sans MT" panose="020B0502020104020203" pitchFamily="34" charset="0"/>
+              <a:buChar char="–"/>
+              <a:defRPr sz="1400" kern="1200">
+                <a:solidFill>
+                  <a:schemeClr val="tx1">
+                    <a:lumMod val="65000"/>
+                    <a:lumOff val="35000"/>
+                  </a:schemeClr>
+                </a:solidFill>
+                <a:latin typeface="+mn-lt"/>
+                <a:ea typeface="+mn-ea"/>
+                <a:cs typeface="+mn-cs"/>
+              </a:defRPr>
+            </a:lvl6pPr>
+            <a:lvl7pPr marL="2971800" indent="-228600" algn="l" defTabSz="914400" rtl="0" eaLnBrk="1" latinLnBrk="1" hangingPunct="1">
+              <a:lnSpc>
+                <a:spcPct val="110000"/>
+              </a:lnSpc>
+              <a:spcBef>
+                <a:spcPts val="700"/>
+              </a:spcBef>
+              <a:buClr>
+                <a:schemeClr val="tx2"/>
+              </a:buClr>
+              <a:buFont typeface="Arial" panose="020B0604020202020204" pitchFamily="34" charset="0"/>
+              <a:buChar char="•"/>
+              <a:defRPr sz="1400" kern="1200">
+                <a:solidFill>
+                  <a:schemeClr val="tx1">
+                    <a:lumMod val="65000"/>
+                    <a:lumOff val="35000"/>
+                  </a:schemeClr>
+                </a:solidFill>
+                <a:latin typeface="+mn-lt"/>
+                <a:ea typeface="+mn-ea"/>
+                <a:cs typeface="+mn-cs"/>
+              </a:defRPr>
+            </a:lvl7pPr>
+            <a:lvl8pPr marL="3429000" indent="-228600" algn="l" defTabSz="914400" rtl="0" eaLnBrk="1" latinLnBrk="1" hangingPunct="1">
+              <a:lnSpc>
+                <a:spcPct val="110000"/>
+              </a:lnSpc>
+              <a:spcBef>
+                <a:spcPts val="700"/>
+              </a:spcBef>
+              <a:buClr>
+                <a:schemeClr val="tx2"/>
+              </a:buClr>
+              <a:buFont typeface="Gill Sans MT" panose="020B0502020104020203" pitchFamily="34" charset="0"/>
+              <a:buChar char="–"/>
+              <a:defRPr sz="1400" kern="1200" baseline="0">
+                <a:solidFill>
+                  <a:schemeClr val="tx1">
+                    <a:lumMod val="65000"/>
+                    <a:lumOff val="35000"/>
+                  </a:schemeClr>
+                </a:solidFill>
+                <a:latin typeface="+mn-lt"/>
+                <a:ea typeface="+mn-ea"/>
+                <a:cs typeface="+mn-cs"/>
+              </a:defRPr>
+            </a:lvl8pPr>
+            <a:lvl9pPr marL="3886200" indent="-228600" algn="l" defTabSz="914400" rtl="0" eaLnBrk="1" latinLnBrk="1" hangingPunct="1">
+              <a:lnSpc>
+                <a:spcPct val="110000"/>
+              </a:lnSpc>
+              <a:spcBef>
+                <a:spcPts val="700"/>
+              </a:spcBef>
+              <a:buClr>
+                <a:schemeClr val="tx2"/>
+              </a:buClr>
+              <a:buFont typeface="Arial" panose="020B0604020202020204" pitchFamily="34" charset="0"/>
+              <a:buChar char="•"/>
+              <a:defRPr sz="1400" kern="1200" baseline="0">
+                <a:solidFill>
+                  <a:schemeClr val="tx1">
+                    <a:lumMod val="65000"/>
+                    <a:lumOff val="35000"/>
+                  </a:schemeClr>
+                </a:solidFill>
+                <a:latin typeface="+mn-lt"/>
+                <a:ea typeface="+mn-ea"/>
+                <a:cs typeface="+mn-cs"/>
+              </a:defRPr>
+            </a:lvl9pPr>
+          </a:lstStyle>
+          <a:p>
+            <a:pPr>
+              <a:lnSpc>
+                <a:spcPct val="160000"/>
+              </a:lnSpc>
+            </a:pPr>
+            <a:r>
+              <a:rPr lang="ko-KR" altLang="en-US" sz="2500" dirty="0" err="1" smtClean="0">
+                <a:latin typeface="+mj-ea"/>
+                <a:ea typeface="+mj-ea"/>
+              </a:rPr>
+              <a:t>블라블라블라블라</a:t>
+            </a:r>
+            <a:endParaRPr lang="en-US" altLang="ko-KR" dirty="0" smtClean="0">
+              <a:latin typeface="+mj-ea"/>
+              <a:ea typeface="+mj-ea"/>
+            </a:endParaRPr>
+          </a:p>
+        </p:txBody>
+      </p:sp>
+    </p:spTree>
+    <p:extLst>
+      <p:ext uri="{BB962C8B-B14F-4D97-AF65-F5344CB8AC3E}">
+        <p14:creationId xmlns:p14="http://schemas.microsoft.com/office/powerpoint/2010/main" val="268852275"/>
+      </p:ext>
+    </p:extLst>
+  </p:cSld>
+  <p:clrMapOvr>
+    <a:masterClrMapping/>
+  </p:clrMapOvr>
+  <mc:AlternateContent xmlns:mc="http://schemas.openxmlformats.org/markup-compatibility/2006" xmlns:p14="http://schemas.microsoft.com/office/powerpoint/2010/main">
+    <mc:Choice Requires="p14">
+      <p:transition p14:dur="0"/>
+    </mc:Choice>
+    <mc:Fallback xmlns="">
+      <p:transition/>
+    </mc:Fallback>
+  </mc:AlternateContent>
+  <p:timing>
+    <p:tnLst>
+      <p:par>
+        <p:cTn id="1" dur="indefinite" restart="never" nodeType="tmRoot">
+          <p:childTnLst>
+            <p:seq concurrent="1" nextAc="seek">
+              <p:cTn id="2" dur="indefinite" nodeType="mainSeq">
+                <p:childTnLst>
+                  <p:par>
+                    <p:cTn id="3" fill="hold">
+                      <p:stCondLst>
+                        <p:cond delay="indefinite"/>
+                      </p:stCondLst>
+                      <p:childTnLst>
+                        <p:par>
+                          <p:cTn id="4" fill="hold">
+                            <p:stCondLst>
+                              <p:cond delay="0"/>
+                            </p:stCondLst>
+                            <p:childTnLst>
+                              <p:par>
+                                <p:cTn id="5" presetID="16" presetClass="entr" presetSubtype="21" fill="hold" nodeType="clickEffect">
+                                  <p:stCondLst>
+                                    <p:cond delay="0"/>
+                                  </p:stCondLst>
+                                  <p:childTnLst>
+                                    <p:set>
+                                      <p:cBhvr>
+                                        <p:cTn id="6" dur="1" fill="hold">
+                                          <p:stCondLst>
+                                            <p:cond delay="0"/>
+                                          </p:stCondLst>
+                                        </p:cTn>
+                                        <p:tgtEl>
+                                          <p:spTgt spid="4"/>
+                                        </p:tgtEl>
+                                        <p:attrNameLst>
+                                          <p:attrName>style.visibility</p:attrName>
+                                        </p:attrNameLst>
+                                      </p:cBhvr>
+                                      <p:to>
+                                        <p:strVal val="visible"/>
+                                      </p:to>
+                                    </p:set>
+                                    <p:animEffect transition="in" filter="barn(inVertical)">
+                                      <p:cBhvr>
+                                        <p:cTn id="7" dur="500"/>
+                                        <p:tgtEl>
+                                          <p:spTgt spid="4"/>
+                                        </p:tgtEl>
+                                      </p:cBhvr>
+                                    </p:animEffect>
+                                  </p:childTnLst>
+                                </p:cTn>
+                              </p:par>
+                            </p:childTnLst>
+                          </p:cTn>
+                        </p:par>
+                      </p:childTnLst>
+                    </p:cTn>
+                  </p:par>
+                </p:childTnLst>
+              </p:cTn>
+              <p:prevCondLst>
+                <p:cond evt="onPrev" delay="0">
+                  <p:tgtEl>
+                    <p:sldTgt/>
+                  </p:tgtEl>
+                </p:cond>
+              </p:prevCondLst>
+              <p:nextCondLst>
+                <p:cond evt="onNext" delay="0">
+                  <p:tgtEl>
+                    <p:sldTgt/>
+                  </p:tgtEl>
+                </p:cond>
+              </p:nextCondLst>
+            </p:seq>
+          </p:childTnLst>
+        </p:cTn>
       </p:par>
     </p:tnLst>
   </p:timing>
@@ -10011,10 +14113,15 @@
             <p:ph idx="1"/>
           </p:nvPr>
         </p:nvSpPr>
-        <p:spPr/>
+        <p:spPr>
+          <a:xfrm>
+            <a:off x="1251678" y="2286002"/>
+            <a:ext cx="10178322" cy="1918533"/>
+          </a:xfrm>
+        </p:spPr>
         <p:txBody>
           <a:bodyPr>
-            <a:normAutofit/>
+            <a:normAutofit fontScale="85000" lnSpcReduction="10000"/>
           </a:bodyPr>
           <a:lstStyle/>
           <a:p>
@@ -10188,7 +14295,7 @@
                 <a:latin typeface="+mj-ea"/>
                 <a:ea typeface="+mj-ea"/>
               </a:rPr>
-              <a:t>버전명을</a:t>
+              <a:t>버전명칭을</a:t>
             </a:r>
             <a:r>
               <a:rPr lang="ko-KR" altLang="en-US" dirty="0" smtClean="0">
@@ -10251,7 +14358,7 @@
                 <a:latin typeface="+mj-ea"/>
                 <a:ea typeface="+mj-ea"/>
               </a:rPr>
-              <a:t>월 개정된 버전이 </a:t>
+              <a:t>월 개정된 버전이 바로 </a:t>
             </a:r>
             <a:r>
               <a:rPr lang="en-US" altLang="ko-KR" b="1" dirty="0" smtClean="0">
@@ -10516,6 +14623,30 @@
           </a:p>
         </p:txBody>
       </p:sp>
+      <p:pic>
+        <p:nvPicPr>
+          <p:cNvPr id="4" name="그림 3"/>
+          <p:cNvPicPr>
+            <a:picLocks noChangeAspect="1"/>
+          </p:cNvPicPr>
+          <p:nvPr/>
+        </p:nvPicPr>
+        <p:blipFill>
+          <a:blip r:embed="rId3"/>
+          <a:stretch>
+            <a:fillRect/>
+          </a:stretch>
+        </p:blipFill>
+        <p:spPr>
+          <a:xfrm>
+            <a:off x="1780419" y="3949156"/>
+            <a:ext cx="8763000" cy="1314450"/>
+          </a:xfrm>
+          <a:prstGeom prst="rect">
+            <a:avLst/>
+          </a:prstGeom>
+        </p:spPr>
+      </p:pic>
     </p:spTree>
     <p:extLst>
       <p:ext uri="{BB962C8B-B14F-4D97-AF65-F5344CB8AC3E}">
@@ -13644,15 +17775,7 @@
           <a:p>
             <a:r>
               <a:rPr lang="en-US" altLang="ko-KR" dirty="0" smtClean="0"/>
-              <a:t>	</a:t>
-            </a:r>
-            <a:r>
-              <a:rPr lang="en-US" altLang="ko-KR" dirty="0" smtClean="0"/>
-              <a:t>console.log(a, b</a:t>
-            </a:r>
-            <a:r>
-              <a:rPr lang="en-US" altLang="ko-KR" dirty="0" smtClean="0"/>
-              <a:t>);</a:t>
+              <a:t>	console.log(a, b);</a:t>
             </a:r>
           </a:p>
           <a:p>
@@ -13681,7 +17804,6 @@
               <a:rPr lang="en-US" altLang="ko-KR" dirty="0" smtClean="0"/>
               <a:t>1’);</a:t>
             </a:r>
-            <a:endParaRPr lang="en-US" altLang="ko-KR" dirty="0" smtClean="0"/>
           </a:p>
           <a:p>
             <a:endParaRPr lang="en-US" altLang="ko-KR" dirty="0"/>
@@ -13697,11 +17819,7 @@
             </a:r>
             <a:r>
               <a:rPr lang="en-US" altLang="ko-KR" dirty="0" smtClean="0"/>
-              <a:t>1</a:t>
-            </a:r>
-            <a:r>
-              <a:rPr lang="en-US" altLang="ko-KR" dirty="0" smtClean="0"/>
-              <a:t>, </a:t>
+              <a:t>1, </a:t>
             </a:r>
             <a:r>
               <a:rPr lang="en-US" altLang="ko-KR" dirty="0"/>
@@ -13781,15 +17899,7 @@
           <a:p>
             <a:r>
               <a:rPr lang="en-US" altLang="ko-KR" dirty="0" smtClean="0"/>
-              <a:t>	</a:t>
-            </a:r>
-            <a:r>
-              <a:rPr lang="en-US" altLang="ko-KR" dirty="0" smtClean="0"/>
-              <a:t>console.log(a, b</a:t>
-            </a:r>
-            <a:r>
-              <a:rPr lang="en-US" altLang="ko-KR" dirty="0" smtClean="0"/>
-              <a:t>);</a:t>
+              <a:t>	console.log(a, b);</a:t>
             </a:r>
           </a:p>
           <a:p>

--- a/ES6.pptx
+++ b/ES6.pptx
@@ -19,7 +19,12 @@
     <p:sldId id="268" r:id="rId13"/>
     <p:sldId id="269" r:id="rId14"/>
     <p:sldId id="270" r:id="rId15"/>
-    <p:sldId id="271" r:id="rId16"/>
+    <p:sldId id="277" r:id="rId16"/>
+    <p:sldId id="271" r:id="rId17"/>
+    <p:sldId id="274" r:id="rId18"/>
+    <p:sldId id="273" r:id="rId19"/>
+    <p:sldId id="275" r:id="rId20"/>
+    <p:sldId id="276" r:id="rId21"/>
   </p:sldIdLst>
   <p:sldSz cx="12192000" cy="6858000"/>
   <p:notesSz cx="6858000" cy="9144000"/>
@@ -1338,7 +1343,7 @@
             <a:fld id="{9334D819-9F07-4261-B09B-9E467E5D9002}" type="datetimeFigureOut">
               <a:rPr lang="en-US" dirty="0"/>
               <a:pPr/>
-              <a:t>11/7/2018</a:t>
+              <a:t>11/13/2018</a:t>
             </a:fld>
             <a:endParaRPr lang="en-US" dirty="0"/>
           </a:p>
@@ -1572,7 +1577,7 @@
           <a:p>
             <a:fld id="{9334D819-9F07-4261-B09B-9E467E5D9002}" type="datetimeFigureOut">
               <a:rPr lang="en-US" dirty="0"/>
-              <a:t>11/7/2018</a:t>
+              <a:t>11/13/2018</a:t>
             </a:fld>
             <a:endParaRPr lang="en-US" dirty="0"/>
           </a:p>
@@ -1747,7 +1752,7 @@
           <a:p>
             <a:fld id="{9334D819-9F07-4261-B09B-9E467E5D9002}" type="datetimeFigureOut">
               <a:rPr lang="en-US" dirty="0"/>
-              <a:t>11/7/2018</a:t>
+              <a:t>11/13/2018</a:t>
             </a:fld>
             <a:endParaRPr lang="en-US" dirty="0"/>
           </a:p>
@@ -1912,7 +1917,7 @@
           <a:p>
             <a:fld id="{9334D819-9F07-4261-B09B-9E467E5D9002}" type="datetimeFigureOut">
               <a:rPr lang="en-US" dirty="0"/>
-              <a:t>11/7/2018</a:t>
+              <a:t>11/13/2018</a:t>
             </a:fld>
             <a:endParaRPr lang="en-US" dirty="0"/>
           </a:p>
@@ -2184,7 +2189,7 @@
             <a:fld id="{9334D819-9F07-4261-B09B-9E467E5D9002}" type="datetimeFigureOut">
               <a:rPr lang="en-US" dirty="0"/>
               <a:pPr/>
-              <a:t>11/7/2018</a:t>
+              <a:t>11/13/2018</a:t>
             </a:fld>
             <a:endParaRPr lang="en-US" dirty="0"/>
           </a:p>
@@ -3381,7 +3386,7 @@
           <a:p>
             <a:fld id="{9334D819-9F07-4261-B09B-9E467E5D9002}" type="datetimeFigureOut">
               <a:rPr lang="en-US" dirty="0"/>
-              <a:t>11/7/2018</a:t>
+              <a:t>11/13/2018</a:t>
             </a:fld>
             <a:endParaRPr lang="en-US" dirty="0"/>
           </a:p>
@@ -3766,7 +3771,7 @@
           <a:p>
             <a:fld id="{9334D819-9F07-4261-B09B-9E467E5D9002}" type="datetimeFigureOut">
               <a:rPr lang="en-US" dirty="0"/>
-              <a:t>11/7/2018</a:t>
+              <a:t>11/13/2018</a:t>
             </a:fld>
             <a:endParaRPr lang="en-US" dirty="0"/>
           </a:p>
@@ -3884,7 +3889,7 @@
           <a:p>
             <a:fld id="{9334D819-9F07-4261-B09B-9E467E5D9002}" type="datetimeFigureOut">
               <a:rPr lang="en-US" dirty="0"/>
-              <a:t>11/7/2018</a:t>
+              <a:t>11/13/2018</a:t>
             </a:fld>
             <a:endParaRPr lang="en-US" dirty="0"/>
           </a:p>
@@ -3974,7 +3979,7 @@
           <a:p>
             <a:fld id="{9334D819-9F07-4261-B09B-9E467E5D9002}" type="datetimeFigureOut">
               <a:rPr lang="en-US" dirty="0"/>
-              <a:t>11/7/2018</a:t>
+              <a:t>11/13/2018</a:t>
             </a:fld>
             <a:endParaRPr lang="en-US" dirty="0"/>
           </a:p>
@@ -4732,7 +4737,7 @@
           <a:p>
             <a:fld id="{9334D819-9F07-4261-B09B-9E467E5D9002}" type="datetimeFigureOut">
               <a:rPr lang="en-US" dirty="0"/>
-              <a:t>11/7/2018</a:t>
+              <a:t>11/13/2018</a:t>
             </a:fld>
             <a:endParaRPr lang="en-US" dirty="0"/>
           </a:p>
@@ -5567,7 +5572,7 @@
           <a:p>
             <a:fld id="{9334D819-9F07-4261-B09B-9E467E5D9002}" type="datetimeFigureOut">
               <a:rPr lang="en-US" dirty="0"/>
-              <a:t>11/7/2018</a:t>
+              <a:t>11/13/2018</a:t>
             </a:fld>
             <a:endParaRPr lang="en-US" dirty="0"/>
           </a:p>
@@ -5790,7 +5795,7 @@
             <a:fld id="{9334D819-9F07-4261-B09B-9E467E5D9002}" type="datetimeFigureOut">
               <a:rPr lang="en-US" dirty="0"/>
               <a:pPr/>
-              <a:t>11/7/2018</a:t>
+              <a:t>11/13/2018</a:t>
             </a:fld>
             <a:endParaRPr lang="en-US" dirty="0"/>
           </a:p>
@@ -7114,8 +7119,8 @@
         </p:nvSpPr>
         <p:spPr>
           <a:xfrm>
-            <a:off x="11109338" y="6387121"/>
-            <a:ext cx="899605" cy="307777"/>
+            <a:off x="10749968" y="6387121"/>
+            <a:ext cx="1293944" cy="276999"/>
           </a:xfrm>
           <a:prstGeom prst="rect">
             <a:avLst/>
@@ -7129,14 +7134,14 @@
           <a:lstStyle/>
           <a:p>
             <a:r>
-              <a:rPr lang="en-US" altLang="ko-KR" sz="1400" dirty="0" smtClean="0">
+              <a:rPr lang="en-US" altLang="ko-KR" sz="1200" dirty="0" smtClean="0">
                 <a:solidFill>
                   <a:schemeClr val="bg1"/>
                 </a:solidFill>
                 <a:latin typeface="돋움" panose="020B0600000101010101" pitchFamily="50" charset="-127"/>
                 <a:ea typeface="돋움" panose="020B0600000101010101" pitchFamily="50" charset="-127"/>
               </a:rPr>
-              <a:t>by </a:t>
+              <a:t>2018.11 </a:t>
             </a:r>
             <a:r>
               <a:rPr lang="ko-KR" altLang="en-US" sz="1200" dirty="0" smtClean="0">
@@ -7525,23 +7530,51 @@
             </a:r>
             <a:r>
               <a:rPr lang="en-US" altLang="ko-KR" dirty="0" smtClean="0"/>
-              <a:t>onsole.log(office + “</a:t>
-            </a:r>
-            <a:r>
-              <a:rPr lang="ko-KR" altLang="en-US" dirty="0" smtClean="0"/>
+              <a:t>onsole.log(</a:t>
+            </a:r>
+            <a:r>
+              <a:rPr lang="en-US" altLang="ko-KR" dirty="0" smtClean="0">
+                <a:solidFill>
+                  <a:srgbClr val="0070C0"/>
+                </a:solidFill>
+              </a:rPr>
+              <a:t>office + “</a:t>
+            </a:r>
+            <a:r>
+              <a:rPr lang="ko-KR" altLang="en-US" dirty="0" smtClean="0">
+                <a:solidFill>
+                  <a:srgbClr val="0070C0"/>
+                </a:solidFill>
+              </a:rPr>
               <a:t>의</a:t>
             </a:r>
             <a:r>
+              <a:rPr lang="en-US" altLang="ko-KR" dirty="0" smtClean="0">
+                <a:solidFill>
+                  <a:srgbClr val="0070C0"/>
+                </a:solidFill>
+              </a:rPr>
+              <a:t>” name + “</a:t>
+            </a:r>
+            <a:r>
+              <a:rPr lang="ko-KR" altLang="en-US" dirty="0" smtClean="0">
+                <a:solidFill>
+                  <a:srgbClr val="0070C0"/>
+                </a:solidFill>
+              </a:rPr>
+              <a:t>입니다</a:t>
+            </a:r>
+            <a:r>
+              <a:rPr lang="en-US" altLang="ko-KR" dirty="0" smtClean="0">
+                <a:solidFill>
+                  <a:srgbClr val="0070C0"/>
+                </a:solidFill>
+              </a:rPr>
+              <a:t>”</a:t>
+            </a:r>
+            <a:r>
               <a:rPr lang="en-US" altLang="ko-KR" dirty="0" smtClean="0"/>
-              <a:t>” name + “</a:t>
-            </a:r>
-            <a:r>
-              <a:rPr lang="ko-KR" altLang="en-US" dirty="0" smtClean="0"/>
-              <a:t>입니다</a:t>
-            </a:r>
-            <a:r>
-              <a:rPr lang="en-US" altLang="ko-KR" dirty="0" smtClean="0"/>
-              <a:t>”);</a:t>
+              <a:t>);</a:t>
             </a:r>
           </a:p>
           <a:p>
@@ -8654,48 +8687,88 @@
           </a:p>
           <a:p>
             <a:r>
-              <a:rPr lang="en-US" altLang="ko-KR" dirty="0" err="1"/>
+              <a:rPr lang="en-US" altLang="ko-KR" dirty="0" err="1">
+                <a:solidFill>
+                  <a:srgbClr val="0070C0"/>
+                </a:solidFill>
+              </a:rPr>
               <a:t>var</a:t>
             </a:r>
             <a:r>
-              <a:rPr lang="en-US" altLang="ko-KR" dirty="0"/>
+              <a:rPr lang="en-US" altLang="ko-KR" dirty="0">
+                <a:solidFill>
+                  <a:srgbClr val="0070C0"/>
+                </a:solidFill>
+              </a:rPr>
               <a:t> a = numbers[0];</a:t>
             </a:r>
           </a:p>
           <a:p>
             <a:r>
-              <a:rPr lang="en-US" altLang="ko-KR" dirty="0" err="1"/>
+              <a:rPr lang="en-US" altLang="ko-KR" dirty="0" err="1">
+                <a:solidFill>
+                  <a:srgbClr val="0070C0"/>
+                </a:solidFill>
+              </a:rPr>
               <a:t>var</a:t>
             </a:r>
             <a:r>
-              <a:rPr lang="en-US" altLang="ko-KR" dirty="0"/>
+              <a:rPr lang="en-US" altLang="ko-KR" dirty="0">
+                <a:solidFill>
+                  <a:srgbClr val="0070C0"/>
+                </a:solidFill>
+              </a:rPr>
               <a:t> b = numbers[1];</a:t>
             </a:r>
           </a:p>
           <a:p>
             <a:r>
-              <a:rPr lang="en-US" altLang="ko-KR" dirty="0" err="1"/>
+              <a:rPr lang="en-US" altLang="ko-KR" dirty="0" err="1">
+                <a:solidFill>
+                  <a:srgbClr val="0070C0"/>
+                </a:solidFill>
+              </a:rPr>
               <a:t>var</a:t>
             </a:r>
             <a:r>
-              <a:rPr lang="en-US" altLang="ko-KR" dirty="0"/>
+              <a:rPr lang="en-US" altLang="ko-KR" dirty="0">
+                <a:solidFill>
+                  <a:srgbClr val="0070C0"/>
+                </a:solidFill>
+              </a:rPr>
               <a:t> c = numbers[0];</a:t>
             </a:r>
           </a:p>
           <a:p>
             <a:r>
-              <a:rPr lang="en-US" altLang="ko-KR" dirty="0" err="1"/>
+              <a:rPr lang="en-US" altLang="ko-KR" dirty="0" err="1">
+                <a:solidFill>
+                  <a:srgbClr val="0070C0"/>
+                </a:solidFill>
+              </a:rPr>
               <a:t>var</a:t>
             </a:r>
             <a:r>
-              <a:rPr lang="en-US" altLang="ko-KR" dirty="0"/>
+              <a:rPr lang="en-US" altLang="ko-KR" dirty="0">
+                <a:solidFill>
+                  <a:srgbClr val="0070C0"/>
+                </a:solidFill>
+              </a:rPr>
               <a:t> d = numbers[2</a:t>
             </a:r>
             <a:r>
-              <a:rPr lang="en-US" altLang="ko-KR" dirty="0" smtClean="0"/>
+              <a:rPr lang="en-US" altLang="ko-KR" dirty="0" smtClean="0">
+                <a:solidFill>
+                  <a:srgbClr val="0070C0"/>
+                </a:solidFill>
+              </a:rPr>
               <a:t>];</a:t>
             </a:r>
-            <a:endParaRPr lang="en-US" altLang="ko-KR" dirty="0"/>
+            <a:endParaRPr lang="en-US" altLang="ko-KR" dirty="0">
+              <a:solidFill>
+                <a:srgbClr val="0070C0"/>
+              </a:solidFill>
+            </a:endParaRPr>
           </a:p>
           <a:p>
             <a:endParaRPr lang="en-US" altLang="ko-KR" dirty="0"/>
@@ -9437,11 +9510,19 @@
               <a:t> c = </a:t>
             </a:r>
             <a:r>
-              <a:rPr lang="en-US" altLang="ko-KR" dirty="0" err="1"/>
+              <a:rPr lang="en-US" altLang="ko-KR" dirty="0" err="1">
+                <a:solidFill>
+                  <a:srgbClr val="0070C0"/>
+                </a:solidFill>
+              </a:rPr>
               <a:t>a.concat</a:t>
             </a:r>
             <a:r>
-              <a:rPr lang="en-US" altLang="ko-KR" dirty="0"/>
+              <a:rPr lang="en-US" altLang="ko-KR" dirty="0">
+                <a:solidFill>
+                  <a:srgbClr val="0070C0"/>
+                </a:solidFill>
+              </a:rPr>
               <a:t>(b);</a:t>
             </a:r>
           </a:p>
@@ -10210,25 +10291,25 @@
               </a:lnSpc>
             </a:pPr>
             <a:r>
+              <a:rPr lang="en-US" altLang="ko-KR" sz="2500" dirty="0" smtClean="0">
+                <a:latin typeface="+mj-ea"/>
+                <a:ea typeface="+mj-ea"/>
+              </a:rPr>
+              <a:t>ES6 </a:t>
+            </a:r>
+            <a:r>
+              <a:rPr lang="ko-KR" altLang="en-US" sz="2500" dirty="0" smtClean="0">
+                <a:latin typeface="+mj-ea"/>
+                <a:ea typeface="+mj-ea"/>
+              </a:rPr>
+              <a:t>이전에는 </a:t>
+            </a:r>
+            <a:r>
               <a:rPr lang="ko-KR" altLang="en-US" sz="2500" dirty="0">
                 <a:latin typeface="+mj-ea"/>
                 <a:ea typeface="+mj-ea"/>
               </a:rPr>
-              <a:t>기존 </a:t>
-            </a:r>
-            <a:r>
-              <a:rPr lang="en-US" altLang="ko-KR" sz="2500" dirty="0">
-                <a:latin typeface="+mj-ea"/>
-                <a:ea typeface="+mj-ea"/>
-              </a:rPr>
-              <a:t>ES5 </a:t>
-            </a:r>
-            <a:r>
-              <a:rPr lang="ko-KR" altLang="en-US" sz="2500" dirty="0">
-                <a:latin typeface="+mj-ea"/>
-                <a:ea typeface="+mj-ea"/>
-              </a:rPr>
-              <a:t>에서 객체를 생성할 때</a:t>
+              <a:t>객체를 생성할 때</a:t>
             </a:r>
             <a:r>
               <a:rPr lang="en-US" altLang="ko-KR" sz="2500" dirty="0">
@@ -10404,12 +10485,24 @@
           <a:p>
             <a:r>
               <a:rPr lang="en-US" altLang="ko-KR" dirty="0"/>
-              <a:t>  name: name,</a:t>
-            </a:r>
-          </a:p>
-          <a:p>
-            <a:r>
-              <a:rPr lang="en-US" altLang="ko-KR" dirty="0"/>
+              <a:t>  </a:t>
+            </a:r>
+            <a:r>
+              <a:rPr lang="en-US" altLang="ko-KR" dirty="0">
+                <a:solidFill>
+                  <a:srgbClr val="0070C0"/>
+                </a:solidFill>
+              </a:rPr>
+              <a:t>name: name,</a:t>
+            </a:r>
+          </a:p>
+          <a:p>
+            <a:r>
+              <a:rPr lang="en-US" altLang="ko-KR" dirty="0">
+                <a:solidFill>
+                  <a:srgbClr val="0070C0"/>
+                </a:solidFill>
+              </a:rPr>
               <a:t>  job: job</a:t>
             </a:r>
           </a:p>
@@ -11350,83 +11443,7 @@
   <p:timing>
     <p:tnLst>
       <p:par>
-        <p:cTn id="1" dur="indefinite" restart="never" nodeType="tmRoot">
-          <p:childTnLst>
-            <p:seq concurrent="1" nextAc="seek">
-              <p:cTn id="2" dur="indefinite" nodeType="mainSeq">
-                <p:childTnLst>
-                  <p:par>
-                    <p:cTn id="3" fill="hold">
-                      <p:stCondLst>
-                        <p:cond delay="indefinite"/>
-                      </p:stCondLst>
-                      <p:childTnLst>
-                        <p:par>
-                          <p:cTn id="4" fill="hold">
-                            <p:stCondLst>
-                              <p:cond delay="0"/>
-                            </p:stCondLst>
-                            <p:childTnLst>
-                              <p:par>
-                                <p:cTn id="5" presetID="16" presetClass="entr" presetSubtype="21" fill="hold" nodeType="clickEffect">
-                                  <p:stCondLst>
-                                    <p:cond delay="0"/>
-                                  </p:stCondLst>
-                                  <p:childTnLst>
-                                    <p:set>
-                                      <p:cBhvr>
-                                        <p:cTn id="6" dur="1" fill="hold">
-                                          <p:stCondLst>
-                                            <p:cond delay="0"/>
-                                          </p:stCondLst>
-                                        </p:cTn>
-                                        <p:tgtEl>
-                                          <p:spTgt spid="4"/>
-                                        </p:tgtEl>
-                                        <p:attrNameLst>
-                                          <p:attrName>style.visibility</p:attrName>
-                                        </p:attrNameLst>
-                                      </p:cBhvr>
-                                      <p:to>
-                                        <p:strVal val="visible"/>
-                                      </p:to>
-                                    </p:set>
-                                    <p:animEffect transition="in" filter="barn(inVertical)">
-                                      <p:cBhvr>
-                                        <p:cTn id="7" dur="500"/>
-                                        <p:tgtEl>
-                                          <p:spTgt spid="4"/>
-                                        </p:tgtEl>
-                                      </p:cBhvr>
-                                    </p:animEffect>
-                                  </p:childTnLst>
-                                </p:cTn>
-                              </p:par>
-                            </p:childTnLst>
-                          </p:cTn>
-                        </p:par>
-                      </p:childTnLst>
-                    </p:cTn>
-                  </p:par>
-                </p:childTnLst>
-              </p:cTn>
-              <p:prevCondLst>
-                <p:cond evt="onPrev" delay="0">
-                  <p:tgtEl>
-                    <p:sldTgt/>
-                  </p:tgtEl>
-                </p:cond>
-              </p:prevCondLst>
-              <p:nextCondLst>
-                <p:cond evt="onNext" delay="0">
-                  <p:tgtEl>
-                    <p:sldTgt/>
-                  </p:tgtEl>
-                </p:cond>
-              </p:nextCondLst>
-            </p:seq>
-          </p:childTnLst>
-        </p:cTn>
+        <p:cTn id="1" dur="indefinite" restart="never" nodeType="tmRoot"/>
       </p:par>
     </p:tnLst>
   </p:timing>
@@ -11599,51 +11616,47 @@
               </a:lnSpc>
             </a:pPr>
             <a:r>
+              <a:rPr lang="en-US" altLang="ko-KR" dirty="0">
+                <a:latin typeface="+mj-ea"/>
+                <a:ea typeface="+mj-ea"/>
+              </a:rPr>
+              <a:t>ES6 </a:t>
+            </a:r>
+            <a:r>
+              <a:rPr lang="ko-KR" altLang="en-US" dirty="0">
+                <a:latin typeface="+mj-ea"/>
+                <a:ea typeface="+mj-ea"/>
+              </a:rPr>
+              <a:t>이전에는 객체 </a:t>
+            </a:r>
+            <a:r>
               <a:rPr lang="ko-KR" altLang="en-US" dirty="0" smtClean="0">
                 <a:latin typeface="+mj-ea"/>
                 <a:ea typeface="+mj-ea"/>
               </a:rPr>
-              <a:t>기존 </a:t>
+              <a:t>메서드를 정의하기 위해 </a:t>
             </a:r>
             <a:r>
               <a:rPr lang="en-US" altLang="ko-KR" dirty="0" smtClean="0">
                 <a:latin typeface="+mj-ea"/>
                 <a:ea typeface="+mj-ea"/>
               </a:rPr>
-              <a:t>ES5</a:t>
+              <a:t>function </a:t>
             </a:r>
             <a:r>
               <a:rPr lang="ko-KR" altLang="en-US" dirty="0" smtClean="0">
                 <a:latin typeface="+mj-ea"/>
                 <a:ea typeface="+mj-ea"/>
               </a:rPr>
-              <a:t>에서는 객체 메서드를 정의하기 위해 </a:t>
+              <a:t>키워드를 사용하였다</a:t>
             </a:r>
             <a:r>
               <a:rPr lang="en-US" altLang="ko-KR" dirty="0" smtClean="0">
                 <a:latin typeface="+mj-ea"/>
                 <a:ea typeface="+mj-ea"/>
               </a:rPr>
-              <a:t>function </a:t>
-            </a:r>
-            <a:r>
-              <a:rPr lang="ko-KR" altLang="en-US" dirty="0" smtClean="0">
-                <a:latin typeface="+mj-ea"/>
-                <a:ea typeface="+mj-ea"/>
-              </a:rPr>
-              <a:t>키워드를 사용하였다</a:t>
-            </a:r>
-            <a:r>
-              <a:rPr lang="en-US" altLang="ko-KR" dirty="0" smtClean="0">
-                <a:latin typeface="+mj-ea"/>
-                <a:ea typeface="+mj-ea"/>
-              </a:rPr>
               <a:t>.</a:t>
             </a:r>
-            <a:endParaRPr lang="en-US" altLang="ko-KR" dirty="0" smtClean="0">
-              <a:latin typeface="+mj-ea"/>
-              <a:ea typeface="+mj-ea"/>
-            </a:endParaRPr>
           </a:p>
         </p:txBody>
       </p:sp>
@@ -11728,12 +11741,24 @@
               <a:t>  </a:t>
             </a:r>
             <a:r>
-              <a:rPr lang="en-US" altLang="ko-KR" dirty="0" err="1"/>
+              <a:rPr lang="en-US" altLang="ko-KR" dirty="0" err="1">
+                <a:solidFill>
+                  <a:srgbClr val="0070C0"/>
+                </a:solidFill>
+              </a:rPr>
               <a:t>getName</a:t>
             </a:r>
             <a:r>
+              <a:rPr lang="en-US" altLang="ko-KR" dirty="0">
+                <a:solidFill>
+                  <a:srgbClr val="0070C0"/>
+                </a:solidFill>
+              </a:rPr>
+              <a:t>: function() </a:t>
+            </a:r>
+            <a:r>
               <a:rPr lang="en-US" altLang="ko-KR" dirty="0"/>
-              <a:t>: function() {</a:t>
+              <a:t>{</a:t>
             </a:r>
           </a:p>
           <a:p>
@@ -11780,7 +11805,6 @@
               <a:rPr lang="ko-KR" altLang="en-US" dirty="0"/>
               <a:t>장명호</a:t>
             </a:r>
-            <a:endParaRPr lang="ko-KR" altLang="en-US" dirty="0"/>
           </a:p>
         </p:txBody>
       </p:sp>
@@ -12250,7 +12274,6 @@
                 <a:rPr lang="ko-KR" altLang="en-US" dirty="0"/>
                 <a:t>장명호</a:t>
               </a:r>
-              <a:endParaRPr lang="ko-KR" altLang="en-US" dirty="0"/>
             </a:p>
           </p:txBody>
         </p:sp>
@@ -12598,83 +12621,7 @@
   <p:timing>
     <p:tnLst>
       <p:par>
-        <p:cTn id="1" dur="indefinite" restart="never" nodeType="tmRoot">
-          <p:childTnLst>
-            <p:seq concurrent="1" nextAc="seek">
-              <p:cTn id="2" dur="indefinite" nodeType="mainSeq">
-                <p:childTnLst>
-                  <p:par>
-                    <p:cTn id="3" fill="hold">
-                      <p:stCondLst>
-                        <p:cond delay="indefinite"/>
-                      </p:stCondLst>
-                      <p:childTnLst>
-                        <p:par>
-                          <p:cTn id="4" fill="hold">
-                            <p:stCondLst>
-                              <p:cond delay="0"/>
-                            </p:stCondLst>
-                            <p:childTnLst>
-                              <p:par>
-                                <p:cTn id="5" presetID="16" presetClass="entr" presetSubtype="21" fill="hold" nodeType="clickEffect">
-                                  <p:stCondLst>
-                                    <p:cond delay="0"/>
-                                  </p:stCondLst>
-                                  <p:childTnLst>
-                                    <p:set>
-                                      <p:cBhvr>
-                                        <p:cTn id="6" dur="1" fill="hold">
-                                          <p:stCondLst>
-                                            <p:cond delay="0"/>
-                                          </p:stCondLst>
-                                        </p:cTn>
-                                        <p:tgtEl>
-                                          <p:spTgt spid="4"/>
-                                        </p:tgtEl>
-                                        <p:attrNameLst>
-                                          <p:attrName>style.visibility</p:attrName>
-                                        </p:attrNameLst>
-                                      </p:cBhvr>
-                                      <p:to>
-                                        <p:strVal val="visible"/>
-                                      </p:to>
-                                    </p:set>
-                                    <p:animEffect transition="in" filter="barn(inVertical)">
-                                      <p:cBhvr>
-                                        <p:cTn id="7" dur="500"/>
-                                        <p:tgtEl>
-                                          <p:spTgt spid="4"/>
-                                        </p:tgtEl>
-                                      </p:cBhvr>
-                                    </p:animEffect>
-                                  </p:childTnLst>
-                                </p:cTn>
-                              </p:par>
-                            </p:childTnLst>
-                          </p:cTn>
-                        </p:par>
-                      </p:childTnLst>
-                    </p:cTn>
-                  </p:par>
-                </p:childTnLst>
-              </p:cTn>
-              <p:prevCondLst>
-                <p:cond evt="onPrev" delay="0">
-                  <p:tgtEl>
-                    <p:sldTgt/>
-                  </p:tgtEl>
-                </p:cond>
-              </p:prevCondLst>
-              <p:nextCondLst>
-                <p:cond evt="onNext" delay="0">
-                  <p:tgtEl>
-                    <p:sldTgt/>
-                  </p:tgtEl>
-                </p:cond>
-              </p:nextCondLst>
-            </p:seq>
-          </p:childTnLst>
-        </p:cTn>
+        <p:cTn id="1" dur="indefinite" restart="never" nodeType="tmRoot"/>
       </p:par>
     </p:tnLst>
   </p:timing>
@@ -12800,19 +12747,34 @@
             <p:ph type="title"/>
           </p:nvPr>
         </p:nvSpPr>
-        <p:spPr>
-          <a:xfrm>
-            <a:off x="1251678" y="382385"/>
-            <a:ext cx="10064022" cy="940153"/>
-          </a:xfrm>
-        </p:spPr>
+        <p:spPr/>
         <p:txBody>
           <a:bodyPr/>
           <a:lstStyle/>
           <a:p>
             <a:r>
-              <a:rPr lang="en-US" altLang="ko-KR" b="1" dirty="0" smtClean="0"/>
-              <a:t>Class</a:t>
+              <a:rPr lang="en-US" altLang="ko-KR" dirty="0" smtClean="0">
+                <a:latin typeface="Bahnschrift Condensed" panose="020B0502040204020203" pitchFamily="34" charset="0"/>
+              </a:rPr>
+              <a:t>For-of</a:t>
+            </a:r>
+            <a:r>
+              <a:rPr lang="en-US" altLang="ko-KR" sz="2000" dirty="0" smtClean="0">
+                <a:latin typeface="Bahnschrift Condensed" panose="020B0502040204020203" pitchFamily="34" charset="0"/>
+              </a:rPr>
+              <a:t>(for-in</a:t>
+            </a:r>
+            <a:r>
+              <a:rPr lang="ko-KR" altLang="en-US" sz="2000" dirty="0" smtClean="0">
+                <a:latin typeface="Bahnschrift Condensed" panose="020B0502040204020203" pitchFamily="34" charset="0"/>
+              </a:rPr>
+              <a:t>과 의 차이점</a:t>
+            </a:r>
+            <a:r>
+              <a:rPr lang="en-US" altLang="ko-KR" sz="2000" dirty="0" smtClean="0">
+                <a:latin typeface="Bahnschrift Condensed" panose="020B0502040204020203" pitchFamily="34" charset="0"/>
+              </a:rPr>
+              <a:t>)</a:t>
             </a:r>
             <a:endParaRPr lang="ko-KR" altLang="en-US" sz="2000" dirty="0">
               <a:latin typeface="Bahnschrift Condensed" panose="020B0502040204020203" pitchFamily="34" charset="0"/>
@@ -12848,16 +12810,33 @@
               </a:lnSpc>
             </a:pPr>
             <a:r>
-              <a:rPr lang="ko-KR" altLang="en-US" dirty="0" err="1" smtClean="0">
-                <a:latin typeface="+mj-ea"/>
-                <a:ea typeface="+mj-ea"/>
-              </a:rPr>
-              <a:t>블라블라블라</a:t>
-            </a:r>
-            <a:endParaRPr lang="en-US" altLang="ko-KR" dirty="0" smtClean="0">
-              <a:latin typeface="+mj-ea"/>
-              <a:ea typeface="+mj-ea"/>
-            </a:endParaRPr>
+              <a:rPr lang="ko-KR" altLang="en-US" dirty="0" smtClean="0">
+                <a:latin typeface="+mj-ea"/>
+                <a:ea typeface="+mj-ea"/>
+              </a:rPr>
+              <a:t>객체의 요소들을 순회하기 위한 구문으로 </a:t>
+            </a:r>
+            <a:r>
+              <a:rPr lang="en-US" altLang="ko-KR" dirty="0" smtClean="0">
+                <a:latin typeface="+mj-ea"/>
+                <a:ea typeface="+mj-ea"/>
+              </a:rPr>
+              <a:t>index</a:t>
+            </a:r>
+            <a:r>
+              <a:rPr lang="ko-KR" altLang="en-US" dirty="0" smtClean="0">
+                <a:latin typeface="+mj-ea"/>
+                <a:ea typeface="+mj-ea"/>
+              </a:rPr>
+              <a:t>값이 문자로 반환된다</a:t>
+            </a:r>
+            <a:r>
+              <a:rPr lang="en-US" altLang="ko-KR" dirty="0" smtClean="0">
+                <a:latin typeface="+mj-ea"/>
+                <a:ea typeface="+mj-ea"/>
+              </a:rPr>
+              <a:t>.</a:t>
+            </a:r>
           </a:p>
         </p:txBody>
       </p:sp>
@@ -12899,8 +12878,8 @@
         </p:nvSpPr>
         <p:spPr>
           <a:xfrm>
-            <a:off x="1435358" y="2153535"/>
-            <a:ext cx="4532305" cy="3416320"/>
+            <a:off x="1435359" y="2153535"/>
+            <a:ext cx="4454548" cy="2308324"/>
           </a:xfrm>
           <a:prstGeom prst="rect">
             <a:avLst/>
@@ -12915,148 +12894,68 @@
           <a:p>
             <a:r>
               <a:rPr lang="en-US" altLang="ko-KR" dirty="0"/>
-              <a:t>function Person(name, job) {</a:t>
-            </a:r>
+              <a:t>let list = ["a", "b", "c"];</a:t>
+            </a:r>
+          </a:p>
+          <a:p>
+            <a:endParaRPr lang="en-US" altLang="ko-KR" dirty="0"/>
           </a:p>
           <a:p>
             <a:r>
               <a:rPr lang="en-US" altLang="ko-KR" dirty="0"/>
-              <a:t>  this.name = name;</a:t>
-            </a:r>
-          </a:p>
-          <a:p>
+              <a:t>for (let </a:t>
+            </a:r>
+            <a:r>
+              <a:rPr lang="en-US" altLang="ko-KR" dirty="0" err="1"/>
+              <a:t>i</a:t>
+            </a:r>
+            <a:r>
+              <a:rPr lang="en-US" altLang="ko-KR" dirty="0">
+                <a:solidFill>
+                  <a:srgbClr val="0070C0"/>
+                </a:solidFill>
+              </a:rPr>
+              <a:t> in </a:t>
+            </a:r>
             <a:r>
               <a:rPr lang="en-US" altLang="ko-KR" dirty="0"/>
-              <a:t>  </a:t>
+              <a:t>list) {</a:t>
+            </a:r>
+          </a:p>
+          <a:p>
+            <a:r>
+              <a:rPr lang="en-US" altLang="ko-KR" dirty="0"/>
+              <a:t>	console.log(</a:t>
             </a:r>
             <a:r>
               <a:rPr lang="en-US" altLang="ko-KR" dirty="0" err="1"/>
-              <a:t>this.job</a:t>
+              <a:t>i</a:t>
             </a:r>
             <a:r>
               <a:rPr lang="en-US" altLang="ko-KR" dirty="0"/>
-              <a:t> = job;</a:t>
-            </a:r>
+              <a:t>); //"0", "1", "2"</a:t>
+            </a:r>
+          </a:p>
+          <a:p>
+            <a:r>
+              <a:rPr lang="en-US" altLang="ko-KR" dirty="0"/>
+              <a:t>}</a:t>
+            </a:r>
+          </a:p>
+          <a:p>
+            <a:endParaRPr lang="en-US" altLang="ko-KR" dirty="0"/>
           </a:p>
           <a:p>
             <a:r>
               <a:rPr lang="en-US" altLang="ko-KR" dirty="0" smtClean="0"/>
-              <a:t>}</a:t>
+              <a:t>            </a:t>
             </a:r>
             <a:endParaRPr lang="en-US" altLang="ko-KR" dirty="0"/>
           </a:p>
           <a:p>
-            <a:r>
-              <a:rPr lang="en-US" altLang="ko-KR" dirty="0" err="1"/>
-              <a:t>Person.prototype.print</a:t>
-            </a:r>
-            <a:r>
-              <a:rPr lang="en-US" altLang="ko-KR" dirty="0"/>
-              <a:t> = function() {</a:t>
-            </a:r>
-          </a:p>
-          <a:p>
-            <a:r>
-              <a:rPr lang="en-US" altLang="ko-KR" dirty="0"/>
-              <a:t>  console.log(</a:t>
-            </a:r>
-            <a:r>
-              <a:rPr lang="en-US" altLang="ko-KR" dirty="0" err="1"/>
-              <a:t>this.job</a:t>
-            </a:r>
-            <a:r>
-              <a:rPr lang="en-US" altLang="ko-KR" dirty="0"/>
-              <a:t> + " </a:t>
-            </a:r>
-            <a:r>
-              <a:rPr lang="ko-KR" altLang="en-US" dirty="0"/>
-              <a:t>직업을 가지고 있는 </a:t>
-            </a:r>
-            <a:r>
-              <a:rPr lang="en-US" altLang="ko-KR" dirty="0"/>
-              <a:t>" + this.name + "</a:t>
-            </a:r>
-            <a:r>
-              <a:rPr lang="ko-KR" altLang="en-US" dirty="0"/>
-              <a:t>씨</a:t>
-            </a:r>
-            <a:r>
-              <a:rPr lang="en-US" altLang="ko-KR" dirty="0"/>
-              <a:t>");</a:t>
-            </a:r>
-          </a:p>
-          <a:p>
-            <a:r>
-              <a:rPr lang="en-US" altLang="ko-KR" dirty="0" smtClean="0"/>
-              <a:t>}</a:t>
-            </a:r>
-            <a:endParaRPr lang="en-US" altLang="ko-KR" dirty="0"/>
-          </a:p>
-          <a:p>
-            <a:r>
-              <a:rPr lang="en-US" altLang="ko-KR" dirty="0" err="1"/>
-              <a:t>var</a:t>
-            </a:r>
             <a:r>
               <a:rPr lang="en-US" altLang="ko-KR" dirty="0"/>
               <a:t> </a:t>
-            </a:r>
-            <a:r>
-              <a:rPr lang="en-US" altLang="ko-KR" dirty="0" err="1"/>
-              <a:t>donghyun</a:t>
-            </a:r>
-            <a:r>
-              <a:rPr lang="en-US" altLang="ko-KR" dirty="0"/>
-              <a:t> = new Person("</a:t>
-            </a:r>
-            <a:r>
-              <a:rPr lang="ko-KR" altLang="en-US" dirty="0"/>
-              <a:t>조동현</a:t>
-            </a:r>
-            <a:r>
-              <a:rPr lang="en-US" altLang="ko-KR" dirty="0"/>
-              <a:t>", "</a:t>
-            </a:r>
-            <a:r>
-              <a:rPr lang="ko-KR" altLang="en-US" dirty="0" err="1"/>
-              <a:t>프론트엔드</a:t>
-            </a:r>
-            <a:r>
-              <a:rPr lang="ko-KR" altLang="en-US" dirty="0"/>
-              <a:t> 개발자</a:t>
-            </a:r>
-            <a:r>
-              <a:rPr lang="en-US" altLang="ko-KR" dirty="0" smtClean="0"/>
-              <a:t>");</a:t>
-            </a:r>
-            <a:endParaRPr lang="en-US" altLang="ko-KR" dirty="0"/>
-          </a:p>
-          <a:p>
-            <a:r>
-              <a:rPr lang="en-US" altLang="ko-KR" dirty="0" err="1"/>
-              <a:t>donghyun.print</a:t>
-            </a:r>
-            <a:r>
-              <a:rPr lang="en-US" altLang="ko-KR" dirty="0"/>
-              <a:t>();</a:t>
-            </a:r>
-          </a:p>
-          <a:p>
-            <a:r>
-              <a:rPr lang="en-US" altLang="ko-KR" dirty="0"/>
-              <a:t>//</a:t>
-            </a:r>
-            <a:r>
-              <a:rPr lang="ko-KR" altLang="en-US" dirty="0" err="1"/>
-              <a:t>프론트엔드</a:t>
-            </a:r>
-            <a:r>
-              <a:rPr lang="ko-KR" altLang="en-US" dirty="0"/>
-              <a:t> 개발자 직업을 가지고 있는 </a:t>
-            </a:r>
-            <a:r>
-              <a:rPr lang="ko-KR" altLang="en-US" dirty="0" err="1"/>
-              <a:t>조동현씨</a:t>
             </a:r>
             <a:endParaRPr lang="ko-KR" altLang="en-US" dirty="0"/>
           </a:p>
@@ -13190,7 +13089,7 @@
         <p:spPr>
           <a:xfrm>
             <a:off x="1251678" y="1611982"/>
-            <a:ext cx="581891" cy="383579"/>
+            <a:ext cx="762099" cy="383579"/>
           </a:xfrm>
           <a:prstGeom prst="rect">
             <a:avLst/>
@@ -13236,7 +13135,7 @@
         <p:spPr>
           <a:xfrm>
             <a:off x="1281974" y="1622091"/>
-            <a:ext cx="521297" cy="369332"/>
+            <a:ext cx="731803" cy="369332"/>
           </a:xfrm>
           <a:prstGeom prst="rect">
             <a:avLst/>
@@ -13255,7 +13154,7 @@
                   <a:schemeClr val="bg1"/>
                 </a:solidFill>
               </a:rPr>
-              <a:t>ES5</a:t>
+              <a:t>For-in</a:t>
             </a:r>
             <a:endParaRPr lang="ko-KR" altLang="en-US" dirty="0">
               <a:solidFill>
@@ -13274,7 +13173,7 @@
         <p:spPr>
           <a:xfrm>
             <a:off x="6423613" y="1616120"/>
-            <a:ext cx="581891" cy="383579"/>
+            <a:ext cx="817446" cy="383579"/>
           </a:xfrm>
           <a:prstGeom prst="rect">
             <a:avLst/>
@@ -13320,7 +13219,7 @@
         <p:spPr>
           <a:xfrm>
             <a:off x="6453909" y="1626229"/>
-            <a:ext cx="521297" cy="369332"/>
+            <a:ext cx="1071894" cy="369332"/>
           </a:xfrm>
           <a:prstGeom prst="rect">
             <a:avLst/>
@@ -13328,7 +13227,7 @@
           <a:noFill/>
         </p:spPr>
         <p:txBody>
-          <a:bodyPr wrap="none" rtlCol="0">
+          <a:bodyPr wrap="square" rtlCol="0">
             <a:spAutoFit/>
           </a:bodyPr>
           <a:lstStyle/>
@@ -13339,7 +13238,7 @@
                   <a:schemeClr val="bg1"/>
                 </a:solidFill>
               </a:rPr>
-              <a:t>ES6</a:t>
+              <a:t>For-of</a:t>
             </a:r>
             <a:endParaRPr lang="ko-KR" altLang="en-US" dirty="0">
               <a:solidFill>
@@ -13418,7 +13317,7 @@
           <p:spPr>
             <a:xfrm>
               <a:off x="6644830" y="2153535"/>
-              <a:ext cx="4454548" cy="2308324"/>
+              <a:ext cx="4454548" cy="1477328"/>
             </a:xfrm>
             <a:prstGeom prst="rect">
               <a:avLst/>
@@ -13432,101 +13331,62 @@
             <a:lstStyle/>
             <a:p>
               <a:r>
-                <a:rPr lang="en-US" altLang="ko-KR" dirty="0" err="1"/>
-                <a:t>var</a:t>
+                <a:rPr lang="en-US" altLang="ko-KR" dirty="0"/>
+                <a:t>let list = ["a", "b", "c"];</a:t>
+              </a:r>
+            </a:p>
+            <a:p>
+              <a:endParaRPr lang="en-US" altLang="ko-KR" dirty="0" smtClean="0"/>
+            </a:p>
+            <a:p>
+              <a:r>
+                <a:rPr lang="en-US" altLang="ko-KR" dirty="0" smtClean="0"/>
+                <a:t>for </a:t>
               </a:r>
               <a:r>
                 <a:rPr lang="en-US" altLang="ko-KR" dirty="0"/>
-                <a:t> person = {</a:t>
+                <a:t>(let </a:t>
+              </a:r>
+              <a:r>
+                <a:rPr lang="en-US" altLang="ko-KR" dirty="0" err="1"/>
+                <a:t>i</a:t>
+              </a:r>
+              <a:r>
+                <a:rPr lang="en-US" altLang="ko-KR" dirty="0"/>
+                <a:t> </a:t>
+              </a:r>
+              <a:r>
+                <a:rPr lang="en-US" altLang="ko-KR" dirty="0">
+                  <a:solidFill>
+                    <a:srgbClr val="FF0000"/>
+                  </a:solidFill>
+                </a:rPr>
+                <a:t>of</a:t>
+              </a:r>
+              <a:r>
+                <a:rPr lang="en-US" altLang="ko-KR" dirty="0"/>
+                <a:t> list) {</a:t>
               </a:r>
             </a:p>
             <a:p>
               <a:r>
                 <a:rPr lang="en-US" altLang="ko-KR" dirty="0"/>
-                <a:t>  name: "</a:t>
+                <a:t>	console.log(</a:t>
               </a:r>
               <a:r>
-                <a:rPr lang="ko-KR" altLang="en-US" dirty="0"/>
-                <a:t>장명호</a:t>
+                <a:rPr lang="en-US" altLang="ko-KR" dirty="0" err="1"/>
+                <a:t>i</a:t>
               </a:r>
               <a:r>
                 <a:rPr lang="en-US" altLang="ko-KR" dirty="0"/>
-                <a:t>",</a:t>
+                <a:t>); //"a", "b", "c"</a:t>
               </a:r>
             </a:p>
             <a:p>
               <a:r>
                 <a:rPr lang="en-US" altLang="ko-KR" dirty="0"/>
-                <a:t>  </a:t>
-              </a:r>
-              <a:r>
-                <a:rPr lang="en-US" altLang="ko-KR" dirty="0" err="1" smtClean="0">
-                  <a:solidFill>
-                    <a:srgbClr val="FF0000"/>
-                  </a:solidFill>
-                </a:rPr>
-                <a:t>getName</a:t>
-              </a:r>
-              <a:r>
-                <a:rPr lang="en-US" altLang="ko-KR" dirty="0" smtClean="0">
-                  <a:solidFill>
-                    <a:srgbClr val="FF0000"/>
-                  </a:solidFill>
-                </a:rPr>
-                <a:t>()</a:t>
-              </a:r>
-              <a:r>
-                <a:rPr lang="en-US" altLang="ko-KR" dirty="0" smtClean="0"/>
-                <a:t> </a:t>
-              </a:r>
-              <a:r>
-                <a:rPr lang="en-US" altLang="ko-KR" dirty="0"/>
-                <a:t>{</a:t>
-              </a:r>
-            </a:p>
-            <a:p>
-              <a:r>
-                <a:rPr lang="en-US" altLang="ko-KR" dirty="0"/>
-                <a:t>    return this.name;</a:t>
-              </a:r>
-            </a:p>
-            <a:p>
-              <a:r>
-                <a:rPr lang="en-US" altLang="ko-KR" dirty="0"/>
-                <a:t>  }</a:t>
-              </a:r>
-            </a:p>
-            <a:p>
-              <a:r>
-                <a:rPr lang="en-US" altLang="ko-KR" dirty="0" smtClean="0"/>
                 <a:t>}</a:t>
               </a:r>
-              <a:endParaRPr lang="en-US" altLang="ko-KR" dirty="0"/>
-            </a:p>
-            <a:p>
-              <a:r>
-                <a:rPr lang="en-US" altLang="ko-KR" dirty="0"/>
-                <a:t>console.log(</a:t>
-              </a:r>
-              <a:r>
-                <a:rPr lang="en-US" altLang="ko-KR" dirty="0" err="1"/>
-                <a:t>person.getName</a:t>
-              </a:r>
-              <a:r>
-                <a:rPr lang="en-US" altLang="ko-KR" dirty="0"/>
-                <a:t>());</a:t>
-              </a:r>
-            </a:p>
-            <a:p>
-              <a:r>
-                <a:rPr lang="en-US" altLang="ko-KR" dirty="0"/>
-                <a:t>//</a:t>
-              </a:r>
-              <a:r>
-                <a:rPr lang="ko-KR" altLang="en-US" dirty="0"/>
-                <a:t>장명호</a:t>
-              </a:r>
-              <a:endParaRPr lang="ko-KR" altLang="en-US" dirty="0"/>
             </a:p>
           </p:txBody>
         </p:sp>
@@ -13550,7 +13410,7 @@
         </p:spPr>
         <p:txBody>
           <a:bodyPr vert="horz" lIns="91440" tIns="45720" rIns="91440" bIns="45720" rtlCol="0">
-            <a:normAutofit/>
+            <a:normAutofit fontScale="62500" lnSpcReduction="20000"/>
           </a:bodyPr>
           <a:lstStyle>
             <a:lvl1pPr marL="228600" indent="-228600" algn="l" defTabSz="914400" rtl="0" eaLnBrk="1" latinLnBrk="1" hangingPunct="1">
@@ -13777,11 +13637,1512 @@
               </a:lnSpc>
             </a:pPr>
             <a:r>
+              <a:rPr lang="ko-KR" altLang="en-US" sz="2500" dirty="0" smtClean="0">
+                <a:latin typeface="+mj-ea"/>
+                <a:ea typeface="+mj-ea"/>
+              </a:rPr>
+              <a:t>객체의 속성 또는 배열의 요소를 순회하기 위한 구문으로 </a:t>
+            </a:r>
+            <a:r>
+              <a:rPr lang="en-US" altLang="ko-KR" sz="2500" dirty="0" smtClean="0">
+                <a:latin typeface="+mj-ea"/>
+                <a:ea typeface="+mj-ea"/>
+              </a:rPr>
+              <a:t>for-in</a:t>
+            </a:r>
+            <a:r>
+              <a:rPr lang="ko-KR" altLang="en-US" sz="2500" dirty="0" smtClean="0">
+                <a:latin typeface="+mj-ea"/>
+                <a:ea typeface="+mj-ea"/>
+              </a:rPr>
+              <a:t>문의 단점을 보완하여 간결하고 직접적으로 접근이 가능하도록 추가되었다</a:t>
+            </a:r>
+            <a:endParaRPr lang="en-US" altLang="ko-KR" dirty="0" smtClean="0">
+              <a:latin typeface="+mj-ea"/>
+              <a:ea typeface="+mj-ea"/>
+            </a:endParaRPr>
+          </a:p>
+        </p:txBody>
+      </p:sp>
+    </p:spTree>
+    <p:extLst>
+      <p:ext uri="{BB962C8B-B14F-4D97-AF65-F5344CB8AC3E}">
+        <p14:creationId xmlns:p14="http://schemas.microsoft.com/office/powerpoint/2010/main" val="423981601"/>
+      </p:ext>
+    </p:extLst>
+  </p:cSld>
+  <p:clrMapOvr>
+    <a:masterClrMapping/>
+  </p:clrMapOvr>
+  <mc:AlternateContent xmlns:mc="http://schemas.openxmlformats.org/markup-compatibility/2006" xmlns:p14="http://schemas.microsoft.com/office/powerpoint/2010/main">
+    <mc:Choice Requires="p14">
+      <p:transition p14:dur="0"/>
+    </mc:Choice>
+    <mc:Fallback xmlns="">
+      <p:transition/>
+    </mc:Fallback>
+  </mc:AlternateContent>
+  <p:timing>
+    <p:tnLst>
+      <p:par>
+        <p:cTn id="1" dur="indefinite" restart="never" nodeType="tmRoot"/>
+      </p:par>
+    </p:tnLst>
+  </p:timing>
+</p:sld>
+</file>
+
+<file path=ppt/slides/slide16.xml><?xml version="1.0" encoding="utf-8"?>
+<p:sld xmlns:a="http://schemas.openxmlformats.org/drawingml/2006/main" xmlns:r="http://schemas.openxmlformats.org/officeDocument/2006/relationships" xmlns:p="http://schemas.openxmlformats.org/presentationml/2006/main">
+  <p:cSld>
+    <p:spTree>
+      <p:nvGrpSpPr>
+        <p:cNvPr id="1" name=""/>
+        <p:cNvGrpSpPr/>
+        <p:nvPr/>
+      </p:nvGrpSpPr>
+      <p:grpSpPr>
+        <a:xfrm>
+          <a:off x="0" y="0"/>
+          <a:ext cx="0" cy="0"/>
+          <a:chOff x="0" y="0"/>
+          <a:chExt cx="0" cy="0"/>
+        </a:xfrm>
+      </p:grpSpPr>
+      <p:sp>
+        <p:nvSpPr>
+          <p:cNvPr id="24" name="직사각형 23"/>
+          <p:cNvSpPr/>
+          <p:nvPr/>
+        </p:nvSpPr>
+        <p:spPr>
+          <a:xfrm>
+            <a:off x="6400229" y="2001693"/>
+            <a:ext cx="4887191" cy="3371273"/>
+          </a:xfrm>
+          <a:prstGeom prst="rect">
+            <a:avLst/>
+          </a:prstGeom>
+          <a:solidFill>
+            <a:schemeClr val="bg1"/>
+          </a:solidFill>
+          <a:ln>
+            <a:noFill/>
+          </a:ln>
+        </p:spPr>
+        <p:style>
+          <a:lnRef idx="2">
+            <a:schemeClr val="accent1">
+              <a:shade val="50000"/>
+            </a:schemeClr>
+          </a:lnRef>
+          <a:fillRef idx="1">
+            <a:schemeClr val="accent1"/>
+          </a:fillRef>
+          <a:effectRef idx="0">
+            <a:schemeClr val="accent1"/>
+          </a:effectRef>
+          <a:fontRef idx="minor">
+            <a:schemeClr val="lt1"/>
+          </a:fontRef>
+        </p:style>
+        <p:txBody>
+          <a:bodyPr rtlCol="0" anchor="ctr"/>
+          <a:lstStyle/>
+          <a:p>
+            <a:pPr algn="ctr"/>
+            <a:endParaRPr lang="ko-KR" altLang="en-US"/>
+          </a:p>
+        </p:txBody>
+      </p:sp>
+      <p:sp>
+        <p:nvSpPr>
+          <p:cNvPr id="25" name="직사각형 24"/>
+          <p:cNvSpPr/>
+          <p:nvPr/>
+        </p:nvSpPr>
+        <p:spPr>
+          <a:xfrm>
+            <a:off x="1223398" y="2001692"/>
+            <a:ext cx="4887191" cy="3371273"/>
+          </a:xfrm>
+          <a:prstGeom prst="rect">
+            <a:avLst/>
+          </a:prstGeom>
+          <a:solidFill>
+            <a:schemeClr val="bg1"/>
+          </a:solidFill>
+          <a:ln>
+            <a:noFill/>
+          </a:ln>
+        </p:spPr>
+        <p:style>
+          <a:lnRef idx="2">
+            <a:schemeClr val="accent1">
+              <a:shade val="50000"/>
+            </a:schemeClr>
+          </a:lnRef>
+          <a:fillRef idx="1">
+            <a:schemeClr val="accent1"/>
+          </a:fillRef>
+          <a:effectRef idx="0">
+            <a:schemeClr val="accent1"/>
+          </a:effectRef>
+          <a:fontRef idx="minor">
+            <a:schemeClr val="lt1"/>
+          </a:fontRef>
+        </p:style>
+        <p:txBody>
+          <a:bodyPr rtlCol="0" anchor="ctr"/>
+          <a:lstStyle/>
+          <a:p>
+            <a:pPr algn="ctr"/>
+            <a:endParaRPr lang="ko-KR" altLang="en-US"/>
+          </a:p>
+        </p:txBody>
+      </p:sp>
+      <p:sp>
+        <p:nvSpPr>
+          <p:cNvPr id="2" name="제목 1"/>
+          <p:cNvSpPr>
+            <a:spLocks noGrp="1"/>
+          </p:cNvSpPr>
+          <p:nvPr>
+            <p:ph type="title"/>
+          </p:nvPr>
+        </p:nvSpPr>
+        <p:spPr>
+          <a:xfrm>
+            <a:off x="1223398" y="382385"/>
+            <a:ext cx="10064022" cy="940153"/>
+          </a:xfrm>
+        </p:spPr>
+        <p:txBody>
+          <a:bodyPr/>
+          <a:lstStyle/>
+          <a:p>
+            <a:r>
+              <a:rPr lang="en-US" altLang="ko-KR" dirty="0" smtClean="0">
+                <a:latin typeface="Bahnschrift Condensed" panose="020B0502040204020203" pitchFamily="34" charset="0"/>
+              </a:rPr>
+              <a:t>class</a:t>
+            </a:r>
+            <a:endParaRPr lang="ko-KR" altLang="en-US" sz="2000" dirty="0">
+              <a:latin typeface="Bahnschrift Condensed" panose="020B0502040204020203" pitchFamily="34" charset="0"/>
+            </a:endParaRPr>
+          </a:p>
+        </p:txBody>
+      </p:sp>
+      <p:sp>
+        <p:nvSpPr>
+          <p:cNvPr id="3" name="내용 개체 틀 2"/>
+          <p:cNvSpPr>
+            <a:spLocks noGrp="1"/>
+          </p:cNvSpPr>
+          <p:nvPr>
+            <p:ph idx="1"/>
+          </p:nvPr>
+        </p:nvSpPr>
+        <p:spPr>
+          <a:xfrm>
+            <a:off x="1223398" y="5500139"/>
+            <a:ext cx="4887191" cy="1357861"/>
+          </a:xfrm>
+        </p:spPr>
+        <p:txBody>
+          <a:bodyPr>
+            <a:normAutofit fontScale="70000" lnSpcReduction="20000"/>
+          </a:bodyPr>
+          <a:lstStyle/>
+          <a:p>
+            <a:pPr>
+              <a:lnSpc>
+                <a:spcPct val="160000"/>
+              </a:lnSpc>
+            </a:pPr>
+            <a:r>
+              <a:rPr lang="en-US" altLang="ko-KR" dirty="0">
+                <a:latin typeface="+mj-ea"/>
+                <a:ea typeface="+mj-ea"/>
+              </a:rPr>
+              <a:t>ES6 </a:t>
+            </a:r>
+            <a:r>
+              <a:rPr lang="ko-KR" altLang="en-US" dirty="0">
+                <a:latin typeface="+mj-ea"/>
+                <a:ea typeface="+mj-ea"/>
+              </a:rPr>
+              <a:t>이전에는 공식적으로 클래스라는 개념이 존재하지 않았으며</a:t>
+            </a:r>
+            <a:r>
+              <a:rPr lang="en-US" altLang="ko-KR" dirty="0">
+                <a:latin typeface="+mj-ea"/>
+                <a:ea typeface="+mj-ea"/>
+              </a:rPr>
+              <a:t>, </a:t>
+            </a:r>
+            <a:r>
+              <a:rPr lang="ko-KR" altLang="en-US" dirty="0">
+                <a:latin typeface="+mj-ea"/>
+                <a:ea typeface="+mj-ea"/>
+              </a:rPr>
+              <a:t>함수를 사용하여 객체를 정의했다</a:t>
+            </a:r>
+            <a:r>
+              <a:rPr lang="en-US" altLang="ko-KR" dirty="0">
+                <a:latin typeface="+mj-ea"/>
+                <a:ea typeface="+mj-ea"/>
+              </a:rPr>
+              <a:t>. </a:t>
+            </a:r>
+            <a:r>
+              <a:rPr lang="ko-KR" altLang="en-US" dirty="0">
+                <a:latin typeface="+mj-ea"/>
+                <a:ea typeface="+mj-ea"/>
+              </a:rPr>
+              <a:t>그리고 객체의 메서드를 </a:t>
+            </a:r>
+            <a:r>
+              <a:rPr lang="ko-KR" altLang="en-US" dirty="0" err="1">
+                <a:latin typeface="+mj-ea"/>
+                <a:ea typeface="+mj-ea"/>
+              </a:rPr>
+              <a:t>정의할때는</a:t>
+            </a:r>
+            <a:r>
+              <a:rPr lang="ko-KR" altLang="en-US" dirty="0">
+                <a:latin typeface="+mj-ea"/>
+                <a:ea typeface="+mj-ea"/>
+              </a:rPr>
+              <a:t> </a:t>
+            </a:r>
+            <a:r>
+              <a:rPr lang="en-US" altLang="ko-KR" dirty="0">
+                <a:latin typeface="+mj-ea"/>
+                <a:ea typeface="+mj-ea"/>
+              </a:rPr>
+              <a:t>prototype </a:t>
+            </a:r>
+            <a:r>
+              <a:rPr lang="ko-KR" altLang="en-US" dirty="0">
+                <a:latin typeface="+mj-ea"/>
+                <a:ea typeface="+mj-ea"/>
+              </a:rPr>
+              <a:t>안에 직접 </a:t>
+            </a:r>
+            <a:r>
+              <a:rPr lang="ko-KR" altLang="en-US" dirty="0" smtClean="0">
+                <a:latin typeface="+mj-ea"/>
+                <a:ea typeface="+mj-ea"/>
+              </a:rPr>
+              <a:t>정의해줬다</a:t>
+            </a:r>
+            <a:r>
+              <a:rPr lang="en-US" altLang="ko-KR" dirty="0" smtClean="0">
+                <a:latin typeface="+mj-ea"/>
+                <a:ea typeface="+mj-ea"/>
+              </a:rPr>
+              <a:t>.</a:t>
+            </a:r>
+          </a:p>
+        </p:txBody>
+      </p:sp>
+      <p:cxnSp>
+        <p:nvCxnSpPr>
+          <p:cNvPr id="5" name="직선 연결선 4"/>
+          <p:cNvCxnSpPr/>
+          <p:nvPr/>
+        </p:nvCxnSpPr>
+        <p:spPr>
+          <a:xfrm>
+            <a:off x="1223398" y="1257300"/>
+            <a:ext cx="10064022" cy="0"/>
+          </a:xfrm>
+          <a:prstGeom prst="line">
+            <a:avLst/>
+          </a:prstGeom>
+        </p:spPr>
+        <p:style>
+          <a:lnRef idx="1">
+            <a:schemeClr val="dk1"/>
+          </a:lnRef>
+          <a:fillRef idx="0">
+            <a:schemeClr val="dk1"/>
+          </a:fillRef>
+          <a:effectRef idx="0">
+            <a:schemeClr val="dk1"/>
+          </a:effectRef>
+          <a:fontRef idx="minor">
+            <a:schemeClr val="tx1"/>
+          </a:fontRef>
+        </p:style>
+      </p:cxnSp>
+      <p:sp>
+        <p:nvSpPr>
+          <p:cNvPr id="21" name="TextBox 20"/>
+          <p:cNvSpPr txBox="1"/>
+          <p:nvPr/>
+        </p:nvSpPr>
+        <p:spPr>
+          <a:xfrm>
+            <a:off x="1407078" y="2153535"/>
+            <a:ext cx="4532305" cy="2893100"/>
+          </a:xfrm>
+          <a:prstGeom prst="rect">
+            <a:avLst/>
+          </a:prstGeom>
+          <a:noFill/>
+        </p:spPr>
+        <p:txBody>
+          <a:bodyPr wrap="square" rtlCol="0">
+            <a:spAutoFit/>
+          </a:bodyPr>
+          <a:lstStyle/>
+          <a:p>
+            <a:r>
+              <a:rPr lang="en-US" altLang="ko-KR" sz="1400" dirty="0">
+                <a:solidFill>
+                  <a:srgbClr val="0070C0"/>
+                </a:solidFill>
+              </a:rPr>
+              <a:t>function Person</a:t>
+            </a:r>
+            <a:r>
+              <a:rPr lang="en-US" altLang="ko-KR" sz="1400" dirty="0"/>
+              <a:t>(name, job) {</a:t>
+            </a:r>
+          </a:p>
+          <a:p>
+            <a:r>
+              <a:rPr lang="en-US" altLang="ko-KR" sz="1400" dirty="0"/>
+              <a:t>  this.name = name;</a:t>
+            </a:r>
+          </a:p>
+          <a:p>
+            <a:r>
+              <a:rPr lang="en-US" altLang="ko-KR" sz="1400" dirty="0"/>
+              <a:t>  </a:t>
+            </a:r>
+            <a:r>
+              <a:rPr lang="en-US" altLang="ko-KR" sz="1400" dirty="0" err="1"/>
+              <a:t>this.job</a:t>
+            </a:r>
+            <a:r>
+              <a:rPr lang="en-US" altLang="ko-KR" sz="1400" dirty="0"/>
+              <a:t> = job;</a:t>
+            </a:r>
+          </a:p>
+          <a:p>
+            <a:r>
+              <a:rPr lang="en-US" altLang="ko-KR" sz="1400" dirty="0"/>
+              <a:t>}</a:t>
+            </a:r>
+          </a:p>
+          <a:p>
+            <a:endParaRPr lang="en-US" altLang="ko-KR" sz="1400" dirty="0"/>
+          </a:p>
+          <a:p>
+            <a:r>
+              <a:rPr lang="en-US" altLang="ko-KR" sz="1400" dirty="0" err="1"/>
+              <a:t>Person.</a:t>
+            </a:r>
+            <a:r>
+              <a:rPr lang="en-US" altLang="ko-KR" sz="1400" dirty="0" err="1">
+                <a:solidFill>
+                  <a:srgbClr val="0070C0"/>
+                </a:solidFill>
+              </a:rPr>
+              <a:t>prototype</a:t>
+            </a:r>
+            <a:r>
+              <a:rPr lang="en-US" altLang="ko-KR" sz="1400" dirty="0" err="1"/>
+              <a:t>.print</a:t>
+            </a:r>
+            <a:r>
+              <a:rPr lang="en-US" altLang="ko-KR" sz="1400" dirty="0"/>
+              <a:t> = function() {</a:t>
+            </a:r>
+          </a:p>
+          <a:p>
+            <a:r>
+              <a:rPr lang="en-US" altLang="ko-KR" sz="1400" dirty="0"/>
+              <a:t>  console.log(</a:t>
+            </a:r>
+            <a:r>
+              <a:rPr lang="en-US" altLang="ko-KR" sz="1400" dirty="0" err="1"/>
+              <a:t>this.job</a:t>
+            </a:r>
+            <a:r>
+              <a:rPr lang="en-US" altLang="ko-KR" sz="1400" dirty="0"/>
+              <a:t> + "</a:t>
+            </a:r>
+            <a:r>
+              <a:rPr lang="ko-KR" altLang="en-US" sz="1400" dirty="0"/>
+              <a:t>의 </a:t>
+            </a:r>
+            <a:r>
+              <a:rPr lang="en-US" altLang="ko-KR" sz="1400" dirty="0"/>
+              <a:t>" + this.name + " </a:t>
+            </a:r>
+            <a:r>
+              <a:rPr lang="ko-KR" altLang="en-US" sz="1400" dirty="0"/>
+              <a:t>대리</a:t>
+            </a:r>
+            <a:r>
+              <a:rPr lang="en-US" altLang="ko-KR" sz="1400" dirty="0"/>
+              <a:t>");</a:t>
+            </a:r>
+          </a:p>
+          <a:p>
+            <a:r>
+              <a:rPr lang="en-US" altLang="ko-KR" sz="1400" dirty="0"/>
+              <a:t>}</a:t>
+            </a:r>
+          </a:p>
+          <a:p>
+            <a:endParaRPr lang="en-US" altLang="ko-KR" sz="1400" dirty="0"/>
+          </a:p>
+          <a:p>
+            <a:r>
+              <a:rPr lang="en-US" altLang="ko-KR" sz="1400" dirty="0" err="1"/>
+              <a:t>var</a:t>
+            </a:r>
+            <a:r>
+              <a:rPr lang="en-US" altLang="ko-KR" sz="1400" dirty="0"/>
+              <a:t> result = new Person("</a:t>
+            </a:r>
+            <a:r>
+              <a:rPr lang="ko-KR" altLang="en-US" sz="1400" dirty="0"/>
+              <a:t>장명호</a:t>
+            </a:r>
+            <a:r>
+              <a:rPr lang="en-US" altLang="ko-KR" sz="1400" dirty="0"/>
+              <a:t>", "</a:t>
+            </a:r>
+            <a:r>
+              <a:rPr lang="ko-KR" altLang="en-US" sz="1400" dirty="0"/>
+              <a:t>더브리즈</a:t>
+            </a:r>
+            <a:r>
+              <a:rPr lang="en-US" altLang="ko-KR" sz="1400" dirty="0"/>
+              <a:t>");</a:t>
+            </a:r>
+          </a:p>
+          <a:p>
+            <a:r>
+              <a:rPr lang="en-US" altLang="ko-KR" sz="1400" dirty="0" err="1"/>
+              <a:t>result.print</a:t>
+            </a:r>
+            <a:r>
+              <a:rPr lang="en-US" altLang="ko-KR" sz="1400" dirty="0" smtClean="0"/>
+              <a:t>();</a:t>
+            </a:r>
+          </a:p>
+          <a:p>
+            <a:endParaRPr lang="en-US" altLang="ko-KR" sz="1400" dirty="0"/>
+          </a:p>
+          <a:p>
+            <a:r>
+              <a:rPr lang="en-US" altLang="ko-KR" sz="1400" dirty="0"/>
+              <a:t>//</a:t>
+            </a:r>
+            <a:r>
+              <a:rPr lang="ko-KR" altLang="en-US" sz="1400" dirty="0" err="1"/>
+              <a:t>더브리즈의</a:t>
+            </a:r>
+            <a:r>
+              <a:rPr lang="ko-KR" altLang="en-US" sz="1400" dirty="0"/>
+              <a:t> 장명호 대리 </a:t>
+            </a:r>
+          </a:p>
+        </p:txBody>
+      </p:sp>
+      <p:sp>
+        <p:nvSpPr>
+          <p:cNvPr id="26" name="TextBox 25"/>
+          <p:cNvSpPr txBox="1"/>
+          <p:nvPr/>
+        </p:nvSpPr>
+        <p:spPr>
+          <a:xfrm>
+            <a:off x="6616550" y="2153535"/>
+            <a:ext cx="4454548" cy="3139321"/>
+          </a:xfrm>
+          <a:prstGeom prst="rect">
+            <a:avLst/>
+          </a:prstGeom>
+          <a:noFill/>
+        </p:spPr>
+        <p:txBody>
+          <a:bodyPr wrap="square" rtlCol="0">
+            <a:spAutoFit/>
+          </a:bodyPr>
+          <a:lstStyle/>
+          <a:p>
+            <a:r>
+              <a:rPr lang="en-US" altLang="ko-KR" dirty="0" err="1"/>
+              <a:t>const</a:t>
+            </a:r>
+            <a:r>
+              <a:rPr lang="en-US" altLang="ko-KR" dirty="0"/>
+              <a:t> a = [1</a:t>
+            </a:r>
+            <a:r>
+              <a:rPr lang="en-US" altLang="ko-KR" dirty="0" smtClean="0"/>
+              <a:t>, 2, 3</a:t>
+            </a:r>
+            <a:r>
+              <a:rPr lang="en-US" altLang="ko-KR" dirty="0"/>
+              <a:t>];</a:t>
+            </a:r>
+          </a:p>
+          <a:p>
+            <a:r>
+              <a:rPr lang="en-US" altLang="ko-KR" dirty="0" err="1"/>
+              <a:t>const</a:t>
+            </a:r>
+            <a:r>
+              <a:rPr lang="en-US" altLang="ko-KR" dirty="0"/>
+              <a:t> b = "</a:t>
+            </a:r>
+            <a:r>
+              <a:rPr lang="ko-KR" altLang="en-US" dirty="0" err="1"/>
+              <a:t>전개연산자</a:t>
+            </a:r>
+            <a:r>
+              <a:rPr lang="en-US" altLang="ko-KR" dirty="0"/>
+              <a:t>";</a:t>
+            </a:r>
+          </a:p>
+          <a:p>
+            <a:endParaRPr lang="en-US" altLang="ko-KR" dirty="0"/>
+          </a:p>
+          <a:p>
+            <a:r>
+              <a:rPr lang="en-US" altLang="ko-KR" dirty="0" err="1"/>
+              <a:t>const</a:t>
+            </a:r>
+            <a:r>
+              <a:rPr lang="en-US" altLang="ko-KR" dirty="0"/>
+              <a:t> c = </a:t>
+            </a:r>
+            <a:r>
+              <a:rPr lang="en-US" altLang="ko-KR" dirty="0">
+                <a:solidFill>
+                  <a:srgbClr val="FF0000"/>
+                </a:solidFill>
+              </a:rPr>
+              <a:t>[...a, b]</a:t>
+            </a:r>
+            <a:r>
+              <a:rPr lang="en-US" altLang="ko-KR" dirty="0"/>
+              <a:t>;</a:t>
+            </a:r>
+          </a:p>
+          <a:p>
+            <a:endParaRPr lang="en-US" altLang="ko-KR" dirty="0"/>
+          </a:p>
+          <a:p>
+            <a:r>
+              <a:rPr lang="en-US" altLang="ko-KR" dirty="0"/>
+              <a:t>console.log(c);</a:t>
+            </a:r>
+          </a:p>
+          <a:p>
+            <a:endParaRPr lang="en-US" altLang="ko-KR" dirty="0"/>
+          </a:p>
+          <a:p>
+            <a:r>
+              <a:rPr lang="en-US" altLang="ko-KR" dirty="0"/>
+              <a:t>// [1,2,3,”</a:t>
+            </a:r>
+            <a:r>
+              <a:rPr lang="ko-KR" altLang="en-US" dirty="0" err="1"/>
+              <a:t>전개연산자</a:t>
+            </a:r>
+            <a:r>
+              <a:rPr lang="en-US" altLang="ko-KR" dirty="0" smtClean="0"/>
+              <a:t>”]</a:t>
+            </a:r>
+          </a:p>
+          <a:p>
+            <a:endParaRPr lang="en-US" altLang="ko-KR" dirty="0"/>
+          </a:p>
+          <a:p>
+            <a:endParaRPr lang="en-US" altLang="ko-KR" dirty="0"/>
+          </a:p>
+          <a:p>
+            <a:endParaRPr lang="en-US" altLang="ko-KR" dirty="0"/>
+          </a:p>
+        </p:txBody>
+      </p:sp>
+      <p:sp>
+        <p:nvSpPr>
+          <p:cNvPr id="28" name="직사각형 27"/>
+          <p:cNvSpPr/>
+          <p:nvPr/>
+        </p:nvSpPr>
+        <p:spPr>
+          <a:xfrm>
+            <a:off x="1223398" y="1611982"/>
+            <a:ext cx="581891" cy="383579"/>
+          </a:xfrm>
+          <a:prstGeom prst="rect">
+            <a:avLst/>
+          </a:prstGeom>
+          <a:solidFill>
+            <a:schemeClr val="tx1"/>
+          </a:solidFill>
+          <a:ln>
+            <a:noFill/>
+          </a:ln>
+        </p:spPr>
+        <p:style>
+          <a:lnRef idx="2">
+            <a:schemeClr val="accent1">
+              <a:shade val="50000"/>
+            </a:schemeClr>
+          </a:lnRef>
+          <a:fillRef idx="1">
+            <a:schemeClr val="accent1"/>
+          </a:fillRef>
+          <a:effectRef idx="0">
+            <a:schemeClr val="accent1"/>
+          </a:effectRef>
+          <a:fontRef idx="minor">
+            <a:schemeClr val="lt1"/>
+          </a:fontRef>
+        </p:style>
+        <p:txBody>
+          <a:bodyPr rtlCol="0" anchor="ctr"/>
+          <a:lstStyle/>
+          <a:p>
+            <a:pPr algn="ctr"/>
+            <a:endParaRPr lang="ko-KR" altLang="en-US"/>
+          </a:p>
+        </p:txBody>
+      </p:sp>
+      <p:sp>
+        <p:nvSpPr>
+          <p:cNvPr id="27" name="TextBox 26"/>
+          <p:cNvSpPr txBox="1"/>
+          <p:nvPr/>
+        </p:nvSpPr>
+        <p:spPr>
+          <a:xfrm>
+            <a:off x="1253694" y="1622091"/>
+            <a:ext cx="521297" cy="369332"/>
+          </a:xfrm>
+          <a:prstGeom prst="rect">
+            <a:avLst/>
+          </a:prstGeom>
+          <a:noFill/>
+        </p:spPr>
+        <p:txBody>
+          <a:bodyPr wrap="none" rtlCol="0">
+            <a:spAutoFit/>
+          </a:bodyPr>
+          <a:lstStyle/>
+          <a:p>
+            <a:r>
+              <a:rPr lang="en-US" altLang="ko-KR" dirty="0" smtClean="0">
+                <a:solidFill>
+                  <a:schemeClr val="bg1"/>
+                </a:solidFill>
+              </a:rPr>
+              <a:t>ES5</a:t>
+            </a:r>
+            <a:endParaRPr lang="ko-KR" altLang="en-US" dirty="0">
+              <a:solidFill>
+                <a:schemeClr val="bg1"/>
+              </a:solidFill>
+            </a:endParaRPr>
+          </a:p>
+        </p:txBody>
+      </p:sp>
+      <p:sp>
+        <p:nvSpPr>
+          <p:cNvPr id="29" name="직사각형 28"/>
+          <p:cNvSpPr/>
+          <p:nvPr/>
+        </p:nvSpPr>
+        <p:spPr>
+          <a:xfrm>
+            <a:off x="6395333" y="1616120"/>
+            <a:ext cx="581891" cy="383579"/>
+          </a:xfrm>
+          <a:prstGeom prst="rect">
+            <a:avLst/>
+          </a:prstGeom>
+          <a:solidFill>
+            <a:schemeClr val="tx1"/>
+          </a:solidFill>
+          <a:ln>
+            <a:noFill/>
+          </a:ln>
+        </p:spPr>
+        <p:style>
+          <a:lnRef idx="2">
+            <a:schemeClr val="accent1">
+              <a:shade val="50000"/>
+            </a:schemeClr>
+          </a:lnRef>
+          <a:fillRef idx="1">
+            <a:schemeClr val="accent1"/>
+          </a:fillRef>
+          <a:effectRef idx="0">
+            <a:schemeClr val="accent1"/>
+          </a:effectRef>
+          <a:fontRef idx="minor">
+            <a:schemeClr val="lt1"/>
+          </a:fontRef>
+        </p:style>
+        <p:txBody>
+          <a:bodyPr rtlCol="0" anchor="ctr"/>
+          <a:lstStyle/>
+          <a:p>
+            <a:pPr algn="ctr"/>
+            <a:endParaRPr lang="ko-KR" altLang="en-US"/>
+          </a:p>
+        </p:txBody>
+      </p:sp>
+      <p:sp>
+        <p:nvSpPr>
+          <p:cNvPr id="30" name="TextBox 29"/>
+          <p:cNvSpPr txBox="1"/>
+          <p:nvPr/>
+        </p:nvSpPr>
+        <p:spPr>
+          <a:xfrm>
+            <a:off x="6425629" y="1626229"/>
+            <a:ext cx="521297" cy="369332"/>
+          </a:xfrm>
+          <a:prstGeom prst="rect">
+            <a:avLst/>
+          </a:prstGeom>
+          <a:noFill/>
+        </p:spPr>
+        <p:txBody>
+          <a:bodyPr wrap="none" rtlCol="0">
+            <a:spAutoFit/>
+          </a:bodyPr>
+          <a:lstStyle/>
+          <a:p>
+            <a:r>
+              <a:rPr lang="en-US" altLang="ko-KR" dirty="0" smtClean="0">
+                <a:solidFill>
+                  <a:schemeClr val="bg1"/>
+                </a:solidFill>
+              </a:rPr>
+              <a:t>ES6</a:t>
+            </a:r>
+            <a:endParaRPr lang="ko-KR" altLang="en-US" dirty="0">
+              <a:solidFill>
+                <a:schemeClr val="bg1"/>
+              </a:solidFill>
+            </a:endParaRPr>
+          </a:p>
+        </p:txBody>
+      </p:sp>
+      <p:grpSp>
+        <p:nvGrpSpPr>
+          <p:cNvPr id="4" name="그룹 3"/>
+          <p:cNvGrpSpPr/>
+          <p:nvPr/>
+        </p:nvGrpSpPr>
+        <p:grpSpPr>
+          <a:xfrm>
+            <a:off x="6400229" y="2001693"/>
+            <a:ext cx="4887191" cy="3371273"/>
+            <a:chOff x="6428509" y="2001693"/>
+            <a:chExt cx="4887191" cy="3371273"/>
+          </a:xfrm>
+        </p:grpSpPr>
+        <p:sp>
+          <p:nvSpPr>
+            <p:cNvPr id="13" name="직사각형 12"/>
+            <p:cNvSpPr/>
+            <p:nvPr/>
+          </p:nvSpPr>
+          <p:spPr>
+            <a:xfrm>
+              <a:off x="6428509" y="2001693"/>
+              <a:ext cx="4887191" cy="3371273"/>
+            </a:xfrm>
+            <a:prstGeom prst="rect">
+              <a:avLst/>
+            </a:prstGeom>
+            <a:solidFill>
+              <a:schemeClr val="bg1"/>
+            </a:solidFill>
+            <a:ln>
+              <a:noFill/>
+            </a:ln>
+          </p:spPr>
+          <p:style>
+            <a:lnRef idx="2">
+              <a:schemeClr val="accent1">
+                <a:shade val="50000"/>
+              </a:schemeClr>
+            </a:lnRef>
+            <a:fillRef idx="1">
+              <a:schemeClr val="accent1"/>
+            </a:fillRef>
+            <a:effectRef idx="0">
+              <a:schemeClr val="accent1"/>
+            </a:effectRef>
+            <a:fontRef idx="minor">
+              <a:schemeClr val="lt1"/>
+            </a:fontRef>
+          </p:style>
+          <p:txBody>
+            <a:bodyPr rtlCol="0" anchor="ctr"/>
+            <a:lstStyle/>
+            <a:p>
+              <a:pPr algn="ctr"/>
+              <a:endParaRPr lang="ko-KR" altLang="en-US"/>
+            </a:p>
+          </p:txBody>
+        </p:sp>
+        <p:sp>
+          <p:nvSpPr>
+            <p:cNvPr id="14" name="TextBox 13"/>
+            <p:cNvSpPr txBox="1"/>
+            <p:nvPr/>
+          </p:nvSpPr>
+          <p:spPr>
+            <a:xfrm>
+              <a:off x="6644830" y="2153535"/>
+              <a:ext cx="4454548" cy="3108543"/>
+            </a:xfrm>
+            <a:prstGeom prst="rect">
+              <a:avLst/>
+            </a:prstGeom>
+            <a:noFill/>
+          </p:spPr>
+          <p:txBody>
+            <a:bodyPr wrap="square" rtlCol="0">
+              <a:spAutoFit/>
+            </a:bodyPr>
+            <a:lstStyle/>
+            <a:p>
+              <a:r>
+                <a:rPr lang="en-US" altLang="ko-KR" sz="1400" dirty="0" smtClean="0">
+                  <a:solidFill>
+                    <a:srgbClr val="FF0000"/>
+                  </a:solidFill>
+                </a:rPr>
+                <a:t>class</a:t>
+              </a:r>
+              <a:r>
+                <a:rPr lang="en-US" altLang="ko-KR" sz="1400" dirty="0" smtClean="0"/>
+                <a:t> Person {</a:t>
+              </a:r>
+            </a:p>
+            <a:p>
+              <a:r>
+                <a:rPr lang="en-US" altLang="ko-KR" sz="1400" dirty="0"/>
+                <a:t> </a:t>
+              </a:r>
+              <a:r>
+                <a:rPr lang="en-US" altLang="ko-KR" sz="1400" dirty="0" smtClean="0"/>
+                <a:t> </a:t>
+              </a:r>
+              <a:r>
+                <a:rPr lang="en-US" altLang="ko-KR" sz="1400" dirty="0" smtClean="0">
+                  <a:solidFill>
+                    <a:srgbClr val="FF0000"/>
+                  </a:solidFill>
+                </a:rPr>
+                <a:t>constructor</a:t>
+              </a:r>
+              <a:r>
+                <a:rPr lang="en-US" altLang="ko-KR" sz="1400" dirty="0" smtClean="0"/>
+                <a:t>(name, job) {</a:t>
+              </a:r>
+            </a:p>
+            <a:p>
+              <a:r>
+                <a:rPr lang="en-US" altLang="ko-KR" sz="1400" dirty="0"/>
+                <a:t> </a:t>
+              </a:r>
+              <a:r>
+                <a:rPr lang="en-US" altLang="ko-KR" sz="1400" dirty="0" smtClean="0"/>
+                <a:t>   this.name </a:t>
+              </a:r>
+              <a:r>
+                <a:rPr lang="en-US" altLang="ko-KR" sz="1400" dirty="0"/>
+                <a:t>= </a:t>
+              </a:r>
+              <a:r>
+                <a:rPr lang="en-US" altLang="ko-KR" sz="1400" dirty="0" smtClean="0"/>
+                <a:t>name</a:t>
+              </a:r>
+              <a:endParaRPr lang="en-US" altLang="ko-KR" sz="1400" dirty="0"/>
+            </a:p>
+            <a:p>
+              <a:r>
+                <a:rPr lang="en-US" altLang="ko-KR" sz="1400" dirty="0"/>
+                <a:t>  </a:t>
+              </a:r>
+              <a:r>
+                <a:rPr lang="en-US" altLang="ko-KR" sz="1400" dirty="0" smtClean="0"/>
+                <a:t>  </a:t>
+              </a:r>
+              <a:r>
+                <a:rPr lang="en-US" altLang="ko-KR" sz="1400" dirty="0" err="1" smtClean="0"/>
+                <a:t>this.job</a:t>
+              </a:r>
+              <a:r>
+                <a:rPr lang="en-US" altLang="ko-KR" sz="1400" dirty="0" smtClean="0"/>
+                <a:t> </a:t>
+              </a:r>
+              <a:r>
+                <a:rPr lang="en-US" altLang="ko-KR" sz="1400" dirty="0"/>
+                <a:t>= </a:t>
+              </a:r>
+              <a:r>
+                <a:rPr lang="en-US" altLang="ko-KR" sz="1400" dirty="0" smtClean="0"/>
+                <a:t>job</a:t>
+              </a:r>
+              <a:endParaRPr lang="en-US" altLang="ko-KR" sz="1400" dirty="0"/>
+            </a:p>
+            <a:p>
+              <a:r>
+                <a:rPr lang="en-US" altLang="ko-KR" sz="1400" dirty="0" smtClean="0"/>
+                <a:t>  }</a:t>
+              </a:r>
+              <a:endParaRPr lang="en-US" altLang="ko-KR" sz="1400" dirty="0"/>
+            </a:p>
+            <a:p>
+              <a:r>
+                <a:rPr lang="en-US" altLang="ko-KR" sz="1400" dirty="0" smtClean="0"/>
+                <a:t>  </a:t>
+              </a:r>
+              <a:r>
+                <a:rPr lang="en-US" altLang="ko-KR" sz="1400" dirty="0" smtClean="0">
+                  <a:solidFill>
+                    <a:srgbClr val="0070C0"/>
+                  </a:solidFill>
+                </a:rPr>
+                <a:t>print() </a:t>
+              </a:r>
+              <a:r>
+                <a:rPr lang="en-US" altLang="ko-KR" sz="1400" dirty="0" smtClean="0"/>
+                <a:t>{</a:t>
+              </a:r>
+            </a:p>
+            <a:p>
+              <a:r>
+                <a:rPr lang="en-US" altLang="ko-KR" sz="1400" dirty="0" smtClean="0"/>
+                <a:t>    console.log(`${</a:t>
+              </a:r>
+              <a:r>
+                <a:rPr lang="en-US" altLang="ko-KR" sz="1400" dirty="0" err="1" smtClean="0"/>
+                <a:t>this.job</a:t>
+              </a:r>
+              <a:r>
+                <a:rPr lang="en-US" altLang="ko-KR" sz="1400" dirty="0" smtClean="0"/>
+                <a:t>}</a:t>
+              </a:r>
+              <a:r>
+                <a:rPr lang="ko-KR" altLang="en-US" sz="1400" dirty="0" smtClean="0"/>
+                <a:t>의 </a:t>
+              </a:r>
+              <a:r>
+                <a:rPr lang="en-US" altLang="ko-KR" sz="1400" dirty="0" smtClean="0"/>
+                <a:t>${this.name} </a:t>
+              </a:r>
+              <a:r>
+                <a:rPr lang="ko-KR" altLang="en-US" sz="1400" dirty="0" smtClean="0"/>
+                <a:t>대리</a:t>
+              </a:r>
+              <a:r>
+                <a:rPr lang="en-US" altLang="ko-KR" sz="1400" dirty="0" smtClean="0"/>
+                <a:t>`);  </a:t>
+              </a:r>
+            </a:p>
+            <a:p>
+              <a:r>
+                <a:rPr lang="en-US" altLang="ko-KR" sz="1400" dirty="0"/>
+                <a:t> </a:t>
+              </a:r>
+              <a:r>
+                <a:rPr lang="en-US" altLang="ko-KR" sz="1400" dirty="0" smtClean="0"/>
+                <a:t> }</a:t>
+              </a:r>
+            </a:p>
+            <a:p>
+              <a:r>
+                <a:rPr lang="en-US" altLang="ko-KR" sz="1400" dirty="0" smtClean="0"/>
+                <a:t>}</a:t>
+              </a:r>
+              <a:endParaRPr lang="en-US" altLang="ko-KR" sz="1400" dirty="0"/>
+            </a:p>
+            <a:p>
+              <a:endParaRPr lang="en-US" altLang="ko-KR" sz="1400" dirty="0" smtClean="0"/>
+            </a:p>
+            <a:p>
+              <a:r>
+                <a:rPr lang="en-US" altLang="ko-KR" sz="1400" dirty="0" err="1"/>
+                <a:t>var</a:t>
+              </a:r>
+              <a:r>
+                <a:rPr lang="en-US" altLang="ko-KR" sz="1400" dirty="0"/>
+                <a:t> result = new Person("</a:t>
+              </a:r>
+              <a:r>
+                <a:rPr lang="ko-KR" altLang="en-US" sz="1400" dirty="0"/>
+                <a:t>장명호</a:t>
+              </a:r>
+              <a:r>
+                <a:rPr lang="en-US" altLang="ko-KR" sz="1400" dirty="0"/>
+                <a:t>", "</a:t>
+              </a:r>
+              <a:r>
+                <a:rPr lang="ko-KR" altLang="en-US" sz="1400" dirty="0"/>
+                <a:t>더브리즈</a:t>
+              </a:r>
+              <a:r>
+                <a:rPr lang="en-US" altLang="ko-KR" sz="1400" dirty="0" smtClean="0"/>
+                <a:t>");</a:t>
+              </a:r>
+            </a:p>
+            <a:p>
+              <a:r>
+                <a:rPr lang="en-US" altLang="ko-KR" sz="1400" dirty="0" err="1" smtClean="0"/>
+                <a:t>result.print</a:t>
+              </a:r>
+              <a:r>
+                <a:rPr lang="en-US" altLang="ko-KR" sz="1400" dirty="0" smtClean="0"/>
+                <a:t>();</a:t>
+              </a:r>
+            </a:p>
+            <a:p>
+              <a:endParaRPr lang="en-US" altLang="ko-KR" sz="1400" dirty="0"/>
+            </a:p>
+            <a:p>
+              <a:r>
+                <a:rPr lang="en-US" altLang="ko-KR" sz="1400" dirty="0"/>
+                <a:t>//</a:t>
+              </a:r>
+              <a:r>
+                <a:rPr lang="ko-KR" altLang="en-US" sz="1400" dirty="0" err="1"/>
+                <a:t>더브리즈의</a:t>
+              </a:r>
+              <a:r>
+                <a:rPr lang="ko-KR" altLang="en-US" sz="1400" dirty="0"/>
+                <a:t> 장명호 대리 </a:t>
+              </a:r>
+            </a:p>
+          </p:txBody>
+        </p:sp>
+      </p:grpSp>
+      <p:sp>
+        <p:nvSpPr>
+          <p:cNvPr id="17" name="내용 개체 틀 2"/>
+          <p:cNvSpPr txBox="1">
+            <a:spLocks/>
+          </p:cNvSpPr>
+          <p:nvPr/>
+        </p:nvSpPr>
+        <p:spPr>
+          <a:xfrm>
+            <a:off x="6400229" y="5500139"/>
+            <a:ext cx="4887191" cy="1588818"/>
+          </a:xfrm>
+          <a:prstGeom prst="rect">
+            <a:avLst/>
+          </a:prstGeom>
+        </p:spPr>
+        <p:txBody>
+          <a:bodyPr vert="horz" lIns="91440" tIns="45720" rIns="91440" bIns="45720" rtlCol="0">
+            <a:normAutofit fontScale="47500" lnSpcReduction="20000"/>
+          </a:bodyPr>
+          <a:lstStyle>
+            <a:lvl1pPr marL="228600" indent="-228600" algn="l" defTabSz="914400" rtl="0" eaLnBrk="1" latinLnBrk="1" hangingPunct="1">
+              <a:lnSpc>
+                <a:spcPct val="110000"/>
+              </a:lnSpc>
+              <a:spcBef>
+                <a:spcPts val="700"/>
+              </a:spcBef>
+              <a:buClr>
+                <a:schemeClr val="tx2"/>
+              </a:buClr>
+              <a:buFont typeface="Arial" panose="020B0604020202020204" pitchFamily="34" charset="0"/>
+              <a:buChar char="•"/>
+              <a:defRPr sz="2000" kern="1200">
+                <a:solidFill>
+                  <a:schemeClr val="tx1">
+                    <a:lumMod val="65000"/>
+                    <a:lumOff val="35000"/>
+                  </a:schemeClr>
+                </a:solidFill>
+                <a:latin typeface="+mn-lt"/>
+                <a:ea typeface="+mn-ea"/>
+                <a:cs typeface="+mn-cs"/>
+              </a:defRPr>
+            </a:lvl1pPr>
+            <a:lvl2pPr marL="685800" indent="-228600" algn="l" defTabSz="914400" rtl="0" eaLnBrk="1" latinLnBrk="1" hangingPunct="1">
+              <a:lnSpc>
+                <a:spcPct val="110000"/>
+              </a:lnSpc>
+              <a:spcBef>
+                <a:spcPts val="700"/>
+              </a:spcBef>
+              <a:buClr>
+                <a:schemeClr val="tx2"/>
+              </a:buClr>
+              <a:buFont typeface="Gill Sans MT" panose="020B0502020104020203" pitchFamily="34" charset="0"/>
+              <a:buChar char="–"/>
+              <a:defRPr sz="1800" kern="1200">
+                <a:solidFill>
+                  <a:schemeClr val="tx1">
+                    <a:lumMod val="65000"/>
+                    <a:lumOff val="35000"/>
+                  </a:schemeClr>
+                </a:solidFill>
+                <a:latin typeface="+mn-lt"/>
+                <a:ea typeface="+mn-ea"/>
+                <a:cs typeface="+mn-cs"/>
+              </a:defRPr>
+            </a:lvl2pPr>
+            <a:lvl3pPr marL="1143000" indent="-228600" algn="l" defTabSz="914400" rtl="0" eaLnBrk="1" latinLnBrk="1" hangingPunct="1">
+              <a:lnSpc>
+                <a:spcPct val="110000"/>
+              </a:lnSpc>
+              <a:spcBef>
+                <a:spcPts val="700"/>
+              </a:spcBef>
+              <a:buClr>
+                <a:schemeClr val="tx2"/>
+              </a:buClr>
+              <a:buFont typeface="Arial" panose="020B0604020202020204" pitchFamily="34" charset="0"/>
+              <a:buChar char="•"/>
+              <a:defRPr sz="1600" kern="1200">
+                <a:solidFill>
+                  <a:schemeClr val="tx1">
+                    <a:lumMod val="65000"/>
+                    <a:lumOff val="35000"/>
+                  </a:schemeClr>
+                </a:solidFill>
+                <a:latin typeface="+mn-lt"/>
+                <a:ea typeface="+mn-ea"/>
+                <a:cs typeface="+mn-cs"/>
+              </a:defRPr>
+            </a:lvl3pPr>
+            <a:lvl4pPr marL="1600200" indent="-228600" algn="l" defTabSz="914400" rtl="0" eaLnBrk="1" latinLnBrk="1" hangingPunct="1">
+              <a:lnSpc>
+                <a:spcPct val="110000"/>
+              </a:lnSpc>
+              <a:spcBef>
+                <a:spcPts val="700"/>
+              </a:spcBef>
+              <a:buClr>
+                <a:schemeClr val="tx2"/>
+              </a:buClr>
+              <a:buFont typeface="Gill Sans MT" panose="020B0502020104020203" pitchFamily="34" charset="0"/>
+              <a:buChar char="–"/>
+              <a:defRPr sz="1400" kern="1200">
+                <a:solidFill>
+                  <a:schemeClr val="tx1">
+                    <a:lumMod val="65000"/>
+                    <a:lumOff val="35000"/>
+                  </a:schemeClr>
+                </a:solidFill>
+                <a:latin typeface="+mn-lt"/>
+                <a:ea typeface="+mn-ea"/>
+                <a:cs typeface="+mn-cs"/>
+              </a:defRPr>
+            </a:lvl4pPr>
+            <a:lvl5pPr marL="2057400" indent="-228600" algn="l" defTabSz="914400" rtl="0" eaLnBrk="1" latinLnBrk="1" hangingPunct="1">
+              <a:lnSpc>
+                <a:spcPct val="110000"/>
+              </a:lnSpc>
+              <a:spcBef>
+                <a:spcPts val="700"/>
+              </a:spcBef>
+              <a:buClr>
+                <a:schemeClr val="tx2"/>
+              </a:buClr>
+              <a:buFont typeface="Arial" panose="020B0604020202020204" pitchFamily="34" charset="0"/>
+              <a:buChar char="•"/>
+              <a:defRPr sz="1400" kern="1200">
+                <a:solidFill>
+                  <a:schemeClr val="tx1">
+                    <a:lumMod val="65000"/>
+                    <a:lumOff val="35000"/>
+                  </a:schemeClr>
+                </a:solidFill>
+                <a:latin typeface="+mn-lt"/>
+                <a:ea typeface="+mn-ea"/>
+                <a:cs typeface="+mn-cs"/>
+              </a:defRPr>
+            </a:lvl5pPr>
+            <a:lvl6pPr marL="2514600" indent="-228600" algn="l" defTabSz="914400" rtl="0" eaLnBrk="1" latinLnBrk="1" hangingPunct="1">
+              <a:lnSpc>
+                <a:spcPct val="110000"/>
+              </a:lnSpc>
+              <a:spcBef>
+                <a:spcPts val="700"/>
+              </a:spcBef>
+              <a:buClr>
+                <a:schemeClr val="tx2"/>
+              </a:buClr>
+              <a:buFont typeface="Gill Sans MT" panose="020B0502020104020203" pitchFamily="34" charset="0"/>
+              <a:buChar char="–"/>
+              <a:defRPr sz="1400" kern="1200">
+                <a:solidFill>
+                  <a:schemeClr val="tx1">
+                    <a:lumMod val="65000"/>
+                    <a:lumOff val="35000"/>
+                  </a:schemeClr>
+                </a:solidFill>
+                <a:latin typeface="+mn-lt"/>
+                <a:ea typeface="+mn-ea"/>
+                <a:cs typeface="+mn-cs"/>
+              </a:defRPr>
+            </a:lvl6pPr>
+            <a:lvl7pPr marL="2971800" indent="-228600" algn="l" defTabSz="914400" rtl="0" eaLnBrk="1" latinLnBrk="1" hangingPunct="1">
+              <a:lnSpc>
+                <a:spcPct val="110000"/>
+              </a:lnSpc>
+              <a:spcBef>
+                <a:spcPts val="700"/>
+              </a:spcBef>
+              <a:buClr>
+                <a:schemeClr val="tx2"/>
+              </a:buClr>
+              <a:buFont typeface="Arial" panose="020B0604020202020204" pitchFamily="34" charset="0"/>
+              <a:buChar char="•"/>
+              <a:defRPr sz="1400" kern="1200">
+                <a:solidFill>
+                  <a:schemeClr val="tx1">
+                    <a:lumMod val="65000"/>
+                    <a:lumOff val="35000"/>
+                  </a:schemeClr>
+                </a:solidFill>
+                <a:latin typeface="+mn-lt"/>
+                <a:ea typeface="+mn-ea"/>
+                <a:cs typeface="+mn-cs"/>
+              </a:defRPr>
+            </a:lvl7pPr>
+            <a:lvl8pPr marL="3429000" indent="-228600" algn="l" defTabSz="914400" rtl="0" eaLnBrk="1" latinLnBrk="1" hangingPunct="1">
+              <a:lnSpc>
+                <a:spcPct val="110000"/>
+              </a:lnSpc>
+              <a:spcBef>
+                <a:spcPts val="700"/>
+              </a:spcBef>
+              <a:buClr>
+                <a:schemeClr val="tx2"/>
+              </a:buClr>
+              <a:buFont typeface="Gill Sans MT" panose="020B0502020104020203" pitchFamily="34" charset="0"/>
+              <a:buChar char="–"/>
+              <a:defRPr sz="1400" kern="1200" baseline="0">
+                <a:solidFill>
+                  <a:schemeClr val="tx1">
+                    <a:lumMod val="65000"/>
+                    <a:lumOff val="35000"/>
+                  </a:schemeClr>
+                </a:solidFill>
+                <a:latin typeface="+mn-lt"/>
+                <a:ea typeface="+mn-ea"/>
+                <a:cs typeface="+mn-cs"/>
+              </a:defRPr>
+            </a:lvl8pPr>
+            <a:lvl9pPr marL="3886200" indent="-228600" algn="l" defTabSz="914400" rtl="0" eaLnBrk="1" latinLnBrk="1" hangingPunct="1">
+              <a:lnSpc>
+                <a:spcPct val="110000"/>
+              </a:lnSpc>
+              <a:spcBef>
+                <a:spcPts val="700"/>
+              </a:spcBef>
+              <a:buClr>
+                <a:schemeClr val="tx2"/>
+              </a:buClr>
+              <a:buFont typeface="Arial" panose="020B0604020202020204" pitchFamily="34" charset="0"/>
+              <a:buChar char="•"/>
+              <a:defRPr sz="1400" kern="1200" baseline="0">
+                <a:solidFill>
+                  <a:schemeClr val="tx1">
+                    <a:lumMod val="65000"/>
+                    <a:lumOff val="35000"/>
+                  </a:schemeClr>
+                </a:solidFill>
+                <a:latin typeface="+mn-lt"/>
+                <a:ea typeface="+mn-ea"/>
+                <a:cs typeface="+mn-cs"/>
+              </a:defRPr>
+            </a:lvl9pPr>
+          </a:lstStyle>
+          <a:p>
+            <a:pPr>
+              <a:lnSpc>
+                <a:spcPct val="160000"/>
+              </a:lnSpc>
+            </a:pPr>
+            <a:r>
+              <a:rPr lang="en-US" altLang="ko-KR" sz="2500" dirty="0" smtClean="0">
+                <a:latin typeface="+mj-ea"/>
+                <a:ea typeface="+mj-ea"/>
+              </a:rPr>
+              <a:t>ES6</a:t>
+            </a:r>
+            <a:r>
+              <a:rPr lang="ko-KR" altLang="en-US" sz="2500" dirty="0" smtClean="0">
+                <a:latin typeface="+mj-ea"/>
+                <a:ea typeface="+mj-ea"/>
+              </a:rPr>
+              <a:t>에서는 </a:t>
+            </a:r>
+            <a:r>
+              <a:rPr lang="en-US" altLang="ko-KR" sz="2500" dirty="0" smtClean="0">
+                <a:latin typeface="+mj-ea"/>
+                <a:ea typeface="+mj-ea"/>
+              </a:rPr>
+              <a:t>class</a:t>
+            </a:r>
+            <a:r>
+              <a:rPr lang="ko-KR" altLang="en-US" sz="2500" dirty="0" smtClean="0">
+                <a:latin typeface="+mj-ea"/>
+                <a:ea typeface="+mj-ea"/>
+              </a:rPr>
+              <a:t>가 등장하여</a:t>
+            </a:r>
+            <a:r>
+              <a:rPr lang="en-US" altLang="ko-KR" sz="2500" dirty="0" smtClean="0">
+                <a:latin typeface="+mj-ea"/>
+                <a:ea typeface="+mj-ea"/>
+              </a:rPr>
+              <a:t>, </a:t>
+            </a:r>
+            <a:r>
               <a:rPr lang="ko-KR" altLang="en-US" sz="2500" dirty="0" err="1" smtClean="0">
                 <a:latin typeface="+mj-ea"/>
                 <a:ea typeface="+mj-ea"/>
               </a:rPr>
-              <a:t>블라블라블라블라</a:t>
+              <a:t>그안에</a:t>
+            </a:r>
+            <a:r>
+              <a:rPr lang="ko-KR" altLang="en-US" sz="2500" dirty="0" smtClean="0">
+                <a:latin typeface="+mj-ea"/>
+                <a:ea typeface="+mj-ea"/>
+              </a:rPr>
+              <a:t> 메서드를 정의할 수 있게 되었다</a:t>
+            </a:r>
+            <a:r>
+              <a:rPr lang="en-US" altLang="ko-KR" sz="2500" dirty="0" smtClean="0">
+                <a:latin typeface="+mj-ea"/>
+                <a:ea typeface="+mj-ea"/>
+              </a:rPr>
+              <a:t>.</a:t>
+            </a:r>
+            <a:r>
+              <a:rPr lang="ko-KR" altLang="en-US" sz="2500" dirty="0" smtClean="0">
+                <a:latin typeface="+mj-ea"/>
+                <a:ea typeface="+mj-ea"/>
+              </a:rPr>
+              <a:t> </a:t>
+            </a:r>
+            <a:r>
+              <a:rPr lang="en-US" altLang="ko-KR" sz="2500" dirty="0" smtClean="0">
+                <a:latin typeface="+mj-ea"/>
+                <a:ea typeface="+mj-ea"/>
+              </a:rPr>
+              <a:t>constructor</a:t>
+            </a:r>
+            <a:r>
+              <a:rPr lang="ko-KR" altLang="en-US" sz="2500" dirty="0">
+                <a:latin typeface="+mj-ea"/>
+                <a:ea typeface="+mj-ea"/>
+              </a:rPr>
+              <a:t>는 인스턴스를 생성하고 클래스 </a:t>
+            </a:r>
+            <a:r>
+              <a:rPr lang="ko-KR" altLang="en-US" sz="2500" dirty="0" err="1">
+                <a:latin typeface="+mj-ea"/>
+                <a:ea typeface="+mj-ea"/>
+              </a:rPr>
+              <a:t>프로퍼티를</a:t>
+            </a:r>
+            <a:r>
+              <a:rPr lang="ko-KR" altLang="en-US" sz="2500" dirty="0">
+                <a:latin typeface="+mj-ea"/>
+                <a:ea typeface="+mj-ea"/>
+              </a:rPr>
+              <a:t> 초기화하기 위한 특수한 </a:t>
+            </a:r>
+            <a:r>
+              <a:rPr lang="ko-KR" altLang="en-US" sz="2500" dirty="0" err="1">
+                <a:latin typeface="+mj-ea"/>
+                <a:ea typeface="+mj-ea"/>
+              </a:rPr>
+              <a:t>메소드이다</a:t>
+            </a:r>
+            <a:r>
+              <a:rPr lang="en-US" altLang="ko-KR" sz="2500" dirty="0">
+                <a:latin typeface="+mj-ea"/>
+                <a:ea typeface="+mj-ea"/>
+              </a:rPr>
+              <a:t>. constructor</a:t>
+            </a:r>
+            <a:r>
+              <a:rPr lang="ko-KR" altLang="en-US" sz="2500" dirty="0">
+                <a:latin typeface="+mj-ea"/>
+                <a:ea typeface="+mj-ea"/>
+              </a:rPr>
+              <a:t>는 클래스 내에 한 개만 존재할 수 있으며</a:t>
+            </a:r>
+            <a:r>
+              <a:rPr lang="en-US" altLang="ko-KR" sz="2500" dirty="0" smtClean="0">
+                <a:latin typeface="+mj-ea"/>
+                <a:ea typeface="+mj-ea"/>
+              </a:rPr>
+              <a:t>, constructor</a:t>
+            </a:r>
+            <a:r>
+              <a:rPr lang="ko-KR" altLang="en-US" sz="2500" dirty="0">
+                <a:latin typeface="+mj-ea"/>
+                <a:ea typeface="+mj-ea"/>
+              </a:rPr>
+              <a:t>의 </a:t>
+            </a:r>
+            <a:r>
+              <a:rPr lang="ko-KR" altLang="en-US" sz="2500" dirty="0" err="1">
+                <a:latin typeface="+mj-ea"/>
+                <a:ea typeface="+mj-ea"/>
+              </a:rPr>
+              <a:t>파라미터에</a:t>
+            </a:r>
+            <a:r>
+              <a:rPr lang="ko-KR" altLang="en-US" sz="2500" dirty="0">
+                <a:latin typeface="+mj-ea"/>
+                <a:ea typeface="+mj-ea"/>
+              </a:rPr>
+              <a:t> 전달한 값은 클래스 </a:t>
+            </a:r>
+            <a:r>
+              <a:rPr lang="ko-KR" altLang="en-US" sz="2500" dirty="0" err="1">
+                <a:latin typeface="+mj-ea"/>
+                <a:ea typeface="+mj-ea"/>
+              </a:rPr>
+              <a:t>프로퍼티에</a:t>
+            </a:r>
+            <a:r>
+              <a:rPr lang="ko-KR" altLang="en-US" sz="2500" dirty="0">
+                <a:latin typeface="+mj-ea"/>
+                <a:ea typeface="+mj-ea"/>
+              </a:rPr>
+              <a:t> 할당한다</a:t>
+            </a:r>
+            <a:r>
+              <a:rPr lang="en-US" altLang="ko-KR" sz="2500" dirty="0">
+                <a:latin typeface="+mj-ea"/>
+                <a:ea typeface="+mj-ea"/>
+              </a:rPr>
+              <a:t>.</a:t>
             </a:r>
             <a:endParaRPr lang="en-US" altLang="ko-KR" dirty="0" smtClean="0">
               <a:latin typeface="+mj-ea"/>
@@ -13794,6 +15155,405 @@
     <p:extLst>
       <p:ext uri="{BB962C8B-B14F-4D97-AF65-F5344CB8AC3E}">
         <p14:creationId xmlns:p14="http://schemas.microsoft.com/office/powerpoint/2010/main" val="268852275"/>
+      </p:ext>
+    </p:extLst>
+  </p:cSld>
+  <p:clrMapOvr>
+    <a:masterClrMapping/>
+  </p:clrMapOvr>
+  <mc:AlternateContent xmlns:mc="http://schemas.openxmlformats.org/markup-compatibility/2006" xmlns:p14="http://schemas.microsoft.com/office/powerpoint/2010/main">
+    <mc:Choice Requires="p14">
+      <p:transition p14:dur="0"/>
+    </mc:Choice>
+    <mc:Fallback xmlns="">
+      <p:transition/>
+    </mc:Fallback>
+  </mc:AlternateContent>
+  <p:timing>
+    <p:tnLst>
+      <p:par>
+        <p:cTn id="1" dur="indefinite" restart="never" nodeType="tmRoot"/>
+      </p:par>
+    </p:tnLst>
+  </p:timing>
+</p:sld>
+</file>
+
+<file path=ppt/slides/slide17.xml><?xml version="1.0" encoding="utf-8"?>
+<p:sld xmlns:a="http://schemas.openxmlformats.org/drawingml/2006/main" xmlns:r="http://schemas.openxmlformats.org/officeDocument/2006/relationships" xmlns:p="http://schemas.openxmlformats.org/presentationml/2006/main">
+  <p:cSld>
+    <p:spTree>
+      <p:nvGrpSpPr>
+        <p:cNvPr id="1" name=""/>
+        <p:cNvGrpSpPr/>
+        <p:nvPr/>
+      </p:nvGrpSpPr>
+      <p:grpSpPr>
+        <a:xfrm>
+          <a:off x="0" y="0"/>
+          <a:ext cx="0" cy="0"/>
+          <a:chOff x="0" y="0"/>
+          <a:chExt cx="0" cy="0"/>
+        </a:xfrm>
+      </p:grpSpPr>
+      <p:sp>
+        <p:nvSpPr>
+          <p:cNvPr id="2" name="제목 1"/>
+          <p:cNvSpPr>
+            <a:spLocks noGrp="1"/>
+          </p:cNvSpPr>
+          <p:nvPr>
+            <p:ph type="title"/>
+          </p:nvPr>
+        </p:nvSpPr>
+        <p:spPr>
+          <a:xfrm>
+            <a:off x="1223398" y="382385"/>
+            <a:ext cx="10064022" cy="940153"/>
+          </a:xfrm>
+        </p:spPr>
+        <p:txBody>
+          <a:bodyPr>
+            <a:normAutofit/>
+          </a:bodyPr>
+          <a:lstStyle/>
+          <a:p>
+            <a:r>
+              <a:rPr lang="en-US" altLang="ko-KR" dirty="0" smtClean="0">
+                <a:latin typeface="Bahnschrift Condensed" panose="020B0502040204020203" pitchFamily="34" charset="0"/>
+              </a:rPr>
+              <a:t>Es6 browser support </a:t>
+            </a:r>
+            <a:r>
+              <a:rPr lang="en-US" altLang="ko-KR" sz="2000" dirty="0" smtClean="0">
+                <a:latin typeface="Bahnschrift Condensed" panose="020B0502040204020203" pitchFamily="34" charset="0"/>
+              </a:rPr>
+              <a:t>(</a:t>
+            </a:r>
+            <a:r>
+              <a:rPr lang="ko-KR" altLang="en-US" sz="2000" dirty="0" smtClean="0">
+                <a:latin typeface="Bahnschrift Condensed" panose="020B0502040204020203" pitchFamily="34" charset="0"/>
+              </a:rPr>
+              <a:t>브라우저 지원</a:t>
+            </a:r>
+            <a:r>
+              <a:rPr lang="en-US" altLang="ko-KR" sz="2000" dirty="0" smtClean="0">
+                <a:latin typeface="Bahnschrift Condensed" panose="020B0502040204020203" pitchFamily="34" charset="0"/>
+              </a:rPr>
+              <a:t>)</a:t>
+            </a:r>
+            <a:endParaRPr lang="ko-KR" altLang="en-US" sz="2000" dirty="0">
+              <a:latin typeface="Bahnschrift Condensed" panose="020B0502040204020203" pitchFamily="34" charset="0"/>
+            </a:endParaRPr>
+          </a:p>
+        </p:txBody>
+      </p:sp>
+      <p:cxnSp>
+        <p:nvCxnSpPr>
+          <p:cNvPr id="5" name="직선 연결선 4"/>
+          <p:cNvCxnSpPr/>
+          <p:nvPr/>
+        </p:nvCxnSpPr>
+        <p:spPr>
+          <a:xfrm>
+            <a:off x="1223398" y="1257300"/>
+            <a:ext cx="10064022" cy="0"/>
+          </a:xfrm>
+          <a:prstGeom prst="line">
+            <a:avLst/>
+          </a:prstGeom>
+        </p:spPr>
+        <p:style>
+          <a:lnRef idx="1">
+            <a:schemeClr val="dk1"/>
+          </a:lnRef>
+          <a:fillRef idx="0">
+            <a:schemeClr val="dk1"/>
+          </a:fillRef>
+          <a:effectRef idx="0">
+            <a:schemeClr val="dk1"/>
+          </a:effectRef>
+          <a:fontRef idx="minor">
+            <a:schemeClr val="tx1"/>
+          </a:fontRef>
+        </p:style>
+      </p:cxnSp>
+      <p:sp>
+        <p:nvSpPr>
+          <p:cNvPr id="6" name="내용 개체 틀 5"/>
+          <p:cNvSpPr>
+            <a:spLocks noGrp="1"/>
+          </p:cNvSpPr>
+          <p:nvPr>
+            <p:ph idx="1"/>
+          </p:nvPr>
+        </p:nvSpPr>
+        <p:spPr>
+          <a:xfrm>
+            <a:off x="1223398" y="2286001"/>
+            <a:ext cx="10178322" cy="3593591"/>
+          </a:xfrm>
+        </p:spPr>
+        <p:txBody>
+          <a:bodyPr/>
+          <a:lstStyle/>
+          <a:p>
+            <a:r>
+              <a:rPr lang="en-US" altLang="ko-KR" dirty="0">
+                <a:latin typeface="+mj-ea"/>
+                <a:ea typeface="+mj-ea"/>
+              </a:rPr>
+              <a:t>Internet Explorer</a:t>
+            </a:r>
+            <a:r>
+              <a:rPr lang="ko-KR" altLang="en-US" dirty="0" smtClean="0">
+                <a:latin typeface="+mj-ea"/>
+                <a:ea typeface="+mj-ea"/>
+              </a:rPr>
+              <a:t>를 제외하고는 대체로 커버가 되고 있다</a:t>
+            </a:r>
+            <a:r>
+              <a:rPr lang="en-US" altLang="ko-KR" dirty="0" smtClean="0">
+                <a:latin typeface="+mj-ea"/>
+                <a:ea typeface="+mj-ea"/>
+              </a:rPr>
+              <a:t>.</a:t>
+            </a:r>
+            <a:br>
+              <a:rPr lang="en-US" altLang="ko-KR" dirty="0" smtClean="0">
+                <a:latin typeface="+mj-ea"/>
+                <a:ea typeface="+mj-ea"/>
+              </a:rPr>
+            </a:br>
+            <a:endParaRPr lang="en-US" altLang="ko-KR" dirty="0" smtClean="0">
+              <a:latin typeface="+mj-ea"/>
+              <a:ea typeface="+mj-ea"/>
+            </a:endParaRPr>
+          </a:p>
+          <a:p>
+            <a:r>
+              <a:rPr lang="ko-KR" altLang="en-US" dirty="0" err="1" smtClean="0">
+                <a:latin typeface="+mj-ea"/>
+                <a:ea typeface="+mj-ea"/>
+              </a:rPr>
+              <a:t>브라우저별</a:t>
+            </a:r>
+            <a:r>
+              <a:rPr lang="ko-KR" altLang="en-US" dirty="0" smtClean="0">
+                <a:latin typeface="+mj-ea"/>
+                <a:ea typeface="+mj-ea"/>
+              </a:rPr>
+              <a:t> 지원율이 상이하고</a:t>
+            </a:r>
+            <a:r>
+              <a:rPr lang="en-US" altLang="ko-KR" dirty="0" smtClean="0">
+                <a:latin typeface="+mj-ea"/>
+                <a:ea typeface="+mj-ea"/>
+              </a:rPr>
+              <a:t>,</a:t>
+            </a:r>
+            <a:r>
+              <a:rPr lang="ko-KR" altLang="en-US" dirty="0" smtClean="0">
+                <a:latin typeface="+mj-ea"/>
+                <a:ea typeface="+mj-ea"/>
+              </a:rPr>
+              <a:t> 특히 국내에서는 상대적으로 </a:t>
+            </a:r>
+            <a:r>
+              <a:rPr lang="en-US" altLang="ko-KR" dirty="0" smtClean="0">
+                <a:latin typeface="+mj-ea"/>
+                <a:ea typeface="+mj-ea"/>
+              </a:rPr>
+              <a:t>IE </a:t>
+            </a:r>
+            <a:r>
+              <a:rPr lang="ko-KR" altLang="en-US" dirty="0" smtClean="0">
+                <a:latin typeface="+mj-ea"/>
+                <a:ea typeface="+mj-ea"/>
+              </a:rPr>
+              <a:t>브라우저의 점유율이 높기 때문에 아직까지는 그대로 사용 할 수가 없다</a:t>
+            </a:r>
+            <a:r>
+              <a:rPr lang="en-US" altLang="ko-KR" dirty="0" smtClean="0">
+                <a:latin typeface="+mj-ea"/>
+                <a:ea typeface="+mj-ea"/>
+              </a:rPr>
+              <a:t>.</a:t>
+            </a:r>
+          </a:p>
+          <a:p>
+            <a:endParaRPr lang="en-US" altLang="ko-KR" dirty="0">
+              <a:latin typeface="+mj-ea"/>
+              <a:ea typeface="+mj-ea"/>
+            </a:endParaRPr>
+          </a:p>
+          <a:p>
+            <a:r>
+              <a:rPr lang="en-US" altLang="ko-KR" dirty="0" smtClean="0">
+                <a:latin typeface="+mj-ea"/>
+                <a:ea typeface="+mj-ea"/>
+              </a:rPr>
+              <a:t>Babel</a:t>
+            </a:r>
+            <a:r>
+              <a:rPr lang="ko-KR" altLang="en-US" dirty="0" smtClean="0">
+                <a:latin typeface="+mj-ea"/>
+                <a:ea typeface="+mj-ea"/>
+              </a:rPr>
+              <a:t>이라는 </a:t>
+            </a:r>
+            <a:r>
+              <a:rPr lang="en-US" altLang="ko-KR" dirty="0" err="1" smtClean="0">
+                <a:latin typeface="+mj-ea"/>
+                <a:ea typeface="+mj-ea"/>
+              </a:rPr>
+              <a:t>transpiler</a:t>
+            </a:r>
+            <a:r>
+              <a:rPr lang="ko-KR" altLang="en-US" dirty="0" smtClean="0">
+                <a:latin typeface="+mj-ea"/>
+                <a:ea typeface="+mj-ea"/>
+              </a:rPr>
+              <a:t>를 이용하여 </a:t>
+            </a:r>
+            <a:r>
+              <a:rPr lang="en-US" altLang="ko-KR" dirty="0" smtClean="0">
+                <a:latin typeface="+mj-ea"/>
+                <a:ea typeface="+mj-ea"/>
+              </a:rPr>
+              <a:t>es6</a:t>
+            </a:r>
+            <a:r>
+              <a:rPr lang="ko-KR" altLang="en-US" dirty="0" smtClean="0">
+                <a:latin typeface="+mj-ea"/>
+                <a:ea typeface="+mj-ea"/>
+              </a:rPr>
+              <a:t>에서 </a:t>
+            </a:r>
+            <a:r>
+              <a:rPr lang="en-US" altLang="ko-KR" dirty="0" smtClean="0">
+                <a:latin typeface="+mj-ea"/>
+                <a:ea typeface="+mj-ea"/>
+              </a:rPr>
+              <a:t>es5</a:t>
+            </a:r>
+            <a:r>
+              <a:rPr lang="ko-KR" altLang="en-US" dirty="0" smtClean="0">
+                <a:latin typeface="+mj-ea"/>
+                <a:ea typeface="+mj-ea"/>
+              </a:rPr>
+              <a:t>로 변환시켜 줄 수 있다</a:t>
+            </a:r>
+            <a:r>
+              <a:rPr lang="en-US" altLang="ko-KR" dirty="0" smtClean="0">
+                <a:latin typeface="+mj-ea"/>
+                <a:ea typeface="+mj-ea"/>
+              </a:rPr>
+              <a:t>.</a:t>
+            </a:r>
+            <a:endParaRPr lang="ko-KR" altLang="en-US" dirty="0">
+              <a:latin typeface="+mj-ea"/>
+              <a:ea typeface="+mj-ea"/>
+            </a:endParaRPr>
+          </a:p>
+        </p:txBody>
+      </p:sp>
+      <p:sp>
+        <p:nvSpPr>
+          <p:cNvPr id="7" name="TextBox 6"/>
+          <p:cNvSpPr txBox="1"/>
+          <p:nvPr/>
+        </p:nvSpPr>
+        <p:spPr>
+          <a:xfrm>
+            <a:off x="1223398" y="1619603"/>
+            <a:ext cx="4052071" cy="369332"/>
+          </a:xfrm>
+          <a:prstGeom prst="rect">
+            <a:avLst/>
+          </a:prstGeom>
+          <a:noFill/>
+        </p:spPr>
+        <p:txBody>
+          <a:bodyPr wrap="none" rtlCol="0">
+            <a:spAutoFit/>
+          </a:bodyPr>
+          <a:lstStyle/>
+          <a:p>
+            <a:r>
+              <a:rPr lang="en-US" altLang="ko-KR" dirty="0">
+                <a:hlinkClick r:id="rId2"/>
+              </a:rPr>
+              <a:t>https://kangax.github.io/compat-table/es6</a:t>
+            </a:r>
+            <a:r>
+              <a:rPr lang="en-US" altLang="ko-KR" dirty="0" smtClean="0">
+                <a:hlinkClick r:id="rId2"/>
+              </a:rPr>
+              <a:t>/</a:t>
+            </a:r>
+            <a:endParaRPr lang="en-US" altLang="ko-KR" dirty="0" smtClean="0"/>
+          </a:p>
+        </p:txBody>
+      </p:sp>
+      <p:pic>
+        <p:nvPicPr>
+          <p:cNvPr id="19" name="그림 18"/>
+          <p:cNvPicPr>
+            <a:picLocks noChangeAspect="1"/>
+          </p:cNvPicPr>
+          <p:nvPr/>
+        </p:nvPicPr>
+        <p:blipFill>
+          <a:blip r:embed="rId3"/>
+          <a:stretch>
+            <a:fillRect/>
+          </a:stretch>
+        </p:blipFill>
+        <p:spPr>
+          <a:xfrm>
+            <a:off x="4025900" y="4821758"/>
+            <a:ext cx="4445000" cy="1769954"/>
+          </a:xfrm>
+          <a:prstGeom prst="rect">
+            <a:avLst/>
+          </a:prstGeom>
+          <a:solidFill>
+            <a:srgbClr val="FFFFFF">
+              <a:shade val="85000"/>
+            </a:srgbClr>
+          </a:solidFill>
+          <a:ln w="88900" cap="sq">
+            <a:solidFill>
+              <a:srgbClr val="FFFFFF"/>
+            </a:solidFill>
+            <a:miter lim="800000"/>
+          </a:ln>
+          <a:effectLst>
+            <a:outerShdw blurRad="55000" dist="18000" dir="5400000" algn="tl" rotWithShape="0">
+              <a:srgbClr val="000000">
+                <a:alpha val="40000"/>
+              </a:srgbClr>
+            </a:outerShdw>
+          </a:effectLst>
+          <a:scene3d>
+            <a:camera prst="orthographicFront"/>
+            <a:lightRig rig="twoPt" dir="t">
+              <a:rot lat="0" lon="0" rev="7200000"/>
+            </a:lightRig>
+          </a:scene3d>
+          <a:sp3d>
+            <a:bevelT w="25400" h="19050"/>
+            <a:contourClr>
+              <a:srgbClr val="FFFFFF"/>
+            </a:contourClr>
+          </a:sp3d>
+        </p:spPr>
+      </p:pic>
+    </p:spTree>
+    <p:extLst>
+      <p:ext uri="{BB962C8B-B14F-4D97-AF65-F5344CB8AC3E}">
+        <p14:creationId xmlns:p14="http://schemas.microsoft.com/office/powerpoint/2010/main" val="1423677835"/>
       </p:ext>
     </p:extLst>
   </p:cSld>
@@ -13829,7 +15589,7 @@
                             </p:stCondLst>
                             <p:childTnLst>
                               <p:par>
-                                <p:cTn id="5" presetID="16" presetClass="entr" presetSubtype="21" fill="hold" nodeType="clickEffect">
+                                <p:cTn id="5" presetID="2" presetClass="entr" presetSubtype="4" fill="hold" nodeType="clickEffect">
                                   <p:stCondLst>
                                     <p:cond delay="0"/>
                                   </p:stCondLst>
@@ -13842,7 +15602,7 @@
                                           </p:stCondLst>
                                         </p:cTn>
                                         <p:tgtEl>
-                                          <p:spTgt spid="4"/>
+                                          <p:spTgt spid="19"/>
                                         </p:tgtEl>
                                         <p:attrNameLst>
                                           <p:attrName>style.visibility</p:attrName>
@@ -13852,14 +15612,52 @@
                                         <p:strVal val="visible"/>
                                       </p:to>
                                     </p:set>
-                                    <p:animEffect transition="in" filter="barn(inVertical)">
-                                      <p:cBhvr>
-                                        <p:cTn id="7" dur="500"/>
+                                    <p:anim calcmode="lin" valueType="num">
+                                      <p:cBhvr additive="base">
+                                        <p:cTn id="7" dur="500" fill="hold"/>
                                         <p:tgtEl>
-                                          <p:spTgt spid="4"/>
+                                          <p:spTgt spid="19"/>
                                         </p:tgtEl>
+                                        <p:attrNameLst>
+                                          <p:attrName>ppt_x</p:attrName>
+                                        </p:attrNameLst>
                                       </p:cBhvr>
-                                    </p:animEffect>
+                                      <p:tavLst>
+                                        <p:tav tm="0">
+                                          <p:val>
+                                            <p:strVal val="#ppt_x"/>
+                                          </p:val>
+                                        </p:tav>
+                                        <p:tav tm="100000">
+                                          <p:val>
+                                            <p:strVal val="#ppt_x"/>
+                                          </p:val>
+                                        </p:tav>
+                                      </p:tavLst>
+                                    </p:anim>
+                                    <p:anim calcmode="lin" valueType="num">
+                                      <p:cBhvr additive="base">
+                                        <p:cTn id="8" dur="500" fill="hold"/>
+                                        <p:tgtEl>
+                                          <p:spTgt spid="19"/>
+                                        </p:tgtEl>
+                                        <p:attrNameLst>
+                                          <p:attrName>ppt_y</p:attrName>
+                                        </p:attrNameLst>
+                                      </p:cBhvr>
+                                      <p:tavLst>
+                                        <p:tav tm="0">
+                                          <p:val>
+                                            <p:strVal val="1+#ppt_h/2"/>
+                                          </p:val>
+                                        </p:tav>
+                                        <p:tav tm="100000">
+                                          <p:val>
+                                            <p:strVal val="#ppt_y"/>
+                                          </p:val>
+                                        </p:tav>
+                                      </p:tavLst>
+                                    </p:anim>
                                   </p:childTnLst>
                                 </p:cTn>
                               </p:par>
@@ -13894,6 +15692,1699 @@
 </p:sld>
 </file>
 
+<file path=ppt/slides/slide18.xml><?xml version="1.0" encoding="utf-8"?>
+<p:sld xmlns:a="http://schemas.openxmlformats.org/drawingml/2006/main" xmlns:r="http://schemas.openxmlformats.org/officeDocument/2006/relationships" xmlns:p="http://schemas.openxmlformats.org/presentationml/2006/main">
+  <p:cSld>
+    <p:spTree>
+      <p:nvGrpSpPr>
+        <p:cNvPr id="1" name=""/>
+        <p:cNvGrpSpPr/>
+        <p:nvPr/>
+      </p:nvGrpSpPr>
+      <p:grpSpPr>
+        <a:xfrm>
+          <a:off x="0" y="0"/>
+          <a:ext cx="0" cy="0"/>
+          <a:chOff x="0" y="0"/>
+          <a:chExt cx="0" cy="0"/>
+        </a:xfrm>
+      </p:grpSpPr>
+      <p:sp>
+        <p:nvSpPr>
+          <p:cNvPr id="25" name="직사각형 24"/>
+          <p:cNvSpPr/>
+          <p:nvPr/>
+        </p:nvSpPr>
+        <p:spPr>
+          <a:xfrm>
+            <a:off x="1251678" y="1972194"/>
+            <a:ext cx="10064022" cy="3895206"/>
+          </a:xfrm>
+          <a:prstGeom prst="rect">
+            <a:avLst/>
+          </a:prstGeom>
+          <a:solidFill>
+            <a:schemeClr val="tx1"/>
+          </a:solidFill>
+          <a:ln>
+            <a:noFill/>
+          </a:ln>
+        </p:spPr>
+        <p:style>
+          <a:lnRef idx="2">
+            <a:schemeClr val="accent1">
+              <a:shade val="50000"/>
+            </a:schemeClr>
+          </a:lnRef>
+          <a:fillRef idx="1">
+            <a:schemeClr val="accent1"/>
+          </a:fillRef>
+          <a:effectRef idx="0">
+            <a:schemeClr val="accent1"/>
+          </a:effectRef>
+          <a:fontRef idx="minor">
+            <a:schemeClr val="lt1"/>
+          </a:fontRef>
+        </p:style>
+        <p:txBody>
+          <a:bodyPr rtlCol="0" anchor="ctr"/>
+          <a:lstStyle/>
+          <a:p>
+            <a:pPr algn="ctr"/>
+            <a:endParaRPr lang="ko-KR" altLang="en-US"/>
+          </a:p>
+        </p:txBody>
+      </p:sp>
+      <p:sp>
+        <p:nvSpPr>
+          <p:cNvPr id="2" name="제목 1"/>
+          <p:cNvSpPr>
+            <a:spLocks noGrp="1"/>
+          </p:cNvSpPr>
+          <p:nvPr>
+            <p:ph type="title"/>
+          </p:nvPr>
+        </p:nvSpPr>
+        <p:spPr/>
+        <p:txBody>
+          <a:bodyPr/>
+          <a:lstStyle/>
+          <a:p>
+            <a:r>
+              <a:rPr lang="en-US" altLang="ko-KR" dirty="0" smtClean="0">
+                <a:latin typeface="Bahnschrift Condensed" panose="020B0502040204020203" pitchFamily="34" charset="0"/>
+              </a:rPr>
+              <a:t>Babel </a:t>
+            </a:r>
+            <a:r>
+              <a:rPr lang="ko-KR" altLang="en-US" dirty="0" smtClean="0">
+                <a:latin typeface="Bahnschrift Condensed" panose="020B0502040204020203" pitchFamily="34" charset="0"/>
+              </a:rPr>
+              <a:t>설치</a:t>
+            </a:r>
+            <a:endParaRPr lang="ko-KR" altLang="en-US" dirty="0">
+              <a:latin typeface="Bahnschrift Condensed" panose="020B0502040204020203" pitchFamily="34" charset="0"/>
+            </a:endParaRPr>
+          </a:p>
+        </p:txBody>
+      </p:sp>
+      <p:cxnSp>
+        <p:nvCxnSpPr>
+          <p:cNvPr id="5" name="직선 연결선 4"/>
+          <p:cNvCxnSpPr/>
+          <p:nvPr/>
+        </p:nvCxnSpPr>
+        <p:spPr>
+          <a:xfrm>
+            <a:off x="1251678" y="1257300"/>
+            <a:ext cx="10064022" cy="0"/>
+          </a:xfrm>
+          <a:prstGeom prst="line">
+            <a:avLst/>
+          </a:prstGeom>
+        </p:spPr>
+        <p:style>
+          <a:lnRef idx="1">
+            <a:schemeClr val="dk1"/>
+          </a:lnRef>
+          <a:fillRef idx="0">
+            <a:schemeClr val="dk1"/>
+          </a:fillRef>
+          <a:effectRef idx="0">
+            <a:schemeClr val="dk1"/>
+          </a:effectRef>
+          <a:fontRef idx="minor">
+            <a:schemeClr val="tx1"/>
+          </a:fontRef>
+        </p:style>
+      </p:cxnSp>
+      <p:sp>
+        <p:nvSpPr>
+          <p:cNvPr id="21" name="TextBox 20"/>
+          <p:cNvSpPr txBox="1"/>
+          <p:nvPr/>
+        </p:nvSpPr>
+        <p:spPr>
+          <a:xfrm>
+            <a:off x="1435358" y="2153535"/>
+            <a:ext cx="9708892" cy="3785652"/>
+          </a:xfrm>
+          <a:prstGeom prst="rect">
+            <a:avLst/>
+          </a:prstGeom>
+          <a:noFill/>
+        </p:spPr>
+        <p:txBody>
+          <a:bodyPr wrap="square" rtlCol="0">
+            <a:spAutoFit/>
+          </a:bodyPr>
+          <a:lstStyle/>
+          <a:p>
+            <a:pPr marL="342900" indent="-342900">
+              <a:buAutoNum type="arabicPeriod"/>
+            </a:pPr>
+            <a:r>
+              <a:rPr lang="ko-KR" altLang="en-US" sz="1600" dirty="0" smtClean="0">
+                <a:solidFill>
+                  <a:schemeClr val="bg1"/>
+                </a:solidFill>
+              </a:rPr>
+              <a:t>먼저 작업하고자 하는 프로젝트 폴더를 지정한다</a:t>
+            </a:r>
+            <a:r>
+              <a:rPr lang="en-US" altLang="ko-KR" sz="1600" dirty="0" smtClean="0">
+                <a:solidFill>
+                  <a:schemeClr val="bg1"/>
+                </a:solidFill>
+              </a:rPr>
+              <a:t>.</a:t>
+            </a:r>
+          </a:p>
+          <a:p>
+            <a:pPr marL="342900" indent="-342900">
+              <a:buAutoNum type="arabicPeriod"/>
+            </a:pPr>
+            <a:r>
+              <a:rPr lang="en-US" altLang="ko-KR" sz="1600" dirty="0" err="1" smtClean="0">
+                <a:solidFill>
+                  <a:schemeClr val="bg1"/>
+                </a:solidFill>
+              </a:rPr>
+              <a:t>npm</a:t>
+            </a:r>
+            <a:r>
+              <a:rPr lang="en-US" altLang="ko-KR" sz="1600" dirty="0">
+                <a:solidFill>
+                  <a:schemeClr val="bg1"/>
+                </a:solidFill>
+              </a:rPr>
+              <a:t> </a:t>
+            </a:r>
+            <a:r>
+              <a:rPr lang="en-US" altLang="ko-KR" sz="1600" dirty="0" err="1">
+                <a:solidFill>
+                  <a:schemeClr val="bg1"/>
+                </a:solidFill>
+              </a:rPr>
+              <a:t>init</a:t>
+            </a:r>
+            <a:r>
+              <a:rPr lang="en-US" altLang="ko-KR" sz="1600" dirty="0">
+                <a:solidFill>
+                  <a:schemeClr val="bg1"/>
+                </a:solidFill>
+              </a:rPr>
+              <a:t> -y </a:t>
+            </a:r>
+            <a:r>
+              <a:rPr lang="en-US" altLang="ko-KR" sz="1600" dirty="0" smtClean="0">
+                <a:solidFill>
+                  <a:srgbClr val="FFFF00"/>
+                </a:solidFill>
+              </a:rPr>
+              <a:t>// </a:t>
+            </a:r>
+            <a:r>
+              <a:rPr lang="en-US" altLang="ko-KR" sz="1600" dirty="0" err="1" smtClean="0">
+                <a:solidFill>
+                  <a:srgbClr val="FFFF00"/>
+                </a:solidFill>
+              </a:rPr>
+              <a:t>package.json</a:t>
+            </a:r>
+            <a:r>
+              <a:rPr lang="en-US" altLang="ko-KR" sz="1600" dirty="0" smtClean="0">
+                <a:solidFill>
+                  <a:srgbClr val="FFFF00"/>
+                </a:solidFill>
+              </a:rPr>
+              <a:t> </a:t>
+            </a:r>
+            <a:r>
+              <a:rPr lang="ko-KR" altLang="en-US" sz="1600" dirty="0" smtClean="0">
+                <a:solidFill>
+                  <a:srgbClr val="FFFF00"/>
+                </a:solidFill>
+              </a:rPr>
+              <a:t>생성</a:t>
+            </a:r>
+            <a:endParaRPr lang="en-US" altLang="ko-KR" sz="1600" dirty="0" smtClean="0">
+              <a:solidFill>
+                <a:srgbClr val="FFFF00"/>
+              </a:solidFill>
+            </a:endParaRPr>
+          </a:p>
+          <a:p>
+            <a:pPr marL="342900" indent="-342900">
+              <a:buAutoNum type="arabicPeriod"/>
+            </a:pPr>
+            <a:r>
+              <a:rPr lang="en-US" altLang="ko-KR" sz="1600" dirty="0" err="1">
+                <a:solidFill>
+                  <a:schemeClr val="bg1"/>
+                </a:solidFill>
+              </a:rPr>
+              <a:t>npm</a:t>
+            </a:r>
+            <a:r>
+              <a:rPr lang="en-US" altLang="ko-KR" sz="1600" dirty="0">
+                <a:solidFill>
+                  <a:schemeClr val="bg1"/>
+                </a:solidFill>
+              </a:rPr>
+              <a:t> install babel-cli babel-preset-</a:t>
+            </a:r>
+            <a:r>
+              <a:rPr lang="en-US" altLang="ko-KR" sz="1600" dirty="0" err="1">
+                <a:solidFill>
+                  <a:schemeClr val="bg1"/>
+                </a:solidFill>
+              </a:rPr>
+              <a:t>env</a:t>
+            </a:r>
+            <a:r>
+              <a:rPr lang="en-US" altLang="ko-KR" sz="1600" dirty="0">
+                <a:solidFill>
+                  <a:schemeClr val="bg1"/>
+                </a:solidFill>
+              </a:rPr>
+              <a:t> --save-dev </a:t>
+            </a:r>
+            <a:r>
+              <a:rPr lang="en-US" altLang="ko-KR" sz="1600" dirty="0" smtClean="0">
+                <a:solidFill>
+                  <a:srgbClr val="FFFF00"/>
+                </a:solidFill>
+              </a:rPr>
+              <a:t>// </a:t>
+            </a:r>
+            <a:r>
+              <a:rPr lang="ko-KR" altLang="en-US" sz="1600" dirty="0" smtClean="0">
+                <a:solidFill>
+                  <a:srgbClr val="FFFF00"/>
+                </a:solidFill>
+              </a:rPr>
+              <a:t>바벨</a:t>
+            </a:r>
+            <a:r>
+              <a:rPr lang="en-US" altLang="ko-KR" sz="1600" dirty="0">
+                <a:solidFill>
+                  <a:srgbClr val="FFFF00"/>
+                </a:solidFill>
+              </a:rPr>
+              <a:t> &amp; </a:t>
+            </a:r>
+            <a:r>
+              <a:rPr lang="ko-KR" altLang="en-US" sz="1600" dirty="0" err="1" smtClean="0">
+                <a:solidFill>
+                  <a:srgbClr val="FFFF00"/>
+                </a:solidFill>
+              </a:rPr>
+              <a:t>프리셋</a:t>
+            </a:r>
+            <a:r>
+              <a:rPr lang="en-US" altLang="ko-KR" sz="1600" dirty="0" smtClean="0">
+                <a:solidFill>
+                  <a:srgbClr val="FFFF00"/>
+                </a:solidFill>
+              </a:rPr>
+              <a:t>(</a:t>
+            </a:r>
+            <a:r>
+              <a:rPr lang="ko-KR" altLang="en-US" sz="1600" dirty="0" err="1" smtClean="0">
+                <a:solidFill>
+                  <a:srgbClr val="FFFF00"/>
+                </a:solidFill>
+              </a:rPr>
+              <a:t>특정기능을</a:t>
+            </a:r>
+            <a:r>
+              <a:rPr lang="ko-KR" altLang="en-US" sz="1600" dirty="0" smtClean="0">
+                <a:solidFill>
+                  <a:srgbClr val="FFFF00"/>
+                </a:solidFill>
+              </a:rPr>
+              <a:t> 지원하는 플러그인 모음</a:t>
+            </a:r>
+            <a:r>
+              <a:rPr lang="en-US" altLang="ko-KR" sz="1600" dirty="0" smtClean="0">
+                <a:solidFill>
+                  <a:srgbClr val="FFFF00"/>
+                </a:solidFill>
+              </a:rPr>
+              <a:t>)</a:t>
+            </a:r>
+            <a:r>
+              <a:rPr lang="ko-KR" altLang="en-US" sz="1600" dirty="0">
+                <a:solidFill>
+                  <a:srgbClr val="FFFF00"/>
+                </a:solidFill>
+              </a:rPr>
+              <a:t> </a:t>
+            </a:r>
+            <a:r>
+              <a:rPr lang="ko-KR" altLang="en-US" sz="1600" dirty="0" smtClean="0">
+                <a:solidFill>
+                  <a:srgbClr val="FFFF00"/>
+                </a:solidFill>
+              </a:rPr>
+              <a:t>설치</a:t>
+            </a:r>
+            <a:endParaRPr lang="en-US" altLang="ko-KR" sz="1600" dirty="0" smtClean="0">
+              <a:solidFill>
+                <a:srgbClr val="FFFF00"/>
+              </a:solidFill>
+            </a:endParaRPr>
+          </a:p>
+          <a:p>
+            <a:pPr marL="342900" indent="-342900">
+              <a:buFontTx/>
+              <a:buAutoNum type="arabicPeriod"/>
+            </a:pPr>
+            <a:r>
+              <a:rPr lang="en-US" altLang="ko-KR" sz="1600" dirty="0" err="1">
+                <a:solidFill>
+                  <a:schemeClr val="bg1">
+                    <a:lumMod val="50000"/>
+                  </a:schemeClr>
+                </a:solidFill>
+              </a:rPr>
+              <a:t>package.json</a:t>
+            </a:r>
+            <a:r>
+              <a:rPr lang="en-US" altLang="ko-KR" sz="1600" dirty="0">
+                <a:solidFill>
+                  <a:schemeClr val="bg1">
+                    <a:lumMod val="50000"/>
+                  </a:schemeClr>
+                </a:solidFill>
+              </a:rPr>
+              <a:t> </a:t>
+            </a:r>
+            <a:r>
+              <a:rPr lang="ko-KR" altLang="en-US" sz="1600" dirty="0" smtClean="0">
+                <a:solidFill>
+                  <a:schemeClr val="bg1">
+                    <a:lumMod val="50000"/>
+                  </a:schemeClr>
+                </a:solidFill>
+              </a:rPr>
+              <a:t>수정</a:t>
+            </a:r>
+            <a:r>
+              <a:rPr lang="ko-KR" altLang="en-US" sz="1600" dirty="0">
+                <a:solidFill>
+                  <a:schemeClr val="bg1">
+                    <a:lumMod val="50000"/>
+                  </a:schemeClr>
+                </a:solidFill>
+              </a:rPr>
+              <a:t/>
+            </a:r>
+            <a:br>
+              <a:rPr lang="ko-KR" altLang="en-US" sz="1600" dirty="0">
+                <a:solidFill>
+                  <a:schemeClr val="bg1">
+                    <a:lumMod val="50000"/>
+                  </a:schemeClr>
+                </a:solidFill>
+              </a:rPr>
+            </a:br>
+            <a:r>
+              <a:rPr lang="ko-KR" altLang="en-US" sz="1600" dirty="0">
+                <a:solidFill>
+                  <a:schemeClr val="bg1">
+                    <a:lumMod val="50000"/>
+                  </a:schemeClr>
+                </a:solidFill>
+              </a:rPr>
+              <a:t> </a:t>
+            </a:r>
+            <a:r>
+              <a:rPr lang="en-US" altLang="ko-KR" sz="1600" dirty="0">
+                <a:solidFill>
+                  <a:schemeClr val="bg1">
+                    <a:lumMod val="50000"/>
+                  </a:schemeClr>
+                </a:solidFill>
+              </a:rPr>
+              <a:t>"scripts": </a:t>
+            </a:r>
+            <a:r>
+              <a:rPr lang="en-US" altLang="ko-KR" sz="1600" dirty="0" smtClean="0">
+                <a:solidFill>
+                  <a:schemeClr val="bg1">
+                    <a:lumMod val="50000"/>
+                  </a:schemeClr>
+                </a:solidFill>
+              </a:rPr>
+              <a:t>{</a:t>
+            </a:r>
+            <a:br>
+              <a:rPr lang="en-US" altLang="ko-KR" sz="1600" dirty="0" smtClean="0">
+                <a:solidFill>
+                  <a:schemeClr val="bg1">
+                    <a:lumMod val="50000"/>
+                  </a:schemeClr>
+                </a:solidFill>
+              </a:rPr>
+            </a:br>
+            <a:r>
+              <a:rPr lang="en-US" altLang="ko-KR" sz="1600" dirty="0" smtClean="0">
+                <a:solidFill>
+                  <a:schemeClr val="bg1">
+                    <a:lumMod val="50000"/>
+                  </a:schemeClr>
+                </a:solidFill>
+              </a:rPr>
+              <a:t>	</a:t>
+            </a:r>
+            <a:r>
+              <a:rPr lang="en-US" altLang="ko-KR" sz="1600" dirty="0">
+                <a:solidFill>
+                  <a:schemeClr val="bg1">
+                    <a:lumMod val="50000"/>
+                  </a:schemeClr>
+                </a:solidFill>
+              </a:rPr>
+              <a:t> </a:t>
+            </a:r>
+            <a:r>
+              <a:rPr lang="en-US" altLang="ko-KR" sz="1600" dirty="0" smtClean="0">
+                <a:solidFill>
+                  <a:schemeClr val="bg1">
+                    <a:lumMod val="50000"/>
+                  </a:schemeClr>
+                </a:solidFill>
+              </a:rPr>
+              <a:t> "</a:t>
+            </a:r>
+            <a:r>
+              <a:rPr lang="en-US" altLang="ko-KR" sz="1600" dirty="0">
+                <a:solidFill>
+                  <a:schemeClr val="bg1">
+                    <a:lumMod val="50000"/>
+                  </a:schemeClr>
+                </a:solidFill>
+              </a:rPr>
+              <a:t>start": "</a:t>
+            </a:r>
+            <a:r>
+              <a:rPr lang="en-US" altLang="ko-KR" sz="1600" dirty="0" err="1">
+                <a:solidFill>
+                  <a:schemeClr val="bg1">
+                    <a:lumMod val="50000"/>
+                  </a:schemeClr>
+                </a:solidFill>
+              </a:rPr>
+              <a:t>npm</a:t>
+            </a:r>
+            <a:r>
+              <a:rPr lang="en-US" altLang="ko-KR" sz="1600" dirty="0">
+                <a:solidFill>
+                  <a:schemeClr val="bg1">
+                    <a:lumMod val="50000"/>
+                  </a:schemeClr>
+                </a:solidFill>
+              </a:rPr>
+              <a:t> run watch</a:t>
+            </a:r>
+            <a:r>
+              <a:rPr lang="en-US" altLang="ko-KR" sz="1600" dirty="0" smtClean="0">
+                <a:solidFill>
+                  <a:schemeClr val="bg1">
+                    <a:lumMod val="50000"/>
+                  </a:schemeClr>
+                </a:solidFill>
+              </a:rPr>
+              <a:t>", </a:t>
+            </a:r>
+            <a:r>
+              <a:rPr lang="en-US" altLang="ko-KR" sz="1600" dirty="0" smtClean="0">
+                <a:solidFill>
+                  <a:srgbClr val="FFFF00"/>
+                </a:solidFill>
+              </a:rPr>
+              <a:t>//</a:t>
+            </a:r>
+            <a:r>
+              <a:rPr lang="ko-KR" altLang="en-US" sz="1600" dirty="0" smtClean="0">
+                <a:solidFill>
+                  <a:srgbClr val="FFFF00"/>
+                </a:solidFill>
+              </a:rPr>
+              <a:t>실시간 감시하여 변경사항이 있으면 </a:t>
+            </a:r>
+            <a:r>
+              <a:rPr lang="ko-KR" altLang="en-US" sz="1600" dirty="0" err="1" smtClean="0">
+                <a:solidFill>
+                  <a:srgbClr val="FFFF00"/>
+                </a:solidFill>
+              </a:rPr>
+              <a:t>웹페이지를</a:t>
+            </a:r>
+            <a:r>
+              <a:rPr lang="ko-KR" altLang="en-US" sz="1600" dirty="0" smtClean="0">
+                <a:solidFill>
+                  <a:srgbClr val="FFFF00"/>
+                </a:solidFill>
+              </a:rPr>
+              <a:t> </a:t>
+            </a:r>
+            <a:r>
+              <a:rPr lang="ko-KR" altLang="en-US" sz="1600" dirty="0" err="1" smtClean="0">
+                <a:solidFill>
+                  <a:srgbClr val="FFFF00"/>
+                </a:solidFill>
+              </a:rPr>
+              <a:t>새로고침</a:t>
+            </a:r>
+            <a:r>
+              <a:rPr lang="en-US" altLang="ko-KR" sz="1600" dirty="0">
+                <a:solidFill>
+                  <a:schemeClr val="bg1">
+                    <a:lumMod val="50000"/>
+                  </a:schemeClr>
+                </a:solidFill>
+              </a:rPr>
+              <a:t/>
+            </a:r>
+            <a:br>
+              <a:rPr lang="en-US" altLang="ko-KR" sz="1600" dirty="0">
+                <a:solidFill>
+                  <a:schemeClr val="bg1">
+                    <a:lumMod val="50000"/>
+                  </a:schemeClr>
+                </a:solidFill>
+              </a:rPr>
+            </a:br>
+            <a:r>
+              <a:rPr lang="en-US" altLang="ko-KR" sz="1600" dirty="0">
+                <a:solidFill>
+                  <a:schemeClr val="bg1">
+                    <a:lumMod val="50000"/>
+                  </a:schemeClr>
+                </a:solidFill>
+              </a:rPr>
+              <a:t>    "babel": "</a:t>
+            </a:r>
+            <a:r>
+              <a:rPr lang="en-US" altLang="ko-KR" sz="1600" dirty="0" err="1">
+                <a:solidFill>
+                  <a:schemeClr val="bg1">
+                    <a:lumMod val="50000"/>
+                  </a:schemeClr>
+                </a:solidFill>
+              </a:rPr>
+              <a:t>node_modules</a:t>
+            </a:r>
+            <a:r>
+              <a:rPr lang="en-US" altLang="ko-KR" sz="1600" dirty="0">
+                <a:solidFill>
+                  <a:schemeClr val="bg1">
+                    <a:lumMod val="50000"/>
+                  </a:schemeClr>
+                </a:solidFill>
+              </a:rPr>
+              <a:t>/.bin/babel source -d </a:t>
+            </a:r>
+            <a:r>
+              <a:rPr lang="en-US" altLang="ko-KR" sz="1600" dirty="0" err="1">
+                <a:solidFill>
+                  <a:schemeClr val="bg1">
+                    <a:lumMod val="50000"/>
+                  </a:schemeClr>
+                </a:solidFill>
+              </a:rPr>
+              <a:t>dist</a:t>
+            </a:r>
+            <a:r>
+              <a:rPr lang="en-US" altLang="ko-KR" sz="1600" dirty="0">
+                <a:solidFill>
+                  <a:schemeClr val="bg1">
+                    <a:lumMod val="50000"/>
+                  </a:schemeClr>
+                </a:solidFill>
+              </a:rPr>
+              <a:t>", </a:t>
+            </a:r>
+            <a:r>
+              <a:rPr lang="en-US" altLang="ko-KR" sz="1600" dirty="0" smtClean="0">
+                <a:solidFill>
+                  <a:srgbClr val="FFFF00"/>
+                </a:solidFill>
+              </a:rPr>
+              <a:t>// </a:t>
+            </a:r>
+            <a:r>
+              <a:rPr lang="ko-KR" altLang="en-US" sz="1600" dirty="0" err="1" smtClean="0">
+                <a:solidFill>
+                  <a:srgbClr val="FFFF00"/>
+                </a:solidFill>
+              </a:rPr>
+              <a:t>바벨경로</a:t>
+            </a:r>
+            <a:r>
+              <a:rPr lang="ko-KR" altLang="en-US" sz="1600" dirty="0" smtClean="0">
+                <a:solidFill>
+                  <a:srgbClr val="FFFF00"/>
+                </a:solidFill>
+              </a:rPr>
+              <a:t> 지정</a:t>
+            </a:r>
+            <a:r>
+              <a:rPr lang="ko-KR" altLang="en-US" sz="1600" dirty="0">
+                <a:solidFill>
+                  <a:srgbClr val="FFFF00"/>
+                </a:solidFill>
+              </a:rPr>
+              <a:t/>
+            </a:r>
+            <a:br>
+              <a:rPr lang="ko-KR" altLang="en-US" sz="1600" dirty="0">
+                <a:solidFill>
+                  <a:srgbClr val="FFFF00"/>
+                </a:solidFill>
+              </a:rPr>
+            </a:br>
+            <a:r>
+              <a:rPr lang="ko-KR" altLang="en-US" sz="1600" dirty="0">
+                <a:solidFill>
+                  <a:schemeClr val="bg1">
+                    <a:lumMod val="50000"/>
+                  </a:schemeClr>
+                </a:solidFill>
+              </a:rPr>
+              <a:t>    </a:t>
+            </a:r>
+            <a:r>
+              <a:rPr lang="en-US" altLang="ko-KR" sz="1600" dirty="0">
+                <a:solidFill>
+                  <a:schemeClr val="bg1">
+                    <a:lumMod val="50000"/>
+                  </a:schemeClr>
+                </a:solidFill>
+              </a:rPr>
+              <a:t>"watch": "</a:t>
+            </a:r>
+            <a:r>
+              <a:rPr lang="en-US" altLang="ko-KR" sz="1600" dirty="0" err="1">
+                <a:solidFill>
+                  <a:schemeClr val="bg1">
+                    <a:lumMod val="50000"/>
+                  </a:schemeClr>
+                </a:solidFill>
+              </a:rPr>
+              <a:t>npm</a:t>
+            </a:r>
+            <a:r>
+              <a:rPr lang="en-US" altLang="ko-KR" sz="1600" dirty="0">
+                <a:solidFill>
+                  <a:schemeClr val="bg1">
+                    <a:lumMod val="50000"/>
+                  </a:schemeClr>
+                </a:solidFill>
+              </a:rPr>
+              <a:t> run babel -- -w",  </a:t>
+            </a:r>
+            <a:r>
+              <a:rPr lang="en-US" altLang="ko-KR" sz="1600" dirty="0" smtClean="0">
+                <a:solidFill>
+                  <a:srgbClr val="FFFF00"/>
+                </a:solidFill>
+              </a:rPr>
+              <a:t>// </a:t>
+            </a:r>
+            <a:r>
+              <a:rPr lang="ko-KR" altLang="en-US" sz="1600" dirty="0" smtClean="0">
+                <a:solidFill>
+                  <a:srgbClr val="FFFF00"/>
+                </a:solidFill>
+              </a:rPr>
+              <a:t>파일을</a:t>
+            </a:r>
+            <a:r>
+              <a:rPr lang="ko-KR" altLang="en-US" sz="1600" dirty="0">
+                <a:solidFill>
+                  <a:srgbClr val="FFFF00"/>
+                </a:solidFill>
+              </a:rPr>
+              <a:t> </a:t>
+            </a:r>
+            <a:r>
+              <a:rPr lang="ko-KR" altLang="en-US" sz="1600" dirty="0" err="1">
+                <a:solidFill>
+                  <a:srgbClr val="FFFF00"/>
+                </a:solidFill>
+              </a:rPr>
+              <a:t>수정할때마다</a:t>
+            </a:r>
+            <a:r>
+              <a:rPr lang="ko-KR" altLang="en-US" sz="1600" dirty="0">
+                <a:solidFill>
+                  <a:srgbClr val="FFFF00"/>
+                </a:solidFill>
+              </a:rPr>
+              <a:t>  내보냄</a:t>
+            </a:r>
+            <a:br>
+              <a:rPr lang="ko-KR" altLang="en-US" sz="1600" dirty="0">
+                <a:solidFill>
+                  <a:srgbClr val="FFFF00"/>
+                </a:solidFill>
+              </a:rPr>
+            </a:br>
+            <a:r>
+              <a:rPr lang="ko-KR" altLang="en-US" sz="1600" dirty="0">
+                <a:solidFill>
+                  <a:schemeClr val="bg1">
+                    <a:lumMod val="50000"/>
+                  </a:schemeClr>
+                </a:solidFill>
+              </a:rPr>
+              <a:t>    </a:t>
+            </a:r>
+            <a:r>
+              <a:rPr lang="en-US" altLang="ko-KR" sz="1600" dirty="0">
+                <a:solidFill>
+                  <a:schemeClr val="bg1">
+                    <a:lumMod val="50000"/>
+                  </a:schemeClr>
+                </a:solidFill>
+              </a:rPr>
+              <a:t>"build": "babel source -w -d </a:t>
+            </a:r>
+            <a:r>
+              <a:rPr lang="en-US" altLang="ko-KR" sz="1600" dirty="0" err="1">
+                <a:solidFill>
+                  <a:schemeClr val="bg1">
+                    <a:lumMod val="50000"/>
+                  </a:schemeClr>
+                </a:solidFill>
+              </a:rPr>
+              <a:t>dist</a:t>
+            </a:r>
+            <a:r>
+              <a:rPr lang="en-US" altLang="ko-KR" sz="1600" dirty="0">
+                <a:solidFill>
+                  <a:schemeClr val="bg1">
+                    <a:lumMod val="50000"/>
+                  </a:schemeClr>
+                </a:solidFill>
+              </a:rPr>
+              <a:t>"  </a:t>
+            </a:r>
+            <a:r>
+              <a:rPr lang="en-US" altLang="ko-KR" sz="1600" dirty="0">
+                <a:solidFill>
+                  <a:srgbClr val="FFFF00"/>
+                </a:solidFill>
+              </a:rPr>
+              <a:t>// </a:t>
+            </a:r>
+            <a:r>
+              <a:rPr lang="en-US" altLang="ko-KR" sz="1600" dirty="0" smtClean="0">
+                <a:solidFill>
+                  <a:srgbClr val="FFFF00"/>
+                </a:solidFill>
+              </a:rPr>
+              <a:t>"</a:t>
+            </a:r>
+            <a:r>
+              <a:rPr lang="en-US" altLang="ko-KR" sz="1600" dirty="0">
+                <a:solidFill>
+                  <a:srgbClr val="FFFF00"/>
+                </a:solidFill>
+              </a:rPr>
+              <a:t>build": "babel {</a:t>
+            </a:r>
+            <a:r>
+              <a:rPr lang="ko-KR" altLang="en-US" sz="1600" dirty="0" smtClean="0">
+                <a:solidFill>
+                  <a:srgbClr val="FFFF00"/>
+                </a:solidFill>
+              </a:rPr>
+              <a:t>소스디렉토리</a:t>
+            </a:r>
+            <a:r>
+              <a:rPr lang="en-US" altLang="ko-KR" sz="1600" dirty="0">
+                <a:solidFill>
+                  <a:srgbClr val="FFFF00"/>
+                </a:solidFill>
+              </a:rPr>
+              <a:t>} -w -d {</a:t>
+            </a:r>
+            <a:r>
+              <a:rPr lang="ko-KR" altLang="en-US" sz="1600" dirty="0" smtClean="0">
+                <a:solidFill>
+                  <a:srgbClr val="FFFF00"/>
+                </a:solidFill>
+              </a:rPr>
+              <a:t>출력디렉토리</a:t>
+            </a:r>
+            <a:r>
+              <a:rPr lang="en-US" altLang="ko-KR" sz="1600" dirty="0" smtClean="0">
+                <a:solidFill>
+                  <a:srgbClr val="FFFF00"/>
+                </a:solidFill>
+              </a:rPr>
+              <a:t>}”</a:t>
+            </a:r>
+            <a:br>
+              <a:rPr lang="en-US" altLang="ko-KR" sz="1600" dirty="0" smtClean="0">
+                <a:solidFill>
+                  <a:srgbClr val="FFFF00"/>
+                </a:solidFill>
+              </a:rPr>
+            </a:br>
+            <a:r>
+              <a:rPr lang="en-US" altLang="ko-KR" sz="1600" dirty="0" smtClean="0">
+                <a:solidFill>
+                  <a:srgbClr val="FFFF00"/>
+                </a:solidFill>
+              </a:rPr>
+              <a:t> </a:t>
+            </a:r>
+            <a:r>
+              <a:rPr lang="en-US" altLang="ko-KR" sz="1600" dirty="0" smtClean="0">
+                <a:solidFill>
+                  <a:schemeClr val="bg1">
+                    <a:lumMod val="50000"/>
+                  </a:schemeClr>
+                </a:solidFill>
+              </a:rPr>
+              <a:t>}</a:t>
+            </a:r>
+            <a:endParaRPr lang="en-US" altLang="ko-KR" sz="1600" dirty="0">
+              <a:solidFill>
+                <a:schemeClr val="bg1">
+                  <a:lumMod val="50000"/>
+                </a:schemeClr>
+              </a:solidFill>
+            </a:endParaRPr>
+          </a:p>
+          <a:p>
+            <a:pPr marL="342900" indent="-342900">
+              <a:buAutoNum type="arabicPeriod"/>
+            </a:pPr>
+            <a:r>
+              <a:rPr lang="en-US" altLang="ko-KR" sz="1600" dirty="0">
+                <a:solidFill>
+                  <a:schemeClr val="bg1">
+                    <a:lumMod val="50000"/>
+                  </a:schemeClr>
+                </a:solidFill>
+              </a:rPr>
+              <a:t>.</a:t>
+            </a:r>
+            <a:r>
+              <a:rPr lang="en-US" altLang="ko-KR" sz="1600" dirty="0" err="1">
+                <a:solidFill>
+                  <a:schemeClr val="bg1">
+                    <a:lumMod val="50000"/>
+                  </a:schemeClr>
+                </a:solidFill>
+              </a:rPr>
+              <a:t>babelrc</a:t>
+            </a:r>
+            <a:r>
+              <a:rPr lang="en-US" altLang="ko-KR" sz="1600" dirty="0">
+                <a:solidFill>
+                  <a:schemeClr val="bg1">
+                    <a:lumMod val="50000"/>
+                  </a:schemeClr>
+                </a:solidFill>
+              </a:rPr>
+              <a:t> </a:t>
+            </a:r>
+            <a:r>
+              <a:rPr lang="ko-KR" altLang="en-US" sz="1600" dirty="0">
+                <a:solidFill>
+                  <a:schemeClr val="bg1">
+                    <a:lumMod val="50000"/>
+                  </a:schemeClr>
+                </a:solidFill>
+              </a:rPr>
+              <a:t>파일을 만들어 안에 내용 </a:t>
+            </a:r>
+            <a:r>
+              <a:rPr lang="ko-KR" altLang="en-US" sz="1600" dirty="0" smtClean="0">
+                <a:solidFill>
+                  <a:schemeClr val="bg1">
+                    <a:lumMod val="50000"/>
+                  </a:schemeClr>
+                </a:solidFill>
+              </a:rPr>
+              <a:t>넣기</a:t>
+            </a:r>
+            <a:endParaRPr lang="en-US" altLang="ko-KR" sz="1600" dirty="0" smtClean="0">
+              <a:solidFill>
+                <a:schemeClr val="bg1">
+                  <a:lumMod val="50000"/>
+                </a:schemeClr>
+              </a:solidFill>
+            </a:endParaRPr>
+          </a:p>
+          <a:p>
+            <a:pPr lvl="1"/>
+            <a:r>
+              <a:rPr lang="en-US" altLang="ko-KR" sz="1600" dirty="0" smtClean="0">
+                <a:solidFill>
+                  <a:schemeClr val="bg1">
+                    <a:lumMod val="50000"/>
+                  </a:schemeClr>
+                </a:solidFill>
+              </a:rPr>
+              <a:t>{</a:t>
+            </a:r>
+          </a:p>
+          <a:p>
+            <a:pPr lvl="1"/>
+            <a:r>
+              <a:rPr lang="en-US" altLang="ko-KR" sz="1600" dirty="0" smtClean="0">
+                <a:solidFill>
+                  <a:schemeClr val="bg1">
+                    <a:lumMod val="50000"/>
+                  </a:schemeClr>
+                </a:solidFill>
+              </a:rPr>
+              <a:t>   "</a:t>
+            </a:r>
+            <a:r>
+              <a:rPr lang="en-US" altLang="ko-KR" sz="1600" dirty="0">
+                <a:solidFill>
+                  <a:schemeClr val="bg1">
+                    <a:lumMod val="50000"/>
+                  </a:schemeClr>
+                </a:solidFill>
+              </a:rPr>
+              <a:t>presets" : ["</a:t>
+            </a:r>
+            <a:r>
+              <a:rPr lang="en-US" altLang="ko-KR" sz="1600" dirty="0" err="1">
+                <a:solidFill>
+                  <a:schemeClr val="bg1">
+                    <a:lumMod val="50000"/>
+                  </a:schemeClr>
+                </a:solidFill>
+              </a:rPr>
+              <a:t>env</a:t>
+            </a:r>
+            <a:r>
+              <a:rPr lang="en-US" altLang="ko-KR" sz="1600" dirty="0" smtClean="0">
+                <a:solidFill>
+                  <a:schemeClr val="bg1">
+                    <a:lumMod val="50000"/>
+                  </a:schemeClr>
+                </a:solidFill>
+              </a:rPr>
+              <a:t>"] </a:t>
+            </a:r>
+            <a:r>
+              <a:rPr lang="en-US" altLang="ko-KR" sz="1600" dirty="0" smtClean="0">
+                <a:solidFill>
+                  <a:srgbClr val="FFFF00"/>
+                </a:solidFill>
+              </a:rPr>
+              <a:t>// </a:t>
+            </a:r>
+            <a:r>
+              <a:rPr lang="ko-KR" altLang="en-US" sz="1600" dirty="0" smtClean="0">
+                <a:solidFill>
+                  <a:srgbClr val="FFFF00"/>
+                </a:solidFill>
+              </a:rPr>
+              <a:t>공식 스펙에서 지원하지 않는 기능들을 플러그인 옵션으로 추가</a:t>
+            </a:r>
+            <a:endParaRPr lang="en-US" altLang="ko-KR" sz="1600" dirty="0">
+              <a:solidFill>
+                <a:srgbClr val="FFFF00"/>
+              </a:solidFill>
+            </a:endParaRPr>
+          </a:p>
+          <a:p>
+            <a:pPr lvl="1"/>
+            <a:r>
+              <a:rPr lang="en-US" altLang="ko-KR" sz="1600" dirty="0">
+                <a:solidFill>
+                  <a:schemeClr val="bg1">
+                    <a:lumMod val="50000"/>
+                  </a:schemeClr>
+                </a:solidFill>
+              </a:rPr>
+              <a:t>}​</a:t>
+            </a:r>
+          </a:p>
+          <a:p>
+            <a:pPr marL="342900" indent="-342900">
+              <a:buAutoNum type="arabicPeriod"/>
+            </a:pPr>
+            <a:r>
+              <a:rPr lang="en-US" altLang="ko-KR" sz="1600" dirty="0" err="1" smtClean="0">
+                <a:solidFill>
+                  <a:schemeClr val="bg1"/>
+                </a:solidFill>
+              </a:rPr>
+              <a:t>npm</a:t>
+            </a:r>
+            <a:r>
+              <a:rPr lang="en-US" altLang="ko-KR" sz="1600" dirty="0">
+                <a:solidFill>
+                  <a:schemeClr val="bg1"/>
+                </a:solidFill>
+              </a:rPr>
+              <a:t> run </a:t>
+            </a:r>
+            <a:r>
+              <a:rPr lang="en-US" altLang="ko-KR" sz="1600" dirty="0" smtClean="0">
+                <a:solidFill>
+                  <a:schemeClr val="bg1"/>
+                </a:solidFill>
+              </a:rPr>
+              <a:t>build </a:t>
+            </a:r>
+            <a:r>
+              <a:rPr lang="en-US" altLang="ko-KR" sz="1600" dirty="0" smtClean="0">
+                <a:solidFill>
+                  <a:srgbClr val="FFFF00"/>
+                </a:solidFill>
+              </a:rPr>
+              <a:t>// </a:t>
+            </a:r>
+            <a:r>
+              <a:rPr lang="ko-KR" altLang="en-US" sz="1600" dirty="0" smtClean="0">
+                <a:solidFill>
+                  <a:srgbClr val="FFFF00"/>
+                </a:solidFill>
+              </a:rPr>
+              <a:t>트랜스파일링 실행</a:t>
+            </a:r>
+            <a:endParaRPr lang="en-US" altLang="ko-KR" sz="1600" dirty="0" smtClean="0">
+              <a:solidFill>
+                <a:srgbClr val="FFFF00"/>
+              </a:solidFill>
+            </a:endParaRPr>
+          </a:p>
+        </p:txBody>
+      </p:sp>
+      <p:sp>
+        <p:nvSpPr>
+          <p:cNvPr id="7" name="TextBox 6"/>
+          <p:cNvSpPr txBox="1"/>
+          <p:nvPr/>
+        </p:nvSpPr>
+        <p:spPr>
+          <a:xfrm>
+            <a:off x="1251678" y="1542970"/>
+            <a:ext cx="3327343" cy="338554"/>
+          </a:xfrm>
+          <a:prstGeom prst="rect">
+            <a:avLst/>
+          </a:prstGeom>
+          <a:noFill/>
+        </p:spPr>
+        <p:txBody>
+          <a:bodyPr wrap="square" rtlCol="0">
+            <a:spAutoFit/>
+          </a:bodyPr>
+          <a:lstStyle/>
+          <a:p>
+            <a:r>
+              <a:rPr lang="ko-KR" altLang="en-US" sz="1200" dirty="0" smtClean="0">
+                <a:latin typeface="+mj-ea"/>
+                <a:ea typeface="+mj-ea"/>
+              </a:rPr>
+              <a:t>공식사이트 </a:t>
+            </a:r>
+            <a:r>
+              <a:rPr lang="en-US" altLang="ko-KR" sz="1200" dirty="0">
+                <a:latin typeface="+mj-ea"/>
+                <a:ea typeface="+mj-ea"/>
+              </a:rPr>
+              <a:t>: </a:t>
+            </a:r>
+            <a:r>
+              <a:rPr lang="en-US" altLang="ko-KR" sz="1600" dirty="0" smtClean="0">
+                <a:hlinkClick r:id="rId2"/>
+              </a:rPr>
+              <a:t>https</a:t>
+            </a:r>
+            <a:r>
+              <a:rPr lang="en-US" altLang="ko-KR" sz="1600" dirty="0">
+                <a:hlinkClick r:id="rId2"/>
+              </a:rPr>
+              <a:t>://babeljs.io</a:t>
+            </a:r>
+            <a:r>
+              <a:rPr lang="en-US" altLang="ko-KR" sz="1600" dirty="0" smtClean="0">
+                <a:hlinkClick r:id="rId2"/>
+              </a:rPr>
+              <a:t>/</a:t>
+            </a:r>
+            <a:endParaRPr lang="en-US" altLang="ko-KR" sz="1600" dirty="0" smtClean="0"/>
+          </a:p>
+        </p:txBody>
+      </p:sp>
+    </p:spTree>
+    <p:extLst>
+      <p:ext uri="{BB962C8B-B14F-4D97-AF65-F5344CB8AC3E}">
+        <p14:creationId xmlns:p14="http://schemas.microsoft.com/office/powerpoint/2010/main" val="603808687"/>
+      </p:ext>
+    </p:extLst>
+  </p:cSld>
+  <p:clrMapOvr>
+    <a:masterClrMapping/>
+  </p:clrMapOvr>
+  <p:timing>
+    <p:tnLst>
+      <p:par>
+        <p:cTn id="1" dur="indefinite" restart="never" nodeType="tmRoot"/>
+      </p:par>
+    </p:tnLst>
+  </p:timing>
+</p:sld>
+</file>
+
+<file path=ppt/slides/slide19.xml><?xml version="1.0" encoding="utf-8"?>
+<p:sld xmlns:a="http://schemas.openxmlformats.org/drawingml/2006/main" xmlns:r="http://schemas.openxmlformats.org/officeDocument/2006/relationships" xmlns:p="http://schemas.openxmlformats.org/presentationml/2006/main">
+  <p:cSld>
+    <p:spTree>
+      <p:nvGrpSpPr>
+        <p:cNvPr id="1" name=""/>
+        <p:cNvGrpSpPr/>
+        <p:nvPr/>
+      </p:nvGrpSpPr>
+      <p:grpSpPr>
+        <a:xfrm>
+          <a:off x="0" y="0"/>
+          <a:ext cx="0" cy="0"/>
+          <a:chOff x="0" y="0"/>
+          <a:chExt cx="0" cy="0"/>
+        </a:xfrm>
+      </p:grpSpPr>
+      <p:sp>
+        <p:nvSpPr>
+          <p:cNvPr id="2" name="제목 1"/>
+          <p:cNvSpPr>
+            <a:spLocks noGrp="1"/>
+          </p:cNvSpPr>
+          <p:nvPr>
+            <p:ph type="ctrTitle"/>
+          </p:nvPr>
+        </p:nvSpPr>
+        <p:spPr>
+          <a:xfrm>
+            <a:off x="3316467" y="2195727"/>
+            <a:ext cx="5914030" cy="2141494"/>
+          </a:xfrm>
+        </p:spPr>
+        <p:txBody>
+          <a:bodyPr/>
+          <a:lstStyle/>
+          <a:p>
+            <a:r>
+              <a:rPr lang="en-US" altLang="ko-KR" dirty="0" smtClean="0"/>
+              <a:t>Q&amp;A</a:t>
+            </a:r>
+            <a:endParaRPr lang="ko-KR" altLang="en-US" sz="8800" dirty="0"/>
+          </a:p>
+        </p:txBody>
+      </p:sp>
+      <p:sp>
+        <p:nvSpPr>
+          <p:cNvPr id="5" name="부제목 2"/>
+          <p:cNvSpPr txBox="1">
+            <a:spLocks/>
+          </p:cNvSpPr>
+          <p:nvPr/>
+        </p:nvSpPr>
+        <p:spPr>
+          <a:xfrm>
+            <a:off x="2356934" y="6015982"/>
+            <a:ext cx="8045373" cy="742279"/>
+          </a:xfrm>
+          <a:prstGeom prst="rect">
+            <a:avLst/>
+          </a:prstGeom>
+        </p:spPr>
+        <p:txBody>
+          <a:bodyPr vert="horz" lIns="91440" tIns="45720" rIns="91440" bIns="45720" rtlCol="0" anchor="t">
+            <a:normAutofit/>
+          </a:bodyPr>
+          <a:lstStyle>
+            <a:lvl1pPr marL="0" indent="0" algn="ctr" defTabSz="914400" rtl="0" eaLnBrk="1" latinLnBrk="1" hangingPunct="1">
+              <a:lnSpc>
+                <a:spcPct val="100000"/>
+              </a:lnSpc>
+              <a:spcBef>
+                <a:spcPts val="700"/>
+              </a:spcBef>
+              <a:buClr>
+                <a:schemeClr val="tx2"/>
+              </a:buClr>
+              <a:buFont typeface="Arial" panose="020B0604020202020204" pitchFamily="34" charset="0"/>
+              <a:buNone/>
+              <a:defRPr sz="2000" b="1" i="0" kern="1200" cap="all" spc="400" baseline="0">
+                <a:solidFill>
+                  <a:schemeClr val="tx2"/>
+                </a:solidFill>
+                <a:latin typeface="+mn-lt"/>
+                <a:ea typeface="+mn-ea"/>
+                <a:cs typeface="+mn-cs"/>
+              </a:defRPr>
+            </a:lvl1pPr>
+            <a:lvl2pPr marL="457200" indent="0" algn="ctr" defTabSz="914400" rtl="0" eaLnBrk="1" latinLnBrk="1" hangingPunct="1">
+              <a:lnSpc>
+                <a:spcPct val="110000"/>
+              </a:lnSpc>
+              <a:spcBef>
+                <a:spcPts val="700"/>
+              </a:spcBef>
+              <a:buClr>
+                <a:schemeClr val="tx2"/>
+              </a:buClr>
+              <a:buFont typeface="Gill Sans MT" panose="020B0502020104020203" pitchFamily="34" charset="0"/>
+              <a:buNone/>
+              <a:defRPr sz="2000" kern="1200">
+                <a:solidFill>
+                  <a:schemeClr val="tx1">
+                    <a:lumMod val="65000"/>
+                    <a:lumOff val="35000"/>
+                  </a:schemeClr>
+                </a:solidFill>
+                <a:latin typeface="+mn-lt"/>
+                <a:ea typeface="+mn-ea"/>
+                <a:cs typeface="+mn-cs"/>
+              </a:defRPr>
+            </a:lvl2pPr>
+            <a:lvl3pPr marL="914400" indent="0" algn="ctr" defTabSz="914400" rtl="0" eaLnBrk="1" latinLnBrk="1" hangingPunct="1">
+              <a:lnSpc>
+                <a:spcPct val="110000"/>
+              </a:lnSpc>
+              <a:spcBef>
+                <a:spcPts val="700"/>
+              </a:spcBef>
+              <a:buClr>
+                <a:schemeClr val="tx2"/>
+              </a:buClr>
+              <a:buFont typeface="Arial" panose="020B0604020202020204" pitchFamily="34" charset="0"/>
+              <a:buNone/>
+              <a:defRPr sz="1800" kern="1200">
+                <a:solidFill>
+                  <a:schemeClr val="tx1">
+                    <a:lumMod val="65000"/>
+                    <a:lumOff val="35000"/>
+                  </a:schemeClr>
+                </a:solidFill>
+                <a:latin typeface="+mn-lt"/>
+                <a:ea typeface="+mn-ea"/>
+                <a:cs typeface="+mn-cs"/>
+              </a:defRPr>
+            </a:lvl3pPr>
+            <a:lvl4pPr marL="1371600" indent="0" algn="ctr" defTabSz="914400" rtl="0" eaLnBrk="1" latinLnBrk="1" hangingPunct="1">
+              <a:lnSpc>
+                <a:spcPct val="110000"/>
+              </a:lnSpc>
+              <a:spcBef>
+                <a:spcPts val="700"/>
+              </a:spcBef>
+              <a:buClr>
+                <a:schemeClr val="tx2"/>
+              </a:buClr>
+              <a:buFont typeface="Gill Sans MT" panose="020B0502020104020203" pitchFamily="34" charset="0"/>
+              <a:buNone/>
+              <a:defRPr sz="1600" kern="1200">
+                <a:solidFill>
+                  <a:schemeClr val="tx1">
+                    <a:lumMod val="65000"/>
+                    <a:lumOff val="35000"/>
+                  </a:schemeClr>
+                </a:solidFill>
+                <a:latin typeface="+mn-lt"/>
+                <a:ea typeface="+mn-ea"/>
+                <a:cs typeface="+mn-cs"/>
+              </a:defRPr>
+            </a:lvl4pPr>
+            <a:lvl5pPr marL="1828800" indent="0" algn="ctr" defTabSz="914400" rtl="0" eaLnBrk="1" latinLnBrk="1" hangingPunct="1">
+              <a:lnSpc>
+                <a:spcPct val="110000"/>
+              </a:lnSpc>
+              <a:spcBef>
+                <a:spcPts val="700"/>
+              </a:spcBef>
+              <a:buClr>
+                <a:schemeClr val="tx2"/>
+              </a:buClr>
+              <a:buFont typeface="Arial" panose="020B0604020202020204" pitchFamily="34" charset="0"/>
+              <a:buNone/>
+              <a:defRPr sz="1600" kern="1200">
+                <a:solidFill>
+                  <a:schemeClr val="tx1">
+                    <a:lumMod val="65000"/>
+                    <a:lumOff val="35000"/>
+                  </a:schemeClr>
+                </a:solidFill>
+                <a:latin typeface="+mn-lt"/>
+                <a:ea typeface="+mn-ea"/>
+                <a:cs typeface="+mn-cs"/>
+              </a:defRPr>
+            </a:lvl5pPr>
+            <a:lvl6pPr marL="2286000" indent="0" algn="ctr" defTabSz="914400" rtl="0" eaLnBrk="1" latinLnBrk="1" hangingPunct="1">
+              <a:lnSpc>
+                <a:spcPct val="110000"/>
+              </a:lnSpc>
+              <a:spcBef>
+                <a:spcPts val="700"/>
+              </a:spcBef>
+              <a:buClr>
+                <a:schemeClr val="tx2"/>
+              </a:buClr>
+              <a:buFont typeface="Gill Sans MT" panose="020B0502020104020203" pitchFamily="34" charset="0"/>
+              <a:buNone/>
+              <a:defRPr sz="1600" kern="1200">
+                <a:solidFill>
+                  <a:schemeClr val="tx1">
+                    <a:lumMod val="65000"/>
+                    <a:lumOff val="35000"/>
+                  </a:schemeClr>
+                </a:solidFill>
+                <a:latin typeface="+mn-lt"/>
+                <a:ea typeface="+mn-ea"/>
+                <a:cs typeface="+mn-cs"/>
+              </a:defRPr>
+            </a:lvl6pPr>
+            <a:lvl7pPr marL="2743200" indent="0" algn="ctr" defTabSz="914400" rtl="0" eaLnBrk="1" latinLnBrk="1" hangingPunct="1">
+              <a:lnSpc>
+                <a:spcPct val="110000"/>
+              </a:lnSpc>
+              <a:spcBef>
+                <a:spcPts val="700"/>
+              </a:spcBef>
+              <a:buClr>
+                <a:schemeClr val="tx2"/>
+              </a:buClr>
+              <a:buFont typeface="Arial" panose="020B0604020202020204" pitchFamily="34" charset="0"/>
+              <a:buNone/>
+              <a:defRPr sz="1600" kern="1200">
+                <a:solidFill>
+                  <a:schemeClr val="tx1">
+                    <a:lumMod val="65000"/>
+                    <a:lumOff val="35000"/>
+                  </a:schemeClr>
+                </a:solidFill>
+                <a:latin typeface="+mn-lt"/>
+                <a:ea typeface="+mn-ea"/>
+                <a:cs typeface="+mn-cs"/>
+              </a:defRPr>
+            </a:lvl7pPr>
+            <a:lvl8pPr marL="3200400" indent="0" algn="ctr" defTabSz="914400" rtl="0" eaLnBrk="1" latinLnBrk="1" hangingPunct="1">
+              <a:lnSpc>
+                <a:spcPct val="110000"/>
+              </a:lnSpc>
+              <a:spcBef>
+                <a:spcPts val="700"/>
+              </a:spcBef>
+              <a:buClr>
+                <a:schemeClr val="tx2"/>
+              </a:buClr>
+              <a:buFont typeface="Gill Sans MT" panose="020B0502020104020203" pitchFamily="34" charset="0"/>
+              <a:buNone/>
+              <a:defRPr sz="1600" kern="1200" baseline="0">
+                <a:solidFill>
+                  <a:schemeClr val="tx1">
+                    <a:lumMod val="65000"/>
+                    <a:lumOff val="35000"/>
+                  </a:schemeClr>
+                </a:solidFill>
+                <a:latin typeface="+mn-lt"/>
+                <a:ea typeface="+mn-ea"/>
+                <a:cs typeface="+mn-cs"/>
+              </a:defRPr>
+            </a:lvl8pPr>
+            <a:lvl9pPr marL="3657600" indent="0" algn="ctr" defTabSz="914400" rtl="0" eaLnBrk="1" latinLnBrk="1" hangingPunct="1">
+              <a:lnSpc>
+                <a:spcPct val="110000"/>
+              </a:lnSpc>
+              <a:spcBef>
+                <a:spcPts val="700"/>
+              </a:spcBef>
+              <a:buClr>
+                <a:schemeClr val="tx2"/>
+              </a:buClr>
+              <a:buFont typeface="Arial" panose="020B0604020202020204" pitchFamily="34" charset="0"/>
+              <a:buNone/>
+              <a:defRPr sz="1600" kern="1200" baseline="0">
+                <a:solidFill>
+                  <a:schemeClr val="tx1">
+                    <a:lumMod val="65000"/>
+                    <a:lumOff val="35000"/>
+                  </a:schemeClr>
+                </a:solidFill>
+                <a:latin typeface="+mn-lt"/>
+                <a:ea typeface="+mn-ea"/>
+                <a:cs typeface="+mn-cs"/>
+              </a:defRPr>
+            </a:lvl9pPr>
+          </a:lstStyle>
+          <a:p>
+            <a:r>
+              <a:rPr lang="ko-KR" altLang="en-US" sz="4000" b="0" dirty="0" smtClean="0"/>
+              <a:t>질의응답</a:t>
+            </a:r>
+            <a:endParaRPr lang="ko-KR" altLang="en-US" sz="4000" dirty="0"/>
+          </a:p>
+        </p:txBody>
+      </p:sp>
+      <p:sp>
+        <p:nvSpPr>
+          <p:cNvPr id="3" name="TextBox 2"/>
+          <p:cNvSpPr txBox="1"/>
+          <p:nvPr/>
+        </p:nvSpPr>
+        <p:spPr>
+          <a:xfrm>
+            <a:off x="1898323" y="513824"/>
+            <a:ext cx="1136822" cy="2092881"/>
+          </a:xfrm>
+          <a:prstGeom prst="rect">
+            <a:avLst/>
+          </a:prstGeom>
+          <a:noFill/>
+        </p:spPr>
+        <p:txBody>
+          <a:bodyPr wrap="square" rtlCol="0">
+            <a:spAutoFit/>
+          </a:bodyPr>
+          <a:lstStyle/>
+          <a:p>
+            <a:r>
+              <a:rPr lang="en-US" altLang="ko-KR" sz="13000" dirty="0" smtClean="0">
+                <a:solidFill>
+                  <a:srgbClr val="FFC000"/>
+                </a:solidFill>
+                <a:latin typeface="+mj-ea"/>
+                <a:ea typeface="+mj-ea"/>
+              </a:rPr>
+              <a:t>?</a:t>
+            </a:r>
+            <a:endParaRPr lang="ko-KR" altLang="en-US" sz="13000" dirty="0">
+              <a:solidFill>
+                <a:srgbClr val="FFC000"/>
+              </a:solidFill>
+              <a:latin typeface="+mj-ea"/>
+              <a:ea typeface="+mj-ea"/>
+            </a:endParaRPr>
+          </a:p>
+        </p:txBody>
+      </p:sp>
+      <p:sp>
+        <p:nvSpPr>
+          <p:cNvPr id="6" name="TextBox 5"/>
+          <p:cNvSpPr txBox="1"/>
+          <p:nvPr/>
+        </p:nvSpPr>
+        <p:spPr>
+          <a:xfrm>
+            <a:off x="1220112" y="3444135"/>
+            <a:ext cx="1136822" cy="1569660"/>
+          </a:xfrm>
+          <a:prstGeom prst="rect">
+            <a:avLst/>
+          </a:prstGeom>
+          <a:noFill/>
+        </p:spPr>
+        <p:txBody>
+          <a:bodyPr wrap="square" rtlCol="0">
+            <a:spAutoFit/>
+          </a:bodyPr>
+          <a:lstStyle/>
+          <a:p>
+            <a:r>
+              <a:rPr lang="en-US" altLang="ko-KR" sz="9600" dirty="0" smtClean="0">
+                <a:solidFill>
+                  <a:srgbClr val="FFC000"/>
+                </a:solidFill>
+                <a:latin typeface="+mj-ea"/>
+                <a:ea typeface="+mj-ea"/>
+              </a:rPr>
+              <a:t>?</a:t>
+            </a:r>
+            <a:endParaRPr lang="ko-KR" altLang="en-US" sz="9600" dirty="0">
+              <a:solidFill>
+                <a:srgbClr val="FFC000"/>
+              </a:solidFill>
+              <a:latin typeface="+mj-ea"/>
+              <a:ea typeface="+mj-ea"/>
+            </a:endParaRPr>
+          </a:p>
+        </p:txBody>
+      </p:sp>
+      <p:sp>
+        <p:nvSpPr>
+          <p:cNvPr id="7" name="TextBox 6"/>
+          <p:cNvSpPr txBox="1"/>
+          <p:nvPr/>
+        </p:nvSpPr>
+        <p:spPr>
+          <a:xfrm>
+            <a:off x="9511819" y="625590"/>
+            <a:ext cx="1136822" cy="1569660"/>
+          </a:xfrm>
+          <a:prstGeom prst="rect">
+            <a:avLst/>
+          </a:prstGeom>
+          <a:noFill/>
+        </p:spPr>
+        <p:txBody>
+          <a:bodyPr wrap="square" rtlCol="0">
+            <a:spAutoFit/>
+          </a:bodyPr>
+          <a:lstStyle/>
+          <a:p>
+            <a:r>
+              <a:rPr lang="en-US" altLang="ko-KR" sz="9600" dirty="0" smtClean="0">
+                <a:solidFill>
+                  <a:srgbClr val="FFC000"/>
+                </a:solidFill>
+                <a:latin typeface="+mj-ea"/>
+                <a:ea typeface="+mj-ea"/>
+              </a:rPr>
+              <a:t>?</a:t>
+            </a:r>
+            <a:endParaRPr lang="ko-KR" altLang="en-US" sz="9600" dirty="0">
+              <a:solidFill>
+                <a:srgbClr val="FFC000"/>
+              </a:solidFill>
+              <a:latin typeface="+mj-ea"/>
+              <a:ea typeface="+mj-ea"/>
+            </a:endParaRPr>
+          </a:p>
+        </p:txBody>
+      </p:sp>
+      <p:sp>
+        <p:nvSpPr>
+          <p:cNvPr id="8" name="TextBox 7"/>
+          <p:cNvSpPr txBox="1"/>
+          <p:nvPr/>
+        </p:nvSpPr>
+        <p:spPr>
+          <a:xfrm>
+            <a:off x="8662086" y="4857300"/>
+            <a:ext cx="1136822" cy="2092881"/>
+          </a:xfrm>
+          <a:prstGeom prst="rect">
+            <a:avLst/>
+          </a:prstGeom>
+          <a:noFill/>
+        </p:spPr>
+        <p:txBody>
+          <a:bodyPr wrap="square" rtlCol="0">
+            <a:spAutoFit/>
+          </a:bodyPr>
+          <a:lstStyle/>
+          <a:p>
+            <a:r>
+              <a:rPr lang="en-US" altLang="ko-KR" sz="13000" dirty="0" smtClean="0">
+                <a:solidFill>
+                  <a:srgbClr val="FFC000"/>
+                </a:solidFill>
+                <a:latin typeface="+mj-ea"/>
+                <a:ea typeface="+mj-ea"/>
+              </a:rPr>
+              <a:t>?</a:t>
+            </a:r>
+            <a:endParaRPr lang="ko-KR" altLang="en-US" sz="13000" dirty="0">
+              <a:solidFill>
+                <a:srgbClr val="FFC000"/>
+              </a:solidFill>
+              <a:latin typeface="+mj-ea"/>
+              <a:ea typeface="+mj-ea"/>
+            </a:endParaRPr>
+          </a:p>
+        </p:txBody>
+      </p:sp>
+      <p:sp>
+        <p:nvSpPr>
+          <p:cNvPr id="9" name="TextBox 8"/>
+          <p:cNvSpPr txBox="1"/>
+          <p:nvPr/>
+        </p:nvSpPr>
+        <p:spPr>
+          <a:xfrm>
+            <a:off x="10460709" y="3481173"/>
+            <a:ext cx="1136822" cy="1323439"/>
+          </a:xfrm>
+          <a:prstGeom prst="rect">
+            <a:avLst/>
+          </a:prstGeom>
+          <a:noFill/>
+        </p:spPr>
+        <p:txBody>
+          <a:bodyPr wrap="square" rtlCol="0">
+            <a:spAutoFit/>
+          </a:bodyPr>
+          <a:lstStyle/>
+          <a:p>
+            <a:r>
+              <a:rPr lang="en-US" altLang="ko-KR" sz="8000" dirty="0" smtClean="0">
+                <a:solidFill>
+                  <a:srgbClr val="FFC000"/>
+                </a:solidFill>
+                <a:latin typeface="+mj-ea"/>
+                <a:ea typeface="+mj-ea"/>
+              </a:rPr>
+              <a:t>?</a:t>
+            </a:r>
+            <a:endParaRPr lang="ko-KR" altLang="en-US" sz="8000" dirty="0">
+              <a:solidFill>
+                <a:srgbClr val="FFC000"/>
+              </a:solidFill>
+              <a:latin typeface="+mj-ea"/>
+              <a:ea typeface="+mj-ea"/>
+            </a:endParaRPr>
+          </a:p>
+        </p:txBody>
+      </p:sp>
+    </p:spTree>
+    <p:extLst>
+      <p:ext uri="{BB962C8B-B14F-4D97-AF65-F5344CB8AC3E}">
+        <p14:creationId xmlns:p14="http://schemas.microsoft.com/office/powerpoint/2010/main" val="3891928561"/>
+      </p:ext>
+    </p:extLst>
+  </p:cSld>
+  <p:clrMapOvr>
+    <a:masterClrMapping/>
+  </p:clrMapOvr>
+  <p:timing>
+    <p:tnLst>
+      <p:par>
+        <p:cTn id="1" dur="indefinite" restart="never" nodeType="tmRoot"/>
+      </p:par>
+    </p:tnLst>
+  </p:timing>
+</p:sld>
+</file>
+
 <file path=ppt/slides/slide2.xml><?xml version="1.0" encoding="utf-8"?>
 <p:sld xmlns:a="http://schemas.openxmlformats.org/drawingml/2006/main" xmlns:r="http://schemas.openxmlformats.org/officeDocument/2006/relationships" xmlns:p="http://schemas.openxmlformats.org/presentationml/2006/main">
   <p:cSld>
@@ -13921,17 +17412,24 @@
             <p:ph type="title"/>
           </p:nvPr>
         </p:nvSpPr>
-        <p:spPr/>
+        <p:spPr>
+          <a:xfrm>
+            <a:off x="1251678" y="382385"/>
+            <a:ext cx="10178322" cy="532015"/>
+          </a:xfrm>
+        </p:spPr>
         <p:txBody>
-          <a:bodyPr/>
+          <a:bodyPr>
+            <a:normAutofit/>
+          </a:bodyPr>
           <a:lstStyle/>
           <a:p>
             <a:pPr algn="ctr"/>
             <a:r>
-              <a:rPr lang="ko-KR" altLang="en-US" dirty="0" smtClean="0"/>
+              <a:rPr lang="ko-KR" altLang="en-US" sz="2800" dirty="0" smtClean="0"/>
               <a:t>목차</a:t>
             </a:r>
-            <a:endParaRPr lang="ko-KR" altLang="en-US" dirty="0"/>
+            <a:endParaRPr lang="ko-KR" altLang="en-US" sz="2800" dirty="0"/>
           </a:p>
         </p:txBody>
       </p:sp>
@@ -13945,85 +17443,404 @@
             <p:ph idx="1"/>
           </p:nvPr>
         </p:nvSpPr>
-        <p:spPr/>
+        <p:spPr>
+          <a:xfrm>
+            <a:off x="1251678" y="1122947"/>
+            <a:ext cx="10178322" cy="5534527"/>
+          </a:xfrm>
+        </p:spPr>
         <p:txBody>
-          <a:bodyPr/>
+          <a:bodyPr>
+            <a:normAutofit fontScale="92500" lnSpcReduction="20000"/>
+          </a:bodyPr>
           <a:lstStyle/>
           <a:p>
-            <a:pPr algn="ctr"/>
             <a:r>
               <a:rPr lang="en-US" altLang="ko-KR" dirty="0">
-                <a:latin typeface="Bahnschrift Condensed" panose="020B0502040204020203" pitchFamily="34" charset="0"/>
+                <a:latin typeface="+mj-ea"/>
+                <a:ea typeface="+mj-ea"/>
               </a:rPr>
               <a:t>ECMAScript 6 </a:t>
             </a:r>
             <a:r>
               <a:rPr lang="ko-KR" altLang="en-US" dirty="0">
-                <a:latin typeface="Bahnschrift Condensed" panose="020B0502040204020203" pitchFamily="34" charset="0"/>
+                <a:latin typeface="+mj-ea"/>
+                <a:ea typeface="+mj-ea"/>
               </a:rPr>
               <a:t>란</a:t>
             </a:r>
             <a:r>
               <a:rPr lang="en-US" altLang="ko-KR" dirty="0" smtClean="0">
-                <a:latin typeface="Bahnschrift Condensed" panose="020B0502040204020203" pitchFamily="34" charset="0"/>
+                <a:latin typeface="+mj-ea"/>
+                <a:ea typeface="+mj-ea"/>
               </a:rPr>
               <a:t>?</a:t>
             </a:r>
           </a:p>
           <a:p>
-            <a:pPr algn="ctr"/>
             <a:r>
               <a:rPr lang="en-US" altLang="ko-KR" dirty="0">
-                <a:latin typeface="Bahnschrift Condensed" panose="020B0502040204020203" pitchFamily="34" charset="0"/>
+                <a:latin typeface="+mj-ea"/>
+                <a:ea typeface="+mj-ea"/>
               </a:rPr>
               <a:t>ECMAScript 6 </a:t>
             </a:r>
             <a:r>
               <a:rPr lang="ko-KR" altLang="en-US" dirty="0" smtClean="0">
-                <a:latin typeface="Bahnschrift Condensed" panose="020B0502040204020203" pitchFamily="34" charset="0"/>
+                <a:latin typeface="+mj-ea"/>
+                <a:ea typeface="+mj-ea"/>
               </a:rPr>
               <a:t>왜</a:t>
             </a:r>
             <a:r>
               <a:rPr lang="en-US" altLang="ko-KR" dirty="0" smtClean="0">
-                <a:latin typeface="Bahnschrift Condensed" panose="020B0502040204020203" pitchFamily="34" charset="0"/>
+                <a:latin typeface="+mj-ea"/>
+                <a:ea typeface="+mj-ea"/>
               </a:rPr>
               <a:t>?</a:t>
             </a:r>
           </a:p>
           <a:p>
-            <a:pPr algn="ctr"/>
+            <a:r>
+              <a:rPr lang="ko-KR" altLang="en-US" dirty="0" err="1" smtClean="0">
+                <a:latin typeface="+mj-ea"/>
+                <a:ea typeface="+mj-ea"/>
+              </a:rPr>
+              <a:t>신규기능들</a:t>
+            </a:r>
+            <a:endParaRPr lang="en-US" altLang="ko-KR" dirty="0" smtClean="0">
+              <a:latin typeface="+mj-ea"/>
+              <a:ea typeface="+mj-ea"/>
+            </a:endParaRPr>
+          </a:p>
+          <a:p>
+            <a:pPr lvl="1"/>
             <a:r>
               <a:rPr lang="en-US" altLang="ko-KR" dirty="0" smtClean="0">
-                <a:latin typeface="Bahnschrift Condensed" panose="020B0502040204020203" pitchFamily="34" charset="0"/>
+                <a:latin typeface="+mj-ea"/>
+                <a:ea typeface="+mj-ea"/>
               </a:rPr>
               <a:t>Let</a:t>
             </a:r>
           </a:p>
           <a:p>
-            <a:pPr algn="ctr"/>
+            <a:pPr lvl="1"/>
             <a:r>
               <a:rPr lang="en-US" altLang="ko-KR" dirty="0" err="1" smtClean="0">
-                <a:latin typeface="Bahnschrift Condensed" panose="020B0502040204020203" pitchFamily="34" charset="0"/>
+                <a:latin typeface="+mj-ea"/>
+                <a:ea typeface="+mj-ea"/>
               </a:rPr>
               <a:t>Const</a:t>
             </a:r>
             <a:endParaRPr lang="en-US" altLang="ko-KR" dirty="0" smtClean="0">
-              <a:latin typeface="Bahnschrift Condensed" panose="020B0502040204020203" pitchFamily="34" charset="0"/>
+              <a:latin typeface="+mj-ea"/>
+              <a:ea typeface="+mj-ea"/>
             </a:endParaRPr>
           </a:p>
           <a:p>
-            <a:pPr algn="ctr"/>
+            <a:pPr lvl="1"/>
             <a:r>
               <a:rPr lang="en-US" altLang="ko-KR" dirty="0" smtClean="0">
-                <a:latin typeface="Bahnschrift Condensed" panose="020B0502040204020203" pitchFamily="34" charset="0"/>
-              </a:rPr>
-              <a:t>Arrow function</a:t>
-            </a:r>
-          </a:p>
-          <a:p>
-            <a:pPr algn="ctr"/>
-            <a:endParaRPr lang="ko-KR" altLang="en-US" dirty="0"/>
+                <a:latin typeface="+mj-ea"/>
+                <a:ea typeface="+mj-ea"/>
+              </a:rPr>
+              <a:t>Arrow </a:t>
+            </a:r>
+            <a:r>
+              <a:rPr lang="en-US" altLang="ko-KR" dirty="0" smtClean="0">
+                <a:latin typeface="+mj-ea"/>
+                <a:ea typeface="+mj-ea"/>
+              </a:rPr>
+              <a:t>function</a:t>
+            </a:r>
+          </a:p>
+          <a:p>
+            <a:pPr lvl="1"/>
+            <a:r>
+              <a:rPr lang="en-US" altLang="ko-KR" dirty="0" smtClean="0">
+                <a:latin typeface="+mj-ea"/>
+                <a:ea typeface="+mj-ea"/>
+              </a:rPr>
+              <a:t>Parameter</a:t>
+            </a:r>
+          </a:p>
+          <a:p>
+            <a:pPr lvl="1"/>
+            <a:r>
+              <a:rPr lang="en-US" altLang="ko-KR" dirty="0">
+                <a:latin typeface="+mj-ea"/>
+                <a:ea typeface="+mj-ea"/>
+              </a:rPr>
+              <a:t>Template </a:t>
+            </a:r>
+            <a:r>
+              <a:rPr lang="en-US" altLang="ko-KR" dirty="0" smtClean="0">
+                <a:latin typeface="+mj-ea"/>
+                <a:ea typeface="+mj-ea"/>
+              </a:rPr>
+              <a:t>literal</a:t>
+            </a:r>
+          </a:p>
+          <a:p>
+            <a:pPr lvl="1"/>
+            <a:r>
+              <a:rPr lang="en-US" altLang="ko-KR" dirty="0" err="1">
+                <a:latin typeface="+mj-ea"/>
+                <a:ea typeface="+mj-ea"/>
+              </a:rPr>
+              <a:t>destructuring</a:t>
+            </a:r>
+            <a:r>
+              <a:rPr lang="en-US" altLang="ko-KR" dirty="0">
+                <a:latin typeface="+mj-ea"/>
+                <a:ea typeface="+mj-ea"/>
+              </a:rPr>
+              <a:t> </a:t>
+            </a:r>
+            <a:r>
+              <a:rPr lang="en-US" altLang="ko-KR" dirty="0" smtClean="0">
+                <a:latin typeface="+mj-ea"/>
+                <a:ea typeface="+mj-ea"/>
+              </a:rPr>
+              <a:t>assignment</a:t>
+            </a:r>
+          </a:p>
+          <a:p>
+            <a:pPr lvl="1"/>
+            <a:r>
+              <a:rPr lang="en-US" altLang="ko-KR" dirty="0">
+                <a:latin typeface="+mj-ea"/>
+                <a:ea typeface="+mj-ea"/>
+              </a:rPr>
+              <a:t>spread </a:t>
+            </a:r>
+            <a:r>
+              <a:rPr lang="en-US" altLang="ko-KR" dirty="0" smtClean="0">
+                <a:latin typeface="+mj-ea"/>
+                <a:ea typeface="+mj-ea"/>
+              </a:rPr>
+              <a:t>operator</a:t>
+            </a:r>
+          </a:p>
+          <a:p>
+            <a:pPr lvl="1"/>
+            <a:r>
+              <a:rPr lang="en-US" altLang="ko-KR" dirty="0">
+                <a:latin typeface="+mj-ea"/>
+                <a:ea typeface="+mj-ea"/>
+              </a:rPr>
+              <a:t>enhanced object </a:t>
+            </a:r>
+            <a:r>
+              <a:rPr lang="en-US" altLang="ko-KR" dirty="0" smtClean="0">
+                <a:latin typeface="+mj-ea"/>
+                <a:ea typeface="+mj-ea"/>
+              </a:rPr>
+              <a:t>literals</a:t>
+            </a:r>
+          </a:p>
+          <a:p>
+            <a:pPr lvl="1"/>
+            <a:r>
+              <a:rPr lang="ko-KR" altLang="en-US" b="1" dirty="0">
+                <a:latin typeface="+mj-ea"/>
+                <a:ea typeface="+mj-ea"/>
+              </a:rPr>
+              <a:t>간결한 </a:t>
+            </a:r>
+            <a:r>
+              <a:rPr lang="ko-KR" altLang="en-US" b="1" dirty="0" smtClean="0">
+                <a:latin typeface="+mj-ea"/>
+                <a:ea typeface="+mj-ea"/>
+              </a:rPr>
+              <a:t>메서드</a:t>
+            </a:r>
+            <a:endParaRPr lang="en-US" altLang="ko-KR" b="1" dirty="0" smtClean="0">
+              <a:latin typeface="+mj-ea"/>
+              <a:ea typeface="+mj-ea"/>
+            </a:endParaRPr>
+          </a:p>
+          <a:p>
+            <a:pPr lvl="1"/>
+            <a:r>
+              <a:rPr lang="en-US" altLang="ko-KR" dirty="0" smtClean="0">
+                <a:latin typeface="+mj-ea"/>
+                <a:ea typeface="+mj-ea"/>
+              </a:rPr>
+              <a:t>For-of</a:t>
+            </a:r>
+          </a:p>
+          <a:p>
+            <a:pPr lvl="1"/>
+            <a:r>
+              <a:rPr lang="en-US" altLang="ko-KR" dirty="0" smtClean="0">
+                <a:latin typeface="+mj-ea"/>
+                <a:ea typeface="+mj-ea"/>
+              </a:rPr>
+              <a:t>Class</a:t>
+            </a:r>
+          </a:p>
+          <a:p>
+            <a:r>
+              <a:rPr lang="en-US" altLang="ko-KR" dirty="0">
+                <a:latin typeface="+mj-ea"/>
+                <a:ea typeface="+mj-ea"/>
+              </a:rPr>
+              <a:t>Es6 browser support</a:t>
+            </a:r>
+            <a:endParaRPr lang="en-US" altLang="ko-KR" dirty="0" smtClean="0">
+              <a:latin typeface="+mj-ea"/>
+              <a:ea typeface="+mj-ea"/>
+            </a:endParaRPr>
+          </a:p>
+          <a:p>
+            <a:r>
+              <a:rPr lang="en-US" altLang="ko-KR" dirty="0">
+                <a:latin typeface="+mj-ea"/>
+                <a:ea typeface="+mj-ea"/>
+              </a:rPr>
+              <a:t>Babel </a:t>
+            </a:r>
+            <a:r>
+              <a:rPr lang="ko-KR" altLang="en-US" dirty="0">
+                <a:latin typeface="+mj-ea"/>
+                <a:ea typeface="+mj-ea"/>
+              </a:rPr>
+              <a:t>설치</a:t>
+            </a:r>
+            <a:endParaRPr lang="ko-KR" altLang="en-US" dirty="0">
+              <a:latin typeface="+mj-ea"/>
+              <a:ea typeface="+mj-ea"/>
+            </a:endParaRPr>
+          </a:p>
+        </p:txBody>
+      </p:sp>
+      <p:sp>
+        <p:nvSpPr>
+          <p:cNvPr id="4" name="TextBox 3"/>
+          <p:cNvSpPr txBox="1"/>
+          <p:nvPr/>
+        </p:nvSpPr>
+        <p:spPr>
+          <a:xfrm>
+            <a:off x="9308023" y="5595645"/>
+            <a:ext cx="3243320" cy="2185214"/>
+          </a:xfrm>
+          <a:prstGeom prst="rect">
+            <a:avLst/>
+          </a:prstGeom>
+          <a:noFill/>
+        </p:spPr>
+        <p:txBody>
+          <a:bodyPr wrap="square" rtlCol="0">
+            <a:spAutoFit/>
+          </a:bodyPr>
+          <a:lstStyle/>
+          <a:p>
+            <a:r>
+              <a:rPr lang="ko-KR" altLang="en-US" sz="1200" dirty="0">
+                <a:latin typeface="+mj-ea"/>
+                <a:ea typeface="+mj-ea"/>
+              </a:rPr>
+              <a:t>참고자료</a:t>
+            </a:r>
+            <a:endParaRPr lang="en-US" altLang="ko-KR" sz="1200" dirty="0" smtClean="0">
+              <a:latin typeface="+mj-ea"/>
+              <a:ea typeface="+mj-ea"/>
+              <a:hlinkClick r:id="rId2"/>
+            </a:endParaRPr>
+          </a:p>
+          <a:p>
+            <a:r>
+              <a:rPr lang="en-US" altLang="ko-KR" sz="1200" dirty="0" smtClean="0">
+                <a:hlinkClick r:id="rId2"/>
+              </a:rPr>
+              <a:t>https</a:t>
+            </a:r>
+            <a:r>
+              <a:rPr lang="en-US" altLang="ko-KR" sz="1200" dirty="0">
+                <a:hlinkClick r:id="rId2"/>
+              </a:rPr>
+              <a:t>://</a:t>
+            </a:r>
+            <a:r>
+              <a:rPr lang="en-US" altLang="ko-KR" sz="1200" dirty="0" smtClean="0">
+                <a:hlinkClick r:id="rId2"/>
+              </a:rPr>
+              <a:t>sonim1.tistory.com/190</a:t>
+            </a:r>
+            <a:r>
+              <a:rPr lang="en-US" altLang="ko-KR" sz="1200" dirty="0"/>
+              <a:t/>
+            </a:r>
+            <a:br>
+              <a:rPr lang="en-US" altLang="ko-KR" sz="1200" dirty="0"/>
+            </a:br>
+            <a:r>
+              <a:rPr lang="en-US" altLang="ko-KR" sz="1200" dirty="0">
+                <a:hlinkClick r:id="rId3"/>
+              </a:rPr>
+              <a:t>https://</a:t>
+            </a:r>
+            <a:r>
+              <a:rPr lang="en-US" altLang="ko-KR" sz="1200" dirty="0" smtClean="0">
+                <a:hlinkClick r:id="rId3"/>
+              </a:rPr>
+              <a:t>poiemaweb.com/es6-class</a:t>
+            </a:r>
+            <a:r>
+              <a:rPr lang="en-US" altLang="ko-KR" sz="1200" dirty="0"/>
+              <a:t/>
+            </a:r>
+            <a:br>
+              <a:rPr lang="en-US" altLang="ko-KR" sz="1200" dirty="0"/>
+            </a:br>
+            <a:r>
+              <a:rPr lang="en-US" altLang="ko-KR" sz="1200" dirty="0">
+                <a:hlinkClick r:id="rId4"/>
+              </a:rPr>
+              <a:t>https://</a:t>
+            </a:r>
+            <a:r>
+              <a:rPr lang="en-US" altLang="ko-KR" sz="1200" dirty="0" smtClean="0">
+                <a:hlinkClick r:id="rId4"/>
+              </a:rPr>
+              <a:t>github.com/yamoo9</a:t>
+            </a:r>
+            <a:endParaRPr lang="en-US" altLang="ko-KR" sz="1200" dirty="0"/>
+          </a:p>
+          <a:p>
+            <a:endParaRPr lang="en-US" altLang="ko-KR" sz="1200" dirty="0" smtClean="0"/>
+          </a:p>
+          <a:p>
+            <a:endParaRPr lang="en-US" altLang="ko-KR" sz="1200" dirty="0" smtClean="0"/>
+          </a:p>
+          <a:p>
+            <a:endParaRPr lang="en-US" altLang="ko-KR" sz="1200" dirty="0"/>
+          </a:p>
+          <a:p>
+            <a:r>
+              <a:rPr lang="en-US" altLang="ko-KR" sz="1200" dirty="0" smtClean="0"/>
+              <a:t/>
+            </a:r>
+            <a:br>
+              <a:rPr lang="en-US" altLang="ko-KR" sz="1200" dirty="0" smtClean="0"/>
+            </a:br>
+            <a:r>
+              <a:rPr lang="en-US" altLang="ko-KR" sz="1200" dirty="0" smtClean="0"/>
+              <a:t/>
+            </a:r>
+            <a:br>
+              <a:rPr lang="en-US" altLang="ko-KR" sz="1200" dirty="0" smtClean="0"/>
+            </a:br>
+            <a:r>
+              <a:rPr lang="en-US" altLang="ko-KR" sz="1200" dirty="0" smtClean="0"/>
+              <a:t/>
+            </a:r>
+            <a:br>
+              <a:rPr lang="en-US" altLang="ko-KR" sz="1200" dirty="0" smtClean="0"/>
+            </a:br>
+            <a:endParaRPr lang="ko-KR" altLang="en-US" sz="1200" dirty="0"/>
           </a:p>
         </p:txBody>
       </p:sp>
@@ -14031,6 +17848,327 @@
     <p:extLst>
       <p:ext uri="{BB962C8B-B14F-4D97-AF65-F5344CB8AC3E}">
         <p14:creationId xmlns:p14="http://schemas.microsoft.com/office/powerpoint/2010/main" val="1117461653"/>
+      </p:ext>
+    </p:extLst>
+  </p:cSld>
+  <p:clrMapOvr>
+    <a:masterClrMapping/>
+  </p:clrMapOvr>
+  <p:timing>
+    <p:tnLst>
+      <p:par>
+        <p:cTn id="1" dur="indefinite" restart="never" nodeType="tmRoot"/>
+      </p:par>
+    </p:tnLst>
+  </p:timing>
+</p:sld>
+</file>
+
+<file path=ppt/slides/slide20.xml><?xml version="1.0" encoding="utf-8"?>
+<p:sld xmlns:a="http://schemas.openxmlformats.org/drawingml/2006/main" xmlns:r="http://schemas.openxmlformats.org/officeDocument/2006/relationships" xmlns:p="http://schemas.openxmlformats.org/presentationml/2006/main">
+  <p:cSld>
+    <p:spTree>
+      <p:nvGrpSpPr>
+        <p:cNvPr id="1" name=""/>
+        <p:cNvGrpSpPr/>
+        <p:nvPr/>
+      </p:nvGrpSpPr>
+      <p:grpSpPr>
+        <a:xfrm>
+          <a:off x="0" y="0"/>
+          <a:ext cx="0" cy="0"/>
+          <a:chOff x="0" y="0"/>
+          <a:chExt cx="0" cy="0"/>
+        </a:xfrm>
+      </p:grpSpPr>
+      <p:sp>
+        <p:nvSpPr>
+          <p:cNvPr id="2" name="제목 1"/>
+          <p:cNvSpPr>
+            <a:spLocks noGrp="1"/>
+          </p:cNvSpPr>
+          <p:nvPr>
+            <p:ph type="ctrTitle"/>
+          </p:nvPr>
+        </p:nvSpPr>
+        <p:spPr>
+          <a:xfrm>
+            <a:off x="1129322" y="1689100"/>
+            <a:ext cx="10318418" cy="3591586"/>
+          </a:xfrm>
+        </p:spPr>
+        <p:txBody>
+          <a:bodyPr/>
+          <a:lstStyle/>
+          <a:p>
+            <a:r>
+              <a:rPr lang="en-US" altLang="ko-KR" dirty="0" err="1" smtClean="0"/>
+              <a:t>tHank</a:t>
+            </a:r>
+            <a:r>
+              <a:rPr lang="en-US" altLang="ko-KR" dirty="0" smtClean="0"/>
+              <a:t> </a:t>
+            </a:r>
+            <a:br>
+              <a:rPr lang="en-US" altLang="ko-KR" dirty="0" smtClean="0"/>
+            </a:br>
+            <a:r>
+              <a:rPr lang="en-US" altLang="ko-KR" dirty="0" smtClean="0"/>
+              <a:t>you</a:t>
+            </a:r>
+            <a:endParaRPr lang="ko-KR" altLang="en-US" sz="8800" dirty="0"/>
+          </a:p>
+        </p:txBody>
+      </p:sp>
+      <p:sp>
+        <p:nvSpPr>
+          <p:cNvPr id="5" name="부제목 2"/>
+          <p:cNvSpPr txBox="1">
+            <a:spLocks/>
+          </p:cNvSpPr>
+          <p:nvPr/>
+        </p:nvSpPr>
+        <p:spPr>
+          <a:xfrm>
+            <a:off x="2356934" y="6015982"/>
+            <a:ext cx="8045373" cy="742279"/>
+          </a:xfrm>
+          <a:prstGeom prst="rect">
+            <a:avLst/>
+          </a:prstGeom>
+        </p:spPr>
+        <p:txBody>
+          <a:bodyPr vert="horz" lIns="91440" tIns="45720" rIns="91440" bIns="45720" rtlCol="0" anchor="t">
+            <a:normAutofit/>
+          </a:bodyPr>
+          <a:lstStyle>
+            <a:lvl1pPr marL="0" indent="0" algn="ctr" defTabSz="914400" rtl="0" eaLnBrk="1" latinLnBrk="1" hangingPunct="1">
+              <a:lnSpc>
+                <a:spcPct val="100000"/>
+              </a:lnSpc>
+              <a:spcBef>
+                <a:spcPts val="700"/>
+              </a:spcBef>
+              <a:buClr>
+                <a:schemeClr val="tx2"/>
+              </a:buClr>
+              <a:buFont typeface="Arial" panose="020B0604020202020204" pitchFamily="34" charset="0"/>
+              <a:buNone/>
+              <a:defRPr sz="2000" b="1" i="0" kern="1200" cap="all" spc="400" baseline="0">
+                <a:solidFill>
+                  <a:schemeClr val="tx2"/>
+                </a:solidFill>
+                <a:latin typeface="+mn-lt"/>
+                <a:ea typeface="+mn-ea"/>
+                <a:cs typeface="+mn-cs"/>
+              </a:defRPr>
+            </a:lvl1pPr>
+            <a:lvl2pPr marL="457200" indent="0" algn="ctr" defTabSz="914400" rtl="0" eaLnBrk="1" latinLnBrk="1" hangingPunct="1">
+              <a:lnSpc>
+                <a:spcPct val="110000"/>
+              </a:lnSpc>
+              <a:spcBef>
+                <a:spcPts val="700"/>
+              </a:spcBef>
+              <a:buClr>
+                <a:schemeClr val="tx2"/>
+              </a:buClr>
+              <a:buFont typeface="Gill Sans MT" panose="020B0502020104020203" pitchFamily="34" charset="0"/>
+              <a:buNone/>
+              <a:defRPr sz="2000" kern="1200">
+                <a:solidFill>
+                  <a:schemeClr val="tx1">
+                    <a:lumMod val="65000"/>
+                    <a:lumOff val="35000"/>
+                  </a:schemeClr>
+                </a:solidFill>
+                <a:latin typeface="+mn-lt"/>
+                <a:ea typeface="+mn-ea"/>
+                <a:cs typeface="+mn-cs"/>
+              </a:defRPr>
+            </a:lvl2pPr>
+            <a:lvl3pPr marL="914400" indent="0" algn="ctr" defTabSz="914400" rtl="0" eaLnBrk="1" latinLnBrk="1" hangingPunct="1">
+              <a:lnSpc>
+                <a:spcPct val="110000"/>
+              </a:lnSpc>
+              <a:spcBef>
+                <a:spcPts val="700"/>
+              </a:spcBef>
+              <a:buClr>
+                <a:schemeClr val="tx2"/>
+              </a:buClr>
+              <a:buFont typeface="Arial" panose="020B0604020202020204" pitchFamily="34" charset="0"/>
+              <a:buNone/>
+              <a:defRPr sz="1800" kern="1200">
+                <a:solidFill>
+                  <a:schemeClr val="tx1">
+                    <a:lumMod val="65000"/>
+                    <a:lumOff val="35000"/>
+                  </a:schemeClr>
+                </a:solidFill>
+                <a:latin typeface="+mn-lt"/>
+                <a:ea typeface="+mn-ea"/>
+                <a:cs typeface="+mn-cs"/>
+              </a:defRPr>
+            </a:lvl3pPr>
+            <a:lvl4pPr marL="1371600" indent="0" algn="ctr" defTabSz="914400" rtl="0" eaLnBrk="1" latinLnBrk="1" hangingPunct="1">
+              <a:lnSpc>
+                <a:spcPct val="110000"/>
+              </a:lnSpc>
+              <a:spcBef>
+                <a:spcPts val="700"/>
+              </a:spcBef>
+              <a:buClr>
+                <a:schemeClr val="tx2"/>
+              </a:buClr>
+              <a:buFont typeface="Gill Sans MT" panose="020B0502020104020203" pitchFamily="34" charset="0"/>
+              <a:buNone/>
+              <a:defRPr sz="1600" kern="1200">
+                <a:solidFill>
+                  <a:schemeClr val="tx1">
+                    <a:lumMod val="65000"/>
+                    <a:lumOff val="35000"/>
+                  </a:schemeClr>
+                </a:solidFill>
+                <a:latin typeface="+mn-lt"/>
+                <a:ea typeface="+mn-ea"/>
+                <a:cs typeface="+mn-cs"/>
+              </a:defRPr>
+            </a:lvl4pPr>
+            <a:lvl5pPr marL="1828800" indent="0" algn="ctr" defTabSz="914400" rtl="0" eaLnBrk="1" latinLnBrk="1" hangingPunct="1">
+              <a:lnSpc>
+                <a:spcPct val="110000"/>
+              </a:lnSpc>
+              <a:spcBef>
+                <a:spcPts val="700"/>
+              </a:spcBef>
+              <a:buClr>
+                <a:schemeClr val="tx2"/>
+              </a:buClr>
+              <a:buFont typeface="Arial" panose="020B0604020202020204" pitchFamily="34" charset="0"/>
+              <a:buNone/>
+              <a:defRPr sz="1600" kern="1200">
+                <a:solidFill>
+                  <a:schemeClr val="tx1">
+                    <a:lumMod val="65000"/>
+                    <a:lumOff val="35000"/>
+                  </a:schemeClr>
+                </a:solidFill>
+                <a:latin typeface="+mn-lt"/>
+                <a:ea typeface="+mn-ea"/>
+                <a:cs typeface="+mn-cs"/>
+              </a:defRPr>
+            </a:lvl5pPr>
+            <a:lvl6pPr marL="2286000" indent="0" algn="ctr" defTabSz="914400" rtl="0" eaLnBrk="1" latinLnBrk="1" hangingPunct="1">
+              <a:lnSpc>
+                <a:spcPct val="110000"/>
+              </a:lnSpc>
+              <a:spcBef>
+                <a:spcPts val="700"/>
+              </a:spcBef>
+              <a:buClr>
+                <a:schemeClr val="tx2"/>
+              </a:buClr>
+              <a:buFont typeface="Gill Sans MT" panose="020B0502020104020203" pitchFamily="34" charset="0"/>
+              <a:buNone/>
+              <a:defRPr sz="1600" kern="1200">
+                <a:solidFill>
+                  <a:schemeClr val="tx1">
+                    <a:lumMod val="65000"/>
+                    <a:lumOff val="35000"/>
+                  </a:schemeClr>
+                </a:solidFill>
+                <a:latin typeface="+mn-lt"/>
+                <a:ea typeface="+mn-ea"/>
+                <a:cs typeface="+mn-cs"/>
+              </a:defRPr>
+            </a:lvl6pPr>
+            <a:lvl7pPr marL="2743200" indent="0" algn="ctr" defTabSz="914400" rtl="0" eaLnBrk="1" latinLnBrk="1" hangingPunct="1">
+              <a:lnSpc>
+                <a:spcPct val="110000"/>
+              </a:lnSpc>
+              <a:spcBef>
+                <a:spcPts val="700"/>
+              </a:spcBef>
+              <a:buClr>
+                <a:schemeClr val="tx2"/>
+              </a:buClr>
+              <a:buFont typeface="Arial" panose="020B0604020202020204" pitchFamily="34" charset="0"/>
+              <a:buNone/>
+              <a:defRPr sz="1600" kern="1200">
+                <a:solidFill>
+                  <a:schemeClr val="tx1">
+                    <a:lumMod val="65000"/>
+                    <a:lumOff val="35000"/>
+                  </a:schemeClr>
+                </a:solidFill>
+                <a:latin typeface="+mn-lt"/>
+                <a:ea typeface="+mn-ea"/>
+                <a:cs typeface="+mn-cs"/>
+              </a:defRPr>
+            </a:lvl7pPr>
+            <a:lvl8pPr marL="3200400" indent="0" algn="ctr" defTabSz="914400" rtl="0" eaLnBrk="1" latinLnBrk="1" hangingPunct="1">
+              <a:lnSpc>
+                <a:spcPct val="110000"/>
+              </a:lnSpc>
+              <a:spcBef>
+                <a:spcPts val="700"/>
+              </a:spcBef>
+              <a:buClr>
+                <a:schemeClr val="tx2"/>
+              </a:buClr>
+              <a:buFont typeface="Gill Sans MT" panose="020B0502020104020203" pitchFamily="34" charset="0"/>
+              <a:buNone/>
+              <a:defRPr sz="1600" kern="1200" baseline="0">
+                <a:solidFill>
+                  <a:schemeClr val="tx1">
+                    <a:lumMod val="65000"/>
+                    <a:lumOff val="35000"/>
+                  </a:schemeClr>
+                </a:solidFill>
+                <a:latin typeface="+mn-lt"/>
+                <a:ea typeface="+mn-ea"/>
+                <a:cs typeface="+mn-cs"/>
+              </a:defRPr>
+            </a:lvl8pPr>
+            <a:lvl9pPr marL="3657600" indent="0" algn="ctr" defTabSz="914400" rtl="0" eaLnBrk="1" latinLnBrk="1" hangingPunct="1">
+              <a:lnSpc>
+                <a:spcPct val="110000"/>
+              </a:lnSpc>
+              <a:spcBef>
+                <a:spcPts val="700"/>
+              </a:spcBef>
+              <a:buClr>
+                <a:schemeClr val="tx2"/>
+              </a:buClr>
+              <a:buFont typeface="Arial" panose="020B0604020202020204" pitchFamily="34" charset="0"/>
+              <a:buNone/>
+              <a:defRPr sz="1600" kern="1200" baseline="0">
+                <a:solidFill>
+                  <a:schemeClr val="tx1">
+                    <a:lumMod val="65000"/>
+                    <a:lumOff val="35000"/>
+                  </a:schemeClr>
+                </a:solidFill>
+                <a:latin typeface="+mn-lt"/>
+                <a:ea typeface="+mn-ea"/>
+                <a:cs typeface="+mn-cs"/>
+              </a:defRPr>
+            </a:lvl9pPr>
+          </a:lstStyle>
+          <a:p>
+            <a:r>
+              <a:rPr lang="ko-KR" altLang="en-US" sz="4000" b="0" dirty="0" smtClean="0"/>
+              <a:t>감사합니다</a:t>
+            </a:r>
+            <a:endParaRPr lang="ko-KR" altLang="en-US" sz="4000" dirty="0"/>
+          </a:p>
+        </p:txBody>
+      </p:sp>
+    </p:spTree>
+    <p:extLst>
+      <p:ext uri="{BB962C8B-B14F-4D97-AF65-F5344CB8AC3E}">
+        <p14:creationId xmlns:p14="http://schemas.microsoft.com/office/powerpoint/2010/main" val="3088292785"/>
       </p:ext>
     </p:extLst>
   </p:cSld>
@@ -16011,7 +20149,11 @@
               <a:t>		</a:t>
             </a:r>
             <a:r>
-              <a:rPr lang="en-US" altLang="ko-KR" dirty="0" err="1" smtClean="0"/>
+              <a:rPr lang="en-US" altLang="ko-KR" dirty="0" err="1" smtClean="0">
+                <a:solidFill>
+                  <a:srgbClr val="0070C0"/>
+                </a:solidFill>
+              </a:rPr>
               <a:t>var</a:t>
             </a:r>
             <a:r>
@@ -17126,7 +21268,19 @@
             </a:r>
             <a:r>
               <a:rPr lang="en-US" altLang="ko-KR" dirty="0" smtClean="0"/>
-              <a:t> = function() {</a:t>
+              <a:t> = </a:t>
+            </a:r>
+            <a:r>
+              <a:rPr lang="en-US" altLang="ko-KR" dirty="0" smtClean="0">
+                <a:solidFill>
+                  <a:srgbClr val="0070C0"/>
+                </a:solidFill>
+              </a:rPr>
+              <a:t>function()</a:t>
+            </a:r>
+            <a:r>
+              <a:rPr lang="en-US" altLang="ko-KR" dirty="0" smtClean="0"/>
+              <a:t> {</a:t>
             </a:r>
           </a:p>
           <a:p>
@@ -17769,7 +21923,19 @@
             </a:r>
             <a:r>
               <a:rPr lang="en-US" altLang="ko-KR" dirty="0" smtClean="0"/>
-              <a:t> = function(a, b) {</a:t>
+              <a:t> = </a:t>
+            </a:r>
+            <a:r>
+              <a:rPr lang="en-US" altLang="ko-KR" dirty="0" smtClean="0">
+                <a:solidFill>
+                  <a:srgbClr val="0070C0"/>
+                </a:solidFill>
+              </a:rPr>
+              <a:t>function(a, b) </a:t>
+            </a:r>
+            <a:r>
+              <a:rPr lang="en-US" altLang="ko-KR" dirty="0" smtClean="0"/>
+              <a:t>{</a:t>
             </a:r>
           </a:p>
           <a:p>

--- a/ES6.pptx
+++ b/ES6.pptx
@@ -1343,7 +1343,7 @@
             <a:fld id="{9334D819-9F07-4261-B09B-9E467E5D9002}" type="datetimeFigureOut">
               <a:rPr lang="en-US" dirty="0"/>
               <a:pPr/>
-              <a:t>11/13/2018</a:t>
+              <a:t>11/15/2018</a:t>
             </a:fld>
             <a:endParaRPr lang="en-US" dirty="0"/>
           </a:p>
@@ -1577,7 +1577,7 @@
           <a:p>
             <a:fld id="{9334D819-9F07-4261-B09B-9E467E5D9002}" type="datetimeFigureOut">
               <a:rPr lang="en-US" dirty="0"/>
-              <a:t>11/13/2018</a:t>
+              <a:t>11/15/2018</a:t>
             </a:fld>
             <a:endParaRPr lang="en-US" dirty="0"/>
           </a:p>
@@ -1752,7 +1752,7 @@
           <a:p>
             <a:fld id="{9334D819-9F07-4261-B09B-9E467E5D9002}" type="datetimeFigureOut">
               <a:rPr lang="en-US" dirty="0"/>
-              <a:t>11/13/2018</a:t>
+              <a:t>11/15/2018</a:t>
             </a:fld>
             <a:endParaRPr lang="en-US" dirty="0"/>
           </a:p>
@@ -1917,7 +1917,7 @@
           <a:p>
             <a:fld id="{9334D819-9F07-4261-B09B-9E467E5D9002}" type="datetimeFigureOut">
               <a:rPr lang="en-US" dirty="0"/>
-              <a:t>11/13/2018</a:t>
+              <a:t>11/15/2018</a:t>
             </a:fld>
             <a:endParaRPr lang="en-US" dirty="0"/>
           </a:p>
@@ -2189,7 +2189,7 @@
             <a:fld id="{9334D819-9F07-4261-B09B-9E467E5D9002}" type="datetimeFigureOut">
               <a:rPr lang="en-US" dirty="0"/>
               <a:pPr/>
-              <a:t>11/13/2018</a:t>
+              <a:t>11/15/2018</a:t>
             </a:fld>
             <a:endParaRPr lang="en-US" dirty="0"/>
           </a:p>
@@ -3386,7 +3386,7 @@
           <a:p>
             <a:fld id="{9334D819-9F07-4261-B09B-9E467E5D9002}" type="datetimeFigureOut">
               <a:rPr lang="en-US" dirty="0"/>
-              <a:t>11/13/2018</a:t>
+              <a:t>11/15/2018</a:t>
             </a:fld>
             <a:endParaRPr lang="en-US" dirty="0"/>
           </a:p>
@@ -3771,7 +3771,7 @@
           <a:p>
             <a:fld id="{9334D819-9F07-4261-B09B-9E467E5D9002}" type="datetimeFigureOut">
               <a:rPr lang="en-US" dirty="0"/>
-              <a:t>11/13/2018</a:t>
+              <a:t>11/15/2018</a:t>
             </a:fld>
             <a:endParaRPr lang="en-US" dirty="0"/>
           </a:p>
@@ -3889,7 +3889,7 @@
           <a:p>
             <a:fld id="{9334D819-9F07-4261-B09B-9E467E5D9002}" type="datetimeFigureOut">
               <a:rPr lang="en-US" dirty="0"/>
-              <a:t>11/13/2018</a:t>
+              <a:t>11/15/2018</a:t>
             </a:fld>
             <a:endParaRPr lang="en-US" dirty="0"/>
           </a:p>
@@ -3979,7 +3979,7 @@
           <a:p>
             <a:fld id="{9334D819-9F07-4261-B09B-9E467E5D9002}" type="datetimeFigureOut">
               <a:rPr lang="en-US" dirty="0"/>
-              <a:t>11/13/2018</a:t>
+              <a:t>11/15/2018</a:t>
             </a:fld>
             <a:endParaRPr lang="en-US" dirty="0"/>
           </a:p>
@@ -4737,7 +4737,7 @@
           <a:p>
             <a:fld id="{9334D819-9F07-4261-B09B-9E467E5D9002}" type="datetimeFigureOut">
               <a:rPr lang="en-US" dirty="0"/>
-              <a:t>11/13/2018</a:t>
+              <a:t>11/15/2018</a:t>
             </a:fld>
             <a:endParaRPr lang="en-US" dirty="0"/>
           </a:p>
@@ -5572,7 +5572,7 @@
           <a:p>
             <a:fld id="{9334D819-9F07-4261-B09B-9E467E5D9002}" type="datetimeFigureOut">
               <a:rPr lang="en-US" dirty="0"/>
-              <a:t>11/13/2018</a:t>
+              <a:t>11/15/2018</a:t>
             </a:fld>
             <a:endParaRPr lang="en-US" dirty="0"/>
           </a:p>
@@ -5795,7 +5795,7 @@
             <a:fld id="{9334D819-9F07-4261-B09B-9E467E5D9002}" type="datetimeFigureOut">
               <a:rPr lang="en-US" dirty="0"/>
               <a:pPr/>
-              <a:t>11/13/2018</a:t>
+              <a:t>11/15/2018</a:t>
             </a:fld>
             <a:endParaRPr lang="en-US" dirty="0"/>
           </a:p>
@@ -17544,65 +17544,75 @@
                 <a:latin typeface="+mj-ea"/>
                 <a:ea typeface="+mj-ea"/>
               </a:rPr>
-              <a:t>Arrow </a:t>
-            </a:r>
+              <a:t>Arrow function</a:t>
+            </a:r>
+          </a:p>
+          <a:p>
+            <a:pPr lvl="1"/>
             <a:r>
               <a:rPr lang="en-US" altLang="ko-KR" dirty="0" smtClean="0">
                 <a:latin typeface="+mj-ea"/>
                 <a:ea typeface="+mj-ea"/>
               </a:rPr>
-              <a:t>function</a:t>
+              <a:t>Parameter</a:t>
             </a:r>
           </a:p>
           <a:p>
             <a:pPr lvl="1"/>
             <a:r>
+              <a:rPr lang="en-US" altLang="ko-KR" dirty="0">
+                <a:latin typeface="+mj-ea"/>
+                <a:ea typeface="+mj-ea"/>
+              </a:rPr>
+              <a:t>Template </a:t>
+            </a:r>
+            <a:r>
               <a:rPr lang="en-US" altLang="ko-KR" dirty="0" smtClean="0">
                 <a:latin typeface="+mj-ea"/>
                 <a:ea typeface="+mj-ea"/>
               </a:rPr>
-              <a:t>Parameter</a:t>
+              <a:t>literal</a:t>
             </a:r>
           </a:p>
           <a:p>
             <a:pPr lvl="1"/>
             <a:r>
+              <a:rPr lang="en-US" altLang="ko-KR" dirty="0" err="1">
+                <a:latin typeface="+mj-ea"/>
+                <a:ea typeface="+mj-ea"/>
+              </a:rPr>
+              <a:t>destructuring</a:t>
+            </a:r>
+            <a:r>
               <a:rPr lang="en-US" altLang="ko-KR" dirty="0">
                 <a:latin typeface="+mj-ea"/>
                 <a:ea typeface="+mj-ea"/>
               </a:rPr>
-              <a:t>Template </a:t>
+              <a:t> </a:t>
             </a:r>
             <a:r>
               <a:rPr lang="en-US" altLang="ko-KR" dirty="0" smtClean="0">
                 <a:latin typeface="+mj-ea"/>
                 <a:ea typeface="+mj-ea"/>
               </a:rPr>
-              <a:t>literal</a:t>
+              <a:t>assignment</a:t>
             </a:r>
           </a:p>
           <a:p>
             <a:pPr lvl="1"/>
             <a:r>
-              <a:rPr lang="en-US" altLang="ko-KR" dirty="0" err="1">
-                <a:latin typeface="+mj-ea"/>
-                <a:ea typeface="+mj-ea"/>
-              </a:rPr>
-              <a:t>destructuring</a:t>
-            </a:r>
-            <a:r>
               <a:rPr lang="en-US" altLang="ko-KR" dirty="0">
                 <a:latin typeface="+mj-ea"/>
                 <a:ea typeface="+mj-ea"/>
               </a:rPr>
-              <a:t> </a:t>
+              <a:t>spread </a:t>
             </a:r>
             <a:r>
               <a:rPr lang="en-US" altLang="ko-KR" dirty="0" smtClean="0">
                 <a:latin typeface="+mj-ea"/>
                 <a:ea typeface="+mj-ea"/>
               </a:rPr>
-              <a:t>assignment</a:t>
+              <a:t>operator</a:t>
             </a:r>
           </a:p>
           <a:p>
@@ -17612,81 +17622,31 @@
                 <a:latin typeface="+mj-ea"/>
                 <a:ea typeface="+mj-ea"/>
               </a:rPr>
-              <a:t>spread </a:t>
+              <a:t>enhanced object </a:t>
             </a:r>
             <a:r>
               <a:rPr lang="en-US" altLang="ko-KR" dirty="0" smtClean="0">
                 <a:latin typeface="+mj-ea"/>
                 <a:ea typeface="+mj-ea"/>
               </a:rPr>
-              <a:t>operator</a:t>
+              <a:t>literals</a:t>
             </a:r>
           </a:p>
           <a:p>
             <a:pPr lvl="1"/>
             <a:r>
-              <a:rPr lang="en-US" altLang="ko-KR" dirty="0">
-                <a:latin typeface="+mj-ea"/>
-                <a:ea typeface="+mj-ea"/>
-              </a:rPr>
-              <a:t>enhanced object </a:t>
-            </a:r>
-            <a:r>
-              <a:rPr lang="en-US" altLang="ko-KR" dirty="0" smtClean="0">
-                <a:latin typeface="+mj-ea"/>
-                <a:ea typeface="+mj-ea"/>
-              </a:rPr>
-              <a:t>literals</a:t>
-            </a:r>
-          </a:p>
-          <a:p>
-            <a:pPr lvl="1"/>
-            <a:r>
-              <a:rPr lang="ko-KR" altLang="en-US" b="1" dirty="0">
+              <a:rPr lang="ko-KR" altLang="en-US" dirty="0">
                 <a:latin typeface="+mj-ea"/>
                 <a:ea typeface="+mj-ea"/>
               </a:rPr>
               <a:t>간결한 </a:t>
             </a:r>
             <a:r>
-              <a:rPr lang="ko-KR" altLang="en-US" b="1" dirty="0" smtClean="0">
+              <a:rPr lang="ko-KR" altLang="en-US" dirty="0" smtClean="0">
                 <a:latin typeface="+mj-ea"/>
                 <a:ea typeface="+mj-ea"/>
               </a:rPr>
               <a:t>메서드</a:t>
-            </a:r>
-            <a:endParaRPr lang="en-US" altLang="ko-KR" b="1" dirty="0" smtClean="0">
-              <a:latin typeface="+mj-ea"/>
-              <a:ea typeface="+mj-ea"/>
-            </a:endParaRPr>
-          </a:p>
-          <a:p>
-            <a:pPr lvl="1"/>
-            <a:r>
-              <a:rPr lang="en-US" altLang="ko-KR" dirty="0" smtClean="0">
-                <a:latin typeface="+mj-ea"/>
-                <a:ea typeface="+mj-ea"/>
-              </a:rPr>
-              <a:t>For-of</a:t>
-            </a:r>
-          </a:p>
-          <a:p>
-            <a:pPr lvl="1"/>
-            <a:r>
-              <a:rPr lang="en-US" altLang="ko-KR" dirty="0" smtClean="0">
-                <a:latin typeface="+mj-ea"/>
-                <a:ea typeface="+mj-ea"/>
-              </a:rPr>
-              <a:t>Class</a:t>
-            </a:r>
-          </a:p>
-          <a:p>
-            <a:r>
-              <a:rPr lang="en-US" altLang="ko-KR" dirty="0">
-                <a:latin typeface="+mj-ea"/>
-                <a:ea typeface="+mj-ea"/>
-              </a:rPr>
-              <a:t>Es6 browser support</a:t>
             </a:r>
             <a:endParaRPr lang="en-US" altLang="ko-KR" dirty="0" smtClean="0">
               <a:latin typeface="+mj-ea"/>
@@ -17694,24 +17654,53 @@
             </a:endParaRPr>
           </a:p>
           <a:p>
+            <a:pPr lvl="1"/>
+            <a:r>
+              <a:rPr lang="en-US" altLang="ko-KR" dirty="0" smtClean="0">
+                <a:latin typeface="+mj-ea"/>
+                <a:ea typeface="+mj-ea"/>
+              </a:rPr>
+              <a:t>For-of</a:t>
+            </a:r>
+          </a:p>
+          <a:p>
+            <a:pPr lvl="1"/>
+            <a:r>
+              <a:rPr lang="en-US" altLang="ko-KR" dirty="0" smtClean="0">
+                <a:latin typeface="+mj-ea"/>
+                <a:ea typeface="+mj-ea"/>
+              </a:rPr>
+              <a:t>Class</a:t>
+            </a:r>
+          </a:p>
+          <a:p>
             <a:r>
               <a:rPr lang="en-US" altLang="ko-KR" dirty="0">
                 <a:latin typeface="+mj-ea"/>
                 <a:ea typeface="+mj-ea"/>
               </a:rPr>
-              <a:t>Babel </a:t>
-            </a:r>
-            <a:r>
-              <a:rPr lang="ko-KR" altLang="en-US" dirty="0">
-                <a:latin typeface="+mj-ea"/>
-                <a:ea typeface="+mj-ea"/>
-              </a:rPr>
-              <a:t>설치</a:t>
-            </a:r>
-            <a:endParaRPr lang="ko-KR" altLang="en-US" dirty="0">
+              <a:t>Es6 browser support</a:t>
+            </a:r>
+            <a:endParaRPr lang="en-US" altLang="ko-KR" dirty="0" smtClean="0">
               <a:latin typeface="+mj-ea"/>
               <a:ea typeface="+mj-ea"/>
             </a:endParaRPr>
+          </a:p>
+          <a:p>
+            <a:r>
+              <a:rPr lang="en-US" altLang="ko-KR" dirty="0">
+                <a:latin typeface="+mj-ea"/>
+                <a:ea typeface="+mj-ea"/>
+              </a:rPr>
+              <a:t>Babel </a:t>
+            </a:r>
+            <a:r>
+              <a:rPr lang="ko-KR" altLang="en-US" dirty="0">
+                <a:latin typeface="+mj-ea"/>
+                <a:ea typeface="+mj-ea"/>
+              </a:rPr>
+              <a:t>설치</a:t>
+            </a:r>
           </a:p>
         </p:txBody>
       </p:sp>
@@ -20618,7 +20607,7 @@
         </p:spPr>
         <p:txBody>
           <a:bodyPr>
-            <a:normAutofit/>
+            <a:normAutofit fontScale="85000" lnSpcReduction="10000"/>
           </a:bodyPr>
           <a:lstStyle/>
           <a:p>
@@ -20628,35 +20617,49 @@
               </a:lnSpc>
             </a:pPr>
             <a:r>
-              <a:rPr lang="en-US" altLang="ko-KR" dirty="0">
-                <a:latin typeface="+mj-ea"/>
-                <a:ea typeface="+mj-ea"/>
-              </a:rPr>
-              <a:t>let </a:t>
+              <a:rPr lang="en-US" altLang="ko-KR" dirty="0" err="1" smtClean="0">
+                <a:latin typeface="+mj-ea"/>
+                <a:ea typeface="+mj-ea"/>
+              </a:rPr>
+              <a:t>const</a:t>
+            </a:r>
+            <a:r>
+              <a:rPr lang="ko-KR" altLang="en-US" dirty="0" smtClean="0">
+                <a:latin typeface="+mj-ea"/>
+                <a:ea typeface="+mj-ea"/>
+              </a:rPr>
+              <a:t>로 </a:t>
             </a:r>
             <a:r>
               <a:rPr lang="ko-KR" altLang="en-US" dirty="0">
                 <a:latin typeface="+mj-ea"/>
                 <a:ea typeface="+mj-ea"/>
               </a:rPr>
-              <a:t>으로 선언된 변수는 오류가 없지만</a:t>
-            </a:r>
-            <a:r>
-              <a:rPr lang="en-US" altLang="ko-KR" dirty="0">
-                <a:latin typeface="+mj-ea"/>
-                <a:ea typeface="+mj-ea"/>
-              </a:rPr>
-              <a:t>, </a:t>
-            </a:r>
-            <a:r>
-              <a:rPr lang="en-US" altLang="ko-KR" dirty="0" err="1">
-                <a:latin typeface="+mj-ea"/>
-                <a:ea typeface="+mj-ea"/>
-              </a:rPr>
-              <a:t>const</a:t>
-            </a:r>
-            <a:r>
-              <a:rPr lang="en-US" altLang="ko-KR" dirty="0">
+              <a:t>선언된 상수는 값을 변경할 수 </a:t>
+            </a:r>
+            <a:r>
+              <a:rPr lang="ko-KR" altLang="en-US" dirty="0" err="1" smtClean="0">
+                <a:latin typeface="+mj-ea"/>
+                <a:ea typeface="+mj-ea"/>
+              </a:rPr>
+              <a:t>없을뿐</a:t>
+            </a:r>
+            <a:r>
+              <a:rPr lang="ko-KR" altLang="en-US" dirty="0" smtClean="0">
+                <a:latin typeface="+mj-ea"/>
+                <a:ea typeface="+mj-ea"/>
+              </a:rPr>
+              <a:t> 아니라</a:t>
+            </a:r>
+            <a:r>
+              <a:rPr lang="en-US" altLang="ko-KR" dirty="0" smtClean="0">
+                <a:latin typeface="+mj-ea"/>
+                <a:ea typeface="+mj-ea"/>
+              </a:rPr>
+              <a:t>,</a:t>
+            </a:r>
+            <a:r>
+              <a:rPr lang="ko-KR" altLang="en-US" dirty="0" smtClean="0">
                 <a:latin typeface="+mj-ea"/>
                 <a:ea typeface="+mj-ea"/>
               </a:rPr>
@@ -20667,10 +20670,37 @@
                 <a:latin typeface="+mj-ea"/>
                 <a:ea typeface="+mj-ea"/>
               </a:rPr>
-              <a:t>로 선언된 상수는 값을 변경할 수 없다는 오류가 발생한다</a:t>
-            </a:r>
-            <a:r>
-              <a:rPr lang="en-US" altLang="ko-KR" dirty="0">
+              <a:t>오류가 발생한다</a:t>
+            </a:r>
+            <a:r>
+              <a:rPr lang="en-US" altLang="ko-KR" dirty="0" smtClean="0">
+                <a:latin typeface="+mj-ea"/>
+                <a:ea typeface="+mj-ea"/>
+              </a:rPr>
+              <a:t>. </a:t>
+            </a:r>
+            <a:br>
+              <a:rPr lang="en-US" altLang="ko-KR" dirty="0" smtClean="0">
+                <a:latin typeface="+mj-ea"/>
+                <a:ea typeface="+mj-ea"/>
+              </a:rPr>
+            </a:br>
+            <a:r>
+              <a:rPr lang="ko-KR" altLang="en-US" dirty="0" smtClean="0">
+                <a:latin typeface="+mj-ea"/>
+                <a:ea typeface="+mj-ea"/>
+              </a:rPr>
+              <a:t>그렇기 때문에 실수로라도 값이 변경되지 않아야 하는 </a:t>
+            </a:r>
+            <a:r>
+              <a:rPr lang="ko-KR" altLang="en-US" dirty="0" smtClean="0">
+                <a:latin typeface="+mj-ea"/>
+                <a:ea typeface="+mj-ea"/>
+              </a:rPr>
+              <a:t>고정 값을 변수에 담아 사용할 수 있다</a:t>
+            </a:r>
+            <a:r>
+              <a:rPr lang="en-US" altLang="ko-KR" dirty="0" smtClean="0">
                 <a:latin typeface="+mj-ea"/>
                 <a:ea typeface="+mj-ea"/>
               </a:rPr>

--- a/ES6.pptx
+++ b/ES6.pptx
@@ -12,8 +12,8 @@
     <p:sldId id="259" r:id="rId6"/>
     <p:sldId id="261" r:id="rId7"/>
     <p:sldId id="262" r:id="rId8"/>
-    <p:sldId id="263" r:id="rId9"/>
-    <p:sldId id="264" r:id="rId10"/>
+    <p:sldId id="264" r:id="rId9"/>
+    <p:sldId id="263" r:id="rId10"/>
     <p:sldId id="265" r:id="rId11"/>
     <p:sldId id="267" r:id="rId12"/>
     <p:sldId id="268" r:id="rId13"/>
@@ -1343,7 +1343,7 @@
             <a:fld id="{9334D819-9F07-4261-B09B-9E467E5D9002}" type="datetimeFigureOut">
               <a:rPr lang="en-US" dirty="0"/>
               <a:pPr/>
-              <a:t>11/15/2018</a:t>
+              <a:t>11/20/2018</a:t>
             </a:fld>
             <a:endParaRPr lang="en-US" dirty="0"/>
           </a:p>
@@ -1577,7 +1577,7 @@
           <a:p>
             <a:fld id="{9334D819-9F07-4261-B09B-9E467E5D9002}" type="datetimeFigureOut">
               <a:rPr lang="en-US" dirty="0"/>
-              <a:t>11/15/2018</a:t>
+              <a:t>11/20/2018</a:t>
             </a:fld>
             <a:endParaRPr lang="en-US" dirty="0"/>
           </a:p>
@@ -1752,7 +1752,7 @@
           <a:p>
             <a:fld id="{9334D819-9F07-4261-B09B-9E467E5D9002}" type="datetimeFigureOut">
               <a:rPr lang="en-US" dirty="0"/>
-              <a:t>11/15/2018</a:t>
+              <a:t>11/20/2018</a:t>
             </a:fld>
             <a:endParaRPr lang="en-US" dirty="0"/>
           </a:p>
@@ -1917,7 +1917,7 @@
           <a:p>
             <a:fld id="{9334D819-9F07-4261-B09B-9E467E5D9002}" type="datetimeFigureOut">
               <a:rPr lang="en-US" dirty="0"/>
-              <a:t>11/15/2018</a:t>
+              <a:t>11/20/2018</a:t>
             </a:fld>
             <a:endParaRPr lang="en-US" dirty="0"/>
           </a:p>
@@ -2189,7 +2189,7 @@
             <a:fld id="{9334D819-9F07-4261-B09B-9E467E5D9002}" type="datetimeFigureOut">
               <a:rPr lang="en-US" dirty="0"/>
               <a:pPr/>
-              <a:t>11/15/2018</a:t>
+              <a:t>11/20/2018</a:t>
             </a:fld>
             <a:endParaRPr lang="en-US" dirty="0"/>
           </a:p>
@@ -3386,7 +3386,7 @@
           <a:p>
             <a:fld id="{9334D819-9F07-4261-B09B-9E467E5D9002}" type="datetimeFigureOut">
               <a:rPr lang="en-US" dirty="0"/>
-              <a:t>11/15/2018</a:t>
+              <a:t>11/20/2018</a:t>
             </a:fld>
             <a:endParaRPr lang="en-US" dirty="0"/>
           </a:p>
@@ -3771,7 +3771,7 @@
           <a:p>
             <a:fld id="{9334D819-9F07-4261-B09B-9E467E5D9002}" type="datetimeFigureOut">
               <a:rPr lang="en-US" dirty="0"/>
-              <a:t>11/15/2018</a:t>
+              <a:t>11/20/2018</a:t>
             </a:fld>
             <a:endParaRPr lang="en-US" dirty="0"/>
           </a:p>
@@ -3889,7 +3889,7 @@
           <a:p>
             <a:fld id="{9334D819-9F07-4261-B09B-9E467E5D9002}" type="datetimeFigureOut">
               <a:rPr lang="en-US" dirty="0"/>
-              <a:t>11/15/2018</a:t>
+              <a:t>11/20/2018</a:t>
             </a:fld>
             <a:endParaRPr lang="en-US" dirty="0"/>
           </a:p>
@@ -3979,7 +3979,7 @@
           <a:p>
             <a:fld id="{9334D819-9F07-4261-B09B-9E467E5D9002}" type="datetimeFigureOut">
               <a:rPr lang="en-US" dirty="0"/>
-              <a:t>11/15/2018</a:t>
+              <a:t>11/20/2018</a:t>
             </a:fld>
             <a:endParaRPr lang="en-US" dirty="0"/>
           </a:p>
@@ -4737,7 +4737,7 @@
           <a:p>
             <a:fld id="{9334D819-9F07-4261-B09B-9E467E5D9002}" type="datetimeFigureOut">
               <a:rPr lang="en-US" dirty="0"/>
-              <a:t>11/15/2018</a:t>
+              <a:t>11/20/2018</a:t>
             </a:fld>
             <a:endParaRPr lang="en-US" dirty="0"/>
           </a:p>
@@ -5572,7 +5572,7 @@
           <a:p>
             <a:fld id="{9334D819-9F07-4261-B09B-9E467E5D9002}" type="datetimeFigureOut">
               <a:rPr lang="en-US" dirty="0"/>
-              <a:t>11/15/2018</a:t>
+              <a:t>11/20/2018</a:t>
             </a:fld>
             <a:endParaRPr lang="en-US" dirty="0"/>
           </a:p>
@@ -5795,7 +5795,7 @@
             <a:fld id="{9334D819-9F07-4261-B09B-9E467E5D9002}" type="datetimeFigureOut">
               <a:rPr lang="en-US" dirty="0"/>
               <a:pPr/>
-              <a:t>11/15/2018</a:t>
+              <a:t>11/20/2018</a:t>
             </a:fld>
             <a:endParaRPr lang="en-US" dirty="0"/>
           </a:p>
@@ -9915,7 +9915,7 @@
           <p:spPr>
             <a:xfrm>
               <a:off x="6644830" y="2153535"/>
-              <a:ext cx="4454548" cy="2308324"/>
+              <a:ext cx="4454548" cy="2585323"/>
             </a:xfrm>
             <a:prstGeom prst="rect">
               <a:avLst/>
@@ -9965,11 +9965,25 @@
             <a:p>
               <a:r>
                 <a:rPr lang="en-US" altLang="ko-KR" dirty="0"/>
-                <a:t>console.log(a</a:t>
+                <a:t>console.log</a:t>
               </a:r>
               <a:r>
                 <a:rPr lang="en-US" altLang="ko-KR" dirty="0" smtClean="0"/>
-                <a:t>, b);</a:t>
+                <a:t>(`a : ${a} </a:t>
+              </a:r>
+            </a:p>
+            <a:p>
+              <a:r>
+                <a:rPr lang="en-US" altLang="ko-KR" dirty="0"/>
+                <a:t>b</a:t>
+              </a:r>
+              <a:r>
+                <a:rPr lang="en-US" altLang="ko-KR" smtClean="0"/>
+                <a:t> </a:t>
+              </a:r>
+              <a:r>
+                <a:rPr lang="en-US" altLang="ko-KR" dirty="0" smtClean="0"/>
+                <a:t>: ${b}`);</a:t>
               </a:r>
             </a:p>
             <a:p>
@@ -15718,7 +15732,7 @@
         <p:spPr>
           <a:xfrm>
             <a:off x="1251678" y="1972194"/>
-            <a:ext cx="10064022" cy="3895206"/>
+            <a:ext cx="10064022" cy="4744490"/>
           </a:xfrm>
           <a:prstGeom prst="rect">
             <a:avLst/>
@@ -15827,7 +15841,7 @@
         <p:spPr>
           <a:xfrm>
             <a:off x="1435358" y="2153535"/>
-            <a:ext cx="9708892" cy="3785652"/>
+            <a:ext cx="9708892" cy="4524315"/>
           </a:xfrm>
           <a:prstGeom prst="rect">
             <a:avLst/>
@@ -16062,7 +16076,7 @@
               <a:buAutoNum type="arabicPeriod"/>
             </a:pPr>
             <a:r>
-              <a:rPr lang="en-US" altLang="ko-KR" sz="1600" dirty="0" err="1">
+              <a:rPr lang="en-US" altLang="ko-KR" sz="1600" dirty="0" err="1" smtClean="0">
                 <a:solidFill>
                   <a:schemeClr val="bg1">
                     <a:lumMod val="50000"/>
@@ -16072,7 +16086,7 @@
               <a:t>package.json</a:t>
             </a:r>
             <a:r>
-              <a:rPr lang="en-US" altLang="ko-KR" sz="1600" dirty="0">
+              <a:rPr lang="en-US" altLang="ko-KR" sz="1600" dirty="0" smtClean="0">
                 <a:solidFill>
                   <a:schemeClr val="bg1">
                     <a:lumMod val="50000"/>
@@ -16091,45 +16105,44 @@
               </a:rPr>
               <a:t>수정</a:t>
             </a:r>
-            <a:r>
-              <a:rPr lang="ko-KR" altLang="en-US" sz="1600" dirty="0">
+            <a:br>
+              <a:rPr lang="ko-KR" altLang="en-US" sz="1600" dirty="0" smtClean="0">
                 <a:solidFill>
                   <a:schemeClr val="bg1">
                     <a:lumMod val="50000"/>
                   </a:schemeClr>
                 </a:solidFill>
               </a:rPr>
-              <a:t/>
-            </a:r>
-            <a:br>
-              <a:rPr lang="ko-KR" altLang="en-US" sz="1600" dirty="0">
+            </a:br>
+            <a:r>
+              <a:rPr lang="ko-KR" altLang="en-US" sz="1600" dirty="0" smtClean="0">
                 <a:solidFill>
                   <a:schemeClr val="bg1">
                     <a:lumMod val="50000"/>
                   </a:schemeClr>
                 </a:solidFill>
               </a:rPr>
-            </a:br>
-            <a:r>
-              <a:rPr lang="ko-KR" altLang="en-US" sz="1600" dirty="0">
+              <a:t> </a:t>
+            </a:r>
+            <a:r>
+              <a:rPr lang="en-US" altLang="ko-KR" sz="1600" dirty="0" smtClean="0">
                 <a:solidFill>
                   <a:schemeClr val="bg1">
                     <a:lumMod val="50000"/>
                   </a:schemeClr>
                 </a:solidFill>
               </a:rPr>
-              <a:t> </a:t>
-            </a:r>
-            <a:r>
-              <a:rPr lang="en-US" altLang="ko-KR" sz="1600" dirty="0">
+              <a:t>"scripts": {</a:t>
+            </a:r>
+            <a:br>
+              <a:rPr lang="en-US" altLang="ko-KR" sz="1600" dirty="0" smtClean="0">
                 <a:solidFill>
                   <a:schemeClr val="bg1">
                     <a:lumMod val="50000"/>
                   </a:schemeClr>
                 </a:solidFill>
               </a:rPr>
-              <a:t>"scripts": </a:t>
-            </a:r>
+            </a:br>
             <a:r>
               <a:rPr lang="en-US" altLang="ko-KR" sz="1600" dirty="0" smtClean="0">
                 <a:solidFill>
@@ -16138,17 +16151,18 @@
                   </a:schemeClr>
                 </a:solidFill>
               </a:rPr>
-              <a:t>{</a:t>
-            </a:r>
-            <a:br>
-              <a:rPr lang="en-US" altLang="ko-KR" sz="1600" dirty="0" smtClean="0">
+              <a:t>	  "start": "</a:t>
+            </a:r>
+            <a:r>
+              <a:rPr lang="en-US" altLang="ko-KR" sz="1600" dirty="0" err="1" smtClean="0">
                 <a:solidFill>
                   <a:schemeClr val="bg1">
                     <a:lumMod val="50000"/>
                   </a:schemeClr>
                 </a:solidFill>
               </a:rPr>
-            </a:br>
+              <a:t>npm</a:t>
+            </a:r>
             <a:r>
               <a:rPr lang="en-US" altLang="ko-KR" sz="1600" dirty="0" smtClean="0">
                 <a:solidFill>
@@ -16157,19 +16171,59 @@
                   </a:schemeClr>
                 </a:solidFill>
               </a:rPr>
-              <a:t>	</a:t>
-            </a:r>
-            <a:r>
-              <a:rPr lang="en-US" altLang="ko-KR" sz="1600" dirty="0">
+              <a:t> run watch", </a:t>
+            </a:r>
+            <a:r>
+              <a:rPr lang="en-US" altLang="ko-KR" sz="1600" dirty="0" smtClean="0">
+                <a:solidFill>
+                  <a:srgbClr val="FFFF00"/>
+                </a:solidFill>
+              </a:rPr>
+              <a:t>//</a:t>
+            </a:r>
+            <a:r>
+              <a:rPr lang="ko-KR" altLang="en-US" sz="1600" dirty="0" smtClean="0">
+                <a:solidFill>
+                  <a:srgbClr val="FFFF00"/>
+                </a:solidFill>
+              </a:rPr>
+              <a:t>실시간 감시하여 변경사항이 있으면 </a:t>
+            </a:r>
+            <a:r>
+              <a:rPr lang="ko-KR" altLang="en-US" sz="1600" dirty="0" err="1" smtClean="0">
+                <a:solidFill>
+                  <a:srgbClr val="FFFF00"/>
+                </a:solidFill>
+              </a:rPr>
+              <a:t>웹페이지를</a:t>
+            </a:r>
+            <a:r>
+              <a:rPr lang="ko-KR" altLang="en-US" sz="1600" dirty="0" smtClean="0">
+                <a:solidFill>
+                  <a:srgbClr val="FFFF00"/>
+                </a:solidFill>
+              </a:rPr>
+              <a:t> </a:t>
+            </a:r>
+            <a:r>
+              <a:rPr lang="ko-KR" altLang="en-US" sz="1600" dirty="0" err="1" smtClean="0">
+                <a:solidFill>
+                  <a:srgbClr val="FFFF00"/>
+                </a:solidFill>
+              </a:rPr>
+              <a:t>새로고침</a:t>
+            </a:r>
+            <a:r>
+              <a:rPr lang="en-US" altLang="ko-KR" sz="1600" dirty="0" smtClean="0">
                 <a:solidFill>
                   <a:schemeClr val="bg1">
                     <a:lumMod val="50000"/>
                   </a:schemeClr>
                 </a:solidFill>
               </a:rPr>
-              <a:t> </a:t>
-            </a:r>
-            <a:r>
+              <a:t/>
+            </a:r>
+            <a:br>
               <a:rPr lang="en-US" altLang="ko-KR" sz="1600" dirty="0" smtClean="0">
                 <a:solidFill>
                   <a:schemeClr val="bg1">
@@ -16177,465 +16231,316 @@
                   </a:schemeClr>
                 </a:solidFill>
               </a:rPr>
-              <a:t> "</a:t>
-            </a:r>
-            <a:r>
-              <a:rPr lang="en-US" altLang="ko-KR" sz="1600" dirty="0">
+            </a:br>
+            <a:r>
+              <a:rPr lang="en-US" altLang="ko-KR" sz="1600" dirty="0" smtClean="0">
                 <a:solidFill>
                   <a:schemeClr val="bg1">
                     <a:lumMod val="50000"/>
                   </a:schemeClr>
                 </a:solidFill>
               </a:rPr>
-              <a:t>start": "</a:t>
-            </a:r>
-            <a:r>
-              <a:rPr lang="en-US" altLang="ko-KR" sz="1600" dirty="0" err="1">
+              <a:t>    "babel": "</a:t>
+            </a:r>
+            <a:r>
+              <a:rPr lang="en-US" altLang="ko-KR" sz="1600" dirty="0" err="1" smtClean="0">
                 <a:solidFill>
                   <a:schemeClr val="bg1">
                     <a:lumMod val="50000"/>
                   </a:schemeClr>
                 </a:solidFill>
               </a:rPr>
-              <a:t>npm</a:t>
-            </a:r>
-            <a:r>
-              <a:rPr lang="en-US" altLang="ko-KR" sz="1600" dirty="0">
+              <a:t>node_modules</a:t>
+            </a:r>
+            <a:r>
+              <a:rPr lang="en-US" altLang="ko-KR" sz="1600" dirty="0" smtClean="0">
                 <a:solidFill>
                   <a:schemeClr val="bg1">
                     <a:lumMod val="50000"/>
                   </a:schemeClr>
                 </a:solidFill>
               </a:rPr>
-              <a:t> run watch</a:t>
-            </a:r>
-            <a:r>
-              <a:rPr lang="en-US" altLang="ko-KR" sz="1600" dirty="0" smtClean="0">
+              <a:t>/.bin/babel source -d </a:t>
+            </a:r>
+            <a:r>
+              <a:rPr lang="en-US" altLang="ko-KR" sz="1600" dirty="0" err="1" smtClean="0">
                 <a:solidFill>
                   <a:schemeClr val="bg1">
                     <a:lumMod val="50000"/>
                   </a:schemeClr>
                 </a:solidFill>
               </a:rPr>
-              <a:t>", </a:t>
+              <a:t>dist</a:t>
             </a:r>
             <a:r>
               <a:rPr lang="en-US" altLang="ko-KR" sz="1600" dirty="0" smtClean="0">
-                <a:solidFill>
-                  <a:srgbClr val="FFFF00"/>
-                </a:solidFill>
-              </a:rPr>
-              <a:t>//</a:t>
-            </a:r>
-            <a:r>
-              <a:rPr lang="ko-KR" altLang="en-US" sz="1600" dirty="0" smtClean="0">
-                <a:solidFill>
-                  <a:srgbClr val="FFFF00"/>
-                </a:solidFill>
-              </a:rPr>
-              <a:t>실시간 감시하여 변경사항이 있으면 </a:t>
-            </a:r>
-            <a:r>
-              <a:rPr lang="ko-KR" altLang="en-US" sz="1600" dirty="0" err="1" smtClean="0">
-                <a:solidFill>
-                  <a:srgbClr val="FFFF00"/>
-                </a:solidFill>
-              </a:rPr>
-              <a:t>웹페이지를</a:t>
-            </a:r>
-            <a:r>
-              <a:rPr lang="ko-KR" altLang="en-US" sz="1600" dirty="0" smtClean="0">
-                <a:solidFill>
-                  <a:srgbClr val="FFFF00"/>
-                </a:solidFill>
-              </a:rPr>
-              <a:t> </a:t>
-            </a:r>
-            <a:r>
-              <a:rPr lang="ko-KR" altLang="en-US" sz="1600" dirty="0" err="1" smtClean="0">
-                <a:solidFill>
-                  <a:srgbClr val="FFFF00"/>
-                </a:solidFill>
-              </a:rPr>
-              <a:t>새로고침</a:t>
-            </a:r>
-            <a:r>
-              <a:rPr lang="en-US" altLang="ko-KR" sz="1600" dirty="0">
                 <a:solidFill>
                   <a:schemeClr val="bg1">
                     <a:lumMod val="50000"/>
                   </a:schemeClr>
                 </a:solidFill>
               </a:rPr>
-              <a:t/>
+              <a:t>", </a:t>
+            </a:r>
+            <a:r>
+              <a:rPr lang="en-US" altLang="ko-KR" sz="1600" dirty="0" smtClean="0">
+                <a:solidFill>
+                  <a:srgbClr val="FFFF00"/>
+                </a:solidFill>
+              </a:rPr>
+              <a:t>// </a:t>
+            </a:r>
+            <a:r>
+              <a:rPr lang="ko-KR" altLang="en-US" sz="1600" dirty="0" err="1" smtClean="0">
+                <a:solidFill>
+                  <a:srgbClr val="FFFF00"/>
+                </a:solidFill>
+              </a:rPr>
+              <a:t>바벨경로</a:t>
+            </a:r>
+            <a:r>
+              <a:rPr lang="ko-KR" altLang="en-US" sz="1600" dirty="0" smtClean="0">
+                <a:solidFill>
+                  <a:srgbClr val="FFFF00"/>
+                </a:solidFill>
+              </a:rPr>
+              <a:t> 지정</a:t>
             </a:r>
             <a:br>
-              <a:rPr lang="en-US" altLang="ko-KR" sz="1600" dirty="0">
+              <a:rPr lang="ko-KR" altLang="en-US" sz="1600" dirty="0" smtClean="0">
+                <a:solidFill>
+                  <a:srgbClr val="FFFF00"/>
+                </a:solidFill>
+              </a:rPr>
+            </a:br>
+            <a:r>
+              <a:rPr lang="ko-KR" altLang="en-US" sz="1600" dirty="0" smtClean="0">
                 <a:solidFill>
                   <a:schemeClr val="bg1">
                     <a:lumMod val="50000"/>
                   </a:schemeClr>
                 </a:solidFill>
               </a:rPr>
-            </a:br>
-            <a:r>
-              <a:rPr lang="en-US" altLang="ko-KR" sz="1600" dirty="0">
+              <a:t>    </a:t>
+            </a:r>
+            <a:r>
+              <a:rPr lang="en-US" altLang="ko-KR" sz="1600" dirty="0" smtClean="0">
                 <a:solidFill>
                   <a:schemeClr val="bg1">
                     <a:lumMod val="50000"/>
                   </a:schemeClr>
                 </a:solidFill>
               </a:rPr>
-              <a:t>    "babel": "</a:t>
-            </a:r>
-            <a:r>
-              <a:rPr lang="en-US" altLang="ko-KR" sz="1600" dirty="0" err="1">
+              <a:t>"watch": "</a:t>
+            </a:r>
+            <a:r>
+              <a:rPr lang="en-US" altLang="ko-KR" sz="1600" dirty="0" err="1" smtClean="0">
                 <a:solidFill>
                   <a:schemeClr val="bg1">
                     <a:lumMod val="50000"/>
                   </a:schemeClr>
                 </a:solidFill>
               </a:rPr>
-              <a:t>node_modules</a:t>
-            </a:r>
-            <a:r>
-              <a:rPr lang="en-US" altLang="ko-KR" sz="1600" dirty="0">
+              <a:t>npm</a:t>
+            </a:r>
+            <a:r>
+              <a:rPr lang="en-US" altLang="ko-KR" sz="1600" dirty="0" smtClean="0">
                 <a:solidFill>
                   <a:schemeClr val="bg1">
                     <a:lumMod val="50000"/>
                   </a:schemeClr>
                 </a:solidFill>
               </a:rPr>
-              <a:t>/.bin/babel source -d </a:t>
-            </a:r>
-            <a:r>
-              <a:rPr lang="en-US" altLang="ko-KR" sz="1600" dirty="0" err="1">
+              <a:t> run babel -- -w",  </a:t>
+            </a:r>
+            <a:r>
+              <a:rPr lang="en-US" altLang="ko-KR" sz="1600" dirty="0" smtClean="0">
+                <a:solidFill>
+                  <a:srgbClr val="FFFF00"/>
+                </a:solidFill>
+              </a:rPr>
+              <a:t>// </a:t>
+            </a:r>
+            <a:r>
+              <a:rPr lang="ko-KR" altLang="en-US" sz="1600" dirty="0" smtClean="0">
+                <a:solidFill>
+                  <a:srgbClr val="FFFF00"/>
+                </a:solidFill>
+              </a:rPr>
+              <a:t>파일을 </a:t>
+            </a:r>
+            <a:r>
+              <a:rPr lang="ko-KR" altLang="en-US" sz="1600" dirty="0" err="1" smtClean="0">
+                <a:solidFill>
+                  <a:srgbClr val="FFFF00"/>
+                </a:solidFill>
+              </a:rPr>
+              <a:t>수정할때마다</a:t>
+            </a:r>
+            <a:r>
+              <a:rPr lang="ko-KR" altLang="en-US" sz="1600" dirty="0" smtClean="0">
+                <a:solidFill>
+                  <a:srgbClr val="FFFF00"/>
+                </a:solidFill>
+              </a:rPr>
+              <a:t>  내보냄</a:t>
+            </a:r>
+            <a:br>
+              <a:rPr lang="ko-KR" altLang="en-US" sz="1600" dirty="0" smtClean="0">
+                <a:solidFill>
+                  <a:srgbClr val="FFFF00"/>
+                </a:solidFill>
+              </a:rPr>
+            </a:br>
+            <a:r>
+              <a:rPr lang="ko-KR" altLang="en-US" sz="1600" dirty="0" smtClean="0">
                 <a:solidFill>
                   <a:schemeClr val="bg1">
                     <a:lumMod val="50000"/>
                   </a:schemeClr>
                 </a:solidFill>
               </a:rPr>
-              <a:t>dist</a:t>
-            </a:r>
-            <a:r>
-              <a:rPr lang="en-US" altLang="ko-KR" sz="1600" dirty="0">
+              <a:t>    </a:t>
+            </a:r>
+            <a:r>
+              <a:rPr lang="en-US" altLang="ko-KR" sz="1600" dirty="0" smtClean="0">
                 <a:solidFill>
                   <a:schemeClr val="bg1">
                     <a:lumMod val="50000"/>
                   </a:schemeClr>
                 </a:solidFill>
               </a:rPr>
-              <a:t>", </a:t>
-            </a:r>
-            <a:r>
-              <a:rPr lang="en-US" altLang="ko-KR" sz="1600" dirty="0" smtClean="0">
-                <a:solidFill>
-                  <a:srgbClr val="FFFF00"/>
-                </a:solidFill>
-              </a:rPr>
-              <a:t>// </a:t>
-            </a:r>
-            <a:r>
-              <a:rPr lang="ko-KR" altLang="en-US" sz="1600" dirty="0" err="1" smtClean="0">
-                <a:solidFill>
-                  <a:srgbClr val="FFFF00"/>
-                </a:solidFill>
-              </a:rPr>
-              <a:t>바벨경로</a:t>
-            </a:r>
-            <a:r>
-              <a:rPr lang="ko-KR" altLang="en-US" sz="1600" dirty="0" smtClean="0">
-                <a:solidFill>
-                  <a:srgbClr val="FFFF00"/>
-                </a:solidFill>
-              </a:rPr>
-              <a:t> 지정</a:t>
-            </a:r>
-            <a:r>
-              <a:rPr lang="ko-KR" altLang="en-US" sz="1600" dirty="0">
-                <a:solidFill>
-                  <a:srgbClr val="FFFF00"/>
-                </a:solidFill>
-              </a:rPr>
-              <a:t/>
-            </a:r>
-            <a:br>
-              <a:rPr lang="ko-KR" altLang="en-US" sz="1600" dirty="0">
-                <a:solidFill>
-                  <a:srgbClr val="FFFF00"/>
-                </a:solidFill>
-              </a:rPr>
-            </a:br>
-            <a:r>
-              <a:rPr lang="ko-KR" altLang="en-US" sz="1600" dirty="0">
+              <a:t>"build": "babel source -w -d </a:t>
+            </a:r>
+            <a:r>
+              <a:rPr lang="en-US" altLang="ko-KR" sz="1600" dirty="0" err="1" smtClean="0">
                 <a:solidFill>
                   <a:schemeClr val="bg1">
                     <a:lumMod val="50000"/>
                   </a:schemeClr>
                 </a:solidFill>
               </a:rPr>
-              <a:t>    </a:t>
-            </a:r>
-            <a:r>
-              <a:rPr lang="en-US" altLang="ko-KR" sz="1600" dirty="0">
+              <a:t>dist</a:t>
+            </a:r>
+            <a:r>
+              <a:rPr lang="en-US" altLang="ko-KR" sz="1600" dirty="0" smtClean="0">
                 <a:solidFill>
                   <a:schemeClr val="bg1">
                     <a:lumMod val="50000"/>
                   </a:schemeClr>
                 </a:solidFill>
               </a:rPr>
-              <a:t>"watch": "</a:t>
-            </a:r>
-            <a:r>
-              <a:rPr lang="en-US" altLang="ko-KR" sz="1600" dirty="0" err="1">
+              <a:t>"  </a:t>
+            </a:r>
+            <a:r>
+              <a:rPr lang="en-US" altLang="ko-KR" sz="1600" dirty="0" smtClean="0">
+                <a:solidFill>
+                  <a:srgbClr val="FFFF00"/>
+                </a:solidFill>
+              </a:rPr>
+              <a:t>// "build": "babel {</a:t>
+            </a:r>
+            <a:r>
+              <a:rPr lang="ko-KR" altLang="en-US" sz="1600" dirty="0" smtClean="0">
+                <a:solidFill>
+                  <a:srgbClr val="FFFF00"/>
+                </a:solidFill>
+              </a:rPr>
+              <a:t>소스디렉토리</a:t>
+            </a:r>
+            <a:r>
+              <a:rPr lang="en-US" altLang="ko-KR" sz="1600" dirty="0" smtClean="0">
+                <a:solidFill>
+                  <a:srgbClr val="FFFF00"/>
+                </a:solidFill>
+              </a:rPr>
+              <a:t>} -w -d {</a:t>
+            </a:r>
+            <a:r>
+              <a:rPr lang="ko-KR" altLang="en-US" sz="1600" dirty="0" smtClean="0">
+                <a:solidFill>
+                  <a:srgbClr val="FFFF00"/>
+                </a:solidFill>
+              </a:rPr>
+              <a:t>출력디렉토리</a:t>
+            </a:r>
+            <a:r>
+              <a:rPr lang="en-US" altLang="ko-KR" sz="1600" dirty="0" smtClean="0">
+                <a:solidFill>
+                  <a:srgbClr val="FFFF00"/>
+                </a:solidFill>
+              </a:rPr>
+              <a:t>}”</a:t>
+            </a:r>
+            <a:br>
+              <a:rPr lang="en-US" altLang="ko-KR" sz="1600" dirty="0" smtClean="0">
+                <a:solidFill>
+                  <a:srgbClr val="FFFF00"/>
+                </a:solidFill>
+              </a:rPr>
+            </a:br>
+            <a:r>
+              <a:rPr lang="en-US" altLang="ko-KR" sz="1600" dirty="0" smtClean="0">
+                <a:solidFill>
+                  <a:srgbClr val="FFFF00"/>
+                </a:solidFill>
+              </a:rPr>
+              <a:t> </a:t>
+            </a:r>
+            <a:r>
+              <a:rPr lang="en-US" altLang="ko-KR" sz="1600" dirty="0" smtClean="0">
                 <a:solidFill>
                   <a:schemeClr val="bg1">
                     <a:lumMod val="50000"/>
                   </a:schemeClr>
                 </a:solidFill>
               </a:rPr>
-              <a:t>npm</a:t>
-            </a:r>
-            <a:r>
-              <a:rPr lang="en-US" altLang="ko-KR" sz="1600" dirty="0">
+              <a:t>}</a:t>
+            </a:r>
+          </a:p>
+          <a:p>
+            <a:pPr marL="342900" indent="-342900">
+              <a:buAutoNum type="arabicPeriod"/>
+            </a:pPr>
+            <a:r>
+              <a:rPr lang="en-US" altLang="ko-KR" sz="1600" dirty="0" smtClean="0">
                 <a:solidFill>
                   <a:schemeClr val="bg1">
                     <a:lumMod val="50000"/>
                   </a:schemeClr>
                 </a:solidFill>
               </a:rPr>
-              <a:t> run babel -- -w",  </a:t>
-            </a:r>
-            <a:r>
-              <a:rPr lang="en-US" altLang="ko-KR" sz="1600" dirty="0" smtClean="0">
-                <a:solidFill>
-                  <a:srgbClr val="FFFF00"/>
-                </a:solidFill>
-              </a:rPr>
-              <a:t>// </a:t>
-            </a:r>
-            <a:r>
-              <a:rPr lang="ko-KR" altLang="en-US" sz="1600" dirty="0" smtClean="0">
-                <a:solidFill>
-                  <a:srgbClr val="FFFF00"/>
-                </a:solidFill>
-              </a:rPr>
-              <a:t>파일을</a:t>
-            </a:r>
-            <a:r>
-              <a:rPr lang="ko-KR" altLang="en-US" sz="1600" dirty="0">
-                <a:solidFill>
-                  <a:srgbClr val="FFFF00"/>
-                </a:solidFill>
-              </a:rPr>
-              <a:t> </a:t>
-            </a:r>
-            <a:r>
-              <a:rPr lang="ko-KR" altLang="en-US" sz="1600" dirty="0" err="1">
-                <a:solidFill>
-                  <a:srgbClr val="FFFF00"/>
-                </a:solidFill>
-              </a:rPr>
-              <a:t>수정할때마다</a:t>
-            </a:r>
-            <a:r>
-              <a:rPr lang="ko-KR" altLang="en-US" sz="1600" dirty="0">
-                <a:solidFill>
-                  <a:srgbClr val="FFFF00"/>
-                </a:solidFill>
-              </a:rPr>
-              <a:t>  내보냄</a:t>
-            </a:r>
-            <a:br>
-              <a:rPr lang="ko-KR" altLang="en-US" sz="1600" dirty="0">
-                <a:solidFill>
-                  <a:srgbClr val="FFFF00"/>
-                </a:solidFill>
-              </a:rPr>
-            </a:br>
-            <a:r>
-              <a:rPr lang="ko-KR" altLang="en-US" sz="1600" dirty="0">
+              <a:t>.</a:t>
+            </a:r>
+            <a:r>
+              <a:rPr lang="en-US" altLang="ko-KR" sz="1600" dirty="0" err="1" smtClean="0">
                 <a:solidFill>
                   <a:schemeClr val="bg1">
                     <a:lumMod val="50000"/>
                   </a:schemeClr>
                 </a:solidFill>
               </a:rPr>
-              <a:t>    </a:t>
-            </a:r>
-            <a:r>
-              <a:rPr lang="en-US" altLang="ko-KR" sz="1600" dirty="0">
+              <a:t>babelrc</a:t>
+            </a:r>
+            <a:r>
+              <a:rPr lang="en-US" altLang="ko-KR" sz="1600" dirty="0" smtClean="0">
                 <a:solidFill>
                   <a:schemeClr val="bg1">
                     <a:lumMod val="50000"/>
                   </a:schemeClr>
                 </a:solidFill>
               </a:rPr>
-              <a:t>"build": "babel source -w -d </a:t>
-            </a:r>
-            <a:r>
-              <a:rPr lang="en-US" altLang="ko-KR" sz="1600" dirty="0" err="1">
+              <a:t> </a:t>
+            </a:r>
+            <a:r>
+              <a:rPr lang="ko-KR" altLang="en-US" sz="1600" dirty="0" smtClean="0">
                 <a:solidFill>
                   <a:schemeClr val="bg1">
                     <a:lumMod val="50000"/>
                   </a:schemeClr>
                 </a:solidFill>
               </a:rPr>
-              <a:t>dist</a:t>
-            </a:r>
-            <a:r>
-              <a:rPr lang="en-US" altLang="ko-KR" sz="1600" dirty="0">
-                <a:solidFill>
-                  <a:schemeClr val="bg1">
-                    <a:lumMod val="50000"/>
-                  </a:schemeClr>
-                </a:solidFill>
-              </a:rPr>
-              <a:t>"  </a:t>
-            </a:r>
-            <a:r>
-              <a:rPr lang="en-US" altLang="ko-KR" sz="1600" dirty="0">
-                <a:solidFill>
-                  <a:srgbClr val="FFFF00"/>
-                </a:solidFill>
-              </a:rPr>
-              <a:t>// </a:t>
-            </a:r>
-            <a:r>
-              <a:rPr lang="en-US" altLang="ko-KR" sz="1600" dirty="0" smtClean="0">
-                <a:solidFill>
-                  <a:srgbClr val="FFFF00"/>
-                </a:solidFill>
-              </a:rPr>
-              <a:t>"</a:t>
-            </a:r>
-            <a:r>
-              <a:rPr lang="en-US" altLang="ko-KR" sz="1600" dirty="0">
-                <a:solidFill>
-                  <a:srgbClr val="FFFF00"/>
-                </a:solidFill>
-              </a:rPr>
-              <a:t>build": "babel {</a:t>
-            </a:r>
-            <a:r>
-              <a:rPr lang="ko-KR" altLang="en-US" sz="1600" dirty="0" smtClean="0">
-                <a:solidFill>
-                  <a:srgbClr val="FFFF00"/>
-                </a:solidFill>
-              </a:rPr>
-              <a:t>소스디렉토리</a:t>
-            </a:r>
-            <a:r>
-              <a:rPr lang="en-US" altLang="ko-KR" sz="1600" dirty="0">
-                <a:solidFill>
-                  <a:srgbClr val="FFFF00"/>
-                </a:solidFill>
-              </a:rPr>
-              <a:t>} -w -d {</a:t>
-            </a:r>
-            <a:r>
-              <a:rPr lang="ko-KR" altLang="en-US" sz="1600" dirty="0" smtClean="0">
-                <a:solidFill>
-                  <a:srgbClr val="FFFF00"/>
-                </a:solidFill>
-              </a:rPr>
-              <a:t>출력디렉토리</a:t>
-            </a:r>
-            <a:r>
-              <a:rPr lang="en-US" altLang="ko-KR" sz="1600" dirty="0" smtClean="0">
-                <a:solidFill>
-                  <a:srgbClr val="FFFF00"/>
-                </a:solidFill>
-              </a:rPr>
-              <a:t>}”</a:t>
-            </a:r>
-            <a:br>
-              <a:rPr lang="en-US" altLang="ko-KR" sz="1600" dirty="0" smtClean="0">
-                <a:solidFill>
-                  <a:srgbClr val="FFFF00"/>
-                </a:solidFill>
-              </a:rPr>
-            </a:br>
-            <a:r>
-              <a:rPr lang="en-US" altLang="ko-KR" sz="1600" dirty="0" smtClean="0">
-                <a:solidFill>
-                  <a:srgbClr val="FFFF00"/>
-                </a:solidFill>
-              </a:rPr>
-              <a:t> </a:t>
-            </a:r>
-            <a:r>
-              <a:rPr lang="en-US" altLang="ko-KR" sz="1600" dirty="0" smtClean="0">
-                <a:solidFill>
-                  <a:schemeClr val="bg1">
-                    <a:lumMod val="50000"/>
-                  </a:schemeClr>
-                </a:solidFill>
-              </a:rPr>
-              <a:t>}</a:t>
-            </a:r>
-            <a:endParaRPr lang="en-US" altLang="ko-KR" sz="1600" dirty="0">
-              <a:solidFill>
-                <a:schemeClr val="bg1">
-                  <a:lumMod val="50000"/>
-                </a:schemeClr>
-              </a:solidFill>
-            </a:endParaRPr>
-          </a:p>
-          <a:p>
-            <a:pPr marL="342900" indent="-342900">
-              <a:buAutoNum type="arabicPeriod"/>
-            </a:pPr>
-            <a:r>
-              <a:rPr lang="en-US" altLang="ko-KR" sz="1600" dirty="0">
-                <a:solidFill>
-                  <a:schemeClr val="bg1">
-                    <a:lumMod val="50000"/>
-                  </a:schemeClr>
-                </a:solidFill>
-              </a:rPr>
-              <a:t>.</a:t>
-            </a:r>
-            <a:r>
-              <a:rPr lang="en-US" altLang="ko-KR" sz="1600" dirty="0" err="1">
-                <a:solidFill>
-                  <a:schemeClr val="bg1">
-                    <a:lumMod val="50000"/>
-                  </a:schemeClr>
-                </a:solidFill>
-              </a:rPr>
-              <a:t>babelrc</a:t>
-            </a:r>
-            <a:r>
-              <a:rPr lang="en-US" altLang="ko-KR" sz="1600" dirty="0">
-                <a:solidFill>
-                  <a:schemeClr val="bg1">
-                    <a:lumMod val="50000"/>
-                  </a:schemeClr>
-                </a:solidFill>
-              </a:rPr>
-              <a:t> </a:t>
-            </a:r>
-            <a:r>
-              <a:rPr lang="ko-KR" altLang="en-US" sz="1600" dirty="0">
-                <a:solidFill>
-                  <a:schemeClr val="bg1">
-                    <a:lumMod val="50000"/>
-                  </a:schemeClr>
-                </a:solidFill>
-              </a:rPr>
-              <a:t>파일을 만들어 안에 내용 </a:t>
-            </a:r>
-            <a:r>
-              <a:rPr lang="ko-KR" altLang="en-US" sz="1600" dirty="0" smtClean="0">
-                <a:solidFill>
-                  <a:schemeClr val="bg1">
-                    <a:lumMod val="50000"/>
-                  </a:schemeClr>
-                </a:solidFill>
-              </a:rPr>
-              <a:t>넣기</a:t>
+              <a:t>파일을 만들어 안에 내용 넣기</a:t>
             </a:r>
             <a:endParaRPr lang="en-US" altLang="ko-KR" sz="1600" dirty="0" smtClean="0">
               <a:solidFill>
@@ -16657,6 +16562,13 @@
               </a:rPr>
               <a:t>{</a:t>
             </a:r>
+            <a:endParaRPr lang="en-US" altLang="ko-KR" sz="1600" dirty="0" smtClean="0">
+              <a:solidFill>
+                <a:schemeClr val="bg1">
+                  <a:lumMod val="50000"/>
+                </a:schemeClr>
+              </a:solidFill>
+            </a:endParaRPr>
           </a:p>
           <a:p>
             <a:pPr lvl="1"/>
@@ -16779,9 +16691,110 @@
               </a:rPr>
               <a:t>트랜스파일링 실행</a:t>
             </a:r>
+            <a:r>
+              <a:rPr lang="en-US" altLang="ko-KR" sz="1600" dirty="0" smtClean="0">
+                <a:solidFill>
+                  <a:srgbClr val="FFFF00"/>
+                </a:solidFill>
+              </a:rPr>
+              <a:t/>
+            </a:r>
+            <a:br>
+              <a:rPr lang="en-US" altLang="ko-KR" sz="1600" dirty="0" smtClean="0">
+                <a:solidFill>
+                  <a:srgbClr val="FFFF00"/>
+                </a:solidFill>
+              </a:rPr>
+            </a:br>
             <a:endParaRPr lang="en-US" altLang="ko-KR" sz="1600" dirty="0" smtClean="0">
               <a:solidFill>
                 <a:srgbClr val="FFFF00"/>
+              </a:solidFill>
+            </a:endParaRPr>
+          </a:p>
+          <a:p>
+            <a:r>
+              <a:rPr lang="en-US" altLang="ko-KR" sz="1600" dirty="0" err="1">
+                <a:solidFill>
+                  <a:schemeClr val="bg1"/>
+                </a:solidFill>
+              </a:rPr>
+              <a:t>n</a:t>
+            </a:r>
+            <a:r>
+              <a:rPr lang="en-US" altLang="ko-KR" sz="1600" dirty="0" err="1" smtClean="0">
+                <a:solidFill>
+                  <a:schemeClr val="bg1"/>
+                </a:solidFill>
+              </a:rPr>
+              <a:t>pm</a:t>
+            </a:r>
+            <a:r>
+              <a:rPr lang="en-US" altLang="ko-KR" sz="1600" dirty="0" smtClean="0">
+                <a:solidFill>
+                  <a:schemeClr val="bg1"/>
+                </a:solidFill>
+              </a:rPr>
+              <a:t> </a:t>
+            </a:r>
+            <a:r>
+              <a:rPr lang="en-US" altLang="ko-KR" sz="1600" dirty="0" err="1" smtClean="0">
+                <a:solidFill>
+                  <a:schemeClr val="bg1"/>
+                </a:solidFill>
+              </a:rPr>
+              <a:t>i</a:t>
+            </a:r>
+            <a:r>
+              <a:rPr lang="en-US" altLang="ko-KR" sz="1600" dirty="0" smtClean="0">
+                <a:solidFill>
+                  <a:schemeClr val="bg1"/>
+                </a:solidFill>
+              </a:rPr>
+              <a:t> –g live-server //</a:t>
+            </a:r>
+            <a:r>
+              <a:rPr lang="ko-KR" altLang="en-US" sz="1600" dirty="0" smtClean="0">
+                <a:solidFill>
+                  <a:schemeClr val="bg1"/>
+                </a:solidFill>
+              </a:rPr>
+              <a:t>라이브서버설치</a:t>
+            </a:r>
+            <a:endParaRPr lang="en-US" altLang="ko-KR" sz="1600" dirty="0" smtClean="0">
+              <a:solidFill>
+                <a:schemeClr val="bg1"/>
+              </a:solidFill>
+            </a:endParaRPr>
+          </a:p>
+          <a:p>
+            <a:r>
+              <a:rPr lang="en-US" altLang="ko-KR" sz="1600" dirty="0">
+                <a:solidFill>
+                  <a:schemeClr val="bg1"/>
+                </a:solidFill>
+              </a:rPr>
+              <a:t>l</a:t>
+            </a:r>
+            <a:r>
+              <a:rPr lang="en-US" altLang="ko-KR" sz="1600" dirty="0" smtClean="0">
+                <a:solidFill>
+                  <a:schemeClr val="bg1"/>
+                </a:solidFill>
+              </a:rPr>
+              <a:t>ive-server //</a:t>
+            </a:r>
+            <a:r>
+              <a:rPr lang="ko-KR" altLang="en-US" sz="1600" dirty="0" smtClean="0">
+                <a:solidFill>
+                  <a:schemeClr val="bg1"/>
+                </a:solidFill>
+              </a:rPr>
+              <a:t>라이브서버실행</a:t>
+            </a:r>
+            <a:endParaRPr lang="en-US" altLang="ko-KR" sz="1600" dirty="0" smtClean="0">
+              <a:solidFill>
+                <a:schemeClr val="bg1"/>
               </a:solidFill>
             </a:endParaRPr>
           </a:p>
@@ -17675,11 +17688,18 @@
           </a:p>
           <a:p>
             <a:r>
+              <a:rPr lang="en-US" altLang="ko-KR" dirty="0" smtClean="0">
+                <a:latin typeface="+mj-ea"/>
+                <a:ea typeface="+mj-ea"/>
+              </a:rPr>
+              <a:t>Browser </a:t>
+            </a:r>
+            <a:r>
               <a:rPr lang="en-US" altLang="ko-KR" dirty="0">
                 <a:latin typeface="+mj-ea"/>
                 <a:ea typeface="+mj-ea"/>
               </a:rPr>
-              <a:t>Es6 browser support</a:t>
+              <a:t>support</a:t>
             </a:r>
             <a:endParaRPr lang="en-US" altLang="ko-KR" dirty="0" smtClean="0">
               <a:latin typeface="+mj-ea"/>
@@ -18425,11 +18445,25 @@
               <a:t>버전명칭을</a:t>
             </a:r>
             <a:r>
+              <a:rPr lang="en-US" altLang="ko-KR" dirty="0" smtClean="0">
+                <a:latin typeface="+mj-ea"/>
+                <a:ea typeface="+mj-ea"/>
+              </a:rPr>
+              <a:t> </a:t>
+            </a:r>
+            <a:r>
+              <a:rPr lang="ko-KR" altLang="en-US" smtClean="0">
+                <a:latin typeface="+mj-ea"/>
+                <a:ea typeface="+mj-ea"/>
+              </a:rPr>
+              <a:t>다시 줄여서 </a:t>
+            </a:r>
+            <a:r>
               <a:rPr lang="ko-KR" altLang="en-US" dirty="0" smtClean="0">
                 <a:latin typeface="+mj-ea"/>
                 <a:ea typeface="+mj-ea"/>
               </a:rPr>
-              <a:t> 줄여서 국내에서 아직까지 널리 사용하고 있는 자바스크립트 버전이 </a:t>
+              <a:t>국내에서 아직까지 널리 사용하고 있는 자바스크립트 버전이 </a:t>
             </a:r>
             <a:r>
               <a:rPr lang="en-US" altLang="ko-KR" b="1" dirty="0" smtClean="0">
@@ -20607,7 +20641,7 @@
         </p:spPr>
         <p:txBody>
           <a:bodyPr>
-            <a:normAutofit fontScale="85000" lnSpcReduction="10000"/>
+            <a:normAutofit fontScale="92500"/>
           </a:bodyPr>
           <a:lstStyle/>
           <a:p>
@@ -20638,46 +20672,46 @@
               <a:t>선언된 상수는 값을 변경할 수 </a:t>
             </a:r>
             <a:r>
+              <a:rPr lang="ko-KR" altLang="en-US" dirty="0" smtClean="0">
+                <a:latin typeface="+mj-ea"/>
+                <a:ea typeface="+mj-ea"/>
+              </a:rPr>
+              <a:t>없을 뿐 아니라</a:t>
+            </a:r>
+            <a:r>
+              <a:rPr lang="en-US" altLang="ko-KR" dirty="0" smtClean="0">
+                <a:latin typeface="+mj-ea"/>
+                <a:ea typeface="+mj-ea"/>
+              </a:rPr>
+              <a:t>,</a:t>
+            </a:r>
+            <a:r>
+              <a:rPr lang="ko-KR" altLang="en-US" dirty="0" smtClean="0">
+                <a:latin typeface="+mj-ea"/>
+                <a:ea typeface="+mj-ea"/>
+              </a:rPr>
+              <a:t> 오류가 </a:t>
+            </a:r>
+            <a:r>
               <a:rPr lang="ko-KR" altLang="en-US" dirty="0" err="1" smtClean="0">
                 <a:latin typeface="+mj-ea"/>
                 <a:ea typeface="+mj-ea"/>
               </a:rPr>
-              <a:t>없을뿐</a:t>
+              <a:t>발생시켜버리기</a:t>
             </a:r>
             <a:r>
               <a:rPr lang="ko-KR" altLang="en-US" dirty="0" smtClean="0">
                 <a:latin typeface="+mj-ea"/>
                 <a:ea typeface="+mj-ea"/>
               </a:rPr>
-              <a:t> 아니라</a:t>
+              <a:t> 때문에</a:t>
             </a:r>
             <a:r>
               <a:rPr lang="en-US" altLang="ko-KR" dirty="0" smtClean="0">
                 <a:latin typeface="+mj-ea"/>
                 <a:ea typeface="+mj-ea"/>
               </a:rPr>
-              <a:t>,</a:t>
-            </a:r>
-            <a:r>
-              <a:rPr lang="ko-KR" altLang="en-US" dirty="0" smtClean="0">
-                <a:latin typeface="+mj-ea"/>
-                <a:ea typeface="+mj-ea"/>
-              </a:rPr>
-              <a:t> </a:t>
-            </a:r>
-            <a:r>
-              <a:rPr lang="ko-KR" altLang="en-US" dirty="0">
-                <a:latin typeface="+mj-ea"/>
-                <a:ea typeface="+mj-ea"/>
-              </a:rPr>
-              <a:t>오류가 발생한다</a:t>
-            </a:r>
-            <a:r>
-              <a:rPr lang="en-US" altLang="ko-KR" dirty="0" smtClean="0">
-                <a:latin typeface="+mj-ea"/>
-                <a:ea typeface="+mj-ea"/>
-              </a:rPr>
-              <a:t>. </a:t>
+              <a:t/>
             </a:r>
             <a:br>
               <a:rPr lang="en-US" altLang="ko-KR" dirty="0" smtClean="0">
@@ -20690,14 +20724,21 @@
                 <a:latin typeface="+mj-ea"/>
                 <a:ea typeface="+mj-ea"/>
               </a:rPr>
-              <a:t>그렇기 때문에 실수로라도 값이 변경되지 않아야 하는 </a:t>
+              <a:t>실수로라도 값이 변경되지 않아야 하는 고정 값을 변수에 담아 </a:t>
+            </a:r>
+            <a:r>
+              <a:rPr lang="ko-KR" altLang="en-US" dirty="0" err="1" smtClean="0">
+                <a:latin typeface="+mj-ea"/>
+                <a:ea typeface="+mj-ea"/>
+              </a:rPr>
+              <a:t>사용할때</a:t>
             </a:r>
             <a:r>
               <a:rPr lang="ko-KR" altLang="en-US" dirty="0" smtClean="0">
                 <a:latin typeface="+mj-ea"/>
                 <a:ea typeface="+mj-ea"/>
               </a:rPr>
-              <a:t>고정 값을 변수에 담아 사용할 수 있다</a:t>
+              <a:t> 유용하다</a:t>
             </a:r>
             <a:r>
               <a:rPr lang="en-US" altLang="ko-KR" dirty="0" smtClean="0">
@@ -21655,6 +21696,361 @@
       </p:grpSpPr>
       <p:sp>
         <p:nvSpPr>
+          <p:cNvPr id="25" name="직사각형 24"/>
+          <p:cNvSpPr/>
+          <p:nvPr/>
+        </p:nvSpPr>
+        <p:spPr>
+          <a:xfrm>
+            <a:off x="1251678" y="480292"/>
+            <a:ext cx="10064022" cy="4892674"/>
+          </a:xfrm>
+          <a:prstGeom prst="rect">
+            <a:avLst/>
+          </a:prstGeom>
+          <a:solidFill>
+            <a:schemeClr val="bg1"/>
+          </a:solidFill>
+          <a:ln>
+            <a:noFill/>
+          </a:ln>
+        </p:spPr>
+        <p:style>
+          <a:lnRef idx="2">
+            <a:schemeClr val="accent1">
+              <a:shade val="50000"/>
+            </a:schemeClr>
+          </a:lnRef>
+          <a:fillRef idx="1">
+            <a:schemeClr val="accent1"/>
+          </a:fillRef>
+          <a:effectRef idx="0">
+            <a:schemeClr val="accent1"/>
+          </a:effectRef>
+          <a:fontRef idx="minor">
+            <a:schemeClr val="lt1"/>
+          </a:fontRef>
+        </p:style>
+        <p:txBody>
+          <a:bodyPr rtlCol="0" anchor="ctr"/>
+          <a:lstStyle/>
+          <a:p>
+            <a:pPr algn="ctr"/>
+            <a:endParaRPr lang="ko-KR" altLang="en-US"/>
+          </a:p>
+        </p:txBody>
+      </p:sp>
+      <p:sp>
+        <p:nvSpPr>
+          <p:cNvPr id="3" name="내용 개체 틀 2"/>
+          <p:cNvSpPr>
+            <a:spLocks noGrp="1"/>
+          </p:cNvSpPr>
+          <p:nvPr>
+            <p:ph idx="1"/>
+          </p:nvPr>
+        </p:nvSpPr>
+        <p:spPr>
+          <a:xfrm>
+            <a:off x="1251678" y="5500140"/>
+            <a:ext cx="10064022" cy="1238500"/>
+          </a:xfrm>
+        </p:spPr>
+        <p:txBody>
+          <a:bodyPr>
+            <a:normAutofit/>
+          </a:bodyPr>
+          <a:lstStyle/>
+          <a:p>
+            <a:pPr>
+              <a:lnSpc>
+                <a:spcPct val="160000"/>
+              </a:lnSpc>
+            </a:pPr>
+            <a:r>
+              <a:rPr lang="ko-KR" altLang="en-US" dirty="0" err="1" smtClean="0">
+                <a:latin typeface="+mj-ea"/>
+                <a:ea typeface="+mj-ea"/>
+              </a:rPr>
+              <a:t>파라미터를</a:t>
+            </a:r>
+            <a:r>
+              <a:rPr lang="ko-KR" altLang="en-US" dirty="0" smtClean="0">
+                <a:latin typeface="+mj-ea"/>
+                <a:ea typeface="+mj-ea"/>
+              </a:rPr>
+              <a:t> </a:t>
+            </a:r>
+            <a:r>
+              <a:rPr lang="en-US" altLang="ko-KR" dirty="0" smtClean="0">
+                <a:latin typeface="+mj-ea"/>
+                <a:ea typeface="+mj-ea"/>
+              </a:rPr>
+              <a:t>1</a:t>
+            </a:r>
+            <a:r>
+              <a:rPr lang="ko-KR" altLang="en-US" dirty="0" smtClean="0">
+                <a:latin typeface="+mj-ea"/>
+                <a:ea typeface="+mj-ea"/>
+              </a:rPr>
+              <a:t>개만 </a:t>
+            </a:r>
+            <a:r>
+              <a:rPr lang="ko-KR" altLang="en-US" dirty="0" err="1" smtClean="0">
+                <a:latin typeface="+mj-ea"/>
+                <a:ea typeface="+mj-ea"/>
+              </a:rPr>
+              <a:t>받을때는</a:t>
+            </a:r>
+            <a:r>
+              <a:rPr lang="ko-KR" altLang="en-US" dirty="0" smtClean="0">
+                <a:latin typeface="+mj-ea"/>
+                <a:ea typeface="+mj-ea"/>
+              </a:rPr>
+              <a:t> 괄호를 생략할 수 있다</a:t>
+            </a:r>
+            <a:r>
+              <a:rPr lang="en-US" altLang="ko-KR" dirty="0" smtClean="0">
+                <a:latin typeface="+mj-ea"/>
+                <a:ea typeface="+mj-ea"/>
+              </a:rPr>
+              <a:t>.</a:t>
+            </a:r>
+            <a:endParaRPr lang="ko-KR" altLang="en-US" dirty="0">
+              <a:latin typeface="+mj-ea"/>
+              <a:ea typeface="+mj-ea"/>
+            </a:endParaRPr>
+          </a:p>
+        </p:txBody>
+      </p:sp>
+      <p:sp>
+        <p:nvSpPr>
+          <p:cNvPr id="21" name="TextBox 20"/>
+          <p:cNvSpPr txBox="1"/>
+          <p:nvPr/>
+        </p:nvSpPr>
+        <p:spPr>
+          <a:xfrm>
+            <a:off x="1416886" y="1072881"/>
+            <a:ext cx="4454548" cy="1754326"/>
+          </a:xfrm>
+          <a:prstGeom prst="rect">
+            <a:avLst/>
+          </a:prstGeom>
+          <a:noFill/>
+        </p:spPr>
+        <p:txBody>
+          <a:bodyPr wrap="square" rtlCol="0">
+            <a:spAutoFit/>
+          </a:bodyPr>
+          <a:lstStyle/>
+          <a:p>
+            <a:r>
+              <a:rPr lang="en-US" altLang="ko-KR" dirty="0" err="1"/>
+              <a:t>const</a:t>
+            </a:r>
+            <a:r>
+              <a:rPr lang="en-US" altLang="ko-KR" dirty="0"/>
+              <a:t> </a:t>
+            </a:r>
+            <a:r>
+              <a:rPr lang="en-US" altLang="ko-KR" dirty="0" err="1"/>
+              <a:t>vm</a:t>
+            </a:r>
+            <a:r>
+              <a:rPr lang="en-US" altLang="ko-KR" dirty="0"/>
+              <a:t> = </a:t>
+            </a:r>
+            <a:r>
+              <a:rPr lang="en-US" altLang="ko-KR" dirty="0" smtClean="0">
+                <a:solidFill>
+                  <a:srgbClr val="FF0000"/>
+                </a:solidFill>
+              </a:rPr>
+              <a:t>a </a:t>
+            </a:r>
+            <a:r>
+              <a:rPr lang="en-US" altLang="ko-KR" dirty="0">
+                <a:solidFill>
+                  <a:srgbClr val="FF0000"/>
+                </a:solidFill>
+              </a:rPr>
+              <a:t>=&gt; </a:t>
+            </a:r>
+            <a:r>
+              <a:rPr lang="en-US" altLang="ko-KR" dirty="0"/>
+              <a:t>{</a:t>
+            </a:r>
+          </a:p>
+          <a:p>
+            <a:r>
+              <a:rPr lang="en-US" altLang="ko-KR" dirty="0"/>
+              <a:t>	</a:t>
+            </a:r>
+            <a:r>
+              <a:rPr lang="en-US" altLang="ko-KR" dirty="0" smtClean="0"/>
+              <a:t>console.log(a);</a:t>
+            </a:r>
+            <a:endParaRPr lang="en-US" altLang="ko-KR" dirty="0"/>
+          </a:p>
+          <a:p>
+            <a:r>
+              <a:rPr lang="en-US" altLang="ko-KR" dirty="0"/>
+              <a:t>}</a:t>
+            </a:r>
+          </a:p>
+          <a:p>
+            <a:endParaRPr lang="en-US" altLang="ko-KR" dirty="0"/>
+          </a:p>
+          <a:p>
+            <a:r>
+              <a:rPr lang="en-US" altLang="ko-KR" dirty="0" err="1"/>
+              <a:t>vm</a:t>
+            </a:r>
+            <a:r>
+              <a:rPr lang="en-US" altLang="ko-KR" dirty="0"/>
+              <a:t>(‘</a:t>
+            </a:r>
+            <a:r>
+              <a:rPr lang="ko-KR" altLang="en-US" dirty="0"/>
+              <a:t>값</a:t>
+            </a:r>
+            <a:r>
+              <a:rPr lang="en-US" altLang="ko-KR" dirty="0"/>
+              <a:t>1’);</a:t>
+            </a:r>
+          </a:p>
+          <a:p>
+            <a:endParaRPr lang="en-US" altLang="ko-KR" dirty="0"/>
+          </a:p>
+        </p:txBody>
+      </p:sp>
+      <p:sp>
+        <p:nvSpPr>
+          <p:cNvPr id="28" name="직사각형 27"/>
+          <p:cNvSpPr/>
+          <p:nvPr/>
+        </p:nvSpPr>
+        <p:spPr>
+          <a:xfrm>
+            <a:off x="1251678" y="480292"/>
+            <a:ext cx="581891" cy="383579"/>
+          </a:xfrm>
+          <a:prstGeom prst="rect">
+            <a:avLst/>
+          </a:prstGeom>
+          <a:solidFill>
+            <a:schemeClr val="tx1"/>
+          </a:solidFill>
+          <a:ln>
+            <a:noFill/>
+          </a:ln>
+        </p:spPr>
+        <p:style>
+          <a:lnRef idx="2">
+            <a:schemeClr val="accent1">
+              <a:shade val="50000"/>
+            </a:schemeClr>
+          </a:lnRef>
+          <a:fillRef idx="1">
+            <a:schemeClr val="accent1"/>
+          </a:fillRef>
+          <a:effectRef idx="0">
+            <a:schemeClr val="accent1"/>
+          </a:effectRef>
+          <a:fontRef idx="minor">
+            <a:schemeClr val="lt1"/>
+          </a:fontRef>
+        </p:style>
+        <p:txBody>
+          <a:bodyPr rtlCol="0" anchor="ctr"/>
+          <a:lstStyle/>
+          <a:p>
+            <a:pPr algn="ctr"/>
+            <a:endParaRPr lang="ko-KR" altLang="en-US"/>
+          </a:p>
+        </p:txBody>
+      </p:sp>
+      <p:sp>
+        <p:nvSpPr>
+          <p:cNvPr id="27" name="TextBox 26"/>
+          <p:cNvSpPr txBox="1"/>
+          <p:nvPr/>
+        </p:nvSpPr>
+        <p:spPr>
+          <a:xfrm>
+            <a:off x="1281974" y="490401"/>
+            <a:ext cx="521297" cy="369332"/>
+          </a:xfrm>
+          <a:prstGeom prst="rect">
+            <a:avLst/>
+          </a:prstGeom>
+          <a:noFill/>
+        </p:spPr>
+        <p:txBody>
+          <a:bodyPr wrap="none" rtlCol="0">
+            <a:spAutoFit/>
+          </a:bodyPr>
+          <a:lstStyle/>
+          <a:p>
+            <a:r>
+              <a:rPr lang="en-US" altLang="ko-KR" dirty="0" smtClean="0">
+                <a:solidFill>
+                  <a:schemeClr val="bg1"/>
+                </a:solidFill>
+              </a:rPr>
+              <a:t>ES6</a:t>
+            </a:r>
+            <a:endParaRPr lang="ko-KR" altLang="en-US" dirty="0">
+              <a:solidFill>
+                <a:schemeClr val="bg1"/>
+              </a:solidFill>
+            </a:endParaRPr>
+          </a:p>
+        </p:txBody>
+      </p:sp>
+    </p:spTree>
+    <p:extLst>
+      <p:ext uri="{BB962C8B-B14F-4D97-AF65-F5344CB8AC3E}">
+        <p14:creationId xmlns:p14="http://schemas.microsoft.com/office/powerpoint/2010/main" val="3677340457"/>
+      </p:ext>
+    </p:extLst>
+  </p:cSld>
+  <p:clrMapOvr>
+    <a:masterClrMapping/>
+  </p:clrMapOvr>
+  <p:transition spd="slow">
+    <p:push dir="u"/>
+  </p:transition>
+  <p:timing>
+    <p:tnLst>
+      <p:par>
+        <p:cTn id="1" dur="indefinite" restart="never" nodeType="tmRoot"/>
+      </p:par>
+    </p:tnLst>
+  </p:timing>
+</p:sld>
+</file>
+
+<file path=ppt/slides/slide9.xml><?xml version="1.0" encoding="utf-8"?>
+<p:sld xmlns:a="http://schemas.openxmlformats.org/drawingml/2006/main" xmlns:r="http://schemas.openxmlformats.org/officeDocument/2006/relationships" xmlns:p="http://schemas.openxmlformats.org/presentationml/2006/main">
+  <p:cSld>
+    <p:spTree>
+      <p:nvGrpSpPr>
+        <p:cNvPr id="1" name=""/>
+        <p:cNvGrpSpPr/>
+        <p:nvPr/>
+      </p:nvGrpSpPr>
+      <p:grpSpPr>
+        <a:xfrm>
+          <a:off x="0" y="0"/>
+          <a:ext cx="0" cy="0"/>
+          <a:chOff x="0" y="0"/>
+          <a:chExt cx="0" cy="0"/>
+        </a:xfrm>
+      </p:grpSpPr>
+      <p:sp>
+        <p:nvSpPr>
           <p:cNvPr id="24" name="직사각형 23"/>
           <p:cNvSpPr/>
           <p:nvPr/>
@@ -21773,13 +22169,19 @@
               <a:t>(</a:t>
             </a:r>
             <a:r>
-              <a:rPr lang="ko-KR" altLang="en-US" sz="2000" dirty="0" err="1" smtClean="0">
+              <a:rPr lang="ko-KR" altLang="en-US" sz="2000" err="1" smtClean="0">
                 <a:latin typeface="Bahnschrift Condensed" panose="020B0502040204020203" pitchFamily="34" charset="0"/>
               </a:rPr>
               <a:t>파라미터</a:t>
             </a:r>
             <a:r>
-              <a:rPr lang="en-US" altLang="ko-KR" sz="2000" dirty="0" smtClean="0">
+              <a:rPr lang="ko-KR" altLang="en-US" sz="2000" smtClean="0">
+                <a:latin typeface="Bahnschrift Condensed" panose="020B0502040204020203" pitchFamily="34" charset="0"/>
+              </a:rPr>
+              <a:t> 기본값 설정</a:t>
+            </a:r>
+            <a:r>
+              <a:rPr lang="en-US" altLang="ko-KR" sz="2000" smtClean="0">
                 <a:latin typeface="Bahnschrift Condensed" panose="020B0502040204020203" pitchFamily="34" charset="0"/>
               </a:rPr>
               <a:t>)</a:t>
@@ -22339,361 +22741,6 @@
       <p:transition/>
     </mc:Fallback>
   </mc:AlternateContent>
-  <p:timing>
-    <p:tnLst>
-      <p:par>
-        <p:cTn id="1" dur="indefinite" restart="never" nodeType="tmRoot"/>
-      </p:par>
-    </p:tnLst>
-  </p:timing>
-</p:sld>
-</file>
-
-<file path=ppt/slides/slide9.xml><?xml version="1.0" encoding="utf-8"?>
-<p:sld xmlns:a="http://schemas.openxmlformats.org/drawingml/2006/main" xmlns:r="http://schemas.openxmlformats.org/officeDocument/2006/relationships" xmlns:p="http://schemas.openxmlformats.org/presentationml/2006/main">
-  <p:cSld>
-    <p:spTree>
-      <p:nvGrpSpPr>
-        <p:cNvPr id="1" name=""/>
-        <p:cNvGrpSpPr/>
-        <p:nvPr/>
-      </p:nvGrpSpPr>
-      <p:grpSpPr>
-        <a:xfrm>
-          <a:off x="0" y="0"/>
-          <a:ext cx="0" cy="0"/>
-          <a:chOff x="0" y="0"/>
-          <a:chExt cx="0" cy="0"/>
-        </a:xfrm>
-      </p:grpSpPr>
-      <p:sp>
-        <p:nvSpPr>
-          <p:cNvPr id="25" name="직사각형 24"/>
-          <p:cNvSpPr/>
-          <p:nvPr/>
-        </p:nvSpPr>
-        <p:spPr>
-          <a:xfrm>
-            <a:off x="1251678" y="480292"/>
-            <a:ext cx="10064022" cy="4892674"/>
-          </a:xfrm>
-          <a:prstGeom prst="rect">
-            <a:avLst/>
-          </a:prstGeom>
-          <a:solidFill>
-            <a:schemeClr val="bg1"/>
-          </a:solidFill>
-          <a:ln>
-            <a:noFill/>
-          </a:ln>
-        </p:spPr>
-        <p:style>
-          <a:lnRef idx="2">
-            <a:schemeClr val="accent1">
-              <a:shade val="50000"/>
-            </a:schemeClr>
-          </a:lnRef>
-          <a:fillRef idx="1">
-            <a:schemeClr val="accent1"/>
-          </a:fillRef>
-          <a:effectRef idx="0">
-            <a:schemeClr val="accent1"/>
-          </a:effectRef>
-          <a:fontRef idx="minor">
-            <a:schemeClr val="lt1"/>
-          </a:fontRef>
-        </p:style>
-        <p:txBody>
-          <a:bodyPr rtlCol="0" anchor="ctr"/>
-          <a:lstStyle/>
-          <a:p>
-            <a:pPr algn="ctr"/>
-            <a:endParaRPr lang="ko-KR" altLang="en-US"/>
-          </a:p>
-        </p:txBody>
-      </p:sp>
-      <p:sp>
-        <p:nvSpPr>
-          <p:cNvPr id="3" name="내용 개체 틀 2"/>
-          <p:cNvSpPr>
-            <a:spLocks noGrp="1"/>
-          </p:cNvSpPr>
-          <p:nvPr>
-            <p:ph idx="1"/>
-          </p:nvPr>
-        </p:nvSpPr>
-        <p:spPr>
-          <a:xfrm>
-            <a:off x="1251678" y="5500140"/>
-            <a:ext cx="10064022" cy="1238500"/>
-          </a:xfrm>
-        </p:spPr>
-        <p:txBody>
-          <a:bodyPr>
-            <a:normAutofit/>
-          </a:bodyPr>
-          <a:lstStyle/>
-          <a:p>
-            <a:pPr>
-              <a:lnSpc>
-                <a:spcPct val="160000"/>
-              </a:lnSpc>
-            </a:pPr>
-            <a:r>
-              <a:rPr lang="ko-KR" altLang="en-US" dirty="0" err="1" smtClean="0">
-                <a:latin typeface="+mj-ea"/>
-                <a:ea typeface="+mj-ea"/>
-              </a:rPr>
-              <a:t>파라미터를</a:t>
-            </a:r>
-            <a:r>
-              <a:rPr lang="ko-KR" altLang="en-US" dirty="0" smtClean="0">
-                <a:latin typeface="+mj-ea"/>
-                <a:ea typeface="+mj-ea"/>
-              </a:rPr>
-              <a:t> </a:t>
-            </a:r>
-            <a:r>
-              <a:rPr lang="en-US" altLang="ko-KR" dirty="0" smtClean="0">
-                <a:latin typeface="+mj-ea"/>
-                <a:ea typeface="+mj-ea"/>
-              </a:rPr>
-              <a:t>1</a:t>
-            </a:r>
-            <a:r>
-              <a:rPr lang="ko-KR" altLang="en-US" dirty="0" smtClean="0">
-                <a:latin typeface="+mj-ea"/>
-                <a:ea typeface="+mj-ea"/>
-              </a:rPr>
-              <a:t>개만 </a:t>
-            </a:r>
-            <a:r>
-              <a:rPr lang="ko-KR" altLang="en-US" dirty="0" err="1" smtClean="0">
-                <a:latin typeface="+mj-ea"/>
-                <a:ea typeface="+mj-ea"/>
-              </a:rPr>
-              <a:t>받을때는</a:t>
-            </a:r>
-            <a:r>
-              <a:rPr lang="ko-KR" altLang="en-US" dirty="0" smtClean="0">
-                <a:latin typeface="+mj-ea"/>
-                <a:ea typeface="+mj-ea"/>
-              </a:rPr>
-              <a:t> 괄호를 생략할 수 있다</a:t>
-            </a:r>
-            <a:r>
-              <a:rPr lang="en-US" altLang="ko-KR" dirty="0" smtClean="0">
-                <a:latin typeface="+mj-ea"/>
-                <a:ea typeface="+mj-ea"/>
-              </a:rPr>
-              <a:t>.</a:t>
-            </a:r>
-            <a:endParaRPr lang="ko-KR" altLang="en-US" dirty="0">
-              <a:latin typeface="+mj-ea"/>
-              <a:ea typeface="+mj-ea"/>
-            </a:endParaRPr>
-          </a:p>
-        </p:txBody>
-      </p:sp>
-      <p:sp>
-        <p:nvSpPr>
-          <p:cNvPr id="21" name="TextBox 20"/>
-          <p:cNvSpPr txBox="1"/>
-          <p:nvPr/>
-        </p:nvSpPr>
-        <p:spPr>
-          <a:xfrm>
-            <a:off x="1416886" y="1072881"/>
-            <a:ext cx="4454548" cy="1754326"/>
-          </a:xfrm>
-          <a:prstGeom prst="rect">
-            <a:avLst/>
-          </a:prstGeom>
-          <a:noFill/>
-        </p:spPr>
-        <p:txBody>
-          <a:bodyPr wrap="square" rtlCol="0">
-            <a:spAutoFit/>
-          </a:bodyPr>
-          <a:lstStyle/>
-          <a:p>
-            <a:r>
-              <a:rPr lang="en-US" altLang="ko-KR" dirty="0" err="1"/>
-              <a:t>const</a:t>
-            </a:r>
-            <a:r>
-              <a:rPr lang="en-US" altLang="ko-KR" dirty="0"/>
-              <a:t> </a:t>
-            </a:r>
-            <a:r>
-              <a:rPr lang="en-US" altLang="ko-KR" dirty="0" err="1"/>
-              <a:t>vm</a:t>
-            </a:r>
-            <a:r>
-              <a:rPr lang="en-US" altLang="ko-KR" dirty="0"/>
-              <a:t> = </a:t>
-            </a:r>
-            <a:r>
-              <a:rPr lang="en-US" altLang="ko-KR" dirty="0" smtClean="0">
-                <a:solidFill>
-                  <a:srgbClr val="FF0000"/>
-                </a:solidFill>
-              </a:rPr>
-              <a:t>a </a:t>
-            </a:r>
-            <a:r>
-              <a:rPr lang="en-US" altLang="ko-KR" dirty="0">
-                <a:solidFill>
-                  <a:srgbClr val="FF0000"/>
-                </a:solidFill>
-              </a:rPr>
-              <a:t>=&gt; </a:t>
-            </a:r>
-            <a:r>
-              <a:rPr lang="en-US" altLang="ko-KR" dirty="0"/>
-              <a:t>{</a:t>
-            </a:r>
-          </a:p>
-          <a:p>
-            <a:r>
-              <a:rPr lang="en-US" altLang="ko-KR" dirty="0"/>
-              <a:t>	</a:t>
-            </a:r>
-            <a:r>
-              <a:rPr lang="en-US" altLang="ko-KR" dirty="0" smtClean="0"/>
-              <a:t>console.log(a);</a:t>
-            </a:r>
-            <a:endParaRPr lang="en-US" altLang="ko-KR" dirty="0"/>
-          </a:p>
-          <a:p>
-            <a:r>
-              <a:rPr lang="en-US" altLang="ko-KR" dirty="0"/>
-              <a:t>}</a:t>
-            </a:r>
-          </a:p>
-          <a:p>
-            <a:endParaRPr lang="en-US" altLang="ko-KR" dirty="0"/>
-          </a:p>
-          <a:p>
-            <a:r>
-              <a:rPr lang="en-US" altLang="ko-KR" dirty="0" err="1"/>
-              <a:t>vm</a:t>
-            </a:r>
-            <a:r>
-              <a:rPr lang="en-US" altLang="ko-KR" dirty="0"/>
-              <a:t>(‘</a:t>
-            </a:r>
-            <a:r>
-              <a:rPr lang="ko-KR" altLang="en-US" dirty="0"/>
-              <a:t>값</a:t>
-            </a:r>
-            <a:r>
-              <a:rPr lang="en-US" altLang="ko-KR" dirty="0"/>
-              <a:t>1’);</a:t>
-            </a:r>
-          </a:p>
-          <a:p>
-            <a:endParaRPr lang="en-US" altLang="ko-KR" dirty="0"/>
-          </a:p>
-        </p:txBody>
-      </p:sp>
-      <p:sp>
-        <p:nvSpPr>
-          <p:cNvPr id="28" name="직사각형 27"/>
-          <p:cNvSpPr/>
-          <p:nvPr/>
-        </p:nvSpPr>
-        <p:spPr>
-          <a:xfrm>
-            <a:off x="1251678" y="480292"/>
-            <a:ext cx="581891" cy="383579"/>
-          </a:xfrm>
-          <a:prstGeom prst="rect">
-            <a:avLst/>
-          </a:prstGeom>
-          <a:solidFill>
-            <a:schemeClr val="tx1"/>
-          </a:solidFill>
-          <a:ln>
-            <a:noFill/>
-          </a:ln>
-        </p:spPr>
-        <p:style>
-          <a:lnRef idx="2">
-            <a:schemeClr val="accent1">
-              <a:shade val="50000"/>
-            </a:schemeClr>
-          </a:lnRef>
-          <a:fillRef idx="1">
-            <a:schemeClr val="accent1"/>
-          </a:fillRef>
-          <a:effectRef idx="0">
-            <a:schemeClr val="accent1"/>
-          </a:effectRef>
-          <a:fontRef idx="minor">
-            <a:schemeClr val="lt1"/>
-          </a:fontRef>
-        </p:style>
-        <p:txBody>
-          <a:bodyPr rtlCol="0" anchor="ctr"/>
-          <a:lstStyle/>
-          <a:p>
-            <a:pPr algn="ctr"/>
-            <a:endParaRPr lang="ko-KR" altLang="en-US"/>
-          </a:p>
-        </p:txBody>
-      </p:sp>
-      <p:sp>
-        <p:nvSpPr>
-          <p:cNvPr id="27" name="TextBox 26"/>
-          <p:cNvSpPr txBox="1"/>
-          <p:nvPr/>
-        </p:nvSpPr>
-        <p:spPr>
-          <a:xfrm>
-            <a:off x="1281974" y="490401"/>
-            <a:ext cx="521297" cy="369332"/>
-          </a:xfrm>
-          <a:prstGeom prst="rect">
-            <a:avLst/>
-          </a:prstGeom>
-          <a:noFill/>
-        </p:spPr>
-        <p:txBody>
-          <a:bodyPr wrap="none" rtlCol="0">
-            <a:spAutoFit/>
-          </a:bodyPr>
-          <a:lstStyle/>
-          <a:p>
-            <a:r>
-              <a:rPr lang="en-US" altLang="ko-KR" dirty="0" smtClean="0">
-                <a:solidFill>
-                  <a:schemeClr val="bg1"/>
-                </a:solidFill>
-              </a:rPr>
-              <a:t>ES6</a:t>
-            </a:r>
-            <a:endParaRPr lang="ko-KR" altLang="en-US" dirty="0">
-              <a:solidFill>
-                <a:schemeClr val="bg1"/>
-              </a:solidFill>
-            </a:endParaRPr>
-          </a:p>
-        </p:txBody>
-      </p:sp>
-    </p:spTree>
-    <p:extLst>
-      <p:ext uri="{BB962C8B-B14F-4D97-AF65-F5344CB8AC3E}">
-        <p14:creationId xmlns:p14="http://schemas.microsoft.com/office/powerpoint/2010/main" val="3677340457"/>
-      </p:ext>
-    </p:extLst>
-  </p:cSld>
-  <p:clrMapOvr>
-    <a:masterClrMapping/>
-  </p:clrMapOvr>
-  <p:transition spd="slow">
-    <p:push dir="u"/>
-  </p:transition>
   <p:timing>
     <p:tnLst>
       <p:par>

--- a/ES6.pptx
+++ b/ES6.pptx
@@ -1343,7 +1343,7 @@
             <a:fld id="{9334D819-9F07-4261-B09B-9E467E5D9002}" type="datetimeFigureOut">
               <a:rPr lang="en-US" dirty="0"/>
               <a:pPr/>
-              <a:t>11/20/2018</a:t>
+              <a:t>11/22/2018</a:t>
             </a:fld>
             <a:endParaRPr lang="en-US" dirty="0"/>
           </a:p>
@@ -1577,7 +1577,7 @@
           <a:p>
             <a:fld id="{9334D819-9F07-4261-B09B-9E467E5D9002}" type="datetimeFigureOut">
               <a:rPr lang="en-US" dirty="0"/>
-              <a:t>11/20/2018</a:t>
+              <a:t>11/22/2018</a:t>
             </a:fld>
             <a:endParaRPr lang="en-US" dirty="0"/>
           </a:p>
@@ -1752,7 +1752,7 @@
           <a:p>
             <a:fld id="{9334D819-9F07-4261-B09B-9E467E5D9002}" type="datetimeFigureOut">
               <a:rPr lang="en-US" dirty="0"/>
-              <a:t>11/20/2018</a:t>
+              <a:t>11/22/2018</a:t>
             </a:fld>
             <a:endParaRPr lang="en-US" dirty="0"/>
           </a:p>
@@ -1917,7 +1917,7 @@
           <a:p>
             <a:fld id="{9334D819-9F07-4261-B09B-9E467E5D9002}" type="datetimeFigureOut">
               <a:rPr lang="en-US" dirty="0"/>
-              <a:t>11/20/2018</a:t>
+              <a:t>11/22/2018</a:t>
             </a:fld>
             <a:endParaRPr lang="en-US" dirty="0"/>
           </a:p>
@@ -2189,7 +2189,7 @@
             <a:fld id="{9334D819-9F07-4261-B09B-9E467E5D9002}" type="datetimeFigureOut">
               <a:rPr lang="en-US" dirty="0"/>
               <a:pPr/>
-              <a:t>11/20/2018</a:t>
+              <a:t>11/22/2018</a:t>
             </a:fld>
             <a:endParaRPr lang="en-US" dirty="0"/>
           </a:p>
@@ -3386,7 +3386,7 @@
           <a:p>
             <a:fld id="{9334D819-9F07-4261-B09B-9E467E5D9002}" type="datetimeFigureOut">
               <a:rPr lang="en-US" dirty="0"/>
-              <a:t>11/20/2018</a:t>
+              <a:t>11/22/2018</a:t>
             </a:fld>
             <a:endParaRPr lang="en-US" dirty="0"/>
           </a:p>
@@ -3771,7 +3771,7 @@
           <a:p>
             <a:fld id="{9334D819-9F07-4261-B09B-9E467E5D9002}" type="datetimeFigureOut">
               <a:rPr lang="en-US" dirty="0"/>
-              <a:t>11/20/2018</a:t>
+              <a:t>11/22/2018</a:t>
             </a:fld>
             <a:endParaRPr lang="en-US" dirty="0"/>
           </a:p>
@@ -3889,7 +3889,7 @@
           <a:p>
             <a:fld id="{9334D819-9F07-4261-B09B-9E467E5D9002}" type="datetimeFigureOut">
               <a:rPr lang="en-US" dirty="0"/>
-              <a:t>11/20/2018</a:t>
+              <a:t>11/22/2018</a:t>
             </a:fld>
             <a:endParaRPr lang="en-US" dirty="0"/>
           </a:p>
@@ -3979,7 +3979,7 @@
           <a:p>
             <a:fld id="{9334D819-9F07-4261-B09B-9E467E5D9002}" type="datetimeFigureOut">
               <a:rPr lang="en-US" dirty="0"/>
-              <a:t>11/20/2018</a:t>
+              <a:t>11/22/2018</a:t>
             </a:fld>
             <a:endParaRPr lang="en-US" dirty="0"/>
           </a:p>
@@ -4737,7 +4737,7 @@
           <a:p>
             <a:fld id="{9334D819-9F07-4261-B09B-9E467E5D9002}" type="datetimeFigureOut">
               <a:rPr lang="en-US" dirty="0"/>
-              <a:t>11/20/2018</a:t>
+              <a:t>11/22/2018</a:t>
             </a:fld>
             <a:endParaRPr lang="en-US" dirty="0"/>
           </a:p>
@@ -5572,7 +5572,7 @@
           <a:p>
             <a:fld id="{9334D819-9F07-4261-B09B-9E467E5D9002}" type="datetimeFigureOut">
               <a:rPr lang="en-US" dirty="0"/>
-              <a:t>11/20/2018</a:t>
+              <a:t>11/22/2018</a:t>
             </a:fld>
             <a:endParaRPr lang="en-US" dirty="0"/>
           </a:p>
@@ -5795,7 +5795,7 @@
             <a:fld id="{9334D819-9F07-4261-B09B-9E467E5D9002}" type="datetimeFigureOut">
               <a:rPr lang="en-US" dirty="0"/>
               <a:pPr/>
-              <a:t>11/20/2018</a:t>
+              <a:t>11/22/2018</a:t>
             </a:fld>
             <a:endParaRPr lang="en-US" dirty="0"/>
           </a:p>
@@ -14763,7 +14763,7 @@
         <p:spPr>
           <a:xfrm>
             <a:off x="6400229" y="5500139"/>
-            <a:ext cx="4887191" cy="1588818"/>
+            <a:ext cx="4887191" cy="1357861"/>
           </a:xfrm>
           <a:prstGeom prst="rect">
             <a:avLst/>
@@ -15100,63 +15100,70 @@
                 <a:latin typeface="+mj-ea"/>
                 <a:ea typeface="+mj-ea"/>
               </a:rPr>
-              <a:t>. constructor</a:t>
+              <a:t>. </a:t>
+            </a:r>
+            <a:r>
+              <a:rPr lang="ko-KR" altLang="en-US" sz="2500" dirty="0" smtClean="0">
+                <a:latin typeface="+mj-ea"/>
+                <a:ea typeface="+mj-ea"/>
+              </a:rPr>
+              <a:t>클래스 </a:t>
             </a:r>
             <a:r>
               <a:rPr lang="ko-KR" altLang="en-US" sz="2500" dirty="0">
                 <a:latin typeface="+mj-ea"/>
                 <a:ea typeface="+mj-ea"/>
               </a:rPr>
-              <a:t>는 클래스 내에 한 개만 존재할 수 있으며</a:t>
+              <a:t>내에 한 개만 존재할 수 있으며</a:t>
             </a:r>
             <a:r>
               <a:rPr lang="en-US" altLang="ko-KR" sz="2500" dirty="0" smtClean="0">
                 <a:latin typeface="+mj-ea"/>
                 <a:ea typeface="+mj-ea"/>
               </a:rPr>
-              <a:t>, constructor</a:t>
+              <a:t>, </a:t>
+            </a:r>
+            <a:r>
+              <a:rPr lang="ko-KR" altLang="en-US" sz="2500" dirty="0" err="1" smtClean="0">
+                <a:latin typeface="+mj-ea"/>
+                <a:ea typeface="+mj-ea"/>
+              </a:rPr>
+              <a:t>파라미터에</a:t>
+            </a:r>
+            <a:r>
+              <a:rPr lang="ko-KR" altLang="en-US" sz="2500" dirty="0" smtClean="0">
+                <a:latin typeface="+mj-ea"/>
+                <a:ea typeface="+mj-ea"/>
+              </a:rPr>
+              <a:t> </a:t>
             </a:r>
             <a:r>
               <a:rPr lang="ko-KR" altLang="en-US" sz="2500" dirty="0">
                 <a:latin typeface="+mj-ea"/>
                 <a:ea typeface="+mj-ea"/>
               </a:rPr>
-              <a:t>의 </a:t>
+              <a:t>전달한 값은 클래스 </a:t>
             </a:r>
             <a:r>
               <a:rPr lang="ko-KR" altLang="en-US" sz="2500" dirty="0" err="1">
                 <a:latin typeface="+mj-ea"/>
                 <a:ea typeface="+mj-ea"/>
               </a:rPr>
-              <a:t>파라미터에</a:t>
+              <a:t>프로퍼티에</a:t>
             </a:r>
             <a:r>
               <a:rPr lang="ko-KR" altLang="en-US" sz="2500" dirty="0">
                 <a:latin typeface="+mj-ea"/>
                 <a:ea typeface="+mj-ea"/>
               </a:rPr>
-              <a:t> 전달한 값은 클래스 </a:t>
-            </a:r>
-            <a:r>
-              <a:rPr lang="ko-KR" altLang="en-US" sz="2500" dirty="0" err="1">
-                <a:latin typeface="+mj-ea"/>
-                <a:ea typeface="+mj-ea"/>
-              </a:rPr>
-              <a:t>프로퍼티에</a:t>
-            </a:r>
-            <a:r>
-              <a:rPr lang="ko-KR" altLang="en-US" sz="2500" dirty="0">
-                <a:latin typeface="+mj-ea"/>
-                <a:ea typeface="+mj-ea"/>
-              </a:rPr>
               <a:t> 할당한다</a:t>
             </a:r>
             <a:r>
-              <a:rPr lang="en-US" altLang="ko-KR" sz="2500" dirty="0">
-                <a:latin typeface="+mj-ea"/>
-                <a:ea typeface="+mj-ea"/>
-              </a:rPr>
-              <a:t>.</a:t>
+              <a:rPr lang="en-US" altLang="ko-KR" sz="2500" dirty="0" smtClean="0">
+                <a:latin typeface="+mj-ea"/>
+                <a:ea typeface="+mj-ea"/>
+              </a:rPr>
+              <a:t>. </a:t>
             </a:r>
             <a:endParaRPr lang="en-US" altLang="ko-KR" dirty="0" smtClean="0">
               <a:latin typeface="+mj-ea"/>
@@ -16562,13 +16569,6 @@
               </a:rPr>
               <a:t>{</a:t>
             </a:r>
-            <a:endParaRPr lang="en-US" altLang="ko-KR" sz="1600" dirty="0" smtClean="0">
-              <a:solidFill>
-                <a:schemeClr val="bg1">
-                  <a:lumMod val="50000"/>
-                </a:schemeClr>
-              </a:solidFill>
-            </a:endParaRPr>
           </a:p>
           <a:p>
             <a:pPr lvl="1"/>
